--- a/images/graficas.pptx
+++ b/images/graficas.pptx
@@ -3456,7 +3456,7 @@
         </p:nvCxnSpPr>
         <p:spPr>
           <a:xfrm flipH="1">
-            <a:off x="4473606" y="2439180"/>
+            <a:off x="5283696" y="1944125"/>
             <a:ext cx="8384" cy="1087008"/>
           </a:xfrm>
           <a:prstGeom prst="straightConnector1">
@@ -3492,7 +3492,7 @@
         </p:nvCxnSpPr>
         <p:spPr>
           <a:xfrm flipV="1">
-            <a:off x="2312749" y="1358770"/>
+            <a:off x="3122839" y="863715"/>
             <a:ext cx="0" cy="1067462"/>
           </a:xfrm>
           <a:prstGeom prst="straightConnector1">
@@ -3528,7 +3528,7 @@
         </p:nvCxnSpPr>
         <p:spPr>
           <a:xfrm>
-            <a:off x="1592669" y="2426232"/>
+            <a:off x="2402759" y="1931177"/>
             <a:ext cx="4914546" cy="12658"/>
           </a:xfrm>
           <a:prstGeom prst="straightConnector1">
@@ -3564,7 +3564,7 @@
         </p:nvCxnSpPr>
         <p:spPr>
           <a:xfrm flipV="1">
-            <a:off x="1592669" y="2292906"/>
+            <a:off x="2402759" y="1797851"/>
             <a:ext cx="0" cy="271998"/>
           </a:xfrm>
           <a:prstGeom prst="line">
@@ -3599,7 +3599,7 @@
         </p:nvCxnSpPr>
         <p:spPr>
           <a:xfrm flipV="1">
-            <a:off x="2312749" y="2292906"/>
+            <a:off x="3122839" y="1797851"/>
             <a:ext cx="0" cy="271998"/>
           </a:xfrm>
           <a:prstGeom prst="line">
@@ -3634,7 +3634,7 @@
         </p:nvCxnSpPr>
         <p:spPr>
           <a:xfrm flipV="1">
-            <a:off x="5193069" y="2292906"/>
+            <a:off x="6003159" y="1797851"/>
             <a:ext cx="0" cy="271998"/>
           </a:xfrm>
           <a:prstGeom prst="line">
@@ -3669,7 +3669,7 @@
         </p:nvCxnSpPr>
         <p:spPr>
           <a:xfrm flipV="1">
-            <a:off x="3032829" y="2290233"/>
+            <a:off x="3842919" y="1795178"/>
             <a:ext cx="0" cy="271998"/>
           </a:xfrm>
           <a:prstGeom prst="line">
@@ -3704,7 +3704,7 @@
         </p:nvCxnSpPr>
         <p:spPr>
           <a:xfrm flipV="1">
-            <a:off x="3752909" y="2292906"/>
+            <a:off x="4562999" y="1797851"/>
             <a:ext cx="0" cy="271998"/>
           </a:xfrm>
           <a:prstGeom prst="line">
@@ -3739,7 +3739,7 @@
         </p:nvCxnSpPr>
         <p:spPr>
           <a:xfrm flipV="1">
-            <a:off x="4472989" y="2292906"/>
+            <a:off x="5283079" y="1797851"/>
             <a:ext cx="0" cy="271998"/>
           </a:xfrm>
           <a:prstGeom prst="line">
@@ -3774,7 +3774,7 @@
         </p:nvSpPr>
         <p:spPr>
           <a:xfrm>
-            <a:off x="1736685" y="2438890"/>
+            <a:off x="2546775" y="1943835"/>
             <a:ext cx="393056" cy="584775"/>
           </a:xfrm>
           <a:prstGeom prst="rect">
@@ -3804,7 +3804,7 @@
         </p:nvSpPr>
         <p:spPr>
           <a:xfrm>
-            <a:off x="2456765" y="2438890"/>
+            <a:off x="3266855" y="1943835"/>
             <a:ext cx="393056" cy="584775"/>
           </a:xfrm>
           <a:prstGeom prst="rect">
@@ -3834,7 +3834,7 @@
         </p:nvSpPr>
         <p:spPr>
           <a:xfrm>
-            <a:off x="3233839" y="2439180"/>
+            <a:off x="4043929" y="1944125"/>
             <a:ext cx="393056" cy="584775"/>
           </a:xfrm>
           <a:prstGeom prst="rect">
@@ -3864,7 +3864,7 @@
         </p:nvSpPr>
         <p:spPr>
           <a:xfrm>
-            <a:off x="3896925" y="2438890"/>
+            <a:off x="4707015" y="1943835"/>
             <a:ext cx="393056" cy="584775"/>
           </a:xfrm>
           <a:prstGeom prst="rect">
@@ -3894,7 +3894,7 @@
         </p:nvSpPr>
         <p:spPr>
           <a:xfrm>
-            <a:off x="4617005" y="2439180"/>
+            <a:off x="5427095" y="1944125"/>
             <a:ext cx="393056" cy="584775"/>
           </a:xfrm>
           <a:prstGeom prst="rect">
@@ -3924,7 +3924,7 @@
         </p:nvCxnSpPr>
         <p:spPr>
           <a:xfrm flipV="1">
-            <a:off x="5922150" y="2303875"/>
+            <a:off x="6732240" y="1808820"/>
             <a:ext cx="0" cy="271998"/>
           </a:xfrm>
           <a:prstGeom prst="line">
@@ -3959,7 +3959,7 @@
         </p:nvSpPr>
         <p:spPr>
           <a:xfrm>
-            <a:off x="5361082" y="2438890"/>
+            <a:off x="6171172" y="1943835"/>
             <a:ext cx="393056" cy="584775"/>
           </a:xfrm>
           <a:prstGeom prst="rect">
@@ -3989,7 +3989,7 @@
         </p:nvSpPr>
         <p:spPr>
           <a:xfrm>
-            <a:off x="1196625" y="1934543"/>
+            <a:off x="2006715" y="1403775"/>
             <a:ext cx="553805" cy="369332"/>
           </a:xfrm>
           <a:prstGeom prst="rect">
@@ -4020,7 +4020,7 @@
         </p:nvSpPr>
         <p:spPr>
           <a:xfrm>
-            <a:off x="2456765" y="1223755"/>
+            <a:off x="3266855" y="728700"/>
             <a:ext cx="2131289" cy="400110"/>
           </a:xfrm>
           <a:prstGeom prst="rect">
@@ -4050,7 +4050,7 @@
         </p:nvSpPr>
         <p:spPr>
           <a:xfrm>
-            <a:off x="4813533" y="3434807"/>
+            <a:off x="5562110" y="2708920"/>
             <a:ext cx="2053063" cy="400110"/>
           </a:xfrm>
           <a:prstGeom prst="rect">
@@ -4069,6 +4069,50 @@
               <a:t>Dinero pagado (⎼)</a:t>
             </a:r>
             <a:endParaRPr lang="es-ES_tradnl" sz="2000" dirty="0"/>
+          </a:p>
+        </p:txBody>
+      </p:sp>
+      <p:sp>
+        <p:nvSpPr>
+          <p:cNvPr id="4" name="Rectángulo 3"/>
+          <p:cNvSpPr/>
+          <p:nvPr/>
+        </p:nvSpPr>
+        <p:spPr>
+          <a:xfrm>
+            <a:off x="161510" y="98630"/>
+            <a:ext cx="8775975" cy="3690410"/>
+          </a:xfrm>
+          <a:prstGeom prst="rect">
+            <a:avLst/>
+          </a:prstGeom>
+          <a:noFill/>
+          <a:ln>
+            <a:noFill/>
+          </a:ln>
+        </p:spPr>
+        <p:style>
+          <a:lnRef idx="2">
+            <a:schemeClr val="accent1">
+              <a:shade val="50000"/>
+            </a:schemeClr>
+          </a:lnRef>
+          <a:fillRef idx="1">
+            <a:schemeClr val="accent1"/>
+          </a:fillRef>
+          <a:effectRef idx="0">
+            <a:schemeClr val="accent1"/>
+          </a:effectRef>
+          <a:fontRef idx="minor">
+            <a:schemeClr val="lt1"/>
+          </a:fontRef>
+        </p:style>
+        <p:txBody>
+          <a:bodyPr rtlCol="0" anchor="ctr"/>
+          <a:lstStyle/>
+          <a:p>
+            <a:pPr algn="ctr"/>
+            <a:endParaRPr lang="es-ES_tradnl"/>
           </a:p>
         </p:txBody>
       </p:sp>
@@ -32443,7 +32487,7 @@
           <a:graphicData uri="http://schemas.openxmlformats.org/presentationml/2006/ole">
             <mc:AlternateContent xmlns:mc="http://schemas.openxmlformats.org/markup-compatibility/2006">
               <mc:Choice xmlns:v="urn:schemas-microsoft-com:vml" Requires="v">
-                <p:oleObj spid="_x0000_s1098" name="EcuaciÛn" r:id="rId7" imgW="114300" imgH="165100" progId="Equation.3">
+                <p:oleObj spid="_x0000_s1100" name="EcuaciÛn" r:id="rId7" imgW="114300" imgH="165100" progId="Equation.3">
                   <p:embed/>
                 </p:oleObj>
               </mc:Choice>

--- a/images/graficas.pptx
+++ b/images/graficas.pptx
@@ -3774,8 +3774,8 @@
         </p:nvSpPr>
         <p:spPr>
           <a:xfrm>
-            <a:off x="2546775" y="1943835"/>
-            <a:ext cx="393056" cy="584775"/>
+            <a:off x="2793333" y="1943835"/>
+            <a:ext cx="314510" cy="400110"/>
           </a:xfrm>
           <a:prstGeom prst="rect">
             <a:avLst/>
@@ -3789,10 +3789,10 @@
           <a:lstStyle/>
           <a:p>
             <a:r>
-              <a:rPr lang="es-ES_tradnl" sz="3200" smtClean="0"/>
+              <a:rPr lang="es-ES_tradnl" sz="2000" dirty="0" smtClean="0"/>
               <a:t>1</a:t>
             </a:r>
-            <a:endParaRPr lang="es-ES_tradnl" sz="3200"/>
+            <a:endParaRPr lang="es-ES_tradnl" sz="2000" dirty="0"/>
           </a:p>
         </p:txBody>
       </p:sp>
@@ -3804,8 +3804,8 @@
         </p:nvSpPr>
         <p:spPr>
           <a:xfrm>
-            <a:off x="3266855" y="1943835"/>
-            <a:ext cx="393056" cy="584775"/>
+            <a:off x="3513413" y="1943835"/>
+            <a:ext cx="314510" cy="400110"/>
           </a:xfrm>
           <a:prstGeom prst="rect">
             <a:avLst/>
@@ -3819,10 +3819,10 @@
           <a:lstStyle/>
           <a:p>
             <a:r>
-              <a:rPr lang="es-ES_tradnl" sz="3200" dirty="0" smtClean="0"/>
+              <a:rPr lang="es-ES_tradnl" sz="2000" dirty="0" smtClean="0"/>
               <a:t>2</a:t>
             </a:r>
-            <a:endParaRPr lang="es-ES_tradnl" sz="3200" dirty="0"/>
+            <a:endParaRPr lang="es-ES_tradnl" sz="2000" dirty="0"/>
           </a:p>
         </p:txBody>
       </p:sp>
@@ -3834,8 +3834,8 @@
         </p:nvSpPr>
         <p:spPr>
           <a:xfrm>
-            <a:off x="4043929" y="1944125"/>
-            <a:ext cx="393056" cy="584775"/>
+            <a:off x="4290487" y="1944125"/>
+            <a:ext cx="314510" cy="400110"/>
           </a:xfrm>
           <a:prstGeom prst="rect">
             <a:avLst/>
@@ -3849,10 +3849,10 @@
           <a:lstStyle/>
           <a:p>
             <a:r>
-              <a:rPr lang="es-ES_tradnl" sz="3200" smtClean="0"/>
+              <a:rPr lang="es-ES_tradnl" sz="2000" smtClean="0"/>
               <a:t>3</a:t>
             </a:r>
-            <a:endParaRPr lang="es-ES_tradnl" sz="3200" dirty="0"/>
+            <a:endParaRPr lang="es-ES_tradnl" sz="2000" dirty="0"/>
           </a:p>
         </p:txBody>
       </p:sp>
@@ -3864,8 +3864,8 @@
         </p:nvSpPr>
         <p:spPr>
           <a:xfrm>
-            <a:off x="4707015" y="1943835"/>
-            <a:ext cx="393056" cy="584775"/>
+            <a:off x="4953573" y="1943835"/>
+            <a:ext cx="314510" cy="400110"/>
           </a:xfrm>
           <a:prstGeom prst="rect">
             <a:avLst/>
@@ -3879,10 +3879,10 @@
           <a:lstStyle/>
           <a:p>
             <a:r>
-              <a:rPr lang="es-ES_tradnl" sz="3200" smtClean="0"/>
+              <a:rPr lang="es-ES_tradnl" sz="2000" smtClean="0"/>
               <a:t>4</a:t>
             </a:r>
-            <a:endParaRPr lang="es-ES_tradnl" sz="3200" dirty="0"/>
+            <a:endParaRPr lang="es-ES_tradnl" sz="2000" dirty="0"/>
           </a:p>
         </p:txBody>
       </p:sp>
@@ -3894,8 +3894,8 @@
         </p:nvSpPr>
         <p:spPr>
           <a:xfrm>
-            <a:off x="5427095" y="1944125"/>
-            <a:ext cx="393056" cy="584775"/>
+            <a:off x="5673653" y="1944125"/>
+            <a:ext cx="314510" cy="400110"/>
           </a:xfrm>
           <a:prstGeom prst="rect">
             <a:avLst/>
@@ -3909,10 +3909,10 @@
           <a:lstStyle/>
           <a:p>
             <a:r>
-              <a:rPr lang="es-ES_tradnl" sz="3200" dirty="0" smtClean="0"/>
+              <a:rPr lang="es-ES_tradnl" sz="2000" dirty="0" smtClean="0"/>
               <a:t>5</a:t>
             </a:r>
-            <a:endParaRPr lang="es-ES_tradnl" sz="3200" dirty="0"/>
+            <a:endParaRPr lang="es-ES_tradnl" sz="2000" dirty="0"/>
           </a:p>
         </p:txBody>
       </p:sp>
@@ -3959,8 +3959,8 @@
         </p:nvSpPr>
         <p:spPr>
           <a:xfrm>
-            <a:off x="6171172" y="1943835"/>
-            <a:ext cx="393056" cy="584775"/>
+            <a:off x="6417730" y="1943835"/>
+            <a:ext cx="314510" cy="400110"/>
           </a:xfrm>
           <a:prstGeom prst="rect">
             <a:avLst/>
@@ -3974,10 +3974,10 @@
           <a:lstStyle/>
           <a:p>
             <a:r>
-              <a:rPr lang="es-ES_tradnl" sz="3200" smtClean="0"/>
+              <a:rPr lang="es-ES_tradnl" sz="2000" smtClean="0"/>
               <a:t>6</a:t>
             </a:r>
-            <a:endParaRPr lang="es-ES_tradnl" sz="3200" dirty="0"/>
+            <a:endParaRPr lang="es-ES_tradnl" sz="2000" dirty="0"/>
           </a:p>
         </p:txBody>
       </p:sp>
@@ -4020,7 +4020,7 @@
         </p:nvSpPr>
         <p:spPr>
           <a:xfrm>
-            <a:off x="3266855" y="728700"/>
+            <a:off x="3224842" y="797281"/>
             <a:ext cx="2131289" cy="400110"/>
           </a:xfrm>
           <a:prstGeom prst="rect">
@@ -4050,7 +4050,7 @@
         </p:nvSpPr>
         <p:spPr>
           <a:xfrm>
-            <a:off x="5562110" y="2708920"/>
+            <a:off x="5414870" y="2631023"/>
             <a:ext cx="2053063" cy="400110"/>
           </a:xfrm>
           <a:prstGeom prst="rect">
@@ -4069,50 +4069,6 @@
               <a:t>Dinero pagado (⎼)</a:t>
             </a:r>
             <a:endParaRPr lang="es-ES_tradnl" sz="2000" dirty="0"/>
-          </a:p>
-        </p:txBody>
-      </p:sp>
-      <p:sp>
-        <p:nvSpPr>
-          <p:cNvPr id="4" name="Rectángulo 3"/>
-          <p:cNvSpPr/>
-          <p:nvPr/>
-        </p:nvSpPr>
-        <p:spPr>
-          <a:xfrm>
-            <a:off x="161510" y="98630"/>
-            <a:ext cx="8775975" cy="3690410"/>
-          </a:xfrm>
-          <a:prstGeom prst="rect">
-            <a:avLst/>
-          </a:prstGeom>
-          <a:noFill/>
-          <a:ln>
-            <a:noFill/>
-          </a:ln>
-        </p:spPr>
-        <p:style>
-          <a:lnRef idx="2">
-            <a:schemeClr val="accent1">
-              <a:shade val="50000"/>
-            </a:schemeClr>
-          </a:lnRef>
-          <a:fillRef idx="1">
-            <a:schemeClr val="accent1"/>
-          </a:fillRef>
-          <a:effectRef idx="0">
-            <a:schemeClr val="accent1"/>
-          </a:effectRef>
-          <a:fontRef idx="minor">
-            <a:schemeClr val="lt1"/>
-          </a:fontRef>
-        </p:style>
-        <p:txBody>
-          <a:bodyPr rtlCol="0" anchor="ctr"/>
-          <a:lstStyle/>
-          <a:p>
-            <a:pPr algn="ctr"/>
-            <a:endParaRPr lang="es-ES_tradnl"/>
           </a:p>
         </p:txBody>
       </p:sp>
@@ -32487,7 +32443,7 @@
           <a:graphicData uri="http://schemas.openxmlformats.org/presentationml/2006/ole">
             <mc:AlternateContent xmlns:mc="http://schemas.openxmlformats.org/markup-compatibility/2006">
               <mc:Choice xmlns:v="urn:schemas-microsoft-com:vml" Requires="v">
-                <p:oleObj spid="_x0000_s1100" name="EcuaciÛn" r:id="rId7" imgW="114300" imgH="165100" progId="Equation.3">
+                <p:oleObj spid="_x0000_s1101" name="EcuaciÛn" r:id="rId7" imgW="114300" imgH="165100" progId="Equation.3">
                   <p:embed/>
                 </p:oleObj>
               </mc:Choice>

--- a/images/graficas.pptx
+++ b/images/graficas.pptx
@@ -7964,7 +7964,7 @@
         </p:nvCxnSpPr>
         <p:spPr>
           <a:xfrm flipV="1">
-            <a:off x="5793528" y="1493785"/>
+            <a:off x="6198573" y="1493785"/>
             <a:ext cx="0" cy="720000"/>
           </a:xfrm>
           <a:prstGeom prst="straightConnector1">
@@ -8000,7 +8000,7 @@
         </p:nvCxnSpPr>
         <p:spPr>
           <a:xfrm flipV="1">
-            <a:off x="2456765" y="1493785"/>
+            <a:off x="2861810" y="1493785"/>
             <a:ext cx="0" cy="720000"/>
           </a:xfrm>
           <a:prstGeom prst="straightConnector1">
@@ -8036,7 +8036,7 @@
         </p:nvCxnSpPr>
         <p:spPr>
           <a:xfrm>
-            <a:off x="5081978" y="3823065"/>
+            <a:off x="5487023" y="3823065"/>
             <a:ext cx="0" cy="670044"/>
           </a:xfrm>
           <a:prstGeom prst="straightConnector1">
@@ -8072,7 +8072,7 @@
         </p:nvCxnSpPr>
         <p:spPr>
           <a:xfrm>
-            <a:off x="5793943" y="3838296"/>
+            <a:off x="6198988" y="3838296"/>
             <a:ext cx="0" cy="670044"/>
           </a:xfrm>
           <a:prstGeom prst="straightConnector1">
@@ -8108,7 +8108,7 @@
         </p:nvCxnSpPr>
         <p:spPr>
           <a:xfrm flipV="1">
-            <a:off x="1736685" y="1493785"/>
+            <a:off x="2141730" y="1493785"/>
             <a:ext cx="0" cy="720000"/>
           </a:xfrm>
           <a:prstGeom prst="straightConnector1">
@@ -8144,7 +8144,7 @@
         </p:nvCxnSpPr>
         <p:spPr>
           <a:xfrm>
-            <a:off x="1016606" y="2213865"/>
+            <a:off x="1421651" y="2213865"/>
             <a:ext cx="0" cy="1395155"/>
           </a:xfrm>
           <a:prstGeom prst="straightConnector1">
@@ -8180,7 +8180,7 @@
         </p:nvSpPr>
         <p:spPr>
           <a:xfrm>
-            <a:off x="1409876" y="2215558"/>
+            <a:off x="1814921" y="2215558"/>
             <a:ext cx="301686" cy="369332"/>
           </a:xfrm>
           <a:prstGeom prst="rect">
@@ -8209,7 +8209,7 @@
         </p:nvCxnSpPr>
         <p:spPr>
           <a:xfrm>
-            <a:off x="992947" y="2217167"/>
+            <a:off x="1397992" y="2217167"/>
             <a:ext cx="2768963" cy="0"/>
           </a:xfrm>
           <a:prstGeom prst="straightConnector1">
@@ -8245,7 +8245,7 @@
         </p:nvCxnSpPr>
         <p:spPr>
           <a:xfrm flipH="1" flipV="1">
-            <a:off x="1017085" y="2084137"/>
+            <a:off x="1422130" y="2084137"/>
             <a:ext cx="0" cy="249419"/>
           </a:xfrm>
           <a:prstGeom prst="line">
@@ -8280,7 +8280,7 @@
         </p:nvSpPr>
         <p:spPr>
           <a:xfrm>
-            <a:off x="2161612" y="2213865"/>
+            <a:off x="2566657" y="2213865"/>
             <a:ext cx="301686" cy="369332"/>
           </a:xfrm>
           <a:prstGeom prst="rect">
@@ -8336,7 +8336,7 @@
         </p:nvCxnSpPr>
         <p:spPr>
           <a:xfrm flipH="1" flipV="1">
-            <a:off x="1736685" y="2078850"/>
+            <a:off x="2141730" y="2078850"/>
             <a:ext cx="0" cy="249419"/>
           </a:xfrm>
           <a:prstGeom prst="line">
@@ -8371,7 +8371,7 @@
         </p:nvCxnSpPr>
         <p:spPr>
           <a:xfrm flipH="1" flipV="1">
-            <a:off x="2456765" y="2078850"/>
+            <a:off x="2861810" y="2078850"/>
             <a:ext cx="0" cy="249419"/>
           </a:xfrm>
           <a:prstGeom prst="line">
@@ -8406,7 +8406,7 @@
         </p:nvSpPr>
         <p:spPr>
           <a:xfrm>
-            <a:off x="2881692" y="2229367"/>
+            <a:off x="3286737" y="2229367"/>
             <a:ext cx="301686" cy="369332"/>
           </a:xfrm>
           <a:prstGeom prst="rect">
@@ -8436,7 +8436,7 @@
         </p:nvCxnSpPr>
         <p:spPr>
           <a:xfrm flipV="1">
-            <a:off x="3176845" y="1493785"/>
+            <a:off x="3581890" y="1493785"/>
             <a:ext cx="0" cy="720000"/>
           </a:xfrm>
           <a:prstGeom prst="straightConnector1">
@@ -8472,7 +8472,7 @@
         </p:nvCxnSpPr>
         <p:spPr>
           <a:xfrm flipH="1" flipV="1">
-            <a:off x="3176845" y="2099461"/>
+            <a:off x="3581890" y="2099461"/>
             <a:ext cx="0" cy="249419"/>
           </a:xfrm>
           <a:prstGeom prst="line">
@@ -8507,7 +8507,7 @@
         </p:nvSpPr>
         <p:spPr>
           <a:xfrm>
-            <a:off x="3611303" y="2033845"/>
+            <a:off x="4016348" y="2033845"/>
             <a:ext cx="530915" cy="369332"/>
           </a:xfrm>
           <a:prstGeom prst="rect">
@@ -8531,8 +8531,8 @@
           </a:p>
         </p:txBody>
       </p:sp>
-      <mc:AlternateContent xmlns:mc="http://schemas.openxmlformats.org/markup-compatibility/2006" xmlns:a14="http://schemas.microsoft.com/office/drawing/2010/main">
-        <mc:Choice Requires="a14">
+      <mc:AlternateContent xmlns:mc="http://schemas.openxmlformats.org/markup-compatibility/2006">
+        <mc:Choice xmlns:a14="http://schemas.microsoft.com/office/drawing/2010/main" Requires="a14">
           <p:sp>
             <p:nvSpPr>
               <p:cNvPr id="42" name="22 Rectángulo"/>
@@ -8541,7 +8541,7 @@
             </p:nvSpPr>
             <p:spPr>
               <a:xfrm>
-                <a:off x="1548539" y="1147973"/>
+                <a:off x="1953584" y="1147973"/>
                 <a:ext cx="406778" cy="400110"/>
               </a:xfrm>
               <a:prstGeom prst="rect">
@@ -8575,7 +8575,7 @@
             </p:txBody>
           </p:sp>
         </mc:Choice>
-        <mc:Fallback xmlns="">
+        <mc:Fallback>
           <p:sp>
             <p:nvSpPr>
               <p:cNvPr id="42" name="22 Rectángulo"/>
@@ -8586,7 +8586,7 @@
             </p:nvSpPr>
             <p:spPr>
               <a:xfrm>
-                <a:off x="1548539" y="1147973"/>
+                <a:off x="1953584" y="1147973"/>
                 <a:ext cx="406778" cy="400110"/>
               </a:xfrm>
               <a:prstGeom prst="rect">
@@ -8614,8 +8614,8 @@
           </p:sp>
         </mc:Fallback>
       </mc:AlternateContent>
-      <mc:AlternateContent xmlns:mc="http://schemas.openxmlformats.org/markup-compatibility/2006" xmlns:a14="http://schemas.microsoft.com/office/drawing/2010/main">
-        <mc:Choice Requires="a14">
+      <mc:AlternateContent xmlns:mc="http://schemas.openxmlformats.org/markup-compatibility/2006">
+        <mc:Choice xmlns:a14="http://schemas.microsoft.com/office/drawing/2010/main" Requires="a14">
           <p:sp>
             <p:nvSpPr>
               <p:cNvPr id="43" name="22 Rectángulo"/>
@@ -8624,7 +8624,7 @@
             </p:nvSpPr>
             <p:spPr>
               <a:xfrm>
-                <a:off x="2268619" y="1147973"/>
+                <a:off x="2673664" y="1147973"/>
                 <a:ext cx="406778" cy="400110"/>
               </a:xfrm>
               <a:prstGeom prst="rect">
@@ -8658,7 +8658,7 @@
             </p:txBody>
           </p:sp>
         </mc:Choice>
-        <mc:Fallback xmlns="">
+        <mc:Fallback>
           <p:sp>
             <p:nvSpPr>
               <p:cNvPr id="43" name="22 Rectángulo"/>
@@ -8669,14 +8669,14 @@
             </p:nvSpPr>
             <p:spPr>
               <a:xfrm>
-                <a:off x="2268619" y="1147973"/>
+                <a:off x="2673664" y="1147973"/>
                 <a:ext cx="406778" cy="400110"/>
               </a:xfrm>
               <a:prstGeom prst="rect">
                 <a:avLst/>
               </a:prstGeom>
               <a:blipFill rotWithShape="0">
-                <a:blip r:embed="rId2"/>
+                <a:blip r:embed="rId3"/>
                 <a:stretch>
                   <a:fillRect/>
                 </a:stretch>
@@ -8697,8 +8697,8 @@
           </p:sp>
         </mc:Fallback>
       </mc:AlternateContent>
-      <mc:AlternateContent xmlns:mc="http://schemas.openxmlformats.org/markup-compatibility/2006" xmlns:a14="http://schemas.microsoft.com/office/drawing/2010/main">
-        <mc:Choice Requires="a14">
+      <mc:AlternateContent xmlns:mc="http://schemas.openxmlformats.org/markup-compatibility/2006">
+        <mc:Choice xmlns:a14="http://schemas.microsoft.com/office/drawing/2010/main" Requires="a14">
           <p:sp>
             <p:nvSpPr>
               <p:cNvPr id="44" name="22 Rectángulo"/>
@@ -8707,7 +8707,7 @@
             </p:nvSpPr>
             <p:spPr>
               <a:xfrm>
-                <a:off x="2988699" y="1143038"/>
+                <a:off x="3393744" y="1143038"/>
                 <a:ext cx="406778" cy="400110"/>
               </a:xfrm>
               <a:prstGeom prst="rect">
@@ -8741,7 +8741,7 @@
             </p:txBody>
           </p:sp>
         </mc:Choice>
-        <mc:Fallback xmlns="">
+        <mc:Fallback>
           <p:sp>
             <p:nvSpPr>
               <p:cNvPr id="44" name="22 Rectángulo"/>
@@ -8752,14 +8752,14 @@
             </p:nvSpPr>
             <p:spPr>
               <a:xfrm>
-                <a:off x="2988699" y="1143038"/>
+                <a:off x="3393744" y="1143038"/>
                 <a:ext cx="406778" cy="400110"/>
               </a:xfrm>
               <a:prstGeom prst="rect">
                 <a:avLst/>
               </a:prstGeom>
               <a:blipFill rotWithShape="0">
-                <a:blip r:embed="rId3"/>
+                <a:blip r:embed="rId4"/>
                 <a:stretch>
                   <a:fillRect/>
                 </a:stretch>
@@ -8788,7 +8788,7 @@
         </p:nvCxnSpPr>
         <p:spPr>
           <a:xfrm flipH="1" flipV="1">
-            <a:off x="4352284" y="2418742"/>
+            <a:off x="4757329" y="2418742"/>
             <a:ext cx="1084" cy="1396800"/>
           </a:xfrm>
           <a:prstGeom prst="straightConnector1">
@@ -8824,7 +8824,7 @@
         </p:nvCxnSpPr>
         <p:spPr>
           <a:xfrm>
-            <a:off x="4329710" y="3823065"/>
+            <a:off x="4734755" y="3823065"/>
             <a:ext cx="2768963" cy="0"/>
           </a:xfrm>
           <a:prstGeom prst="straightConnector1">
@@ -8860,7 +8860,7 @@
         </p:nvCxnSpPr>
         <p:spPr>
           <a:xfrm flipH="1" flipV="1">
-            <a:off x="4353848" y="3690035"/>
+            <a:off x="4758893" y="3690035"/>
             <a:ext cx="0" cy="249419"/>
           </a:xfrm>
           <a:prstGeom prst="line">
@@ -8895,7 +8895,7 @@
         </p:nvCxnSpPr>
         <p:spPr>
           <a:xfrm flipH="1" flipV="1">
-            <a:off x="5073448" y="3684748"/>
+            <a:off x="5478493" y="3684748"/>
             <a:ext cx="0" cy="249419"/>
           </a:xfrm>
           <a:prstGeom prst="line">
@@ -8930,7 +8930,7 @@
         </p:nvCxnSpPr>
         <p:spPr>
           <a:xfrm flipH="1" flipV="1">
-            <a:off x="5793528" y="3684748"/>
+            <a:off x="6198573" y="3684748"/>
             <a:ext cx="0" cy="249419"/>
           </a:xfrm>
           <a:prstGeom prst="line">
@@ -8965,7 +8965,7 @@
         </p:nvCxnSpPr>
         <p:spPr>
           <a:xfrm>
-            <a:off x="6513608" y="3809457"/>
+            <a:off x="6918653" y="3809457"/>
             <a:ext cx="0" cy="670044"/>
           </a:xfrm>
           <a:prstGeom prst="straightConnector1">
@@ -9001,7 +9001,7 @@
         </p:nvCxnSpPr>
         <p:spPr>
           <a:xfrm flipH="1" flipV="1">
-            <a:off x="6513608" y="3705359"/>
+            <a:off x="6918653" y="3705359"/>
             <a:ext cx="0" cy="249419"/>
           </a:xfrm>
           <a:prstGeom prst="line">
@@ -9036,8 +9036,8 @@
         </p:nvSpPr>
         <p:spPr>
           <a:xfrm>
-            <a:off x="6948066" y="3639743"/>
-            <a:ext cx="530915" cy="369332"/>
+            <a:off x="7353111" y="3639743"/>
+            <a:ext cx="1719389" cy="369332"/>
           </a:xfrm>
           <a:prstGeom prst="rect">
             <a:avLst/>
@@ -9047,7 +9047,7 @@
           </a:solidFill>
         </p:spPr>
         <p:txBody>
-          <a:bodyPr wrap="none" rtlCol="0">
+          <a:bodyPr wrap="square" rtlCol="0">
             <a:spAutoFit/>
           </a:bodyPr>
           <a:lstStyle/>
@@ -9060,8 +9060,8 @@
           </a:p>
         </p:txBody>
       </p:sp>
-      <mc:AlternateContent xmlns:mc="http://schemas.openxmlformats.org/markup-compatibility/2006" xmlns:a14="http://schemas.microsoft.com/office/drawing/2010/main">
-        <mc:Choice Requires="a14">
+      <mc:AlternateContent xmlns:mc="http://schemas.openxmlformats.org/markup-compatibility/2006">
+        <mc:Choice xmlns:a14="http://schemas.microsoft.com/office/drawing/2010/main" Requires="a14">
           <p:sp>
             <p:nvSpPr>
               <p:cNvPr id="46" name="22 Rectángulo"/>
@@ -9070,7 +9070,7 @@
             </p:nvSpPr>
             <p:spPr>
               <a:xfrm>
-                <a:off x="4662010" y="4469050"/>
+                <a:off x="5067055" y="4469050"/>
                 <a:ext cx="599138" cy="400110"/>
               </a:xfrm>
               <a:prstGeom prst="rect">
@@ -9110,7 +9110,7 @@
             </p:txBody>
           </p:sp>
         </mc:Choice>
-        <mc:Fallback xmlns="">
+        <mc:Fallback>
           <p:sp>
             <p:nvSpPr>
               <p:cNvPr id="46" name="22 Rectángulo"/>
@@ -9121,14 +9121,14 @@
             </p:nvSpPr>
             <p:spPr>
               <a:xfrm>
-                <a:off x="4662010" y="4469050"/>
+                <a:off x="5067055" y="4469050"/>
                 <a:ext cx="599138" cy="400110"/>
               </a:xfrm>
               <a:prstGeom prst="rect">
                 <a:avLst/>
               </a:prstGeom>
               <a:blipFill rotWithShape="0">
-                <a:blip r:embed="rId4"/>
+                <a:blip r:embed="rId5"/>
                 <a:stretch>
                   <a:fillRect/>
                 </a:stretch>
@@ -9149,8 +9149,8 @@
           </p:sp>
         </mc:Fallback>
       </mc:AlternateContent>
-      <mc:AlternateContent xmlns:mc="http://schemas.openxmlformats.org/markup-compatibility/2006" xmlns:a14="http://schemas.microsoft.com/office/drawing/2010/main">
-        <mc:Choice Requires="a14">
+      <mc:AlternateContent xmlns:mc="http://schemas.openxmlformats.org/markup-compatibility/2006">
+        <mc:Choice xmlns:a14="http://schemas.microsoft.com/office/drawing/2010/main" Requires="a14">
           <p:sp>
             <p:nvSpPr>
               <p:cNvPr id="47" name="22 Rectángulo"/>
@@ -9159,7 +9159,7 @@
             </p:nvSpPr>
             <p:spPr>
               <a:xfrm>
-                <a:off x="5382090" y="4469050"/>
+                <a:off x="5787135" y="4469050"/>
                 <a:ext cx="599138" cy="400110"/>
               </a:xfrm>
               <a:prstGeom prst="rect">
@@ -9199,7 +9199,7 @@
             </p:txBody>
           </p:sp>
         </mc:Choice>
-        <mc:Fallback xmlns="">
+        <mc:Fallback>
           <p:sp>
             <p:nvSpPr>
               <p:cNvPr id="47" name="22 Rectángulo"/>
@@ -9210,14 +9210,14 @@
             </p:nvSpPr>
             <p:spPr>
               <a:xfrm>
-                <a:off x="5382090" y="4469050"/>
+                <a:off x="5787135" y="4469050"/>
                 <a:ext cx="599138" cy="400110"/>
               </a:xfrm>
               <a:prstGeom prst="rect">
                 <a:avLst/>
               </a:prstGeom>
               <a:blipFill rotWithShape="0">
-                <a:blip r:embed="rId4"/>
+                <a:blip r:embed="rId6"/>
                 <a:stretch>
                   <a:fillRect/>
                 </a:stretch>
@@ -9238,8 +9238,8 @@
           </p:sp>
         </mc:Fallback>
       </mc:AlternateContent>
-      <mc:AlternateContent xmlns:mc="http://schemas.openxmlformats.org/markup-compatibility/2006" xmlns:a14="http://schemas.microsoft.com/office/drawing/2010/main">
-        <mc:Choice Requires="a14">
+      <mc:AlternateContent xmlns:mc="http://schemas.openxmlformats.org/markup-compatibility/2006">
+        <mc:Choice xmlns:a14="http://schemas.microsoft.com/office/drawing/2010/main" Requires="a14">
           <p:sp>
             <p:nvSpPr>
               <p:cNvPr id="48" name="22 Rectángulo"/>
@@ -9248,7 +9248,7 @@
             </p:nvSpPr>
             <p:spPr>
               <a:xfrm>
-                <a:off x="6102170" y="4464115"/>
+                <a:off x="6507215" y="4464115"/>
                 <a:ext cx="599138" cy="400110"/>
               </a:xfrm>
               <a:prstGeom prst="rect">
@@ -9288,7 +9288,7 @@
             </p:txBody>
           </p:sp>
         </mc:Choice>
-        <mc:Fallback xmlns="">
+        <mc:Fallback>
           <p:sp>
             <p:nvSpPr>
               <p:cNvPr id="48" name="22 Rectángulo"/>
@@ -9299,14 +9299,14 @@
             </p:nvSpPr>
             <p:spPr>
               <a:xfrm>
-                <a:off x="6102170" y="4464115"/>
+                <a:off x="6507215" y="4464115"/>
                 <a:ext cx="599138" cy="400110"/>
               </a:xfrm>
               <a:prstGeom prst="rect">
                 <a:avLst/>
               </a:prstGeom>
               <a:blipFill rotWithShape="0">
-                <a:blip r:embed="rId5"/>
+                <a:blip r:embed="rId6"/>
                 <a:stretch>
                   <a:fillRect/>
                 </a:stretch>
@@ -9335,7 +9335,7 @@
         </p:nvCxnSpPr>
         <p:spPr>
           <a:xfrm flipV="1">
-            <a:off x="5073448" y="1493785"/>
+            <a:off x="5478493" y="1493785"/>
             <a:ext cx="0" cy="720000"/>
           </a:xfrm>
           <a:prstGeom prst="straightConnector1">
@@ -9373,7 +9373,7 @@
         </p:nvCxnSpPr>
         <p:spPr>
           <a:xfrm flipV="1">
-            <a:off x="4142218" y="2207874"/>
+            <a:off x="4547263" y="2207874"/>
             <a:ext cx="2956455" cy="10637"/>
           </a:xfrm>
           <a:prstGeom prst="straightConnector1">
@@ -9409,7 +9409,7 @@
         </p:nvCxnSpPr>
         <p:spPr>
           <a:xfrm flipH="1" flipV="1">
-            <a:off x="5073448" y="2069557"/>
+            <a:off x="5478493" y="2069557"/>
             <a:ext cx="0" cy="249419"/>
           </a:xfrm>
           <a:prstGeom prst="line">
@@ -9444,7 +9444,7 @@
         </p:nvCxnSpPr>
         <p:spPr>
           <a:xfrm flipH="1" flipV="1">
-            <a:off x="5793528" y="2069557"/>
+            <a:off x="6198573" y="2069557"/>
             <a:ext cx="0" cy="249419"/>
           </a:xfrm>
           <a:prstGeom prst="line">
@@ -9479,7 +9479,7 @@
         </p:nvCxnSpPr>
         <p:spPr>
           <a:xfrm flipV="1">
-            <a:off x="6513608" y="1493785"/>
+            <a:off x="6918653" y="1493785"/>
             <a:ext cx="0" cy="720000"/>
           </a:xfrm>
           <a:prstGeom prst="straightConnector1">
@@ -9515,7 +9515,7 @@
         </p:nvCxnSpPr>
         <p:spPr>
           <a:xfrm flipH="1" flipV="1">
-            <a:off x="6513608" y="2090168"/>
+            <a:off x="6918653" y="2090168"/>
             <a:ext cx="0" cy="249419"/>
           </a:xfrm>
           <a:prstGeom prst="line">
@@ -9550,8 +9550,8 @@
         </p:nvSpPr>
         <p:spPr>
           <a:xfrm>
-            <a:off x="6948066" y="2024552"/>
-            <a:ext cx="530915" cy="369332"/>
+            <a:off x="7353110" y="2024552"/>
+            <a:ext cx="1719389" cy="369332"/>
           </a:xfrm>
           <a:prstGeom prst="rect">
             <a:avLst/>
@@ -9561,7 +9561,7 @@
           </a:solidFill>
         </p:spPr>
         <p:txBody>
-          <a:bodyPr wrap="none" rtlCol="0">
+          <a:bodyPr wrap="square" rtlCol="0">
             <a:spAutoFit/>
           </a:bodyPr>
           <a:lstStyle/>
@@ -9574,8 +9574,8 @@
           </a:p>
         </p:txBody>
       </p:sp>
-      <mc:AlternateContent xmlns:mc="http://schemas.openxmlformats.org/markup-compatibility/2006" xmlns:a14="http://schemas.microsoft.com/office/drawing/2010/main">
-        <mc:Choice Requires="a14">
+      <mc:AlternateContent xmlns:mc="http://schemas.openxmlformats.org/markup-compatibility/2006">
+        <mc:Choice xmlns:a14="http://schemas.microsoft.com/office/drawing/2010/main" Requires="a14">
           <p:sp>
             <p:nvSpPr>
               <p:cNvPr id="62" name="22 Rectángulo"/>
@@ -9584,7 +9584,7 @@
             </p:nvSpPr>
             <p:spPr>
               <a:xfrm>
-                <a:off x="4885302" y="1138680"/>
+                <a:off x="5290347" y="1138680"/>
                 <a:ext cx="406778" cy="400110"/>
               </a:xfrm>
               <a:prstGeom prst="rect">
@@ -9618,7 +9618,7 @@
             </p:txBody>
           </p:sp>
         </mc:Choice>
-        <mc:Fallback xmlns="">
+        <mc:Fallback>
           <p:sp>
             <p:nvSpPr>
               <p:cNvPr id="62" name="22 Rectángulo"/>
@@ -9629,14 +9629,14 @@
             </p:nvSpPr>
             <p:spPr>
               <a:xfrm>
-                <a:off x="4885302" y="1138680"/>
+                <a:off x="5290347" y="1138680"/>
                 <a:ext cx="406778" cy="400110"/>
               </a:xfrm>
               <a:prstGeom prst="rect">
                 <a:avLst/>
               </a:prstGeom>
               <a:blipFill rotWithShape="0">
-                <a:blip r:embed="rId3"/>
+                <a:blip r:embed="rId7"/>
                 <a:stretch>
                   <a:fillRect/>
                 </a:stretch>
@@ -9657,8 +9657,8 @@
           </p:sp>
         </mc:Fallback>
       </mc:AlternateContent>
-      <mc:AlternateContent xmlns:mc="http://schemas.openxmlformats.org/markup-compatibility/2006" xmlns:a14="http://schemas.microsoft.com/office/drawing/2010/main">
-        <mc:Choice Requires="a14">
+      <mc:AlternateContent xmlns:mc="http://schemas.openxmlformats.org/markup-compatibility/2006">
+        <mc:Choice xmlns:a14="http://schemas.microsoft.com/office/drawing/2010/main" Requires="a14">
           <p:sp>
             <p:nvSpPr>
               <p:cNvPr id="63" name="22 Rectángulo"/>
@@ -9667,7 +9667,7 @@
             </p:nvSpPr>
             <p:spPr>
               <a:xfrm>
-                <a:off x="5605382" y="1138680"/>
+                <a:off x="6010427" y="1138680"/>
                 <a:ext cx="406778" cy="400110"/>
               </a:xfrm>
               <a:prstGeom prst="rect">
@@ -9701,7 +9701,7 @@
             </p:txBody>
           </p:sp>
         </mc:Choice>
-        <mc:Fallback xmlns="">
+        <mc:Fallback>
           <p:sp>
             <p:nvSpPr>
               <p:cNvPr id="63" name="22 Rectángulo"/>
@@ -9712,14 +9712,14 @@
             </p:nvSpPr>
             <p:spPr>
               <a:xfrm>
-                <a:off x="5605382" y="1138680"/>
+                <a:off x="6010427" y="1138680"/>
                 <a:ext cx="406778" cy="400110"/>
               </a:xfrm>
               <a:prstGeom prst="rect">
                 <a:avLst/>
               </a:prstGeom>
               <a:blipFill rotWithShape="0">
-                <a:blip r:embed="rId6"/>
+                <a:blip r:embed="rId7"/>
                 <a:stretch>
                   <a:fillRect/>
                 </a:stretch>
@@ -9740,8 +9740,8 @@
           </p:sp>
         </mc:Fallback>
       </mc:AlternateContent>
-      <mc:AlternateContent xmlns:mc="http://schemas.openxmlformats.org/markup-compatibility/2006" xmlns:a14="http://schemas.microsoft.com/office/drawing/2010/main">
-        <mc:Choice Requires="a14">
+      <mc:AlternateContent xmlns:mc="http://schemas.openxmlformats.org/markup-compatibility/2006">
+        <mc:Choice xmlns:a14="http://schemas.microsoft.com/office/drawing/2010/main" Requires="a14">
           <p:sp>
             <p:nvSpPr>
               <p:cNvPr id="64" name="22 Rectángulo"/>
@@ -9750,7 +9750,7 @@
             </p:nvSpPr>
             <p:spPr>
               <a:xfrm>
-                <a:off x="6325462" y="1133745"/>
+                <a:off x="6730507" y="1133745"/>
                 <a:ext cx="406778" cy="400110"/>
               </a:xfrm>
               <a:prstGeom prst="rect">
@@ -9784,7 +9784,7 @@
             </p:txBody>
           </p:sp>
         </mc:Choice>
-        <mc:Fallback xmlns="">
+        <mc:Fallback>
           <p:sp>
             <p:nvSpPr>
               <p:cNvPr id="64" name="22 Rectángulo"/>
@@ -9795,14 +9795,14 @@
             </p:nvSpPr>
             <p:spPr>
               <a:xfrm>
-                <a:off x="6325462" y="1133745"/>
+                <a:off x="6730507" y="1133745"/>
                 <a:ext cx="406778" cy="400110"/>
               </a:xfrm>
               <a:prstGeom prst="rect">
                 <a:avLst/>
               </a:prstGeom>
               <a:blipFill rotWithShape="0">
-                <a:blip r:embed="rId7"/>
+                <a:blip r:embed="rId2"/>
                 <a:stretch>
                   <a:fillRect/>
                 </a:stretch>
@@ -9831,7 +9831,7 @@
         </p:nvCxnSpPr>
         <p:spPr>
           <a:xfrm flipH="1" flipV="1">
-            <a:off x="4352284" y="1513996"/>
+            <a:off x="4757329" y="1513996"/>
             <a:ext cx="1084" cy="720000"/>
           </a:xfrm>
           <a:prstGeom prst="straightConnector1">
@@ -9867,7 +9867,7 @@
         </p:nvCxnSpPr>
         <p:spPr>
           <a:xfrm flipH="1" flipV="1">
-            <a:off x="4353368" y="2095759"/>
+            <a:off x="4758413" y="2095759"/>
             <a:ext cx="0" cy="249419"/>
           </a:xfrm>
           <a:prstGeom prst="line">
@@ -9894,8 +9894,8 @@
           </a:fontRef>
         </p:style>
       </p:cxnSp>
-      <mc:AlternateContent xmlns:mc="http://schemas.openxmlformats.org/markup-compatibility/2006" xmlns:a14="http://schemas.microsoft.com/office/drawing/2010/main">
-        <mc:Choice Requires="a14">
+      <mc:AlternateContent xmlns:mc="http://schemas.openxmlformats.org/markup-compatibility/2006">
+        <mc:Choice xmlns:a14="http://schemas.microsoft.com/office/drawing/2010/main" Requires="a14">
           <p:sp>
             <p:nvSpPr>
               <p:cNvPr id="67" name="22 Rectángulo"/>
@@ -9904,7 +9904,7 @@
             </p:nvSpPr>
             <p:spPr>
               <a:xfrm>
-                <a:off x="4165222" y="1164882"/>
+                <a:off x="4570267" y="1164882"/>
                 <a:ext cx="406778" cy="400110"/>
               </a:xfrm>
               <a:prstGeom prst="rect">
@@ -9938,7 +9938,7 @@
             </p:txBody>
           </p:sp>
         </mc:Choice>
-        <mc:Fallback xmlns="">
+        <mc:Fallback>
           <p:sp>
             <p:nvSpPr>
               <p:cNvPr id="67" name="22 Rectángulo"/>
@@ -9949,14 +9949,14 @@
             </p:nvSpPr>
             <p:spPr>
               <a:xfrm>
-                <a:off x="4165222" y="1164882"/>
+                <a:off x="4570267" y="1164882"/>
                 <a:ext cx="406778" cy="400110"/>
               </a:xfrm>
               <a:prstGeom prst="rect">
                 <a:avLst/>
               </a:prstGeom>
               <a:blipFill rotWithShape="0">
-                <a:blip r:embed="rId2"/>
+                <a:blip r:embed="rId3"/>
                 <a:stretch>
                   <a:fillRect/>
                 </a:stretch>
@@ -9985,7 +9985,7 @@
         </p:nvSpPr>
         <p:spPr>
           <a:xfrm rot="5400000">
-            <a:off x="2899496" y="-466315"/>
+            <a:off x="3304541" y="-466315"/>
             <a:ext cx="321549" cy="3023462"/>
           </a:xfrm>
           <a:prstGeom prst="leftBrace">
@@ -10023,8 +10023,8 @@
           </a:p>
         </p:txBody>
       </p:sp>
-      <mc:AlternateContent xmlns:mc="http://schemas.openxmlformats.org/markup-compatibility/2006" xmlns:a14="http://schemas.microsoft.com/office/drawing/2010/main">
-        <mc:Choice Requires="a14">
+      <mc:AlternateContent xmlns:mc="http://schemas.openxmlformats.org/markup-compatibility/2006">
+        <mc:Choice xmlns:a14="http://schemas.microsoft.com/office/drawing/2010/main" Requires="a14">
           <p:sp>
             <p:nvSpPr>
               <p:cNvPr id="91" name="22 Rectángulo"/>
@@ -10033,7 +10033,7 @@
             </p:nvSpPr>
             <p:spPr>
               <a:xfrm>
-                <a:off x="2546775" y="508610"/>
+                <a:off x="2951820" y="508610"/>
                 <a:ext cx="1003352" cy="392993"/>
               </a:xfrm>
               <a:prstGeom prst="rect">
@@ -10073,7 +10073,7 @@
             </p:txBody>
           </p:sp>
         </mc:Choice>
-        <mc:Fallback xmlns="">
+        <mc:Fallback>
           <p:sp>
             <p:nvSpPr>
               <p:cNvPr id="91" name="22 Rectángulo"/>
@@ -10084,7 +10084,7 @@
             </p:nvSpPr>
             <p:spPr>
               <a:xfrm>
-                <a:off x="2546775" y="508610"/>
+                <a:off x="2951820" y="508610"/>
                 <a:ext cx="1003352" cy="392993"/>
               </a:xfrm>
               <a:prstGeom prst="rect">
@@ -10093,7 +10093,7 @@
               <a:blipFill rotWithShape="0">
                 <a:blip r:embed="rId8"/>
                 <a:stretch>
-                  <a:fillRect t="-1538" r="-4878" b="-23077"/>
+                  <a:fillRect t="-1538" r="-4848" b="-23077"/>
                 </a:stretch>
               </a:blipFill>
             </p:spPr>
@@ -10112,8 +10112,8 @@
           </p:sp>
         </mc:Fallback>
       </mc:AlternateContent>
-      <mc:AlternateContent xmlns:mc="http://schemas.openxmlformats.org/markup-compatibility/2006" xmlns:a14="http://schemas.microsoft.com/office/drawing/2010/main">
-        <mc:Choice Requires="a14">
+      <mc:AlternateContent xmlns:mc="http://schemas.openxmlformats.org/markup-compatibility/2006">
+        <mc:Choice xmlns:a14="http://schemas.microsoft.com/office/drawing/2010/main" Requires="a14">
           <p:sp>
             <p:nvSpPr>
               <p:cNvPr id="52" name="22 Rectángulo"/>
@@ -10122,7 +10122,7 @@
             </p:nvSpPr>
             <p:spPr>
               <a:xfrm>
-                <a:off x="4411703" y="2616567"/>
+                <a:off x="4816748" y="2616567"/>
                 <a:ext cx="1420582" cy="400110"/>
               </a:xfrm>
               <a:prstGeom prst="rect">
@@ -10186,7 +10186,7 @@
             </p:txBody>
           </p:sp>
         </mc:Choice>
-        <mc:Fallback xmlns="">
+        <mc:Fallback>
           <p:sp>
             <p:nvSpPr>
               <p:cNvPr id="52" name="22 Rectángulo"/>
@@ -10197,7 +10197,7 @@
             </p:nvSpPr>
             <p:spPr>
               <a:xfrm>
-                <a:off x="4411703" y="2616567"/>
+                <a:off x="4816748" y="2616567"/>
                 <a:ext cx="1420582" cy="400110"/>
               </a:xfrm>
               <a:prstGeom prst="rect">
@@ -10225,8 +10225,8 @@
           </p:sp>
         </mc:Fallback>
       </mc:AlternateContent>
-      <mc:AlternateContent xmlns:mc="http://schemas.openxmlformats.org/markup-compatibility/2006" xmlns:a14="http://schemas.microsoft.com/office/drawing/2010/main">
-        <mc:Choice Requires="a14">
+      <mc:AlternateContent xmlns:mc="http://schemas.openxmlformats.org/markup-compatibility/2006">
+        <mc:Choice xmlns:a14="http://schemas.microsoft.com/office/drawing/2010/main" Requires="a14">
           <p:sp>
             <p:nvSpPr>
               <p:cNvPr id="69" name="22 Rectángulo"/>
@@ -10235,15 +10235,15 @@
             </p:nvSpPr>
             <p:spPr>
               <a:xfrm>
-                <a:off x="1102240" y="3299462"/>
-                <a:ext cx="1159099" cy="400110"/>
+                <a:off x="116505" y="3299462"/>
+                <a:ext cx="2549879" cy="400110"/>
               </a:xfrm>
               <a:prstGeom prst="rect">
                 <a:avLst/>
               </a:prstGeom>
             </p:spPr>
             <p:txBody>
-              <a:bodyPr wrap="none">
+              <a:bodyPr wrap="square">
                 <a:spAutoFit/>
               </a:bodyPr>
               <a:lstStyle/>
@@ -10252,7 +10252,7 @@
                 <a14:m>
                   <m:oMathPara xmlns:m="http://schemas.openxmlformats.org/officeDocument/2006/math">
                     <m:oMathParaPr>
-                      <m:jc m:val="center"/>
+                      <m:jc m:val="right"/>
                     </m:oMathParaPr>
                     <m:oMath xmlns:m="http://schemas.openxmlformats.org/officeDocument/2006/math">
                       <m:r>
@@ -10293,7 +10293,7 @@
             </p:txBody>
           </p:sp>
         </mc:Choice>
-        <mc:Fallback xmlns="">
+        <mc:Fallback>
           <p:sp>
             <p:nvSpPr>
               <p:cNvPr id="69" name="22 Rectángulo"/>
@@ -10304,8 +10304,8 @@
             </p:nvSpPr>
             <p:spPr>
               <a:xfrm>
-                <a:off x="1102240" y="3299462"/>
-                <a:ext cx="1159099" cy="400110"/>
+                <a:off x="116505" y="3299462"/>
+                <a:ext cx="2549879" cy="400110"/>
               </a:xfrm>
               <a:prstGeom prst="rect">
                 <a:avLst/>
@@ -15744,7 +15744,7 @@
         </p:nvCxnSpPr>
         <p:spPr>
           <a:xfrm flipV="1">
-            <a:off x="8111270" y="323655"/>
+            <a:off x="8840200" y="323655"/>
             <a:ext cx="0" cy="1035115"/>
           </a:xfrm>
           <a:prstGeom prst="straightConnector1">
@@ -15780,7 +15780,7 @@
         </p:nvCxnSpPr>
         <p:spPr>
           <a:xfrm flipV="1">
-            <a:off x="8111270" y="1447347"/>
+            <a:off x="8840200" y="1447347"/>
             <a:ext cx="0" cy="855096"/>
           </a:xfrm>
           <a:prstGeom prst="straightConnector1">
@@ -15816,7 +15816,7 @@
         </p:nvCxnSpPr>
         <p:spPr>
           <a:xfrm>
-            <a:off x="4570277" y="2247682"/>
+            <a:off x="5299207" y="2247682"/>
             <a:ext cx="0" cy="994757"/>
           </a:xfrm>
           <a:prstGeom prst="straightConnector1">
@@ -16333,10 +16333,10 @@
                         <m:t>(1+</m:t>
                       </m:r>
                       <m:r>
-                        <a:rPr lang="es-CO" i="1" smtClean="0">
+                        <a:rPr lang="es-ES" b="0" i="1" smtClean="0">
                           <a:latin typeface="Cambria Math" charset="0"/>
                         </a:rPr>
-                        <m:t>𝑖𝑛</m:t>
+                        <m:t>𝑟𝑛</m:t>
                       </m:r>
                       <m:r>
                         <a:rPr lang="es-CO" i="1">
@@ -16945,7 +16945,7 @@
         </p:nvSpPr>
         <p:spPr>
           <a:xfrm>
-            <a:off x="4960737" y="2328862"/>
+            <a:off x="5689667" y="2328862"/>
             <a:ext cx="301686" cy="369332"/>
           </a:xfrm>
           <a:prstGeom prst="rect">
@@ -16974,7 +16974,7 @@
         </p:nvSpPr>
         <p:spPr>
           <a:xfrm>
-            <a:off x="5500797" y="2327169"/>
+            <a:off x="6229727" y="2327169"/>
             <a:ext cx="301686" cy="369332"/>
           </a:xfrm>
           <a:prstGeom prst="rect">
@@ -17004,7 +17004,7 @@
         </p:nvSpPr>
         <p:spPr>
           <a:xfrm rot="5400000">
-            <a:off x="6219880" y="1128097"/>
+            <a:off x="6948810" y="1128097"/>
             <a:ext cx="256220" cy="3557849"/>
           </a:xfrm>
           <a:prstGeom prst="rightBrace">
@@ -17050,7 +17050,7 @@
         </p:nvCxnSpPr>
         <p:spPr>
           <a:xfrm>
-            <a:off x="4571520" y="2310495"/>
+            <a:off x="5300450" y="2310495"/>
             <a:ext cx="3555395" cy="0"/>
           </a:xfrm>
           <a:prstGeom prst="straightConnector1">
@@ -17086,7 +17086,7 @@
         </p:nvSpPr>
         <p:spPr>
           <a:xfrm>
-            <a:off x="6311640" y="2125829"/>
+            <a:off x="7040570" y="2125829"/>
             <a:ext cx="530915" cy="369332"/>
           </a:xfrm>
           <a:prstGeom prst="rect">
@@ -17120,7 +17120,7 @@
             </p:nvSpPr>
             <p:spPr>
               <a:xfrm>
-                <a:off x="7181936" y="2328862"/>
+                <a:off x="7910866" y="2328862"/>
                 <a:ext cx="778546" cy="369332"/>
               </a:xfrm>
               <a:prstGeom prst="rect">
@@ -17171,7 +17171,7 @@
             </p:nvSpPr>
             <p:spPr>
               <a:xfrm>
-                <a:off x="7181936" y="2328862"/>
+                <a:off x="7910866" y="2328862"/>
                 <a:ext cx="778546" cy="369332"/>
               </a:xfrm>
               <a:prstGeom prst="rect">
@@ -17209,7 +17209,7 @@
             </p:nvSpPr>
             <p:spPr>
               <a:xfrm>
-                <a:off x="7923975" y="2327169"/>
+                <a:off x="8652905" y="2327169"/>
                 <a:ext cx="374590" cy="369332"/>
               </a:xfrm>
               <a:prstGeom prst="rect">
@@ -17254,7 +17254,7 @@
             </p:nvSpPr>
             <p:spPr>
               <a:xfrm>
-                <a:off x="7923975" y="2327169"/>
+                <a:off x="8652905" y="2327169"/>
                 <a:ext cx="374590" cy="369332"/>
               </a:xfrm>
               <a:prstGeom prst="rect">
@@ -17290,7 +17290,7 @@
         </p:nvCxnSpPr>
         <p:spPr>
           <a:xfrm flipV="1">
-            <a:off x="4572000" y="2203139"/>
+            <a:off x="5300930" y="2203139"/>
             <a:ext cx="0" cy="140906"/>
           </a:xfrm>
           <a:prstGeom prst="line">
@@ -17325,7 +17325,7 @@
         </p:nvSpPr>
         <p:spPr>
           <a:xfrm>
-            <a:off x="6042464" y="2327169"/>
+            <a:off x="6771394" y="2327169"/>
             <a:ext cx="301686" cy="369332"/>
           </a:xfrm>
           <a:prstGeom prst="rect">
@@ -17357,8 +17357,8 @@
             </p:nvSpPr>
             <p:spPr>
               <a:xfrm>
-                <a:off x="5658348" y="3104673"/>
-                <a:ext cx="1189621" cy="369332"/>
+                <a:off x="6387278" y="3104673"/>
+                <a:ext cx="1216936" cy="369332"/>
               </a:xfrm>
               <a:prstGeom prst="rect">
                 <a:avLst/>
@@ -17408,10 +17408,10 @@
                                 <m:t>1+</m:t>
                               </m:r>
                               <m:r>
-                                <a:rPr lang="es-CO" i="1" smtClean="0">
+                                <a:rPr lang="es-ES" b="0" i="1" smtClean="0">
                                   <a:latin typeface="Cambria Math" charset="0"/>
                                 </a:rPr>
-                                <m:t>𝑖</m:t>
+                                <m:t>𝑟</m:t>
                               </m:r>
                             </m:e>
                           </m:d>
@@ -17444,8 +17444,8 @@
             </p:nvSpPr>
             <p:spPr>
               <a:xfrm>
-                <a:off x="5658348" y="3104673"/>
-                <a:ext cx="1189621" cy="369332"/>
+                <a:off x="6387278" y="3104673"/>
+                <a:ext cx="1216936" cy="369332"/>
               </a:xfrm>
               <a:prstGeom prst="rect">
                 <a:avLst/>
@@ -17480,7 +17480,7 @@
         </p:nvCxnSpPr>
         <p:spPr>
           <a:xfrm flipV="1">
-            <a:off x="5112060" y="2242253"/>
+            <a:off x="5840990" y="2242253"/>
             <a:ext cx="0" cy="140906"/>
           </a:xfrm>
           <a:prstGeom prst="line">
@@ -17515,7 +17515,7 @@
         </p:nvCxnSpPr>
         <p:spPr>
           <a:xfrm flipV="1">
-            <a:off x="5652120" y="2242253"/>
+            <a:off x="6381050" y="2242253"/>
             <a:ext cx="0" cy="140906"/>
           </a:xfrm>
           <a:prstGeom prst="line">
@@ -17550,7 +17550,7 @@
         </p:nvCxnSpPr>
         <p:spPr>
           <a:xfrm flipV="1">
-            <a:off x="6192180" y="2242253"/>
+            <a:off x="6921110" y="2242253"/>
             <a:ext cx="0" cy="140906"/>
           </a:xfrm>
           <a:prstGeom prst="line">
@@ -17585,7 +17585,7 @@
         </p:nvCxnSpPr>
         <p:spPr>
           <a:xfrm flipV="1">
-            <a:off x="7587335" y="2242253"/>
+            <a:off x="8316265" y="2242253"/>
             <a:ext cx="0" cy="140906"/>
           </a:xfrm>
           <a:prstGeom prst="line">
@@ -17620,7 +17620,7 @@
         </p:nvCxnSpPr>
         <p:spPr>
           <a:xfrm flipV="1">
-            <a:off x="7047275" y="2242253"/>
+            <a:off x="7776205" y="2242253"/>
             <a:ext cx="0" cy="140906"/>
           </a:xfrm>
           <a:prstGeom prst="line">
@@ -17657,7 +17657,7 @@
             </p:nvSpPr>
             <p:spPr>
               <a:xfrm>
-                <a:off x="7741520" y="888702"/>
+                <a:off x="8470450" y="888702"/>
                 <a:ext cx="385875" cy="369332"/>
               </a:xfrm>
               <a:prstGeom prst="rect">
@@ -17702,7 +17702,7 @@
             </p:nvSpPr>
             <p:spPr>
               <a:xfrm>
-                <a:off x="7741520" y="888702"/>
+                <a:off x="8470450" y="888702"/>
                 <a:ext cx="385875" cy="369332"/>
               </a:xfrm>
               <a:prstGeom prst="rect">
@@ -17740,7 +17740,7 @@
             </p:nvSpPr>
             <p:spPr>
               <a:xfrm>
-                <a:off x="6462210" y="1723023"/>
+                <a:off x="7191140" y="1723023"/>
                 <a:ext cx="1678600" cy="369332"/>
               </a:xfrm>
               <a:prstGeom prst="rect">
@@ -17839,7 +17839,7 @@
             </p:nvSpPr>
             <p:spPr>
               <a:xfrm>
-                <a:off x="6462210" y="1723023"/>
+                <a:off x="7191140" y="1723023"/>
                 <a:ext cx="1678600" cy="369332"/>
               </a:xfrm>
               <a:prstGeom prst="rect">
@@ -17905,7 +17905,7 @@
         </p:nvSpPr>
         <p:spPr>
           <a:xfrm>
-            <a:off x="4481990" y="627964"/>
+            <a:off x="5210920" y="627964"/>
             <a:ext cx="1932004" cy="369332"/>
           </a:xfrm>
           <a:prstGeom prst="rect">
@@ -32443,7 +32443,7 @@
           <a:graphicData uri="http://schemas.openxmlformats.org/presentationml/2006/ole">
             <mc:AlternateContent xmlns:mc="http://schemas.openxmlformats.org/markup-compatibility/2006">
               <mc:Choice xmlns:v="urn:schemas-microsoft-com:vml" Requires="v">
-                <p:oleObj spid="_x0000_s1101" name="EcuaciÛn" r:id="rId7" imgW="114300" imgH="165100" progId="Equation.3">
+                <p:oleObj spid="_x0000_s1103" name="EcuaciÛn" r:id="rId7" imgW="114300" imgH="165100" progId="Equation.3">
                   <p:embed/>
                 </p:oleObj>
               </mc:Choice>
@@ -48457,7 +48457,7 @@
         </p:nvCxnSpPr>
         <p:spPr>
           <a:xfrm flipH="1" flipV="1">
-            <a:off x="4887035" y="1313765"/>
+            <a:off x="6007734" y="1313765"/>
             <a:ext cx="0" cy="920311"/>
           </a:xfrm>
           <a:prstGeom prst="straightConnector1">
@@ -48493,7 +48493,7 @@
         </p:nvCxnSpPr>
         <p:spPr>
           <a:xfrm>
-            <a:off x="1016605" y="2217167"/>
+            <a:off x="2137304" y="2217167"/>
             <a:ext cx="0" cy="872662"/>
           </a:xfrm>
           <a:prstGeom prst="straightConnector1">
@@ -48529,7 +48529,7 @@
         </p:nvSpPr>
         <p:spPr>
           <a:xfrm>
-            <a:off x="1254979" y="2235769"/>
+            <a:off x="2375678" y="2235769"/>
             <a:ext cx="301686" cy="369332"/>
           </a:xfrm>
           <a:prstGeom prst="rect">
@@ -48558,7 +48558,7 @@
         </p:nvCxnSpPr>
         <p:spPr>
           <a:xfrm>
-            <a:off x="992947" y="2217167"/>
+            <a:off x="2113646" y="2217167"/>
             <a:ext cx="3894087" cy="0"/>
           </a:xfrm>
           <a:prstGeom prst="straightConnector1">
@@ -48594,7 +48594,7 @@
         </p:nvSpPr>
         <p:spPr>
           <a:xfrm>
-            <a:off x="2758558" y="2032736"/>
+            <a:off x="3879257" y="2032736"/>
             <a:ext cx="530915" cy="369332"/>
           </a:xfrm>
           <a:prstGeom prst="rect">
@@ -48618,8 +48618,8 @@
           </a:p>
         </p:txBody>
       </p:sp>
-      <mc:AlternateContent xmlns:mc="http://schemas.openxmlformats.org/markup-compatibility/2006" xmlns:a14="http://schemas.microsoft.com/office/drawing/2010/main">
-        <mc:Choice Requires="a14">
+      <mc:AlternateContent xmlns:mc="http://schemas.openxmlformats.org/markup-compatibility/2006">
+        <mc:Choice xmlns:a14="http://schemas.microsoft.com/office/drawing/2010/main" Requires="a14">
           <p:sp>
             <p:nvSpPr>
               <p:cNvPr id="8" name="7 Rectángulo"/>
@@ -48628,7 +48628,7 @@
             </p:nvSpPr>
             <p:spPr>
               <a:xfrm>
-                <a:off x="3433414" y="2235769"/>
+                <a:off x="4554113" y="2235769"/>
                 <a:ext cx="778546" cy="369332"/>
               </a:xfrm>
               <a:prstGeom prst="rect">
@@ -48668,7 +48668,7 @@
             </p:txBody>
           </p:sp>
         </mc:Choice>
-        <mc:Fallback xmlns="">
+        <mc:Fallback>
           <p:sp>
             <p:nvSpPr>
               <p:cNvPr id="8" name="7 Rectángulo"/>
@@ -48679,7 +48679,7 @@
             </p:nvSpPr>
             <p:spPr>
               <a:xfrm>
-                <a:off x="3433414" y="2235769"/>
+                <a:off x="4554113" y="2235769"/>
                 <a:ext cx="778546" cy="369332"/>
               </a:xfrm>
               <a:prstGeom prst="rect">
@@ -48707,8 +48707,8 @@
           </p:sp>
         </mc:Fallback>
       </mc:AlternateContent>
-      <mc:AlternateContent xmlns:mc="http://schemas.openxmlformats.org/markup-compatibility/2006" xmlns:a14="http://schemas.microsoft.com/office/drawing/2010/main">
-        <mc:Choice Requires="a14">
+      <mc:AlternateContent xmlns:mc="http://schemas.openxmlformats.org/markup-compatibility/2006">
+        <mc:Choice xmlns:a14="http://schemas.microsoft.com/office/drawing/2010/main" Requires="a14">
           <p:sp>
             <p:nvSpPr>
               <p:cNvPr id="9" name="8 Rectángulo"/>
@@ -48717,7 +48717,7 @@
             </p:nvSpPr>
             <p:spPr>
               <a:xfrm>
-                <a:off x="4332425" y="2234076"/>
+                <a:off x="5453124" y="2234076"/>
                 <a:ext cx="374590" cy="369332"/>
               </a:xfrm>
               <a:prstGeom prst="rect">
@@ -48751,7 +48751,7 @@
             </p:txBody>
           </p:sp>
         </mc:Choice>
-        <mc:Fallback xmlns="">
+        <mc:Fallback>
           <p:sp>
             <p:nvSpPr>
               <p:cNvPr id="9" name="8 Rectángulo"/>
@@ -48762,7 +48762,7 @@
             </p:nvSpPr>
             <p:spPr>
               <a:xfrm>
-                <a:off x="4332425" y="2234076"/>
+                <a:off x="5453124" y="2234076"/>
                 <a:ext cx="374590" cy="369332"/>
               </a:xfrm>
               <a:prstGeom prst="rect">
@@ -48798,7 +48798,7 @@
         </p:nvCxnSpPr>
         <p:spPr>
           <a:xfrm flipH="1" flipV="1">
-            <a:off x="1017085" y="2084137"/>
+            <a:off x="2137784" y="2084137"/>
             <a:ext cx="0" cy="249419"/>
           </a:xfrm>
           <a:prstGeom prst="line">
@@ -48833,7 +48833,7 @@
         </p:nvSpPr>
         <p:spPr>
           <a:xfrm>
-            <a:off x="2006715" y="2234076"/>
+            <a:off x="3127414" y="2234076"/>
             <a:ext cx="301686" cy="369332"/>
           </a:xfrm>
           <a:prstGeom prst="rect">
@@ -48855,8 +48855,8 @@
           </a:p>
         </p:txBody>
       </p:sp>
-      <mc:AlternateContent xmlns:mc="http://schemas.openxmlformats.org/markup-compatibility/2006" xmlns:a14="http://schemas.microsoft.com/office/drawing/2010/main">
-        <mc:Choice Requires="a14">
+      <mc:AlternateContent xmlns:mc="http://schemas.openxmlformats.org/markup-compatibility/2006">
+        <mc:Choice xmlns:a14="http://schemas.microsoft.com/office/drawing/2010/main" Requires="a14">
           <p:sp>
             <p:nvSpPr>
               <p:cNvPr id="20" name="19 Rectángulo"/>
@@ -48865,15 +48865,15 @@
             </p:nvSpPr>
             <p:spPr>
               <a:xfrm>
-                <a:off x="4662010" y="959525"/>
-                <a:ext cx="409471" cy="400110"/>
+                <a:off x="4834283" y="1006134"/>
+                <a:ext cx="2346900" cy="400110"/>
               </a:xfrm>
               <a:prstGeom prst="rect">
                 <a:avLst/>
               </a:prstGeom>
             </p:spPr>
             <p:txBody>
-              <a:bodyPr wrap="none">
+              <a:bodyPr wrap="square">
                 <a:spAutoFit/>
               </a:bodyPr>
               <a:lstStyle/>
@@ -48899,7 +48899,7 @@
             </p:txBody>
           </p:sp>
         </mc:Choice>
-        <mc:Fallback xmlns="">
+        <mc:Fallback>
           <p:sp>
             <p:nvSpPr>
               <p:cNvPr id="20" name="19 Rectángulo"/>
@@ -48910,8 +48910,8 @@
             </p:nvSpPr>
             <p:spPr>
               <a:xfrm>
-                <a:off x="4662010" y="959525"/>
-                <a:ext cx="409471" cy="400110"/>
+                <a:off x="4834283" y="1006134"/>
+                <a:ext cx="2346900" cy="400110"/>
               </a:xfrm>
               <a:prstGeom prst="rect">
                 <a:avLst/>
@@ -48938,8 +48938,8 @@
           </p:sp>
         </mc:Fallback>
       </mc:AlternateContent>
-      <mc:AlternateContent xmlns:mc="http://schemas.openxmlformats.org/markup-compatibility/2006" xmlns:a14="http://schemas.microsoft.com/office/drawing/2010/main">
-        <mc:Choice Requires="a14">
+      <mc:AlternateContent xmlns:mc="http://schemas.openxmlformats.org/markup-compatibility/2006">
+        <mc:Choice xmlns:a14="http://schemas.microsoft.com/office/drawing/2010/main" Requires="a14">
           <p:sp>
             <p:nvSpPr>
               <p:cNvPr id="23" name="22 Rectángulo"/>
@@ -48948,15 +48948,15 @@
             </p:nvSpPr>
             <p:spPr>
               <a:xfrm>
-                <a:off x="791580" y="3113965"/>
-                <a:ext cx="407355" cy="400110"/>
+                <a:off x="934446" y="3106737"/>
+                <a:ext cx="2412194" cy="400110"/>
               </a:xfrm>
               <a:prstGeom prst="rect">
                 <a:avLst/>
               </a:prstGeom>
             </p:spPr>
             <p:txBody>
-              <a:bodyPr wrap="none">
+              <a:bodyPr wrap="square">
                 <a:spAutoFit/>
               </a:bodyPr>
               <a:lstStyle/>
@@ -48982,7 +48982,7 @@
             </p:txBody>
           </p:sp>
         </mc:Choice>
-        <mc:Fallback xmlns="">
+        <mc:Fallback>
           <p:sp>
             <p:nvSpPr>
               <p:cNvPr id="23" name="22 Rectángulo"/>
@@ -48993,8 +48993,8 @@
             </p:nvSpPr>
             <p:spPr>
               <a:xfrm>
-                <a:off x="791580" y="3113965"/>
-                <a:ext cx="407355" cy="400110"/>
+                <a:off x="934446" y="3106737"/>
+                <a:ext cx="2412194" cy="400110"/>
               </a:xfrm>
               <a:prstGeom prst="rect">
                 <a:avLst/>
@@ -49055,7 +49055,7 @@
         </p:nvCxnSpPr>
         <p:spPr>
           <a:xfrm flipH="1" flipV="1">
-            <a:off x="1736685" y="2078850"/>
+            <a:off x="2857384" y="2078850"/>
             <a:ext cx="0" cy="249419"/>
           </a:xfrm>
           <a:prstGeom prst="line">
@@ -49090,7 +49090,7 @@
         </p:nvCxnSpPr>
         <p:spPr>
           <a:xfrm flipH="1" flipV="1">
-            <a:off x="2456765" y="2078850"/>
+            <a:off x="3577464" y="2078850"/>
             <a:ext cx="0" cy="249419"/>
           </a:xfrm>
           <a:prstGeom prst="line">
@@ -49125,7 +49125,7 @@
         </p:nvCxnSpPr>
         <p:spPr>
           <a:xfrm flipH="1" flipV="1">
-            <a:off x="3446875" y="2078850"/>
+            <a:off x="4567574" y="2078850"/>
             <a:ext cx="0" cy="249419"/>
           </a:xfrm>
           <a:prstGeom prst="line">
@@ -49160,7 +49160,7 @@
         </p:nvCxnSpPr>
         <p:spPr>
           <a:xfrm flipH="1" flipV="1">
-            <a:off x="4166955" y="2078850"/>
+            <a:off x="5287654" y="2078850"/>
             <a:ext cx="0" cy="249419"/>
           </a:xfrm>
           <a:prstGeom prst="line">
@@ -49195,7 +49195,7 @@
         </p:nvCxnSpPr>
         <p:spPr>
           <a:xfrm flipH="1" flipV="1">
-            <a:off x="4887035" y="2078850"/>
+            <a:off x="6007734" y="2078850"/>
             <a:ext cx="0" cy="249419"/>
           </a:xfrm>
           <a:prstGeom prst="line">
@@ -53347,7 +53347,7 @@
         </p:nvCxnSpPr>
         <p:spPr>
           <a:xfrm flipH="1" flipV="1">
-            <a:off x="3176845" y="908719"/>
+            <a:off x="5271812" y="908719"/>
             <a:ext cx="0" cy="723383"/>
           </a:xfrm>
           <a:prstGeom prst="straightConnector1">
@@ -53383,7 +53383,7 @@
         </p:nvCxnSpPr>
         <p:spPr>
           <a:xfrm flipH="1" flipV="1">
-            <a:off x="2450483" y="908719"/>
+            <a:off x="4545450" y="908719"/>
             <a:ext cx="0" cy="723383"/>
           </a:xfrm>
           <a:prstGeom prst="straightConnector1">
@@ -53491,7 +53491,7 @@
         </p:nvCxnSpPr>
         <p:spPr>
           <a:xfrm flipH="1" flipV="1">
-            <a:off x="1736685" y="908720"/>
+            <a:off x="3831652" y="908720"/>
             <a:ext cx="0" cy="723383"/>
           </a:xfrm>
           <a:prstGeom prst="straightConnector1">
@@ -53527,7 +53527,7 @@
         </p:nvCxnSpPr>
         <p:spPr>
           <a:xfrm>
-            <a:off x="1016605" y="1632102"/>
+            <a:off x="3111572" y="1632102"/>
             <a:ext cx="480" cy="1031813"/>
           </a:xfrm>
           <a:prstGeom prst="straightConnector1">
@@ -53563,7 +53563,7 @@
         </p:nvSpPr>
         <p:spPr>
           <a:xfrm>
-            <a:off x="1254979" y="1650704"/>
+            <a:off x="3349946" y="1650704"/>
             <a:ext cx="301686" cy="369332"/>
           </a:xfrm>
           <a:prstGeom prst="rect">
@@ -53592,7 +53592,7 @@
         </p:nvCxnSpPr>
         <p:spPr>
           <a:xfrm>
-            <a:off x="992947" y="1632102"/>
+            <a:off x="3087914" y="1632102"/>
             <a:ext cx="2768963" cy="0"/>
           </a:xfrm>
           <a:prstGeom prst="straightConnector1">
@@ -53628,7 +53628,7 @@
         </p:nvCxnSpPr>
         <p:spPr>
           <a:xfrm flipH="1" flipV="1">
-            <a:off x="1017085" y="1499072"/>
+            <a:off x="3112052" y="1499072"/>
             <a:ext cx="0" cy="249419"/>
           </a:xfrm>
           <a:prstGeom prst="line">
@@ -53663,7 +53663,7 @@
         </p:nvSpPr>
         <p:spPr>
           <a:xfrm>
-            <a:off x="2006715" y="1649011"/>
+            <a:off x="4101682" y="1649011"/>
             <a:ext cx="301686" cy="369332"/>
           </a:xfrm>
           <a:prstGeom prst="rect">
@@ -53685,8 +53685,8 @@
           </a:p>
         </p:txBody>
       </p:sp>
-      <mc:AlternateContent xmlns:mc="http://schemas.openxmlformats.org/markup-compatibility/2006" xmlns:a14="http://schemas.microsoft.com/office/drawing/2010/main">
-        <mc:Choice Requires="a14">
+      <mc:AlternateContent xmlns:mc="http://schemas.openxmlformats.org/markup-compatibility/2006">
+        <mc:Choice xmlns:a14="http://schemas.microsoft.com/office/drawing/2010/main" Requires="a14">
           <p:sp>
             <p:nvSpPr>
               <p:cNvPr id="23" name="22 Rectángulo"/>
@@ -53695,15 +53695,15 @@
             </p:nvSpPr>
             <p:spPr>
               <a:xfrm>
-                <a:off x="834275" y="2708920"/>
-                <a:ext cx="407355" cy="400110"/>
+                <a:off x="808720" y="2663915"/>
+                <a:ext cx="2482873" cy="400110"/>
               </a:xfrm>
               <a:prstGeom prst="rect">
                 <a:avLst/>
               </a:prstGeom>
             </p:spPr>
             <p:txBody>
-              <a:bodyPr wrap="none">
+              <a:bodyPr wrap="square">
                 <a:spAutoFit/>
               </a:bodyPr>
               <a:lstStyle/>
@@ -53712,7 +53712,7 @@
                 <a14:m>
                   <m:oMathPara xmlns:m="http://schemas.openxmlformats.org/officeDocument/2006/math">
                     <m:oMathParaPr>
-                      <m:jc m:val="center"/>
+                      <m:jc m:val="right"/>
                     </m:oMathParaPr>
                     <m:oMath xmlns:m="http://schemas.openxmlformats.org/officeDocument/2006/math">
                       <m:r>
@@ -53729,7 +53729,7 @@
             </p:txBody>
           </p:sp>
         </mc:Choice>
-        <mc:Fallback xmlns="">
+        <mc:Fallback>
           <p:sp>
             <p:nvSpPr>
               <p:cNvPr id="23" name="22 Rectángulo"/>
@@ -53740,8 +53740,8 @@
             </p:nvSpPr>
             <p:spPr>
               <a:xfrm>
-                <a:off x="834275" y="2708920"/>
-                <a:ext cx="407355" cy="400110"/>
+                <a:off x="808720" y="2663915"/>
+                <a:ext cx="2482873" cy="400110"/>
               </a:xfrm>
               <a:prstGeom prst="rect">
                 <a:avLst/>
@@ -53802,7 +53802,7 @@
         </p:nvCxnSpPr>
         <p:spPr>
           <a:xfrm flipH="1" flipV="1">
-            <a:off x="1736685" y="1493785"/>
+            <a:off x="3831652" y="1493785"/>
             <a:ext cx="0" cy="249419"/>
           </a:xfrm>
           <a:prstGeom prst="line">
@@ -53837,7 +53837,7 @@
         </p:nvCxnSpPr>
         <p:spPr>
           <a:xfrm flipH="1" flipV="1">
-            <a:off x="2456765" y="1493785"/>
+            <a:off x="4551732" y="1493785"/>
             <a:ext cx="0" cy="249419"/>
           </a:xfrm>
           <a:prstGeom prst="line">
@@ -53872,7 +53872,7 @@
         </p:nvSpPr>
         <p:spPr>
           <a:xfrm>
-            <a:off x="2726795" y="1664513"/>
+            <a:off x="4821762" y="1664513"/>
             <a:ext cx="301686" cy="369332"/>
           </a:xfrm>
           <a:prstGeom prst="rect">
@@ -53902,7 +53902,7 @@
         </p:nvCxnSpPr>
         <p:spPr>
           <a:xfrm flipH="1" flipV="1">
-            <a:off x="3176845" y="1514396"/>
+            <a:off x="5271812" y="1514396"/>
             <a:ext cx="0" cy="249419"/>
           </a:xfrm>
           <a:prstGeom prst="line">
@@ -53937,8 +53937,8 @@
         </p:nvSpPr>
         <p:spPr>
           <a:xfrm>
-            <a:off x="3611303" y="1448780"/>
-            <a:ext cx="530915" cy="369332"/>
+            <a:off x="5706270" y="1448780"/>
+            <a:ext cx="2286110" cy="369332"/>
           </a:xfrm>
           <a:prstGeom prst="rect">
             <a:avLst/>
@@ -53948,7 +53948,7 @@
           </a:solidFill>
         </p:spPr>
         <p:txBody>
-          <a:bodyPr wrap="none" rtlCol="0">
+          <a:bodyPr wrap="square" rtlCol="0">
             <a:spAutoFit/>
           </a:bodyPr>
           <a:lstStyle/>
@@ -53961,8 +53961,8 @@
           </a:p>
         </p:txBody>
       </p:sp>
-      <mc:AlternateContent xmlns:mc="http://schemas.openxmlformats.org/markup-compatibility/2006" xmlns:a14="http://schemas.microsoft.com/office/drawing/2010/main">
-        <mc:Choice Requires="a14">
+      <mc:AlternateContent xmlns:mc="http://schemas.openxmlformats.org/markup-compatibility/2006">
+        <mc:Choice xmlns:a14="http://schemas.microsoft.com/office/drawing/2010/main" Requires="a14">
           <p:sp>
             <p:nvSpPr>
               <p:cNvPr id="42" name="22 Rectángulo"/>
@@ -53971,7 +53971,7 @@
             </p:nvSpPr>
             <p:spPr>
               <a:xfrm>
-                <a:off x="1554932" y="463605"/>
+                <a:off x="3649899" y="463605"/>
                 <a:ext cx="406778" cy="400110"/>
               </a:xfrm>
               <a:prstGeom prst="rect">
@@ -54005,7 +54005,7 @@
             </p:txBody>
           </p:sp>
         </mc:Choice>
-        <mc:Fallback xmlns="">
+        <mc:Fallback>
           <p:sp>
             <p:nvSpPr>
               <p:cNvPr id="42" name="22 Rectángulo"/>
@@ -54016,7 +54016,7 @@
             </p:nvSpPr>
             <p:spPr>
               <a:xfrm>
-                <a:off x="1554932" y="463605"/>
+                <a:off x="3649899" y="463605"/>
                 <a:ext cx="406778" cy="400110"/>
               </a:xfrm>
               <a:prstGeom prst="rect">
@@ -54044,8 +54044,8 @@
           </p:sp>
         </mc:Fallback>
       </mc:AlternateContent>
-      <mc:AlternateContent xmlns:mc="http://schemas.openxmlformats.org/markup-compatibility/2006" xmlns:a14="http://schemas.microsoft.com/office/drawing/2010/main">
-        <mc:Choice Requires="a14">
+      <mc:AlternateContent xmlns:mc="http://schemas.openxmlformats.org/markup-compatibility/2006">
+        <mc:Choice xmlns:a14="http://schemas.microsoft.com/office/drawing/2010/main" Requires="a14">
           <p:sp>
             <p:nvSpPr>
               <p:cNvPr id="43" name="22 Rectángulo"/>
@@ -54054,7 +54054,7 @@
             </p:nvSpPr>
             <p:spPr>
               <a:xfrm>
-                <a:off x="2275012" y="463605"/>
+                <a:off x="4369979" y="463605"/>
                 <a:ext cx="406778" cy="400110"/>
               </a:xfrm>
               <a:prstGeom prst="rect">
@@ -54088,7 +54088,7 @@
             </p:txBody>
           </p:sp>
         </mc:Choice>
-        <mc:Fallback xmlns="">
+        <mc:Fallback>
           <p:sp>
             <p:nvSpPr>
               <p:cNvPr id="43" name="22 Rectángulo"/>
@@ -54099,14 +54099,14 @@
             </p:nvSpPr>
             <p:spPr>
               <a:xfrm>
-                <a:off x="2275012" y="463605"/>
+                <a:off x="4369979" y="463605"/>
                 <a:ext cx="406778" cy="400110"/>
               </a:xfrm>
               <a:prstGeom prst="rect">
                 <a:avLst/>
               </a:prstGeom>
               <a:blipFill rotWithShape="0">
-                <a:blip r:embed="rId3"/>
+                <a:blip r:embed="rId4"/>
                 <a:stretch>
                   <a:fillRect/>
                 </a:stretch>
@@ -54127,8 +54127,8 @@
           </p:sp>
         </mc:Fallback>
       </mc:AlternateContent>
-      <mc:AlternateContent xmlns:mc="http://schemas.openxmlformats.org/markup-compatibility/2006" xmlns:a14="http://schemas.microsoft.com/office/drawing/2010/main">
-        <mc:Choice Requires="a14">
+      <mc:AlternateContent xmlns:mc="http://schemas.openxmlformats.org/markup-compatibility/2006">
+        <mc:Choice xmlns:a14="http://schemas.microsoft.com/office/drawing/2010/main" Requires="a14">
           <p:sp>
             <p:nvSpPr>
               <p:cNvPr id="44" name="22 Rectángulo"/>
@@ -54137,7 +54137,7 @@
             </p:nvSpPr>
             <p:spPr>
               <a:xfrm>
-                <a:off x="2995092" y="458670"/>
+                <a:off x="5090059" y="458670"/>
                 <a:ext cx="406778" cy="400110"/>
               </a:xfrm>
               <a:prstGeom prst="rect">
@@ -54171,7 +54171,7 @@
             </p:txBody>
           </p:sp>
         </mc:Choice>
-        <mc:Fallback xmlns="">
+        <mc:Fallback>
           <p:sp>
             <p:nvSpPr>
               <p:cNvPr id="44" name="22 Rectángulo"/>
@@ -54182,14 +54182,14 @@
             </p:nvSpPr>
             <p:spPr>
               <a:xfrm>
-                <a:off x="2995092" y="458670"/>
+                <a:off x="5090059" y="458670"/>
                 <a:ext cx="406778" cy="400110"/>
               </a:xfrm>
               <a:prstGeom prst="rect">
                 <a:avLst/>
               </a:prstGeom>
               <a:blipFill rotWithShape="0">
-                <a:blip r:embed="rId3"/>
+                <a:blip r:embed="rId4"/>
                 <a:stretch>
                   <a:fillRect/>
                 </a:stretch>
@@ -57710,8 +57710,8 @@
         </p:nvSpPr>
         <p:spPr>
           <a:xfrm>
-            <a:off x="2072467" y="1967403"/>
-            <a:ext cx="853119" cy="461665"/>
+            <a:off x="677573" y="1991108"/>
+            <a:ext cx="3437519" cy="461665"/>
           </a:xfrm>
           <a:prstGeom prst="rect">
             <a:avLst/>
@@ -57719,11 +57719,12 @@
           <a:noFill/>
         </p:spPr>
         <p:txBody>
-          <a:bodyPr wrap="none" rtlCol="0">
+          <a:bodyPr wrap="square" rtlCol="0">
             <a:spAutoFit/>
           </a:bodyPr>
           <a:lstStyle/>
           <a:p>
+            <a:pPr algn="ctr"/>
             <a:r>
               <a:rPr lang="es-CO" sz="2400" i="1" dirty="0" smtClean="0">
                 <a:latin typeface="Cambria Math" charset="0"/>
@@ -57764,8 +57765,8 @@
         </p:nvSpPr>
         <p:spPr>
           <a:xfrm>
-            <a:off x="5022050" y="548680"/>
-            <a:ext cx="1616148" cy="461665"/>
+            <a:off x="5022049" y="548680"/>
+            <a:ext cx="2565285" cy="461665"/>
           </a:xfrm>
           <a:prstGeom prst="rect">
             <a:avLst/>
@@ -57773,7 +57774,7 @@
           <a:noFill/>
         </p:spPr>
         <p:txBody>
-          <a:bodyPr wrap="none" rtlCol="0">
+          <a:bodyPr wrap="square" rtlCol="0">
             <a:spAutoFit/>
           </a:bodyPr>
           <a:lstStyle/>

--- a/images/graficas.pptx
+++ b/images/graficas.pptx
@@ -245,7 +245,7 @@
           <a:p>
             <a:fld id="{4D8A9ACC-0CD2-4945-9894-66EAD83B6F00}" type="datetimeFigureOut">
               <a:rPr lang="es-CO" smtClean="0"/>
-              <a:t>1/07/17</a:t>
+              <a:t>4/07/17</a:t>
             </a:fld>
             <a:endParaRPr lang="es-CO"/>
           </a:p>
@@ -694,7 +694,7 @@
           <a:p>
             <a:fld id="{7A847CFC-816F-41D0-AAC0-9BF4FEBC753E}" type="datetimeFigureOut">
               <a:rPr lang="es-ES" smtClean="0"/>
-              <a:t>1/7/17</a:t>
+              <a:t>4/7/17</a:t>
             </a:fld>
             <a:endParaRPr lang="es-ES"/>
           </a:p>
@@ -859,7 +859,7 @@
           <a:p>
             <a:fld id="{7A847CFC-816F-41D0-AAC0-9BF4FEBC753E}" type="datetimeFigureOut">
               <a:rPr lang="es-ES" smtClean="0"/>
-              <a:t>1/7/17</a:t>
+              <a:t>4/7/17</a:t>
             </a:fld>
             <a:endParaRPr lang="es-ES"/>
           </a:p>
@@ -1034,7 +1034,7 @@
           <a:p>
             <a:fld id="{7A847CFC-816F-41D0-AAC0-9BF4FEBC753E}" type="datetimeFigureOut">
               <a:rPr lang="es-ES" smtClean="0"/>
-              <a:t>1/7/17</a:t>
+              <a:t>4/7/17</a:t>
             </a:fld>
             <a:endParaRPr lang="es-ES"/>
           </a:p>
@@ -1199,7 +1199,7 @@
           <a:p>
             <a:fld id="{7A847CFC-816F-41D0-AAC0-9BF4FEBC753E}" type="datetimeFigureOut">
               <a:rPr lang="es-ES" smtClean="0"/>
-              <a:t>1/7/17</a:t>
+              <a:t>4/7/17</a:t>
             </a:fld>
             <a:endParaRPr lang="es-ES"/>
           </a:p>
@@ -1440,7 +1440,7 @@
           <a:p>
             <a:fld id="{7A847CFC-816F-41D0-AAC0-9BF4FEBC753E}" type="datetimeFigureOut">
               <a:rPr lang="es-ES" smtClean="0"/>
-              <a:t>1/7/17</a:t>
+              <a:t>4/7/17</a:t>
             </a:fld>
             <a:endParaRPr lang="es-ES"/>
           </a:p>
@@ -1723,7 +1723,7 @@
           <a:p>
             <a:fld id="{7A847CFC-816F-41D0-AAC0-9BF4FEBC753E}" type="datetimeFigureOut">
               <a:rPr lang="es-ES" smtClean="0"/>
-              <a:t>1/7/17</a:t>
+              <a:t>4/7/17</a:t>
             </a:fld>
             <a:endParaRPr lang="es-ES"/>
           </a:p>
@@ -2140,7 +2140,7 @@
           <a:p>
             <a:fld id="{7A847CFC-816F-41D0-AAC0-9BF4FEBC753E}" type="datetimeFigureOut">
               <a:rPr lang="es-ES" smtClean="0"/>
-              <a:t>1/7/17</a:t>
+              <a:t>4/7/17</a:t>
             </a:fld>
             <a:endParaRPr lang="es-ES"/>
           </a:p>
@@ -2253,7 +2253,7 @@
           <a:p>
             <a:fld id="{7A847CFC-816F-41D0-AAC0-9BF4FEBC753E}" type="datetimeFigureOut">
               <a:rPr lang="es-ES" smtClean="0"/>
-              <a:t>1/7/17</a:t>
+              <a:t>4/7/17</a:t>
             </a:fld>
             <a:endParaRPr lang="es-ES"/>
           </a:p>
@@ -2343,7 +2343,7 @@
           <a:p>
             <a:fld id="{7A847CFC-816F-41D0-AAC0-9BF4FEBC753E}" type="datetimeFigureOut">
               <a:rPr lang="es-ES" smtClean="0"/>
-              <a:t>1/7/17</a:t>
+              <a:t>4/7/17</a:t>
             </a:fld>
             <a:endParaRPr lang="es-ES"/>
           </a:p>
@@ -2622,7 +2622,7 @@
           <a:p>
             <a:fld id="{7A847CFC-816F-41D0-AAC0-9BF4FEBC753E}" type="datetimeFigureOut">
               <a:rPr lang="es-ES" smtClean="0"/>
-              <a:t>1/7/17</a:t>
+              <a:t>4/7/17</a:t>
             </a:fld>
             <a:endParaRPr lang="es-ES"/>
           </a:p>
@@ -2870,7 +2870,7 @@
           <a:p>
             <a:fld id="{7A847CFC-816F-41D0-AAC0-9BF4FEBC753E}" type="datetimeFigureOut">
               <a:rPr lang="es-ES" smtClean="0"/>
-              <a:t>1/7/17</a:t>
+              <a:t>4/7/17</a:t>
             </a:fld>
             <a:endParaRPr lang="es-ES"/>
           </a:p>
@@ -3078,7 +3078,7 @@
           <a:p>
             <a:fld id="{7A847CFC-816F-41D0-AAC0-9BF4FEBC753E}" type="datetimeFigureOut">
               <a:rPr lang="es-ES" smtClean="0"/>
-              <a:t>1/7/17</a:t>
+              <a:t>4/7/17</a:t>
             </a:fld>
             <a:endParaRPr lang="es-ES"/>
           </a:p>
@@ -8531,8 +8531,8 @@
           </a:p>
         </p:txBody>
       </p:sp>
-      <mc:AlternateContent xmlns:mc="http://schemas.openxmlformats.org/markup-compatibility/2006">
-        <mc:Choice xmlns:a14="http://schemas.microsoft.com/office/drawing/2010/main" Requires="a14">
+      <mc:AlternateContent xmlns:mc="http://schemas.openxmlformats.org/markup-compatibility/2006" xmlns:a14="http://schemas.microsoft.com/office/drawing/2010/main">
+        <mc:Choice Requires="a14">
           <p:sp>
             <p:nvSpPr>
               <p:cNvPr id="42" name="22 Rectángulo"/>
@@ -8575,7 +8575,7 @@
             </p:txBody>
           </p:sp>
         </mc:Choice>
-        <mc:Fallback>
+        <mc:Fallback xmlns="">
           <p:sp>
             <p:nvSpPr>
               <p:cNvPr id="42" name="22 Rectángulo"/>
@@ -8614,8 +8614,8 @@
           </p:sp>
         </mc:Fallback>
       </mc:AlternateContent>
-      <mc:AlternateContent xmlns:mc="http://schemas.openxmlformats.org/markup-compatibility/2006">
-        <mc:Choice xmlns:a14="http://schemas.microsoft.com/office/drawing/2010/main" Requires="a14">
+      <mc:AlternateContent xmlns:mc="http://schemas.openxmlformats.org/markup-compatibility/2006" xmlns:a14="http://schemas.microsoft.com/office/drawing/2010/main">
+        <mc:Choice Requires="a14">
           <p:sp>
             <p:nvSpPr>
               <p:cNvPr id="43" name="22 Rectángulo"/>
@@ -8658,7 +8658,7 @@
             </p:txBody>
           </p:sp>
         </mc:Choice>
-        <mc:Fallback>
+        <mc:Fallback xmlns="">
           <p:sp>
             <p:nvSpPr>
               <p:cNvPr id="43" name="22 Rectángulo"/>
@@ -8697,8 +8697,8 @@
           </p:sp>
         </mc:Fallback>
       </mc:AlternateContent>
-      <mc:AlternateContent xmlns:mc="http://schemas.openxmlformats.org/markup-compatibility/2006">
-        <mc:Choice xmlns:a14="http://schemas.microsoft.com/office/drawing/2010/main" Requires="a14">
+      <mc:AlternateContent xmlns:mc="http://schemas.openxmlformats.org/markup-compatibility/2006" xmlns:a14="http://schemas.microsoft.com/office/drawing/2010/main">
+        <mc:Choice Requires="a14">
           <p:sp>
             <p:nvSpPr>
               <p:cNvPr id="44" name="22 Rectángulo"/>
@@ -8741,7 +8741,7 @@
             </p:txBody>
           </p:sp>
         </mc:Choice>
-        <mc:Fallback>
+        <mc:Fallback xmlns="">
           <p:sp>
             <p:nvSpPr>
               <p:cNvPr id="44" name="22 Rectángulo"/>
@@ -9060,8 +9060,8 @@
           </a:p>
         </p:txBody>
       </p:sp>
-      <mc:AlternateContent xmlns:mc="http://schemas.openxmlformats.org/markup-compatibility/2006">
-        <mc:Choice xmlns:a14="http://schemas.microsoft.com/office/drawing/2010/main" Requires="a14">
+      <mc:AlternateContent xmlns:mc="http://schemas.openxmlformats.org/markup-compatibility/2006" xmlns:a14="http://schemas.microsoft.com/office/drawing/2010/main">
+        <mc:Choice Requires="a14">
           <p:sp>
             <p:nvSpPr>
               <p:cNvPr id="46" name="22 Rectángulo"/>
@@ -9110,7 +9110,7 @@
             </p:txBody>
           </p:sp>
         </mc:Choice>
-        <mc:Fallback>
+        <mc:Fallback xmlns="">
           <p:sp>
             <p:nvSpPr>
               <p:cNvPr id="46" name="22 Rectángulo"/>
@@ -9149,8 +9149,8 @@
           </p:sp>
         </mc:Fallback>
       </mc:AlternateContent>
-      <mc:AlternateContent xmlns:mc="http://schemas.openxmlformats.org/markup-compatibility/2006">
-        <mc:Choice xmlns:a14="http://schemas.microsoft.com/office/drawing/2010/main" Requires="a14">
+      <mc:AlternateContent xmlns:mc="http://schemas.openxmlformats.org/markup-compatibility/2006" xmlns:a14="http://schemas.microsoft.com/office/drawing/2010/main">
+        <mc:Choice Requires="a14">
           <p:sp>
             <p:nvSpPr>
               <p:cNvPr id="47" name="22 Rectángulo"/>
@@ -9199,7 +9199,7 @@
             </p:txBody>
           </p:sp>
         </mc:Choice>
-        <mc:Fallback>
+        <mc:Fallback xmlns="">
           <p:sp>
             <p:nvSpPr>
               <p:cNvPr id="47" name="22 Rectángulo"/>
@@ -9238,8 +9238,8 @@
           </p:sp>
         </mc:Fallback>
       </mc:AlternateContent>
-      <mc:AlternateContent xmlns:mc="http://schemas.openxmlformats.org/markup-compatibility/2006">
-        <mc:Choice xmlns:a14="http://schemas.microsoft.com/office/drawing/2010/main" Requires="a14">
+      <mc:AlternateContent xmlns:mc="http://schemas.openxmlformats.org/markup-compatibility/2006" xmlns:a14="http://schemas.microsoft.com/office/drawing/2010/main">
+        <mc:Choice Requires="a14">
           <p:sp>
             <p:nvSpPr>
               <p:cNvPr id="48" name="22 Rectángulo"/>
@@ -9288,7 +9288,7 @@
             </p:txBody>
           </p:sp>
         </mc:Choice>
-        <mc:Fallback>
+        <mc:Fallback xmlns="">
           <p:sp>
             <p:nvSpPr>
               <p:cNvPr id="48" name="22 Rectángulo"/>
@@ -9574,8 +9574,8 @@
           </a:p>
         </p:txBody>
       </p:sp>
-      <mc:AlternateContent xmlns:mc="http://schemas.openxmlformats.org/markup-compatibility/2006">
-        <mc:Choice xmlns:a14="http://schemas.microsoft.com/office/drawing/2010/main" Requires="a14">
+      <mc:AlternateContent xmlns:mc="http://schemas.openxmlformats.org/markup-compatibility/2006" xmlns:a14="http://schemas.microsoft.com/office/drawing/2010/main">
+        <mc:Choice Requires="a14">
           <p:sp>
             <p:nvSpPr>
               <p:cNvPr id="62" name="22 Rectángulo"/>
@@ -9618,7 +9618,7 @@
             </p:txBody>
           </p:sp>
         </mc:Choice>
-        <mc:Fallback>
+        <mc:Fallback xmlns="">
           <p:sp>
             <p:nvSpPr>
               <p:cNvPr id="62" name="22 Rectángulo"/>
@@ -9657,8 +9657,8 @@
           </p:sp>
         </mc:Fallback>
       </mc:AlternateContent>
-      <mc:AlternateContent xmlns:mc="http://schemas.openxmlformats.org/markup-compatibility/2006">
-        <mc:Choice xmlns:a14="http://schemas.microsoft.com/office/drawing/2010/main" Requires="a14">
+      <mc:AlternateContent xmlns:mc="http://schemas.openxmlformats.org/markup-compatibility/2006" xmlns:a14="http://schemas.microsoft.com/office/drawing/2010/main">
+        <mc:Choice Requires="a14">
           <p:sp>
             <p:nvSpPr>
               <p:cNvPr id="63" name="22 Rectángulo"/>
@@ -9701,7 +9701,7 @@
             </p:txBody>
           </p:sp>
         </mc:Choice>
-        <mc:Fallback>
+        <mc:Fallback xmlns="">
           <p:sp>
             <p:nvSpPr>
               <p:cNvPr id="63" name="22 Rectángulo"/>
@@ -9740,8 +9740,8 @@
           </p:sp>
         </mc:Fallback>
       </mc:AlternateContent>
-      <mc:AlternateContent xmlns:mc="http://schemas.openxmlformats.org/markup-compatibility/2006">
-        <mc:Choice xmlns:a14="http://schemas.microsoft.com/office/drawing/2010/main" Requires="a14">
+      <mc:AlternateContent xmlns:mc="http://schemas.openxmlformats.org/markup-compatibility/2006" xmlns:a14="http://schemas.microsoft.com/office/drawing/2010/main">
+        <mc:Choice Requires="a14">
           <p:sp>
             <p:nvSpPr>
               <p:cNvPr id="64" name="22 Rectángulo"/>
@@ -9784,7 +9784,7 @@
             </p:txBody>
           </p:sp>
         </mc:Choice>
-        <mc:Fallback>
+        <mc:Fallback xmlns="">
           <p:sp>
             <p:nvSpPr>
               <p:cNvPr id="64" name="22 Rectángulo"/>
@@ -9894,8 +9894,8 @@
           </a:fontRef>
         </p:style>
       </p:cxnSp>
-      <mc:AlternateContent xmlns:mc="http://schemas.openxmlformats.org/markup-compatibility/2006">
-        <mc:Choice xmlns:a14="http://schemas.microsoft.com/office/drawing/2010/main" Requires="a14">
+      <mc:AlternateContent xmlns:mc="http://schemas.openxmlformats.org/markup-compatibility/2006" xmlns:a14="http://schemas.microsoft.com/office/drawing/2010/main">
+        <mc:Choice Requires="a14">
           <p:sp>
             <p:nvSpPr>
               <p:cNvPr id="67" name="22 Rectángulo"/>
@@ -9938,7 +9938,7 @@
             </p:txBody>
           </p:sp>
         </mc:Choice>
-        <mc:Fallback>
+        <mc:Fallback xmlns="">
           <p:sp>
             <p:nvSpPr>
               <p:cNvPr id="67" name="22 Rectángulo"/>
@@ -10023,8 +10023,8 @@
           </a:p>
         </p:txBody>
       </p:sp>
-      <mc:AlternateContent xmlns:mc="http://schemas.openxmlformats.org/markup-compatibility/2006">
-        <mc:Choice xmlns:a14="http://schemas.microsoft.com/office/drawing/2010/main" Requires="a14">
+      <mc:AlternateContent xmlns:mc="http://schemas.openxmlformats.org/markup-compatibility/2006" xmlns:a14="http://schemas.microsoft.com/office/drawing/2010/main">
+        <mc:Choice Requires="a14">
           <p:sp>
             <p:nvSpPr>
               <p:cNvPr id="91" name="22 Rectángulo"/>
@@ -10073,7 +10073,7 @@
             </p:txBody>
           </p:sp>
         </mc:Choice>
-        <mc:Fallback>
+        <mc:Fallback xmlns="">
           <p:sp>
             <p:nvSpPr>
               <p:cNvPr id="91" name="22 Rectángulo"/>
@@ -10112,8 +10112,8 @@
           </p:sp>
         </mc:Fallback>
       </mc:AlternateContent>
-      <mc:AlternateContent xmlns:mc="http://schemas.openxmlformats.org/markup-compatibility/2006">
-        <mc:Choice xmlns:a14="http://schemas.microsoft.com/office/drawing/2010/main" Requires="a14">
+      <mc:AlternateContent xmlns:mc="http://schemas.openxmlformats.org/markup-compatibility/2006" xmlns:a14="http://schemas.microsoft.com/office/drawing/2010/main">
+        <mc:Choice Requires="a14">
           <p:sp>
             <p:nvSpPr>
               <p:cNvPr id="52" name="22 Rectángulo"/>
@@ -10186,7 +10186,7 @@
             </p:txBody>
           </p:sp>
         </mc:Choice>
-        <mc:Fallback>
+        <mc:Fallback xmlns="">
           <p:sp>
             <p:nvSpPr>
               <p:cNvPr id="52" name="22 Rectángulo"/>
@@ -10225,8 +10225,8 @@
           </p:sp>
         </mc:Fallback>
       </mc:AlternateContent>
-      <mc:AlternateContent xmlns:mc="http://schemas.openxmlformats.org/markup-compatibility/2006">
-        <mc:Choice xmlns:a14="http://schemas.microsoft.com/office/drawing/2010/main" Requires="a14">
+      <mc:AlternateContent xmlns:mc="http://schemas.openxmlformats.org/markup-compatibility/2006" xmlns:a14="http://schemas.microsoft.com/office/drawing/2010/main">
+        <mc:Choice Requires="a14">
           <p:sp>
             <p:nvSpPr>
               <p:cNvPr id="69" name="22 Rectángulo"/>
@@ -10293,7 +10293,7 @@
             </p:txBody>
           </p:sp>
         </mc:Choice>
-        <mc:Fallback>
+        <mc:Fallback xmlns="">
           <p:sp>
             <p:nvSpPr>
               <p:cNvPr id="69" name="22 Rectángulo"/>
@@ -16053,8 +16053,8 @@
           </a:p>
         </p:txBody>
       </p:sp>
-      <mc:AlternateContent xmlns:mc="http://schemas.openxmlformats.org/markup-compatibility/2006">
-        <mc:Choice xmlns:a14="http://schemas.microsoft.com/office/drawing/2010/main" Requires="a14">
+      <mc:AlternateContent xmlns:mc="http://schemas.openxmlformats.org/markup-compatibility/2006" xmlns:a14="http://schemas.microsoft.com/office/drawing/2010/main">
+        <mc:Choice Requires="a14">
           <p:sp>
             <p:nvSpPr>
               <p:cNvPr id="9" name="8 Rectángulo"/>
@@ -16103,7 +16103,7 @@
             </p:txBody>
           </p:sp>
         </mc:Choice>
-        <mc:Fallback>
+        <mc:Fallback xmlns="">
           <p:sp>
             <p:nvSpPr>
               <p:cNvPr id="9" name="8 Rectángulo"/>
@@ -16142,8 +16142,8 @@
           </p:sp>
         </mc:Fallback>
       </mc:AlternateContent>
-      <mc:AlternateContent xmlns:mc="http://schemas.openxmlformats.org/markup-compatibility/2006">
-        <mc:Choice xmlns:a14="http://schemas.microsoft.com/office/drawing/2010/main" Requires="a14">
+      <mc:AlternateContent xmlns:mc="http://schemas.openxmlformats.org/markup-compatibility/2006" xmlns:a14="http://schemas.microsoft.com/office/drawing/2010/main">
+        <mc:Choice Requires="a14">
           <p:sp>
             <p:nvSpPr>
               <p:cNvPr id="10" name="9 Rectángulo"/>
@@ -16186,7 +16186,7 @@
             </p:txBody>
           </p:sp>
         </mc:Choice>
-        <mc:Fallback>
+        <mc:Fallback xmlns="">
           <p:sp>
             <p:nvSpPr>
               <p:cNvPr id="10" name="9 Rectángulo"/>
@@ -16290,8 +16290,8 @@
           </a:p>
         </p:txBody>
       </p:sp>
-      <mc:AlternateContent xmlns:mc="http://schemas.openxmlformats.org/markup-compatibility/2006">
-        <mc:Choice xmlns:a14="http://schemas.microsoft.com/office/drawing/2010/main" Requires="a14">
+      <mc:AlternateContent xmlns:mc="http://schemas.openxmlformats.org/markup-compatibility/2006" xmlns:a14="http://schemas.microsoft.com/office/drawing/2010/main">
+        <mc:Choice Requires="a14">
           <p:sp>
             <p:nvSpPr>
               <p:cNvPr id="19" name="18 Rectángulo"/>
@@ -16352,7 +16352,7 @@
             </p:txBody>
           </p:sp>
         </mc:Choice>
-        <mc:Fallback>
+        <mc:Fallback xmlns="">
           <p:sp>
             <p:nvSpPr>
               <p:cNvPr id="19" name="18 Rectángulo"/>
@@ -16391,8 +16391,8 @@
           </p:sp>
         </mc:Fallback>
       </mc:AlternateContent>
-      <mc:AlternateContent xmlns:mc="http://schemas.openxmlformats.org/markup-compatibility/2006">
-        <mc:Choice xmlns:a14="http://schemas.microsoft.com/office/drawing/2010/main" Requires="a14">
+      <mc:AlternateContent xmlns:mc="http://schemas.openxmlformats.org/markup-compatibility/2006" xmlns:a14="http://schemas.microsoft.com/office/drawing/2010/main">
+        <mc:Choice Requires="a14">
           <p:sp>
             <p:nvSpPr>
               <p:cNvPr id="20" name="19 Rectángulo"/>
@@ -16441,7 +16441,7 @@
             </p:txBody>
           </p:sp>
         </mc:Choice>
-        <mc:Fallback>
+        <mc:Fallback xmlns="">
           <p:sp>
             <p:nvSpPr>
               <p:cNvPr id="20" name="19 Rectángulo"/>
@@ -16480,8 +16480,8 @@
           </p:sp>
         </mc:Fallback>
       </mc:AlternateContent>
-      <mc:AlternateContent xmlns:mc="http://schemas.openxmlformats.org/markup-compatibility/2006">
-        <mc:Choice xmlns:a14="http://schemas.microsoft.com/office/drawing/2010/main" Requires="a14">
+      <mc:AlternateContent xmlns:mc="http://schemas.openxmlformats.org/markup-compatibility/2006" xmlns:a14="http://schemas.microsoft.com/office/drawing/2010/main">
+        <mc:Choice Requires="a14">
           <p:sp>
             <p:nvSpPr>
               <p:cNvPr id="21" name="20 Rectángulo"/>
@@ -16530,7 +16530,7 @@
             </p:txBody>
           </p:sp>
         </mc:Choice>
-        <mc:Fallback>
+        <mc:Fallback xmlns="">
           <p:sp>
             <p:nvSpPr>
               <p:cNvPr id="21" name="20 Rectángulo"/>
@@ -16569,8 +16569,8 @@
           </p:sp>
         </mc:Fallback>
       </mc:AlternateContent>
-      <mc:AlternateContent xmlns:mc="http://schemas.openxmlformats.org/markup-compatibility/2006">
-        <mc:Choice xmlns:a14="http://schemas.microsoft.com/office/drawing/2010/main" Requires="a14">
+      <mc:AlternateContent xmlns:mc="http://schemas.openxmlformats.org/markup-compatibility/2006" xmlns:a14="http://schemas.microsoft.com/office/drawing/2010/main">
+        <mc:Choice Requires="a14">
           <p:sp>
             <p:nvSpPr>
               <p:cNvPr id="22" name="21 Rectángulo"/>
@@ -16619,7 +16619,7 @@
             </p:txBody>
           </p:sp>
         </mc:Choice>
-        <mc:Fallback>
+        <mc:Fallback xmlns="">
           <p:sp>
             <p:nvSpPr>
               <p:cNvPr id="22" name="21 Rectángulo"/>
@@ -16658,8 +16658,8 @@
           </p:sp>
         </mc:Fallback>
       </mc:AlternateContent>
-      <mc:AlternateContent xmlns:mc="http://schemas.openxmlformats.org/markup-compatibility/2006">
-        <mc:Choice xmlns:a14="http://schemas.microsoft.com/office/drawing/2010/main" Requires="a14">
+      <mc:AlternateContent xmlns:mc="http://schemas.openxmlformats.org/markup-compatibility/2006" xmlns:a14="http://schemas.microsoft.com/office/drawing/2010/main">
+        <mc:Choice Requires="a14">
           <p:sp>
             <p:nvSpPr>
               <p:cNvPr id="23" name="22 Rectángulo"/>
@@ -16708,7 +16708,7 @@
             </p:txBody>
           </p:sp>
         </mc:Choice>
-        <mc:Fallback>
+        <mc:Fallback xmlns="">
           <p:sp>
             <p:nvSpPr>
               <p:cNvPr id="23" name="22 Rectángulo"/>
@@ -16747,8 +16747,8 @@
           </p:sp>
         </mc:Fallback>
       </mc:AlternateContent>
-      <mc:AlternateContent xmlns:mc="http://schemas.openxmlformats.org/markup-compatibility/2006">
-        <mc:Choice xmlns:a14="http://schemas.microsoft.com/office/drawing/2010/main" Requires="a14">
+      <mc:AlternateContent xmlns:mc="http://schemas.openxmlformats.org/markup-compatibility/2006" xmlns:a14="http://schemas.microsoft.com/office/drawing/2010/main">
+        <mc:Choice Requires="a14">
           <p:sp>
             <p:nvSpPr>
               <p:cNvPr id="24" name="23 Rectángulo"/>
@@ -16797,7 +16797,7 @@
             </p:txBody>
           </p:sp>
         </mc:Choice>
-        <mc:Fallback>
+        <mc:Fallback xmlns="">
           <p:sp>
             <p:nvSpPr>
               <p:cNvPr id="24" name="23 Rectángulo"/>
@@ -16836,8 +16836,8 @@
           </p:sp>
         </mc:Fallback>
       </mc:AlternateContent>
-      <mc:AlternateContent xmlns:mc="http://schemas.openxmlformats.org/markup-compatibility/2006">
-        <mc:Choice xmlns:a14="http://schemas.microsoft.com/office/drawing/2010/main" Requires="a14">
+      <mc:AlternateContent xmlns:mc="http://schemas.openxmlformats.org/markup-compatibility/2006" xmlns:a14="http://schemas.microsoft.com/office/drawing/2010/main">
+        <mc:Choice Requires="a14">
           <p:sp>
             <p:nvSpPr>
               <p:cNvPr id="25" name="24 Rectángulo"/>
@@ -16898,7 +16898,7 @@
             </p:txBody>
           </p:sp>
         </mc:Choice>
-        <mc:Fallback>
+        <mc:Fallback xmlns="">
           <p:sp>
             <p:nvSpPr>
               <p:cNvPr id="25" name="24 Rectángulo"/>
@@ -17110,8 +17110,8 @@
           </a:p>
         </p:txBody>
       </p:sp>
-      <mc:AlternateContent xmlns:mc="http://schemas.openxmlformats.org/markup-compatibility/2006">
-        <mc:Choice xmlns:a14="http://schemas.microsoft.com/office/drawing/2010/main" Requires="a14">
+      <mc:AlternateContent xmlns:mc="http://schemas.openxmlformats.org/markup-compatibility/2006" xmlns:a14="http://schemas.microsoft.com/office/drawing/2010/main">
+        <mc:Choice Requires="a14">
           <p:sp>
             <p:nvSpPr>
               <p:cNvPr id="33" name="32 Rectángulo"/>
@@ -17160,7 +17160,7 @@
             </p:txBody>
           </p:sp>
         </mc:Choice>
-        <mc:Fallback>
+        <mc:Fallback xmlns="">
           <p:sp>
             <p:nvSpPr>
               <p:cNvPr id="33" name="32 Rectángulo"/>
@@ -17199,8 +17199,8 @@
           </p:sp>
         </mc:Fallback>
       </mc:AlternateContent>
-      <mc:AlternateContent xmlns:mc="http://schemas.openxmlformats.org/markup-compatibility/2006">
-        <mc:Choice xmlns:a14="http://schemas.microsoft.com/office/drawing/2010/main" Requires="a14">
+      <mc:AlternateContent xmlns:mc="http://schemas.openxmlformats.org/markup-compatibility/2006" xmlns:a14="http://schemas.microsoft.com/office/drawing/2010/main">
+        <mc:Choice Requires="a14">
           <p:sp>
             <p:nvSpPr>
               <p:cNvPr id="34" name="33 Rectángulo"/>
@@ -17243,7 +17243,7 @@
             </p:txBody>
           </p:sp>
         </mc:Choice>
-        <mc:Fallback>
+        <mc:Fallback xmlns="">
           <p:sp>
             <p:nvSpPr>
               <p:cNvPr id="34" name="33 Rectángulo"/>
@@ -17347,8 +17347,8 @@
           </a:p>
         </p:txBody>
       </p:sp>
-      <mc:AlternateContent xmlns:mc="http://schemas.openxmlformats.org/markup-compatibility/2006">
-        <mc:Choice xmlns:a14="http://schemas.microsoft.com/office/drawing/2010/main" Requires="a14">
+      <mc:AlternateContent xmlns:mc="http://schemas.openxmlformats.org/markup-compatibility/2006" xmlns:a14="http://schemas.microsoft.com/office/drawing/2010/main">
+        <mc:Choice Requires="a14">
           <p:sp>
             <p:nvSpPr>
               <p:cNvPr id="43" name="42 Rectángulo"/>
@@ -17433,7 +17433,7 @@
             </p:txBody>
           </p:sp>
         </mc:Choice>
-        <mc:Fallback>
+        <mc:Fallback xmlns="">
           <p:sp>
             <p:nvSpPr>
               <p:cNvPr id="43" name="42 Rectángulo"/>
@@ -17647,8 +17647,8 @@
           </a:fontRef>
         </p:style>
       </p:cxnSp>
-      <mc:AlternateContent xmlns:mc="http://schemas.openxmlformats.org/markup-compatibility/2006">
-        <mc:Choice xmlns:a14="http://schemas.microsoft.com/office/drawing/2010/main" Requires="a14">
+      <mc:AlternateContent xmlns:mc="http://schemas.openxmlformats.org/markup-compatibility/2006" xmlns:a14="http://schemas.microsoft.com/office/drawing/2010/main">
+        <mc:Choice Requires="a14">
           <p:sp>
             <p:nvSpPr>
               <p:cNvPr id="58" name="57 Rectángulo"/>
@@ -17691,7 +17691,7 @@
             </p:txBody>
           </p:sp>
         </mc:Choice>
-        <mc:Fallback>
+        <mc:Fallback xmlns="">
           <p:sp>
             <p:nvSpPr>
               <p:cNvPr id="58" name="57 Rectángulo"/>
@@ -17730,8 +17730,8 @@
           </p:sp>
         </mc:Fallback>
       </mc:AlternateContent>
-      <mc:AlternateContent xmlns:mc="http://schemas.openxmlformats.org/markup-compatibility/2006">
-        <mc:Choice xmlns:a14="http://schemas.microsoft.com/office/drawing/2010/main" Requires="a14">
+      <mc:AlternateContent xmlns:mc="http://schemas.openxmlformats.org/markup-compatibility/2006" xmlns:a14="http://schemas.microsoft.com/office/drawing/2010/main">
+        <mc:Choice Requires="a14">
           <p:sp>
             <p:nvSpPr>
               <p:cNvPr id="59" name="58 Rectángulo"/>
@@ -17828,7 +17828,7 @@
             </p:txBody>
           </p:sp>
         </mc:Choice>
-        <mc:Fallback>
+        <mc:Fallback xmlns="">
           <p:sp>
             <p:nvSpPr>
               <p:cNvPr id="59" name="58 Rectángulo"/>
@@ -32443,7 +32443,7 @@
           <a:graphicData uri="http://schemas.openxmlformats.org/presentationml/2006/ole">
             <mc:AlternateContent xmlns:mc="http://schemas.openxmlformats.org/markup-compatibility/2006">
               <mc:Choice xmlns:v="urn:schemas-microsoft-com:vml" Requires="v">
-                <p:oleObj spid="_x0000_s1103" name="EcuaciÛn" r:id="rId7" imgW="114300" imgH="165100" progId="Equation.3">
+                <p:oleObj spid="_x0000_s1106" name="EcuaciÛn" r:id="rId7" imgW="114300" imgH="165100" progId="Equation.3">
                   <p:embed/>
                 </p:oleObj>
               </mc:Choice>
@@ -38257,14 +38257,14 @@
           <a:effectLst/>
           <a:extLst>
             <a:ext uri="{909E8E84-426E-40dd-AFC4-6F175D3DCCD1}">
-              <a14:hiddenFill xmlns:a14="http://schemas.microsoft.com/office/drawing/2010/main" xmlns="">
+              <a14:hiddenFill xmlns="" xmlns:a14="http://schemas.microsoft.com/office/drawing/2010/main">
                 <a:solidFill>
                   <a:schemeClr val="accent1"/>
                 </a:solidFill>
               </a14:hiddenFill>
             </a:ext>
             <a:ext uri="{91240B29-F687-4f45-9708-019B960494DF}">
-              <a14:hiddenLine xmlns:a14="http://schemas.microsoft.com/office/drawing/2010/main" xmlns="" w="9525">
+              <a14:hiddenLine xmlns="" xmlns:a14="http://schemas.microsoft.com/office/drawing/2010/main" w="9525">
                 <a:solidFill>
                   <a:schemeClr val="tx1"/>
                 </a:solidFill>
@@ -38274,7 +38274,7 @@
               </a14:hiddenLine>
             </a:ext>
             <a:ext uri="{AF507438-7753-43e0-B8FC-AC1667EBCBE1}">
-              <a14:hiddenEffects xmlns:a14="http://schemas.microsoft.com/office/drawing/2010/main" xmlns="">
+              <a14:hiddenEffects xmlns="" xmlns:a14="http://schemas.microsoft.com/office/drawing/2010/main">
                 <a:effectLst>
                   <a:outerShdw dist="35921" dir="2700000" algn="ctr" rotWithShape="0">
                     <a:schemeClr val="bg2"/>
@@ -39518,8 +39518,8 @@
           </a:p>
         </p:txBody>
       </p:sp>
-      <mc:AlternateContent xmlns:mc="http://schemas.openxmlformats.org/markup-compatibility/2006">
-        <mc:Choice xmlns:a14="http://schemas.microsoft.com/office/drawing/2010/main" Requires="a14">
+      <mc:AlternateContent xmlns:mc="http://schemas.openxmlformats.org/markup-compatibility/2006" xmlns:a14="http://schemas.microsoft.com/office/drawing/2010/main">
+        <mc:Choice Requires="a14">
           <p:sp>
             <p:nvSpPr>
               <p:cNvPr id="31" name="7 Rectángulo"/>
@@ -39568,7 +39568,7 @@
             </p:txBody>
           </p:sp>
         </mc:Choice>
-        <mc:Fallback>
+        <mc:Fallback xmlns="">
           <p:sp>
             <p:nvSpPr>
               <p:cNvPr id="31" name="7 Rectángulo"/>
@@ -39607,8 +39607,8 @@
           </p:sp>
         </mc:Fallback>
       </mc:AlternateContent>
-      <mc:AlternateContent xmlns:mc="http://schemas.openxmlformats.org/markup-compatibility/2006">
-        <mc:Choice xmlns:a14="http://schemas.microsoft.com/office/drawing/2010/main" Requires="a14">
+      <mc:AlternateContent xmlns:mc="http://schemas.openxmlformats.org/markup-compatibility/2006" xmlns:a14="http://schemas.microsoft.com/office/drawing/2010/main">
+        <mc:Choice Requires="a14">
           <p:sp>
             <p:nvSpPr>
               <p:cNvPr id="32" name="8 Rectángulo"/>
@@ -39651,7 +39651,7 @@
             </p:txBody>
           </p:sp>
         </mc:Choice>
-        <mc:Fallback>
+        <mc:Fallback xmlns="">
           <p:sp>
             <p:nvSpPr>
               <p:cNvPr id="32" name="8 Rectángulo"/>
@@ -39755,8 +39755,8 @@
           </a:p>
         </p:txBody>
       </p:sp>
-      <mc:AlternateContent xmlns:mc="http://schemas.openxmlformats.org/markup-compatibility/2006">
-        <mc:Choice xmlns:a14="http://schemas.microsoft.com/office/drawing/2010/main" Requires="a14">
+      <mc:AlternateContent xmlns:mc="http://schemas.openxmlformats.org/markup-compatibility/2006" xmlns:a14="http://schemas.microsoft.com/office/drawing/2010/main">
+        <mc:Choice Requires="a14">
           <p:sp>
             <p:nvSpPr>
               <p:cNvPr id="39" name="19 Rectángulo"/>
@@ -39799,7 +39799,7 @@
             </p:txBody>
           </p:sp>
         </mc:Choice>
-        <mc:Fallback>
+        <mc:Fallback xmlns="">
           <p:sp>
             <p:nvSpPr>
               <p:cNvPr id="39" name="19 Rectángulo"/>
@@ -39838,8 +39838,8 @@
           </p:sp>
         </mc:Fallback>
       </mc:AlternateContent>
-      <mc:AlternateContent xmlns:mc="http://schemas.openxmlformats.org/markup-compatibility/2006">
-        <mc:Choice xmlns:a14="http://schemas.microsoft.com/office/drawing/2010/main" Requires="a14">
+      <mc:AlternateContent xmlns:mc="http://schemas.openxmlformats.org/markup-compatibility/2006" xmlns:a14="http://schemas.microsoft.com/office/drawing/2010/main">
+        <mc:Choice Requires="a14">
           <p:sp>
             <p:nvSpPr>
               <p:cNvPr id="41" name="22 Rectángulo"/>
@@ -39882,7 +39882,7 @@
             </p:txBody>
           </p:sp>
         </mc:Choice>
-        <mc:Fallback>
+        <mc:Fallback xmlns="">
           <p:sp>
             <p:nvSpPr>
               <p:cNvPr id="41" name="22 Rectángulo"/>
@@ -40204,8 +40204,8 @@
           </a:fontRef>
         </p:style>
       </p:cxnSp>
-      <mc:AlternateContent xmlns:mc="http://schemas.openxmlformats.org/markup-compatibility/2006">
-        <mc:Choice xmlns:a14="http://schemas.microsoft.com/office/drawing/2010/main" Requires="a14">
+      <mc:AlternateContent xmlns:mc="http://schemas.openxmlformats.org/markup-compatibility/2006" xmlns:a14="http://schemas.microsoft.com/office/drawing/2010/main">
+        <mc:Choice Requires="a14">
           <p:sp>
             <p:nvSpPr>
               <p:cNvPr id="63" name="19 Rectángulo"/>
@@ -40238,13 +40238,7 @@
                         <a:rPr lang="es-ES" sz="2000" b="0" i="1" smtClean="0">
                           <a:latin typeface="Cambria Math" charset="0"/>
                         </a:rPr>
-                        <m:t>𝑟</m:t>
-                      </m:r>
-                      <m:r>
-                        <a:rPr lang="es-ES" sz="2000" b="0" i="1" smtClean="0">
-                          <a:latin typeface="Cambria Math" charset="0"/>
-                        </a:rPr>
-                        <m:t>𝑃</m:t>
+                        <m:t>𝑟𝑃</m:t>
                       </m:r>
                     </m:oMath>
                   </m:oMathPara>
@@ -40254,7 +40248,7 @@
             </p:txBody>
           </p:sp>
         </mc:Choice>
-        <mc:Fallback>
+        <mc:Fallback xmlns="">
           <p:sp>
             <p:nvSpPr>
               <p:cNvPr id="63" name="19 Rectángulo"/>
@@ -40293,8 +40287,8 @@
           </p:sp>
         </mc:Fallback>
       </mc:AlternateContent>
-      <mc:AlternateContent xmlns:mc="http://schemas.openxmlformats.org/markup-compatibility/2006">
-        <mc:Choice xmlns:a14="http://schemas.microsoft.com/office/drawing/2010/main" Requires="a14">
+      <mc:AlternateContent xmlns:mc="http://schemas.openxmlformats.org/markup-compatibility/2006" xmlns:a14="http://schemas.microsoft.com/office/drawing/2010/main">
+        <mc:Choice Requires="a14">
           <p:sp>
             <p:nvSpPr>
               <p:cNvPr id="64" name="19 Rectángulo"/>
@@ -40327,13 +40321,7 @@
                         <a:rPr lang="es-ES" sz="2000" b="0" i="1" smtClean="0">
                           <a:latin typeface="Cambria Math" charset="0"/>
                         </a:rPr>
-                        <m:t>𝑟</m:t>
-                      </m:r>
-                      <m:r>
-                        <a:rPr lang="es-ES" sz="2000" b="0" i="1" smtClean="0">
-                          <a:latin typeface="Cambria Math" charset="0"/>
-                        </a:rPr>
-                        <m:t>𝑃</m:t>
+                        <m:t>𝑟𝑃</m:t>
                       </m:r>
                     </m:oMath>
                   </m:oMathPara>
@@ -40343,7 +40331,7 @@
             </p:txBody>
           </p:sp>
         </mc:Choice>
-        <mc:Fallback>
+        <mc:Fallback xmlns="">
           <p:sp>
             <p:nvSpPr>
               <p:cNvPr id="64" name="19 Rectángulo"/>
@@ -40382,8 +40370,8 @@
           </p:sp>
         </mc:Fallback>
       </mc:AlternateContent>
-      <mc:AlternateContent xmlns:mc="http://schemas.openxmlformats.org/markup-compatibility/2006">
-        <mc:Choice xmlns:a14="http://schemas.microsoft.com/office/drawing/2010/main" Requires="a14">
+      <mc:AlternateContent xmlns:mc="http://schemas.openxmlformats.org/markup-compatibility/2006" xmlns:a14="http://schemas.microsoft.com/office/drawing/2010/main">
+        <mc:Choice Requires="a14">
           <p:sp>
             <p:nvSpPr>
               <p:cNvPr id="65" name="19 Rectángulo"/>
@@ -40416,13 +40404,7 @@
                         <a:rPr lang="es-ES" sz="2000" b="0" i="1" smtClean="0">
                           <a:latin typeface="Cambria Math" charset="0"/>
                         </a:rPr>
-                        <m:t>𝑟</m:t>
-                      </m:r>
-                      <m:r>
-                        <a:rPr lang="es-ES" sz="2000" b="0" i="1" smtClean="0">
-                          <a:latin typeface="Cambria Math" charset="0"/>
-                        </a:rPr>
-                        <m:t>𝑃</m:t>
+                        <m:t>𝑟𝑃</m:t>
                       </m:r>
                     </m:oMath>
                   </m:oMathPara>
@@ -40432,7 +40414,7 @@
             </p:txBody>
           </p:sp>
         </mc:Choice>
-        <mc:Fallback>
+        <mc:Fallback xmlns="">
           <p:sp>
             <p:nvSpPr>
               <p:cNvPr id="65" name="19 Rectángulo"/>
@@ -40471,8 +40453,8 @@
           </p:sp>
         </mc:Fallback>
       </mc:AlternateContent>
-      <mc:AlternateContent xmlns:mc="http://schemas.openxmlformats.org/markup-compatibility/2006">
-        <mc:Choice xmlns:a14="http://schemas.microsoft.com/office/drawing/2010/main" Requires="a14">
+      <mc:AlternateContent xmlns:mc="http://schemas.openxmlformats.org/markup-compatibility/2006" xmlns:a14="http://schemas.microsoft.com/office/drawing/2010/main">
+        <mc:Choice Requires="a14">
           <p:sp>
             <p:nvSpPr>
               <p:cNvPr id="66" name="19 Rectángulo"/>
@@ -40505,13 +40487,7 @@
                         <a:rPr lang="es-ES" sz="2000" b="0" i="1" smtClean="0">
                           <a:latin typeface="Cambria Math" charset="0"/>
                         </a:rPr>
-                        <m:t>𝑟</m:t>
-                      </m:r>
-                      <m:r>
-                        <a:rPr lang="es-ES" sz="2000" b="0" i="1" smtClean="0">
-                          <a:latin typeface="Cambria Math" charset="0"/>
-                        </a:rPr>
-                        <m:t>𝑃</m:t>
+                        <m:t>𝑟𝑃</m:t>
                       </m:r>
                     </m:oMath>
                   </m:oMathPara>
@@ -40521,7 +40497,7 @@
             </p:txBody>
           </p:sp>
         </mc:Choice>
-        <mc:Fallback>
+        <mc:Fallback xmlns="">
           <p:sp>
             <p:nvSpPr>
               <p:cNvPr id="66" name="19 Rectángulo"/>
@@ -40560,8 +40536,8 @@
           </p:sp>
         </mc:Fallback>
       </mc:AlternateContent>
-      <mc:AlternateContent xmlns:mc="http://schemas.openxmlformats.org/markup-compatibility/2006">
-        <mc:Choice xmlns:a14="http://schemas.microsoft.com/office/drawing/2010/main" Requires="a14">
+      <mc:AlternateContent xmlns:mc="http://schemas.openxmlformats.org/markup-compatibility/2006" xmlns:a14="http://schemas.microsoft.com/office/drawing/2010/main">
+        <mc:Choice Requires="a14">
           <p:sp>
             <p:nvSpPr>
               <p:cNvPr id="67" name="19 Rectángulo"/>
@@ -40594,13 +40570,7 @@
                         <a:rPr lang="es-ES" sz="2000" b="0" i="1" smtClean="0">
                           <a:latin typeface="Cambria Math" charset="0"/>
                         </a:rPr>
-                        <m:t>𝑟</m:t>
-                      </m:r>
-                      <m:r>
-                        <a:rPr lang="es-ES" sz="2000" b="0" i="1" smtClean="0">
-                          <a:latin typeface="Cambria Math" charset="0"/>
-                        </a:rPr>
-                        <m:t>𝑃</m:t>
+                        <m:t>𝑟𝑃</m:t>
                       </m:r>
                     </m:oMath>
                   </m:oMathPara>
@@ -40610,7 +40580,7 @@
             </p:txBody>
           </p:sp>
         </mc:Choice>
-        <mc:Fallback>
+        <mc:Fallback xmlns="">
           <p:sp>
             <p:nvSpPr>
               <p:cNvPr id="67" name="19 Rectángulo"/>
@@ -48618,8 +48588,8 @@
           </a:p>
         </p:txBody>
       </p:sp>
-      <mc:AlternateContent xmlns:mc="http://schemas.openxmlformats.org/markup-compatibility/2006">
-        <mc:Choice xmlns:a14="http://schemas.microsoft.com/office/drawing/2010/main" Requires="a14">
+      <mc:AlternateContent xmlns:mc="http://schemas.openxmlformats.org/markup-compatibility/2006" xmlns:a14="http://schemas.microsoft.com/office/drawing/2010/main">
+        <mc:Choice Requires="a14">
           <p:sp>
             <p:nvSpPr>
               <p:cNvPr id="8" name="7 Rectángulo"/>
@@ -48668,7 +48638,7 @@
             </p:txBody>
           </p:sp>
         </mc:Choice>
-        <mc:Fallback>
+        <mc:Fallback xmlns="">
           <p:sp>
             <p:nvSpPr>
               <p:cNvPr id="8" name="7 Rectángulo"/>
@@ -48707,8 +48677,8 @@
           </p:sp>
         </mc:Fallback>
       </mc:AlternateContent>
-      <mc:AlternateContent xmlns:mc="http://schemas.openxmlformats.org/markup-compatibility/2006">
-        <mc:Choice xmlns:a14="http://schemas.microsoft.com/office/drawing/2010/main" Requires="a14">
+      <mc:AlternateContent xmlns:mc="http://schemas.openxmlformats.org/markup-compatibility/2006" xmlns:a14="http://schemas.microsoft.com/office/drawing/2010/main">
+        <mc:Choice Requires="a14">
           <p:sp>
             <p:nvSpPr>
               <p:cNvPr id="9" name="8 Rectángulo"/>
@@ -48751,7 +48721,7 @@
             </p:txBody>
           </p:sp>
         </mc:Choice>
-        <mc:Fallback>
+        <mc:Fallback xmlns="">
           <p:sp>
             <p:nvSpPr>
               <p:cNvPr id="9" name="8 Rectángulo"/>
@@ -48855,8 +48825,8 @@
           </a:p>
         </p:txBody>
       </p:sp>
-      <mc:AlternateContent xmlns:mc="http://schemas.openxmlformats.org/markup-compatibility/2006">
-        <mc:Choice xmlns:a14="http://schemas.microsoft.com/office/drawing/2010/main" Requires="a14">
+      <mc:AlternateContent xmlns:mc="http://schemas.openxmlformats.org/markup-compatibility/2006" xmlns:a14="http://schemas.microsoft.com/office/drawing/2010/main">
+        <mc:Choice Requires="a14">
           <p:sp>
             <p:nvSpPr>
               <p:cNvPr id="20" name="19 Rectángulo"/>
@@ -48899,7 +48869,7 @@
             </p:txBody>
           </p:sp>
         </mc:Choice>
-        <mc:Fallback>
+        <mc:Fallback xmlns="">
           <p:sp>
             <p:nvSpPr>
               <p:cNvPr id="20" name="19 Rectángulo"/>
@@ -48938,8 +48908,8 @@
           </p:sp>
         </mc:Fallback>
       </mc:AlternateContent>
-      <mc:AlternateContent xmlns:mc="http://schemas.openxmlformats.org/markup-compatibility/2006">
-        <mc:Choice xmlns:a14="http://schemas.microsoft.com/office/drawing/2010/main" Requires="a14">
+      <mc:AlternateContent xmlns:mc="http://schemas.openxmlformats.org/markup-compatibility/2006" xmlns:a14="http://schemas.microsoft.com/office/drawing/2010/main">
+        <mc:Choice Requires="a14">
           <p:sp>
             <p:nvSpPr>
               <p:cNvPr id="23" name="22 Rectángulo"/>
@@ -48982,7 +48952,7 @@
             </p:txBody>
           </p:sp>
         </mc:Choice>
-        <mc:Fallback>
+        <mc:Fallback xmlns="">
           <p:sp>
             <p:nvSpPr>
               <p:cNvPr id="23" name="22 Rectángulo"/>
@@ -53685,8 +53655,8 @@
           </a:p>
         </p:txBody>
       </p:sp>
-      <mc:AlternateContent xmlns:mc="http://schemas.openxmlformats.org/markup-compatibility/2006">
-        <mc:Choice xmlns:a14="http://schemas.microsoft.com/office/drawing/2010/main" Requires="a14">
+      <mc:AlternateContent xmlns:mc="http://schemas.openxmlformats.org/markup-compatibility/2006" xmlns:a14="http://schemas.microsoft.com/office/drawing/2010/main">
+        <mc:Choice Requires="a14">
           <p:sp>
             <p:nvSpPr>
               <p:cNvPr id="23" name="22 Rectángulo"/>
@@ -53729,7 +53699,7 @@
             </p:txBody>
           </p:sp>
         </mc:Choice>
-        <mc:Fallback>
+        <mc:Fallback xmlns="">
           <p:sp>
             <p:nvSpPr>
               <p:cNvPr id="23" name="22 Rectángulo"/>
@@ -53961,8 +53931,8 @@
           </a:p>
         </p:txBody>
       </p:sp>
-      <mc:AlternateContent xmlns:mc="http://schemas.openxmlformats.org/markup-compatibility/2006">
-        <mc:Choice xmlns:a14="http://schemas.microsoft.com/office/drawing/2010/main" Requires="a14">
+      <mc:AlternateContent xmlns:mc="http://schemas.openxmlformats.org/markup-compatibility/2006" xmlns:a14="http://schemas.microsoft.com/office/drawing/2010/main">
+        <mc:Choice Requires="a14">
           <p:sp>
             <p:nvSpPr>
               <p:cNvPr id="42" name="22 Rectángulo"/>
@@ -54005,7 +53975,7 @@
             </p:txBody>
           </p:sp>
         </mc:Choice>
-        <mc:Fallback>
+        <mc:Fallback xmlns="">
           <p:sp>
             <p:nvSpPr>
               <p:cNvPr id="42" name="22 Rectángulo"/>
@@ -54044,8 +54014,8 @@
           </p:sp>
         </mc:Fallback>
       </mc:AlternateContent>
-      <mc:AlternateContent xmlns:mc="http://schemas.openxmlformats.org/markup-compatibility/2006">
-        <mc:Choice xmlns:a14="http://schemas.microsoft.com/office/drawing/2010/main" Requires="a14">
+      <mc:AlternateContent xmlns:mc="http://schemas.openxmlformats.org/markup-compatibility/2006" xmlns:a14="http://schemas.microsoft.com/office/drawing/2010/main">
+        <mc:Choice Requires="a14">
           <p:sp>
             <p:nvSpPr>
               <p:cNvPr id="43" name="22 Rectángulo"/>
@@ -54088,7 +54058,7 @@
             </p:txBody>
           </p:sp>
         </mc:Choice>
-        <mc:Fallback>
+        <mc:Fallback xmlns="">
           <p:sp>
             <p:nvSpPr>
               <p:cNvPr id="43" name="22 Rectángulo"/>
@@ -54127,8 +54097,8 @@
           </p:sp>
         </mc:Fallback>
       </mc:AlternateContent>
-      <mc:AlternateContent xmlns:mc="http://schemas.openxmlformats.org/markup-compatibility/2006">
-        <mc:Choice xmlns:a14="http://schemas.microsoft.com/office/drawing/2010/main" Requires="a14">
+      <mc:AlternateContent xmlns:mc="http://schemas.openxmlformats.org/markup-compatibility/2006" xmlns:a14="http://schemas.microsoft.com/office/drawing/2010/main">
+        <mc:Choice Requires="a14">
           <p:sp>
             <p:nvSpPr>
               <p:cNvPr id="44" name="22 Rectángulo"/>
@@ -54171,7 +54141,7 @@
             </p:txBody>
           </p:sp>
         </mc:Choice>
-        <mc:Fallback>
+        <mc:Fallback xmlns="">
           <p:sp>
             <p:nvSpPr>
               <p:cNvPr id="44" name="22 Rectángulo"/>
@@ -57201,7 +57171,7 @@
         </p:nvCxnSpPr>
         <p:spPr>
           <a:xfrm flipH="1" flipV="1">
-            <a:off x="4797025" y="3559516"/>
+            <a:off x="8082390" y="2455735"/>
             <a:ext cx="0" cy="669268"/>
           </a:xfrm>
           <a:prstGeom prst="straightConnector1">
@@ -57237,7 +57207,7 @@
         </p:nvCxnSpPr>
         <p:spPr>
           <a:xfrm flipH="1" flipV="1">
-            <a:off x="3356865" y="3534639"/>
+            <a:off x="6642230" y="2430858"/>
             <a:ext cx="0" cy="669268"/>
           </a:xfrm>
           <a:prstGeom prst="straightConnector1">
@@ -57273,7 +57243,7 @@
         </p:nvCxnSpPr>
         <p:spPr>
           <a:xfrm flipV="1">
-            <a:off x="4868850" y="565821"/>
+            <a:off x="3248671" y="528016"/>
             <a:ext cx="0" cy="900100"/>
           </a:xfrm>
           <a:prstGeom prst="straightConnector1">
@@ -57309,7 +57279,7 @@
         </p:nvCxnSpPr>
         <p:spPr>
           <a:xfrm>
-            <a:off x="1970260" y="1462619"/>
+            <a:off x="350081" y="1424814"/>
             <a:ext cx="0" cy="946540"/>
           </a:xfrm>
           <a:prstGeom prst="straightConnector1">
@@ -57345,7 +57315,7 @@
         </p:nvSpPr>
         <p:spPr>
           <a:xfrm>
-            <a:off x="2351167" y="1465921"/>
+            <a:off x="730988" y="1428116"/>
             <a:ext cx="354584" cy="461665"/>
           </a:xfrm>
           <a:prstGeom prst="rect">
@@ -57383,7 +57353,7 @@
         </p:nvCxnSpPr>
         <p:spPr>
           <a:xfrm flipV="1">
-            <a:off x="1946122" y="1462619"/>
+            <a:off x="325943" y="1424814"/>
             <a:ext cx="2925325" cy="0"/>
           </a:xfrm>
           <a:prstGeom prst="straightConnector1">
@@ -57419,7 +57389,7 @@
         </p:nvCxnSpPr>
         <p:spPr>
           <a:xfrm flipH="1" flipV="1">
-            <a:off x="1970260" y="1332891"/>
+            <a:off x="350081" y="1295086"/>
             <a:ext cx="0" cy="249419"/>
           </a:xfrm>
           <a:prstGeom prst="line">
@@ -57454,7 +57424,7 @@
         </p:nvCxnSpPr>
         <p:spPr>
           <a:xfrm flipH="1" flipV="1">
-            <a:off x="2711207" y="1327604"/>
+            <a:off x="1091028" y="1289799"/>
             <a:ext cx="0" cy="249419"/>
           </a:xfrm>
           <a:prstGeom prst="line">
@@ -57489,7 +57459,7 @@
         </p:nvCxnSpPr>
         <p:spPr>
           <a:xfrm flipH="1" flipV="1">
-            <a:off x="3431287" y="1327604"/>
+            <a:off x="1811108" y="1289799"/>
             <a:ext cx="0" cy="249419"/>
           </a:xfrm>
           <a:prstGeom prst="line">
@@ -57524,7 +57494,7 @@
         </p:nvCxnSpPr>
         <p:spPr>
           <a:xfrm flipH="1" flipV="1">
-            <a:off x="4331387" y="1348215"/>
+            <a:off x="2711208" y="1310410"/>
             <a:ext cx="0" cy="249419"/>
           </a:xfrm>
           <a:prstGeom prst="line">
@@ -57559,7 +57529,7 @@
         </p:nvCxnSpPr>
         <p:spPr>
           <a:xfrm flipH="1" flipV="1">
-            <a:off x="4871447" y="1327604"/>
+            <a:off x="3251268" y="1289799"/>
             <a:ext cx="0" cy="249419"/>
           </a:xfrm>
           <a:prstGeom prst="line">
@@ -57594,7 +57564,7 @@
         </p:nvSpPr>
         <p:spPr>
           <a:xfrm>
-            <a:off x="3656312" y="1307387"/>
+            <a:off x="2036133" y="1269582"/>
             <a:ext cx="458780" cy="338554"/>
           </a:xfrm>
           <a:prstGeom prst="rect">
@@ -57634,7 +57604,7 @@
         </p:nvSpPr>
         <p:spPr>
           <a:xfrm>
-            <a:off x="3086835" y="1465921"/>
+            <a:off x="1466656" y="1428116"/>
             <a:ext cx="354584" cy="461665"/>
           </a:xfrm>
           <a:prstGeom prst="rect">
@@ -57672,7 +57642,7 @@
         </p:nvSpPr>
         <p:spPr>
           <a:xfrm>
-            <a:off x="4391980" y="1465921"/>
+            <a:off x="2771801" y="1428116"/>
             <a:ext cx="524503" cy="461665"/>
           </a:xfrm>
           <a:prstGeom prst="rect">
@@ -57710,8 +57680,8 @@
         </p:nvSpPr>
         <p:spPr>
           <a:xfrm>
-            <a:off x="677573" y="1991108"/>
-            <a:ext cx="3437519" cy="461665"/>
+            <a:off x="325943" y="2008122"/>
+            <a:ext cx="1143667" cy="461665"/>
           </a:xfrm>
           <a:prstGeom prst="rect">
             <a:avLst/>
@@ -57739,15 +57709,7 @@
                 <a:ea typeface="Cambria Math" charset="0"/>
                 <a:cs typeface="Cambria Math" charset="0"/>
               </a:rPr>
-              <a:t> </a:t>
-            </a:r>
-            <a:r>
-              <a:rPr lang="es-CO" sz="2400" dirty="0" smtClean="0">
-                <a:latin typeface="Cambria Math" charset="0"/>
-                <a:ea typeface="Cambria Math" charset="0"/>
-                <a:cs typeface="Cambria Math" charset="0"/>
-              </a:rPr>
-              <a:t>= ?</a:t>
+              <a:t> = ?</a:t>
             </a:r>
             <a:endParaRPr lang="es-CO" sz="2400" dirty="0">
               <a:latin typeface="Cambria Math" charset="0"/>
@@ -57765,8 +57727,8 @@
         </p:nvSpPr>
         <p:spPr>
           <a:xfrm>
-            <a:off x="5022049" y="548680"/>
-            <a:ext cx="2565285" cy="461665"/>
+            <a:off x="3401871" y="510875"/>
+            <a:ext cx="1620180" cy="461665"/>
           </a:xfrm>
           <a:prstGeom prst="rect">
             <a:avLst/>
@@ -57793,15 +57755,7 @@
                 <a:ea typeface="Cambria Math" charset="0"/>
                 <a:cs typeface="Cambria Math" charset="0"/>
               </a:rPr>
-              <a:t>= </a:t>
-            </a:r>
-            <a:r>
-              <a:rPr lang="es-CO" sz="2400" dirty="0" smtClean="0">
-                <a:latin typeface="Cambria Math" charset="0"/>
-                <a:ea typeface="Cambria Math" charset="0"/>
-                <a:cs typeface="Cambria Math" charset="0"/>
-              </a:rPr>
-              <a:t>$ 7800</a:t>
+              <a:t>= $ 7800</a:t>
             </a:r>
             <a:endParaRPr lang="es-CO" sz="2400" dirty="0">
               <a:latin typeface="Cambria Math" charset="0"/>
@@ -57819,7 +57773,7 @@
         </p:nvCxnSpPr>
         <p:spPr>
           <a:xfrm>
-            <a:off x="1940843" y="4217746"/>
+            <a:off x="5226208" y="3113965"/>
             <a:ext cx="0" cy="946540"/>
           </a:xfrm>
           <a:prstGeom prst="straightConnector1">
@@ -57855,7 +57809,7 @@
         </p:nvSpPr>
         <p:spPr>
           <a:xfrm>
-            <a:off x="3016707" y="4221048"/>
+            <a:off x="6302072" y="3117267"/>
             <a:ext cx="354584" cy="461665"/>
           </a:xfrm>
           <a:prstGeom prst="rect">
@@ -57893,7 +57847,7 @@
         </p:nvCxnSpPr>
         <p:spPr>
           <a:xfrm>
-            <a:off x="1916705" y="4217746"/>
+            <a:off x="5202070" y="3113965"/>
             <a:ext cx="2880320" cy="11038"/>
           </a:xfrm>
           <a:prstGeom prst="straightConnector1">
@@ -57929,7 +57883,7 @@
         </p:nvCxnSpPr>
         <p:spPr>
           <a:xfrm flipH="1" flipV="1">
-            <a:off x="1940843" y="4088018"/>
+            <a:off x="5226208" y="2984237"/>
             <a:ext cx="0" cy="249419"/>
           </a:xfrm>
           <a:prstGeom prst="line">
@@ -57964,7 +57918,7 @@
         </p:nvCxnSpPr>
         <p:spPr>
           <a:xfrm flipH="1" flipV="1">
-            <a:off x="4797025" y="4104075"/>
+            <a:off x="8082390" y="3000294"/>
             <a:ext cx="0" cy="249419"/>
           </a:xfrm>
           <a:prstGeom prst="line">
@@ -57999,7 +57953,7 @@
         </p:nvCxnSpPr>
         <p:spPr>
           <a:xfrm flipH="1" flipV="1">
-            <a:off x="3356865" y="4096338"/>
+            <a:off x="6642230" y="2992557"/>
             <a:ext cx="0" cy="249419"/>
           </a:xfrm>
           <a:prstGeom prst="line">
@@ -58034,7 +57988,7 @@
         </p:nvSpPr>
         <p:spPr>
           <a:xfrm>
-            <a:off x="4469725" y="4242623"/>
+            <a:off x="7755090" y="3138842"/>
             <a:ext cx="354584" cy="461665"/>
           </a:xfrm>
           <a:prstGeom prst="rect">
@@ -58072,7 +58026,7 @@
         </p:nvSpPr>
         <p:spPr>
           <a:xfrm>
-            <a:off x="2043050" y="4722530"/>
+            <a:off x="5328415" y="3618749"/>
             <a:ext cx="1087157" cy="461665"/>
           </a:xfrm>
           <a:prstGeom prst="rect">
@@ -58110,7 +58064,7 @@
         </p:nvSpPr>
         <p:spPr>
           <a:xfrm>
-            <a:off x="3401870" y="3440694"/>
+            <a:off x="6687235" y="2336913"/>
             <a:ext cx="917239" cy="461665"/>
           </a:xfrm>
           <a:prstGeom prst="rect">
@@ -58148,7 +58102,7 @@
         </p:nvSpPr>
         <p:spPr>
           <a:xfrm>
-            <a:off x="4846070" y="3361441"/>
+            <a:off x="8131435" y="2257660"/>
             <a:ext cx="917239" cy="461665"/>
           </a:xfrm>
           <a:prstGeom prst="rect">
@@ -58169,6 +58123,560 @@
                 <a:cs typeface="Cambria Math" charset="0"/>
               </a:rPr>
               <a:t>$ 600</a:t>
+            </a:r>
+            <a:endParaRPr lang="es-CO" sz="2400" dirty="0">
+              <a:latin typeface="Cambria Math" charset="0"/>
+              <a:ea typeface="Cambria Math" charset="0"/>
+              <a:cs typeface="Cambria Math" charset="0"/>
+            </a:endParaRPr>
+          </a:p>
+        </p:txBody>
+      </p:sp>
+      <p:cxnSp>
+        <p:nvCxnSpPr>
+          <p:cNvPr id="28" name="12 Conector recto de flecha"/>
+          <p:cNvCxnSpPr/>
+          <p:nvPr/>
+        </p:nvCxnSpPr>
+        <p:spPr>
+          <a:xfrm flipV="1">
+            <a:off x="3248671" y="4735876"/>
+            <a:ext cx="0" cy="900100"/>
+          </a:xfrm>
+          <a:prstGeom prst="straightConnector1">
+            <a:avLst/>
+          </a:prstGeom>
+          <a:ln w="50800">
+            <a:solidFill>
+              <a:srgbClr val="FF0000"/>
+            </a:solidFill>
+            <a:tailEnd type="triangle" w="med" len="med"/>
+          </a:ln>
+        </p:spPr>
+        <p:style>
+          <a:lnRef idx="1">
+            <a:schemeClr val="accent1"/>
+          </a:lnRef>
+          <a:fillRef idx="0">
+            <a:schemeClr val="accent1"/>
+          </a:fillRef>
+          <a:effectRef idx="0">
+            <a:schemeClr val="accent1"/>
+          </a:effectRef>
+          <a:fontRef idx="minor">
+            <a:schemeClr val="tx1"/>
+          </a:fontRef>
+        </p:style>
+      </p:cxnSp>
+      <p:cxnSp>
+        <p:nvCxnSpPr>
+          <p:cNvPr id="30" name="12 Conector recto de flecha"/>
+          <p:cNvCxnSpPr/>
+          <p:nvPr/>
+        </p:nvCxnSpPr>
+        <p:spPr>
+          <a:xfrm>
+            <a:off x="350081" y="5632674"/>
+            <a:ext cx="0" cy="946540"/>
+          </a:xfrm>
+          <a:prstGeom prst="straightConnector1">
+            <a:avLst/>
+          </a:prstGeom>
+          <a:ln w="50800">
+            <a:solidFill>
+              <a:srgbClr val="FF0000"/>
+            </a:solidFill>
+            <a:tailEnd type="triangle" w="med" len="med"/>
+          </a:ln>
+        </p:spPr>
+        <p:style>
+          <a:lnRef idx="1">
+            <a:schemeClr val="accent1"/>
+          </a:lnRef>
+          <a:fillRef idx="0">
+            <a:schemeClr val="accent1"/>
+          </a:fillRef>
+          <a:effectRef idx="0">
+            <a:schemeClr val="accent1"/>
+          </a:effectRef>
+          <a:fontRef idx="minor">
+            <a:schemeClr val="tx1"/>
+          </a:fontRef>
+        </p:style>
+      </p:cxnSp>
+      <p:sp>
+        <p:nvSpPr>
+          <p:cNvPr id="32" name="10 CuadroTexto"/>
+          <p:cNvSpPr txBox="1"/>
+          <p:nvPr/>
+        </p:nvSpPr>
+        <p:spPr>
+          <a:xfrm>
+            <a:off x="730988" y="5635976"/>
+            <a:ext cx="354584" cy="461665"/>
+          </a:xfrm>
+          <a:prstGeom prst="rect">
+            <a:avLst/>
+          </a:prstGeom>
+          <a:noFill/>
+        </p:spPr>
+        <p:txBody>
+          <a:bodyPr wrap="none" rtlCol="0">
+            <a:spAutoFit/>
+          </a:bodyPr>
+          <a:lstStyle/>
+          <a:p>
+            <a:r>
+              <a:rPr lang="es-CO" sz="2400" dirty="0" smtClean="0">
+                <a:latin typeface="Cambria Math" charset="0"/>
+                <a:ea typeface="Cambria Math" charset="0"/>
+                <a:cs typeface="Cambria Math" charset="0"/>
+              </a:rPr>
+              <a:t>1</a:t>
+            </a:r>
+            <a:endParaRPr lang="es-CO" sz="2400" dirty="0">
+              <a:latin typeface="Cambria Math" charset="0"/>
+              <a:ea typeface="Cambria Math" charset="0"/>
+              <a:cs typeface="Cambria Math" charset="0"/>
+            </a:endParaRPr>
+          </a:p>
+        </p:txBody>
+      </p:sp>
+      <p:cxnSp>
+        <p:nvCxnSpPr>
+          <p:cNvPr id="34" name="5 Conector recto de flecha"/>
+          <p:cNvCxnSpPr/>
+          <p:nvPr/>
+        </p:nvCxnSpPr>
+        <p:spPr>
+          <a:xfrm flipV="1">
+            <a:off x="325943" y="5632674"/>
+            <a:ext cx="2925325" cy="0"/>
+          </a:xfrm>
+          <a:prstGeom prst="straightConnector1">
+            <a:avLst/>
+          </a:prstGeom>
+          <a:ln w="28575">
+            <a:solidFill>
+              <a:schemeClr val="tx1"/>
+            </a:solidFill>
+            <a:tailEnd type="none" w="lg" len="lg"/>
+          </a:ln>
+        </p:spPr>
+        <p:style>
+          <a:lnRef idx="1">
+            <a:schemeClr val="accent1"/>
+          </a:lnRef>
+          <a:fillRef idx="0">
+            <a:schemeClr val="accent1"/>
+          </a:fillRef>
+          <a:effectRef idx="0">
+            <a:schemeClr val="accent1"/>
+          </a:effectRef>
+          <a:fontRef idx="minor">
+            <a:schemeClr val="tx1"/>
+          </a:fontRef>
+        </p:style>
+      </p:cxnSp>
+      <p:cxnSp>
+        <p:nvCxnSpPr>
+          <p:cNvPr id="38" name="9 Conector recto"/>
+          <p:cNvCxnSpPr/>
+          <p:nvPr/>
+        </p:nvCxnSpPr>
+        <p:spPr>
+          <a:xfrm flipH="1" flipV="1">
+            <a:off x="350081" y="5502946"/>
+            <a:ext cx="0" cy="249419"/>
+          </a:xfrm>
+          <a:prstGeom prst="line">
+            <a:avLst/>
+          </a:prstGeom>
+          <a:ln w="25400">
+            <a:solidFill>
+              <a:schemeClr val="tx1"/>
+            </a:solidFill>
+          </a:ln>
+        </p:spPr>
+        <p:style>
+          <a:lnRef idx="1">
+            <a:schemeClr val="accent1"/>
+          </a:lnRef>
+          <a:fillRef idx="0">
+            <a:schemeClr val="accent1"/>
+          </a:fillRef>
+          <a:effectRef idx="0">
+            <a:schemeClr val="accent1"/>
+          </a:effectRef>
+          <a:fontRef idx="minor">
+            <a:schemeClr val="tx1"/>
+          </a:fontRef>
+        </p:style>
+      </p:cxnSp>
+      <p:cxnSp>
+        <p:nvCxnSpPr>
+          <p:cNvPr id="39" name="9 Conector recto"/>
+          <p:cNvCxnSpPr/>
+          <p:nvPr/>
+        </p:nvCxnSpPr>
+        <p:spPr>
+          <a:xfrm flipH="1" flipV="1">
+            <a:off x="1091028" y="5497659"/>
+            <a:ext cx="0" cy="249419"/>
+          </a:xfrm>
+          <a:prstGeom prst="line">
+            <a:avLst/>
+          </a:prstGeom>
+          <a:ln w="25400">
+            <a:solidFill>
+              <a:schemeClr val="tx1"/>
+            </a:solidFill>
+          </a:ln>
+        </p:spPr>
+        <p:style>
+          <a:lnRef idx="1">
+            <a:schemeClr val="accent1"/>
+          </a:lnRef>
+          <a:fillRef idx="0">
+            <a:schemeClr val="accent1"/>
+          </a:fillRef>
+          <a:effectRef idx="0">
+            <a:schemeClr val="accent1"/>
+          </a:effectRef>
+          <a:fontRef idx="minor">
+            <a:schemeClr val="tx1"/>
+          </a:fontRef>
+        </p:style>
+      </p:cxnSp>
+      <p:cxnSp>
+        <p:nvCxnSpPr>
+          <p:cNvPr id="42" name="9 Conector recto"/>
+          <p:cNvCxnSpPr/>
+          <p:nvPr/>
+        </p:nvCxnSpPr>
+        <p:spPr>
+          <a:xfrm flipH="1" flipV="1">
+            <a:off x="1811108" y="5497659"/>
+            <a:ext cx="0" cy="249419"/>
+          </a:xfrm>
+          <a:prstGeom prst="line">
+            <a:avLst/>
+          </a:prstGeom>
+          <a:ln w="25400">
+            <a:solidFill>
+              <a:schemeClr val="tx1"/>
+            </a:solidFill>
+          </a:ln>
+        </p:spPr>
+        <p:style>
+          <a:lnRef idx="1">
+            <a:schemeClr val="accent1"/>
+          </a:lnRef>
+          <a:fillRef idx="0">
+            <a:schemeClr val="accent1"/>
+          </a:fillRef>
+          <a:effectRef idx="0">
+            <a:schemeClr val="accent1"/>
+          </a:effectRef>
+          <a:fontRef idx="minor">
+            <a:schemeClr val="tx1"/>
+          </a:fontRef>
+        </p:style>
+      </p:cxnSp>
+      <p:cxnSp>
+        <p:nvCxnSpPr>
+          <p:cNvPr id="43" name="9 Conector recto"/>
+          <p:cNvCxnSpPr/>
+          <p:nvPr/>
+        </p:nvCxnSpPr>
+        <p:spPr>
+          <a:xfrm flipH="1" flipV="1">
+            <a:off x="2711208" y="5518270"/>
+            <a:ext cx="0" cy="249419"/>
+          </a:xfrm>
+          <a:prstGeom prst="line">
+            <a:avLst/>
+          </a:prstGeom>
+          <a:ln w="25400">
+            <a:solidFill>
+              <a:schemeClr val="tx1"/>
+            </a:solidFill>
+          </a:ln>
+        </p:spPr>
+        <p:style>
+          <a:lnRef idx="1">
+            <a:schemeClr val="accent1"/>
+          </a:lnRef>
+          <a:fillRef idx="0">
+            <a:schemeClr val="accent1"/>
+          </a:fillRef>
+          <a:effectRef idx="0">
+            <a:schemeClr val="accent1"/>
+          </a:effectRef>
+          <a:fontRef idx="minor">
+            <a:schemeClr val="tx1"/>
+          </a:fontRef>
+        </p:style>
+      </p:cxnSp>
+      <p:cxnSp>
+        <p:nvCxnSpPr>
+          <p:cNvPr id="44" name="9 Conector recto"/>
+          <p:cNvCxnSpPr/>
+          <p:nvPr/>
+        </p:nvCxnSpPr>
+        <p:spPr>
+          <a:xfrm flipH="1" flipV="1">
+            <a:off x="3251268" y="5497659"/>
+            <a:ext cx="0" cy="249419"/>
+          </a:xfrm>
+          <a:prstGeom prst="line">
+            <a:avLst/>
+          </a:prstGeom>
+          <a:ln w="25400">
+            <a:solidFill>
+              <a:schemeClr val="tx1"/>
+            </a:solidFill>
+          </a:ln>
+        </p:spPr>
+        <p:style>
+          <a:lnRef idx="1">
+            <a:schemeClr val="accent1"/>
+          </a:lnRef>
+          <a:fillRef idx="0">
+            <a:schemeClr val="accent1"/>
+          </a:fillRef>
+          <a:effectRef idx="0">
+            <a:schemeClr val="accent1"/>
+          </a:effectRef>
+          <a:fontRef idx="minor">
+            <a:schemeClr val="tx1"/>
+          </a:fontRef>
+        </p:style>
+      </p:cxnSp>
+      <p:sp>
+        <p:nvSpPr>
+          <p:cNvPr id="45" name="6 CuadroTexto"/>
+          <p:cNvSpPr txBox="1"/>
+          <p:nvPr/>
+        </p:nvSpPr>
+        <p:spPr>
+          <a:xfrm>
+            <a:off x="2036133" y="5477442"/>
+            <a:ext cx="458780" cy="338554"/>
+          </a:xfrm>
+          <a:prstGeom prst="rect">
+            <a:avLst/>
+          </a:prstGeom>
+          <a:solidFill>
+            <a:schemeClr val="bg1"/>
+          </a:solidFill>
+        </p:spPr>
+        <p:txBody>
+          <a:bodyPr wrap="none" rtlCol="0">
+            <a:spAutoFit/>
+          </a:bodyPr>
+          <a:lstStyle/>
+          <a:p>
+            <a:r>
+              <a:rPr lang="es-CO" sz="1600" dirty="0" smtClean="0">
+                <a:latin typeface="Cambria Math" charset="0"/>
+                <a:ea typeface="Cambria Math" charset="0"/>
+                <a:cs typeface="Cambria Math" charset="0"/>
+              </a:rPr>
+              <a:t>•••</a:t>
+            </a:r>
+            <a:endParaRPr lang="es-CO" sz="1600" dirty="0">
+              <a:latin typeface="Cambria Math" charset="0"/>
+              <a:ea typeface="Cambria Math" charset="0"/>
+              <a:cs typeface="Cambria Math" charset="0"/>
+            </a:endParaRPr>
+          </a:p>
+        </p:txBody>
+      </p:sp>
+      <p:sp>
+        <p:nvSpPr>
+          <p:cNvPr id="46" name="10 CuadroTexto"/>
+          <p:cNvSpPr txBox="1"/>
+          <p:nvPr/>
+        </p:nvSpPr>
+        <p:spPr>
+          <a:xfrm>
+            <a:off x="1466656" y="5635976"/>
+            <a:ext cx="354584" cy="461665"/>
+          </a:xfrm>
+          <a:prstGeom prst="rect">
+            <a:avLst/>
+          </a:prstGeom>
+          <a:noFill/>
+        </p:spPr>
+        <p:txBody>
+          <a:bodyPr wrap="none" rtlCol="0">
+            <a:spAutoFit/>
+          </a:bodyPr>
+          <a:lstStyle/>
+          <a:p>
+            <a:r>
+              <a:rPr lang="es-CO" sz="2400" dirty="0" smtClean="0">
+                <a:latin typeface="Cambria Math" charset="0"/>
+                <a:ea typeface="Cambria Math" charset="0"/>
+                <a:cs typeface="Cambria Math" charset="0"/>
+              </a:rPr>
+              <a:t>2</a:t>
+            </a:r>
+            <a:endParaRPr lang="es-CO" sz="2400" dirty="0">
+              <a:latin typeface="Cambria Math" charset="0"/>
+              <a:ea typeface="Cambria Math" charset="0"/>
+              <a:cs typeface="Cambria Math" charset="0"/>
+            </a:endParaRPr>
+          </a:p>
+        </p:txBody>
+      </p:sp>
+      <p:sp>
+        <p:nvSpPr>
+          <p:cNvPr id="47" name="10 CuadroTexto"/>
+          <p:cNvSpPr txBox="1"/>
+          <p:nvPr/>
+        </p:nvSpPr>
+        <p:spPr>
+          <a:xfrm>
+            <a:off x="2771801" y="5635976"/>
+            <a:ext cx="524503" cy="461665"/>
+          </a:xfrm>
+          <a:prstGeom prst="rect">
+            <a:avLst/>
+          </a:prstGeom>
+          <a:noFill/>
+        </p:spPr>
+        <p:txBody>
+          <a:bodyPr wrap="none" rtlCol="0">
+            <a:spAutoFit/>
+          </a:bodyPr>
+          <a:lstStyle/>
+          <a:p>
+            <a:r>
+              <a:rPr lang="es-CO" sz="2400" dirty="0" smtClean="0">
+                <a:latin typeface="Cambria Math" charset="0"/>
+                <a:ea typeface="Cambria Math" charset="0"/>
+                <a:cs typeface="Cambria Math" charset="0"/>
+              </a:rPr>
+              <a:t>12</a:t>
+            </a:r>
+            <a:endParaRPr lang="es-CO" sz="2400" dirty="0">
+              <a:latin typeface="Cambria Math" charset="0"/>
+              <a:ea typeface="Cambria Math" charset="0"/>
+              <a:cs typeface="Cambria Math" charset="0"/>
+            </a:endParaRPr>
+          </a:p>
+        </p:txBody>
+      </p:sp>
+      <p:sp>
+        <p:nvSpPr>
+          <p:cNvPr id="48" name="10 CuadroTexto"/>
+          <p:cNvSpPr txBox="1"/>
+          <p:nvPr/>
+        </p:nvSpPr>
+        <p:spPr>
+          <a:xfrm>
+            <a:off x="3266855" y="4767535"/>
+            <a:ext cx="900100" cy="461665"/>
+          </a:xfrm>
+          <a:prstGeom prst="rect">
+            <a:avLst/>
+          </a:prstGeom>
+          <a:noFill/>
+        </p:spPr>
+        <p:txBody>
+          <a:bodyPr wrap="square" rtlCol="0">
+            <a:spAutoFit/>
+          </a:bodyPr>
+          <a:lstStyle/>
+          <a:p>
+            <a:r>
+              <a:rPr lang="es-CO" sz="2400" i="1" dirty="0" smtClean="0">
+                <a:latin typeface="Cambria Math" charset="0"/>
+                <a:ea typeface="Cambria Math" charset="0"/>
+                <a:cs typeface="Cambria Math" charset="0"/>
+              </a:rPr>
+              <a:t>F </a:t>
+            </a:r>
+            <a:r>
+              <a:rPr lang="es-CO" sz="2400" dirty="0" smtClean="0">
+                <a:latin typeface="Cambria Math" charset="0"/>
+                <a:ea typeface="Cambria Math" charset="0"/>
+                <a:cs typeface="Cambria Math" charset="0"/>
+              </a:rPr>
+              <a:t>= </a:t>
+            </a:r>
+            <a:r>
+              <a:rPr lang="es-CO" sz="2400" dirty="0">
+                <a:latin typeface="Cambria Math" charset="0"/>
+                <a:ea typeface="Cambria Math" charset="0"/>
+                <a:cs typeface="Cambria Math" charset="0"/>
+              </a:rPr>
+              <a:t>?</a:t>
+            </a:r>
+            <a:endParaRPr lang="es-CO" sz="2400" dirty="0">
+              <a:latin typeface="Cambria Math" charset="0"/>
+              <a:ea typeface="Cambria Math" charset="0"/>
+              <a:cs typeface="Cambria Math" charset="0"/>
+            </a:endParaRPr>
+          </a:p>
+        </p:txBody>
+      </p:sp>
+      <p:sp>
+        <p:nvSpPr>
+          <p:cNvPr id="49" name="10 CuadroTexto"/>
+          <p:cNvSpPr txBox="1"/>
+          <p:nvPr/>
+        </p:nvSpPr>
+        <p:spPr>
+          <a:xfrm>
+            <a:off x="322989" y="6282541"/>
+            <a:ext cx="1498251" cy="461665"/>
+          </a:xfrm>
+          <a:prstGeom prst="rect">
+            <a:avLst/>
+          </a:prstGeom>
+          <a:noFill/>
+        </p:spPr>
+        <p:txBody>
+          <a:bodyPr wrap="square" rtlCol="0">
+            <a:spAutoFit/>
+          </a:bodyPr>
+          <a:lstStyle/>
+          <a:p>
+            <a:pPr algn="ctr"/>
+            <a:r>
+              <a:rPr lang="es-CO" sz="2400" i="1" dirty="0" smtClean="0">
+                <a:latin typeface="Cambria Math" charset="0"/>
+                <a:ea typeface="Cambria Math" charset="0"/>
+                <a:cs typeface="Cambria Math" charset="0"/>
+              </a:rPr>
+              <a:t>P</a:t>
+            </a:r>
+            <a:r>
+              <a:rPr lang="es-CO" sz="2400" dirty="0" smtClean="0">
+                <a:latin typeface="Cambria Math" charset="0"/>
+                <a:ea typeface="Cambria Math" charset="0"/>
+                <a:cs typeface="Cambria Math" charset="0"/>
+              </a:rPr>
+              <a:t> </a:t>
+            </a:r>
+            <a:r>
+              <a:rPr lang="es-CO" sz="2400" smtClean="0">
+                <a:latin typeface="Cambria Math" charset="0"/>
+                <a:ea typeface="Cambria Math" charset="0"/>
+                <a:cs typeface="Cambria Math" charset="0"/>
+              </a:rPr>
+              <a:t>= </a:t>
+            </a:r>
+            <a:r>
+              <a:rPr lang="es-CO" sz="2400" smtClean="0">
+                <a:latin typeface="Cambria Math" charset="0"/>
+                <a:ea typeface="Cambria Math" charset="0"/>
+                <a:cs typeface="Cambria Math" charset="0"/>
+              </a:rPr>
+              <a:t>$ 730</a:t>
             </a:r>
             <a:endParaRPr lang="es-CO" sz="2400" dirty="0">
               <a:latin typeface="Cambria Math" charset="0"/>

--- a/images/graficas.pptx
+++ b/images/graficas.pptx
@@ -5,7 +5,7 @@
     <p:sldMasterId id="2147483648" r:id="rId1"/>
   </p:sldMasterIdLst>
   <p:notesMasterIdLst>
-    <p:notesMasterId r:id="rId40"/>
+    <p:notesMasterId r:id="rId41"/>
   </p:notesMasterIdLst>
   <p:sldIdLst>
     <p:sldId id="290" r:id="rId2"/>
@@ -17,35 +17,36 @@
     <p:sldId id="275" r:id="rId8"/>
     <p:sldId id="296" r:id="rId9"/>
     <p:sldId id="297" r:id="rId10"/>
-    <p:sldId id="299" r:id="rId11"/>
-    <p:sldId id="295" r:id="rId12"/>
-    <p:sldId id="292" r:id="rId13"/>
-    <p:sldId id="298" r:id="rId14"/>
-    <p:sldId id="306" r:id="rId15"/>
-    <p:sldId id="271" r:id="rId16"/>
-    <p:sldId id="272" r:id="rId17"/>
-    <p:sldId id="273" r:id="rId18"/>
-    <p:sldId id="274" r:id="rId19"/>
-    <p:sldId id="276" r:id="rId20"/>
-    <p:sldId id="281" r:id="rId21"/>
-    <p:sldId id="282" r:id="rId22"/>
-    <p:sldId id="277" r:id="rId23"/>
-    <p:sldId id="278" r:id="rId24"/>
-    <p:sldId id="279" r:id="rId25"/>
-    <p:sldId id="280" r:id="rId26"/>
-    <p:sldId id="269" r:id="rId27"/>
-    <p:sldId id="270" r:id="rId28"/>
-    <p:sldId id="286" r:id="rId29"/>
-    <p:sldId id="287" r:id="rId30"/>
-    <p:sldId id="288" r:id="rId31"/>
-    <p:sldId id="289" r:id="rId32"/>
-    <p:sldId id="283" r:id="rId33"/>
-    <p:sldId id="284" r:id="rId34"/>
-    <p:sldId id="285" r:id="rId35"/>
-    <p:sldId id="301" r:id="rId36"/>
-    <p:sldId id="302" r:id="rId37"/>
-    <p:sldId id="303" r:id="rId38"/>
-    <p:sldId id="304" r:id="rId39"/>
+    <p:sldId id="307" r:id="rId11"/>
+    <p:sldId id="299" r:id="rId12"/>
+    <p:sldId id="295" r:id="rId13"/>
+    <p:sldId id="292" r:id="rId14"/>
+    <p:sldId id="298" r:id="rId15"/>
+    <p:sldId id="306" r:id="rId16"/>
+    <p:sldId id="271" r:id="rId17"/>
+    <p:sldId id="272" r:id="rId18"/>
+    <p:sldId id="273" r:id="rId19"/>
+    <p:sldId id="274" r:id="rId20"/>
+    <p:sldId id="276" r:id="rId21"/>
+    <p:sldId id="281" r:id="rId22"/>
+    <p:sldId id="282" r:id="rId23"/>
+    <p:sldId id="277" r:id="rId24"/>
+    <p:sldId id="278" r:id="rId25"/>
+    <p:sldId id="279" r:id="rId26"/>
+    <p:sldId id="280" r:id="rId27"/>
+    <p:sldId id="269" r:id="rId28"/>
+    <p:sldId id="270" r:id="rId29"/>
+    <p:sldId id="286" r:id="rId30"/>
+    <p:sldId id="287" r:id="rId31"/>
+    <p:sldId id="288" r:id="rId32"/>
+    <p:sldId id="289" r:id="rId33"/>
+    <p:sldId id="283" r:id="rId34"/>
+    <p:sldId id="284" r:id="rId35"/>
+    <p:sldId id="285" r:id="rId36"/>
+    <p:sldId id="301" r:id="rId37"/>
+    <p:sldId id="302" r:id="rId38"/>
+    <p:sldId id="303" r:id="rId39"/>
+    <p:sldId id="304" r:id="rId40"/>
   </p:sldIdLst>
   <p:sldSz cx="9144000" cy="6858000" type="screen4x3"/>
   <p:notesSz cx="6858000" cy="9144000"/>
@@ -245,7 +246,7 @@
           <a:p>
             <a:fld id="{4D8A9ACC-0CD2-4945-9894-66EAD83B6F00}" type="datetimeFigureOut">
               <a:rPr lang="es-CO" smtClean="0"/>
-              <a:t>4/07/17</a:t>
+              <a:t>9/07/17</a:t>
             </a:fld>
             <a:endParaRPr lang="es-CO"/>
           </a:p>
@@ -694,7 +695,7 @@
           <a:p>
             <a:fld id="{7A847CFC-816F-41D0-AAC0-9BF4FEBC753E}" type="datetimeFigureOut">
               <a:rPr lang="es-ES" smtClean="0"/>
-              <a:t>4/7/17</a:t>
+              <a:t>9/7/17</a:t>
             </a:fld>
             <a:endParaRPr lang="es-ES"/>
           </a:p>
@@ -859,7 +860,7 @@
           <a:p>
             <a:fld id="{7A847CFC-816F-41D0-AAC0-9BF4FEBC753E}" type="datetimeFigureOut">
               <a:rPr lang="es-ES" smtClean="0"/>
-              <a:t>4/7/17</a:t>
+              <a:t>9/7/17</a:t>
             </a:fld>
             <a:endParaRPr lang="es-ES"/>
           </a:p>
@@ -1034,7 +1035,7 @@
           <a:p>
             <a:fld id="{7A847CFC-816F-41D0-AAC0-9BF4FEBC753E}" type="datetimeFigureOut">
               <a:rPr lang="es-ES" smtClean="0"/>
-              <a:t>4/7/17</a:t>
+              <a:t>9/7/17</a:t>
             </a:fld>
             <a:endParaRPr lang="es-ES"/>
           </a:p>
@@ -1199,7 +1200,7 @@
           <a:p>
             <a:fld id="{7A847CFC-816F-41D0-AAC0-9BF4FEBC753E}" type="datetimeFigureOut">
               <a:rPr lang="es-ES" smtClean="0"/>
-              <a:t>4/7/17</a:t>
+              <a:t>9/7/17</a:t>
             </a:fld>
             <a:endParaRPr lang="es-ES"/>
           </a:p>
@@ -1440,7 +1441,7 @@
           <a:p>
             <a:fld id="{7A847CFC-816F-41D0-AAC0-9BF4FEBC753E}" type="datetimeFigureOut">
               <a:rPr lang="es-ES" smtClean="0"/>
-              <a:t>4/7/17</a:t>
+              <a:t>9/7/17</a:t>
             </a:fld>
             <a:endParaRPr lang="es-ES"/>
           </a:p>
@@ -1723,7 +1724,7 @@
           <a:p>
             <a:fld id="{7A847CFC-816F-41D0-AAC0-9BF4FEBC753E}" type="datetimeFigureOut">
               <a:rPr lang="es-ES" smtClean="0"/>
-              <a:t>4/7/17</a:t>
+              <a:t>9/7/17</a:t>
             </a:fld>
             <a:endParaRPr lang="es-ES"/>
           </a:p>
@@ -2140,7 +2141,7 @@
           <a:p>
             <a:fld id="{7A847CFC-816F-41D0-AAC0-9BF4FEBC753E}" type="datetimeFigureOut">
               <a:rPr lang="es-ES" smtClean="0"/>
-              <a:t>4/7/17</a:t>
+              <a:t>9/7/17</a:t>
             </a:fld>
             <a:endParaRPr lang="es-ES"/>
           </a:p>
@@ -2253,7 +2254,7 @@
           <a:p>
             <a:fld id="{7A847CFC-816F-41D0-AAC0-9BF4FEBC753E}" type="datetimeFigureOut">
               <a:rPr lang="es-ES" smtClean="0"/>
-              <a:t>4/7/17</a:t>
+              <a:t>9/7/17</a:t>
             </a:fld>
             <a:endParaRPr lang="es-ES"/>
           </a:p>
@@ -2343,7 +2344,7 @@
           <a:p>
             <a:fld id="{7A847CFC-816F-41D0-AAC0-9BF4FEBC753E}" type="datetimeFigureOut">
               <a:rPr lang="es-ES" smtClean="0"/>
-              <a:t>4/7/17</a:t>
+              <a:t>9/7/17</a:t>
             </a:fld>
             <a:endParaRPr lang="es-ES"/>
           </a:p>
@@ -2622,7 +2623,7 @@
           <a:p>
             <a:fld id="{7A847CFC-816F-41D0-AAC0-9BF4FEBC753E}" type="datetimeFigureOut">
               <a:rPr lang="es-ES" smtClean="0"/>
-              <a:t>4/7/17</a:t>
+              <a:t>9/7/17</a:t>
             </a:fld>
             <a:endParaRPr lang="es-ES"/>
           </a:p>
@@ -2870,7 +2871,7 @@
           <a:p>
             <a:fld id="{7A847CFC-816F-41D0-AAC0-9BF4FEBC753E}" type="datetimeFigureOut">
               <a:rPr lang="es-ES" smtClean="0"/>
-              <a:t>4/7/17</a:t>
+              <a:t>9/7/17</a:t>
             </a:fld>
             <a:endParaRPr lang="es-ES"/>
           </a:p>
@@ -3078,7 +3079,7 @@
           <a:p>
             <a:fld id="{7A847CFC-816F-41D0-AAC0-9BF4FEBC753E}" type="datetimeFigureOut">
               <a:rPr lang="es-ES" smtClean="0"/>
-              <a:t>4/7/17</a:t>
+              <a:t>9/7/17</a:t>
             </a:fld>
             <a:endParaRPr lang="es-ES"/>
           </a:p>
@@ -4104,6 +4105,4941 @@
       </p:grpSpPr>
       <p:cxnSp>
         <p:nvCxnSpPr>
+          <p:cNvPr id="199" name="12 Conector recto de flecha"/>
+          <p:cNvCxnSpPr/>
+          <p:nvPr/>
+        </p:nvCxnSpPr>
+        <p:spPr>
+          <a:xfrm flipV="1">
+            <a:off x="8577444" y="3969060"/>
+            <a:ext cx="0" cy="1337635"/>
+          </a:xfrm>
+          <a:prstGeom prst="straightConnector1">
+            <a:avLst/>
+          </a:prstGeom>
+          <a:ln w="38100">
+            <a:solidFill>
+              <a:srgbClr val="FF0000"/>
+            </a:solidFill>
+            <a:tailEnd type="triangle" w="med" len="med"/>
+          </a:ln>
+        </p:spPr>
+        <p:style>
+          <a:lnRef idx="1">
+            <a:schemeClr val="accent1"/>
+          </a:lnRef>
+          <a:fillRef idx="0">
+            <a:schemeClr val="accent1"/>
+          </a:fillRef>
+          <a:effectRef idx="0">
+            <a:schemeClr val="accent1"/>
+          </a:effectRef>
+          <a:fontRef idx="minor">
+            <a:schemeClr val="tx1"/>
+          </a:fontRef>
+        </p:style>
+      </p:cxnSp>
+      <p:cxnSp>
+        <p:nvCxnSpPr>
+          <p:cNvPr id="198" name="12 Conector recto de flecha"/>
+          <p:cNvCxnSpPr/>
+          <p:nvPr/>
+        </p:nvCxnSpPr>
+        <p:spPr>
+          <a:xfrm flipV="1">
+            <a:off x="7902370" y="4059070"/>
+            <a:ext cx="0" cy="1247625"/>
+          </a:xfrm>
+          <a:prstGeom prst="straightConnector1">
+            <a:avLst/>
+          </a:prstGeom>
+          <a:ln w="38100">
+            <a:solidFill>
+              <a:srgbClr val="FF0000"/>
+            </a:solidFill>
+            <a:tailEnd type="triangle" w="med" len="med"/>
+          </a:ln>
+        </p:spPr>
+        <p:style>
+          <a:lnRef idx="1">
+            <a:schemeClr val="accent1"/>
+          </a:lnRef>
+          <a:fillRef idx="0">
+            <a:schemeClr val="accent1"/>
+          </a:fillRef>
+          <a:effectRef idx="0">
+            <a:schemeClr val="accent1"/>
+          </a:effectRef>
+          <a:fontRef idx="minor">
+            <a:schemeClr val="tx1"/>
+          </a:fontRef>
+        </p:style>
+      </p:cxnSp>
+      <p:cxnSp>
+        <p:nvCxnSpPr>
+          <p:cNvPr id="197" name="12 Conector recto de flecha"/>
+          <p:cNvCxnSpPr/>
+          <p:nvPr/>
+        </p:nvCxnSpPr>
+        <p:spPr>
+          <a:xfrm flipV="1">
+            <a:off x="7218197" y="4153174"/>
+            <a:ext cx="0" cy="1153521"/>
+          </a:xfrm>
+          <a:prstGeom prst="straightConnector1">
+            <a:avLst/>
+          </a:prstGeom>
+          <a:ln w="38100">
+            <a:solidFill>
+              <a:srgbClr val="FF0000"/>
+            </a:solidFill>
+            <a:tailEnd type="triangle" w="med" len="med"/>
+          </a:ln>
+        </p:spPr>
+        <p:style>
+          <a:lnRef idx="1">
+            <a:schemeClr val="accent1"/>
+          </a:lnRef>
+          <a:fillRef idx="0">
+            <a:schemeClr val="accent1"/>
+          </a:fillRef>
+          <a:effectRef idx="0">
+            <a:schemeClr val="accent1"/>
+          </a:effectRef>
+          <a:fontRef idx="minor">
+            <a:schemeClr val="tx1"/>
+          </a:fontRef>
+        </p:style>
+      </p:cxnSp>
+      <p:cxnSp>
+        <p:nvCxnSpPr>
+          <p:cNvPr id="196" name="12 Conector recto de flecha"/>
+          <p:cNvCxnSpPr/>
+          <p:nvPr/>
+        </p:nvCxnSpPr>
+        <p:spPr>
+          <a:xfrm flipV="1">
+            <a:off x="6552219" y="4239090"/>
+            <a:ext cx="0" cy="1067606"/>
+          </a:xfrm>
+          <a:prstGeom prst="straightConnector1">
+            <a:avLst/>
+          </a:prstGeom>
+          <a:ln w="38100">
+            <a:solidFill>
+              <a:srgbClr val="FF0000"/>
+            </a:solidFill>
+            <a:tailEnd type="triangle" w="med" len="med"/>
+          </a:ln>
+        </p:spPr>
+        <p:style>
+          <a:lnRef idx="1">
+            <a:schemeClr val="accent1"/>
+          </a:lnRef>
+          <a:fillRef idx="0">
+            <a:schemeClr val="accent1"/>
+          </a:fillRef>
+          <a:effectRef idx="0">
+            <a:schemeClr val="accent1"/>
+          </a:effectRef>
+          <a:fontRef idx="minor">
+            <a:schemeClr val="tx1"/>
+          </a:fontRef>
+        </p:style>
+      </p:cxnSp>
+      <p:cxnSp>
+        <p:nvCxnSpPr>
+          <p:cNvPr id="195" name="12 Conector recto de flecha"/>
+          <p:cNvCxnSpPr/>
+          <p:nvPr/>
+        </p:nvCxnSpPr>
+        <p:spPr>
+          <a:xfrm flipV="1">
+            <a:off x="5877145" y="4329100"/>
+            <a:ext cx="0" cy="977596"/>
+          </a:xfrm>
+          <a:prstGeom prst="straightConnector1">
+            <a:avLst/>
+          </a:prstGeom>
+          <a:ln w="38100">
+            <a:solidFill>
+              <a:srgbClr val="FF0000"/>
+            </a:solidFill>
+            <a:tailEnd type="triangle" w="med" len="med"/>
+          </a:ln>
+        </p:spPr>
+        <p:style>
+          <a:lnRef idx="1">
+            <a:schemeClr val="accent1"/>
+          </a:lnRef>
+          <a:fillRef idx="0">
+            <a:schemeClr val="accent1"/>
+          </a:fillRef>
+          <a:effectRef idx="0">
+            <a:schemeClr val="accent1"/>
+          </a:effectRef>
+          <a:fontRef idx="minor">
+            <a:schemeClr val="tx1"/>
+          </a:fontRef>
+        </p:style>
+      </p:cxnSp>
+      <p:cxnSp>
+        <p:nvCxnSpPr>
+          <p:cNvPr id="194" name="12 Conector recto de flecha"/>
+          <p:cNvCxnSpPr/>
+          <p:nvPr/>
+        </p:nvCxnSpPr>
+        <p:spPr>
+          <a:xfrm flipV="1">
+            <a:off x="5202070" y="4419110"/>
+            <a:ext cx="0" cy="887585"/>
+          </a:xfrm>
+          <a:prstGeom prst="straightConnector1">
+            <a:avLst/>
+          </a:prstGeom>
+          <a:ln w="38100">
+            <a:solidFill>
+              <a:srgbClr val="FF0000"/>
+            </a:solidFill>
+            <a:tailEnd type="triangle" w="med" len="med"/>
+          </a:ln>
+        </p:spPr>
+        <p:style>
+          <a:lnRef idx="1">
+            <a:schemeClr val="accent1"/>
+          </a:lnRef>
+          <a:fillRef idx="0">
+            <a:schemeClr val="accent1"/>
+          </a:fillRef>
+          <a:effectRef idx="0">
+            <a:schemeClr val="accent1"/>
+          </a:effectRef>
+          <a:fontRef idx="minor">
+            <a:schemeClr val="tx1"/>
+          </a:fontRef>
+        </p:style>
+      </p:cxnSp>
+      <p:cxnSp>
+        <p:nvCxnSpPr>
+          <p:cNvPr id="193" name="12 Conector recto de flecha"/>
+          <p:cNvCxnSpPr/>
+          <p:nvPr/>
+        </p:nvCxnSpPr>
+        <p:spPr>
+          <a:xfrm flipV="1">
+            <a:off x="4526995" y="4490711"/>
+            <a:ext cx="0" cy="815984"/>
+          </a:xfrm>
+          <a:prstGeom prst="straightConnector1">
+            <a:avLst/>
+          </a:prstGeom>
+          <a:ln w="38100">
+            <a:solidFill>
+              <a:srgbClr val="FF0000"/>
+            </a:solidFill>
+            <a:tailEnd type="triangle" w="med" len="med"/>
+          </a:ln>
+        </p:spPr>
+        <p:style>
+          <a:lnRef idx="1">
+            <a:schemeClr val="accent1"/>
+          </a:lnRef>
+          <a:fillRef idx="0">
+            <a:schemeClr val="accent1"/>
+          </a:fillRef>
+          <a:effectRef idx="0">
+            <a:schemeClr val="accent1"/>
+          </a:effectRef>
+          <a:fontRef idx="minor">
+            <a:schemeClr val="tx1"/>
+          </a:fontRef>
+        </p:style>
+      </p:cxnSp>
+      <p:cxnSp>
+        <p:nvCxnSpPr>
+          <p:cNvPr id="192" name="12 Conector recto de flecha"/>
+          <p:cNvCxnSpPr/>
+          <p:nvPr/>
+        </p:nvCxnSpPr>
+        <p:spPr>
+          <a:xfrm flipV="1">
+            <a:off x="3852586" y="4551691"/>
+            <a:ext cx="0" cy="755004"/>
+          </a:xfrm>
+          <a:prstGeom prst="straightConnector1">
+            <a:avLst/>
+          </a:prstGeom>
+          <a:ln w="38100">
+            <a:solidFill>
+              <a:srgbClr val="FF0000"/>
+            </a:solidFill>
+            <a:tailEnd type="triangle" w="med" len="med"/>
+          </a:ln>
+        </p:spPr>
+        <p:style>
+          <a:lnRef idx="1">
+            <a:schemeClr val="accent1"/>
+          </a:lnRef>
+          <a:fillRef idx="0">
+            <a:schemeClr val="accent1"/>
+          </a:fillRef>
+          <a:effectRef idx="0">
+            <a:schemeClr val="accent1"/>
+          </a:effectRef>
+          <a:fontRef idx="minor">
+            <a:schemeClr val="tx1"/>
+          </a:fontRef>
+        </p:style>
+      </p:cxnSp>
+      <p:cxnSp>
+        <p:nvCxnSpPr>
+          <p:cNvPr id="191" name="12 Conector recto de flecha"/>
+          <p:cNvCxnSpPr/>
+          <p:nvPr/>
+        </p:nvCxnSpPr>
+        <p:spPr>
+          <a:xfrm flipH="1" flipV="1">
+            <a:off x="3176845" y="4659749"/>
+            <a:ext cx="1" cy="646945"/>
+          </a:xfrm>
+          <a:prstGeom prst="straightConnector1">
+            <a:avLst/>
+          </a:prstGeom>
+          <a:ln w="38100">
+            <a:solidFill>
+              <a:srgbClr val="FF0000"/>
+            </a:solidFill>
+            <a:tailEnd type="triangle" w="med" len="med"/>
+          </a:ln>
+        </p:spPr>
+        <p:style>
+          <a:lnRef idx="1">
+            <a:schemeClr val="accent1"/>
+          </a:lnRef>
+          <a:fillRef idx="0">
+            <a:schemeClr val="accent1"/>
+          </a:fillRef>
+          <a:effectRef idx="0">
+            <a:schemeClr val="accent1"/>
+          </a:effectRef>
+          <a:fontRef idx="minor">
+            <a:schemeClr val="tx1"/>
+          </a:fontRef>
+        </p:style>
+      </p:cxnSp>
+      <p:cxnSp>
+        <p:nvCxnSpPr>
+          <p:cNvPr id="190" name="12 Conector recto de flecha"/>
+          <p:cNvCxnSpPr/>
+          <p:nvPr/>
+        </p:nvCxnSpPr>
+        <p:spPr>
+          <a:xfrm flipV="1">
+            <a:off x="2512827" y="4734145"/>
+            <a:ext cx="0" cy="572550"/>
+          </a:xfrm>
+          <a:prstGeom prst="straightConnector1">
+            <a:avLst/>
+          </a:prstGeom>
+          <a:ln w="38100">
+            <a:solidFill>
+              <a:srgbClr val="FF0000"/>
+            </a:solidFill>
+            <a:tailEnd type="triangle" w="med" len="med"/>
+          </a:ln>
+        </p:spPr>
+        <p:style>
+          <a:lnRef idx="1">
+            <a:schemeClr val="accent1"/>
+          </a:lnRef>
+          <a:fillRef idx="0">
+            <a:schemeClr val="accent1"/>
+          </a:fillRef>
+          <a:effectRef idx="0">
+            <a:schemeClr val="accent1"/>
+          </a:effectRef>
+          <a:fontRef idx="minor">
+            <a:schemeClr val="tx1"/>
+          </a:fontRef>
+        </p:style>
+      </p:cxnSp>
+      <p:cxnSp>
+        <p:nvCxnSpPr>
+          <p:cNvPr id="188" name="12 Conector recto de flecha"/>
+          <p:cNvCxnSpPr/>
+          <p:nvPr/>
+        </p:nvCxnSpPr>
+        <p:spPr>
+          <a:xfrm flipV="1">
+            <a:off x="1826695" y="4824155"/>
+            <a:ext cx="0" cy="482539"/>
+          </a:xfrm>
+          <a:prstGeom prst="straightConnector1">
+            <a:avLst/>
+          </a:prstGeom>
+          <a:ln w="38100">
+            <a:solidFill>
+              <a:srgbClr val="FF0000"/>
+            </a:solidFill>
+            <a:tailEnd type="triangle" w="med" len="med"/>
+          </a:ln>
+        </p:spPr>
+        <p:style>
+          <a:lnRef idx="1">
+            <a:schemeClr val="accent1"/>
+          </a:lnRef>
+          <a:fillRef idx="0">
+            <a:schemeClr val="accent1"/>
+          </a:fillRef>
+          <a:effectRef idx="0">
+            <a:schemeClr val="accent1"/>
+          </a:effectRef>
+          <a:fontRef idx="minor">
+            <a:schemeClr val="tx1"/>
+          </a:fontRef>
+        </p:style>
+      </p:cxnSp>
+      <p:cxnSp>
+        <p:nvCxnSpPr>
+          <p:cNvPr id="171" name="12 Conector recto de flecha"/>
+          <p:cNvCxnSpPr/>
+          <p:nvPr/>
+        </p:nvCxnSpPr>
+        <p:spPr>
+          <a:xfrm flipH="1">
+            <a:off x="5877144" y="2483895"/>
+            <a:ext cx="1" cy="756000"/>
+          </a:xfrm>
+          <a:prstGeom prst="straightConnector1">
+            <a:avLst/>
+          </a:prstGeom>
+          <a:ln w="38100">
+            <a:solidFill>
+              <a:srgbClr val="FF0000"/>
+            </a:solidFill>
+            <a:tailEnd type="triangle" w="med" len="med"/>
+          </a:ln>
+        </p:spPr>
+        <p:style>
+          <a:lnRef idx="1">
+            <a:schemeClr val="accent1"/>
+          </a:lnRef>
+          <a:fillRef idx="0">
+            <a:schemeClr val="accent1"/>
+          </a:fillRef>
+          <a:effectRef idx="0">
+            <a:schemeClr val="accent1"/>
+          </a:effectRef>
+          <a:fontRef idx="minor">
+            <a:schemeClr val="tx1"/>
+          </a:fontRef>
+        </p:style>
+      </p:cxnSp>
+      <p:cxnSp>
+        <p:nvCxnSpPr>
+          <p:cNvPr id="172" name="12 Conector recto de flecha"/>
+          <p:cNvCxnSpPr/>
+          <p:nvPr/>
+        </p:nvCxnSpPr>
+        <p:spPr>
+          <a:xfrm flipH="1">
+            <a:off x="6552219" y="2483895"/>
+            <a:ext cx="1" cy="756000"/>
+          </a:xfrm>
+          <a:prstGeom prst="straightConnector1">
+            <a:avLst/>
+          </a:prstGeom>
+          <a:ln w="38100">
+            <a:solidFill>
+              <a:srgbClr val="FF0000"/>
+            </a:solidFill>
+            <a:tailEnd type="triangle" w="med" len="med"/>
+          </a:ln>
+        </p:spPr>
+        <p:style>
+          <a:lnRef idx="1">
+            <a:schemeClr val="accent1"/>
+          </a:lnRef>
+          <a:fillRef idx="0">
+            <a:schemeClr val="accent1"/>
+          </a:fillRef>
+          <a:effectRef idx="0">
+            <a:schemeClr val="accent1"/>
+          </a:effectRef>
+          <a:fontRef idx="minor">
+            <a:schemeClr val="tx1"/>
+          </a:fontRef>
+        </p:style>
+      </p:cxnSp>
+      <p:cxnSp>
+        <p:nvCxnSpPr>
+          <p:cNvPr id="173" name="12 Conector recto de flecha"/>
+          <p:cNvCxnSpPr/>
+          <p:nvPr/>
+        </p:nvCxnSpPr>
+        <p:spPr>
+          <a:xfrm flipH="1">
+            <a:off x="7227294" y="2483895"/>
+            <a:ext cx="1" cy="756000"/>
+          </a:xfrm>
+          <a:prstGeom prst="straightConnector1">
+            <a:avLst/>
+          </a:prstGeom>
+          <a:ln w="38100">
+            <a:solidFill>
+              <a:srgbClr val="FF0000"/>
+            </a:solidFill>
+            <a:tailEnd type="triangle" w="med" len="med"/>
+          </a:ln>
+        </p:spPr>
+        <p:style>
+          <a:lnRef idx="1">
+            <a:schemeClr val="accent1"/>
+          </a:lnRef>
+          <a:fillRef idx="0">
+            <a:schemeClr val="accent1"/>
+          </a:fillRef>
+          <a:effectRef idx="0">
+            <a:schemeClr val="accent1"/>
+          </a:effectRef>
+          <a:fontRef idx="minor">
+            <a:schemeClr val="tx1"/>
+          </a:fontRef>
+        </p:style>
+      </p:cxnSp>
+      <p:cxnSp>
+        <p:nvCxnSpPr>
+          <p:cNvPr id="174" name="12 Conector recto de flecha"/>
+          <p:cNvCxnSpPr/>
+          <p:nvPr/>
+        </p:nvCxnSpPr>
+        <p:spPr>
+          <a:xfrm flipH="1">
+            <a:off x="7902369" y="2483895"/>
+            <a:ext cx="1" cy="756000"/>
+          </a:xfrm>
+          <a:prstGeom prst="straightConnector1">
+            <a:avLst/>
+          </a:prstGeom>
+          <a:ln w="38100">
+            <a:solidFill>
+              <a:srgbClr val="FF0000"/>
+            </a:solidFill>
+            <a:tailEnd type="triangle" w="med" len="med"/>
+          </a:ln>
+        </p:spPr>
+        <p:style>
+          <a:lnRef idx="1">
+            <a:schemeClr val="accent1"/>
+          </a:lnRef>
+          <a:fillRef idx="0">
+            <a:schemeClr val="accent1"/>
+          </a:fillRef>
+          <a:effectRef idx="0">
+            <a:schemeClr val="accent1"/>
+          </a:effectRef>
+          <a:fontRef idx="minor">
+            <a:schemeClr val="tx1"/>
+          </a:fontRef>
+        </p:style>
+      </p:cxnSp>
+      <p:cxnSp>
+        <p:nvCxnSpPr>
+          <p:cNvPr id="175" name="12 Conector recto de flecha"/>
+          <p:cNvCxnSpPr/>
+          <p:nvPr/>
+        </p:nvCxnSpPr>
+        <p:spPr>
+          <a:xfrm flipH="1">
+            <a:off x="8577444" y="2483895"/>
+            <a:ext cx="1" cy="756000"/>
+          </a:xfrm>
+          <a:prstGeom prst="straightConnector1">
+            <a:avLst/>
+          </a:prstGeom>
+          <a:ln w="38100">
+            <a:solidFill>
+              <a:srgbClr val="FF0000"/>
+            </a:solidFill>
+            <a:tailEnd type="triangle" w="med" len="med"/>
+          </a:ln>
+        </p:spPr>
+        <p:style>
+          <a:lnRef idx="1">
+            <a:schemeClr val="accent1"/>
+          </a:lnRef>
+          <a:fillRef idx="0">
+            <a:schemeClr val="accent1"/>
+          </a:fillRef>
+          <a:effectRef idx="0">
+            <a:schemeClr val="accent1"/>
+          </a:effectRef>
+          <a:fontRef idx="minor">
+            <a:schemeClr val="tx1"/>
+          </a:fontRef>
+        </p:style>
+      </p:cxnSp>
+      <p:cxnSp>
+        <p:nvCxnSpPr>
+          <p:cNvPr id="170" name="12 Conector recto de flecha"/>
+          <p:cNvCxnSpPr/>
+          <p:nvPr/>
+        </p:nvCxnSpPr>
+        <p:spPr>
+          <a:xfrm flipH="1">
+            <a:off x="5202069" y="2483895"/>
+            <a:ext cx="1" cy="612000"/>
+          </a:xfrm>
+          <a:prstGeom prst="straightConnector1">
+            <a:avLst/>
+          </a:prstGeom>
+          <a:ln w="38100">
+            <a:solidFill>
+              <a:srgbClr val="FF0000"/>
+            </a:solidFill>
+            <a:tailEnd type="triangle" w="med" len="med"/>
+          </a:ln>
+        </p:spPr>
+        <p:style>
+          <a:lnRef idx="1">
+            <a:schemeClr val="accent1"/>
+          </a:lnRef>
+          <a:fillRef idx="0">
+            <a:schemeClr val="accent1"/>
+          </a:fillRef>
+          <a:effectRef idx="0">
+            <a:schemeClr val="accent1"/>
+          </a:effectRef>
+          <a:fontRef idx="minor">
+            <a:schemeClr val="tx1"/>
+          </a:fontRef>
+        </p:style>
+      </p:cxnSp>
+      <p:cxnSp>
+        <p:nvCxnSpPr>
+          <p:cNvPr id="166" name="12 Conector recto de flecha"/>
+          <p:cNvCxnSpPr/>
+          <p:nvPr/>
+        </p:nvCxnSpPr>
+        <p:spPr>
+          <a:xfrm flipH="1">
+            <a:off x="2501769" y="2483896"/>
+            <a:ext cx="1" cy="468000"/>
+          </a:xfrm>
+          <a:prstGeom prst="straightConnector1">
+            <a:avLst/>
+          </a:prstGeom>
+          <a:ln w="38100">
+            <a:solidFill>
+              <a:srgbClr val="FF0000"/>
+            </a:solidFill>
+            <a:tailEnd type="triangle" w="med" len="med"/>
+          </a:ln>
+        </p:spPr>
+        <p:style>
+          <a:lnRef idx="1">
+            <a:schemeClr val="accent1"/>
+          </a:lnRef>
+          <a:fillRef idx="0">
+            <a:schemeClr val="accent1"/>
+          </a:fillRef>
+          <a:effectRef idx="0">
+            <a:schemeClr val="accent1"/>
+          </a:effectRef>
+          <a:fontRef idx="minor">
+            <a:schemeClr val="tx1"/>
+          </a:fontRef>
+        </p:style>
+      </p:cxnSp>
+      <p:cxnSp>
+        <p:nvCxnSpPr>
+          <p:cNvPr id="167" name="12 Conector recto de flecha"/>
+          <p:cNvCxnSpPr/>
+          <p:nvPr/>
+        </p:nvCxnSpPr>
+        <p:spPr>
+          <a:xfrm flipH="1">
+            <a:off x="3176844" y="2483896"/>
+            <a:ext cx="1" cy="468000"/>
+          </a:xfrm>
+          <a:prstGeom prst="straightConnector1">
+            <a:avLst/>
+          </a:prstGeom>
+          <a:ln w="38100">
+            <a:solidFill>
+              <a:srgbClr val="FF0000"/>
+            </a:solidFill>
+            <a:tailEnd type="triangle" w="med" len="med"/>
+          </a:ln>
+        </p:spPr>
+        <p:style>
+          <a:lnRef idx="1">
+            <a:schemeClr val="accent1"/>
+          </a:lnRef>
+          <a:fillRef idx="0">
+            <a:schemeClr val="accent1"/>
+          </a:fillRef>
+          <a:effectRef idx="0">
+            <a:schemeClr val="accent1"/>
+          </a:effectRef>
+          <a:fontRef idx="minor">
+            <a:schemeClr val="tx1"/>
+          </a:fontRef>
+        </p:style>
+      </p:cxnSp>
+      <p:cxnSp>
+        <p:nvCxnSpPr>
+          <p:cNvPr id="168" name="12 Conector recto de flecha"/>
+          <p:cNvCxnSpPr/>
+          <p:nvPr/>
+        </p:nvCxnSpPr>
+        <p:spPr>
+          <a:xfrm flipH="1">
+            <a:off x="3851919" y="2483895"/>
+            <a:ext cx="1" cy="612000"/>
+          </a:xfrm>
+          <a:prstGeom prst="straightConnector1">
+            <a:avLst/>
+          </a:prstGeom>
+          <a:ln w="38100">
+            <a:solidFill>
+              <a:srgbClr val="FF0000"/>
+            </a:solidFill>
+            <a:tailEnd type="triangle" w="med" len="med"/>
+          </a:ln>
+        </p:spPr>
+        <p:style>
+          <a:lnRef idx="1">
+            <a:schemeClr val="accent1"/>
+          </a:lnRef>
+          <a:fillRef idx="0">
+            <a:schemeClr val="accent1"/>
+          </a:fillRef>
+          <a:effectRef idx="0">
+            <a:schemeClr val="accent1"/>
+          </a:effectRef>
+          <a:fontRef idx="minor">
+            <a:schemeClr val="tx1"/>
+          </a:fontRef>
+        </p:style>
+      </p:cxnSp>
+      <p:cxnSp>
+        <p:nvCxnSpPr>
+          <p:cNvPr id="169" name="12 Conector recto de flecha"/>
+          <p:cNvCxnSpPr/>
+          <p:nvPr/>
+        </p:nvCxnSpPr>
+        <p:spPr>
+          <a:xfrm flipH="1">
+            <a:off x="4526994" y="2483895"/>
+            <a:ext cx="1" cy="612000"/>
+          </a:xfrm>
+          <a:prstGeom prst="straightConnector1">
+            <a:avLst/>
+          </a:prstGeom>
+          <a:ln w="38100">
+            <a:solidFill>
+              <a:srgbClr val="FF0000"/>
+            </a:solidFill>
+            <a:tailEnd type="triangle" w="med" len="med"/>
+          </a:ln>
+        </p:spPr>
+        <p:style>
+          <a:lnRef idx="1">
+            <a:schemeClr val="accent1"/>
+          </a:lnRef>
+          <a:fillRef idx="0">
+            <a:schemeClr val="accent1"/>
+          </a:fillRef>
+          <a:effectRef idx="0">
+            <a:schemeClr val="accent1"/>
+          </a:effectRef>
+          <a:fontRef idx="minor">
+            <a:schemeClr val="tx1"/>
+          </a:fontRef>
+        </p:style>
+      </p:cxnSp>
+      <p:cxnSp>
+        <p:nvCxnSpPr>
+          <p:cNvPr id="165" name="12 Conector recto de flecha"/>
+          <p:cNvCxnSpPr/>
+          <p:nvPr/>
+        </p:nvCxnSpPr>
+        <p:spPr>
+          <a:xfrm flipH="1">
+            <a:off x="1826694" y="2483895"/>
+            <a:ext cx="1" cy="468000"/>
+          </a:xfrm>
+          <a:prstGeom prst="straightConnector1">
+            <a:avLst/>
+          </a:prstGeom>
+          <a:ln w="38100">
+            <a:solidFill>
+              <a:srgbClr val="FF0000"/>
+            </a:solidFill>
+            <a:tailEnd type="triangle" w="med" len="med"/>
+          </a:ln>
+        </p:spPr>
+        <p:style>
+          <a:lnRef idx="1">
+            <a:schemeClr val="accent1"/>
+          </a:lnRef>
+          <a:fillRef idx="0">
+            <a:schemeClr val="accent1"/>
+          </a:fillRef>
+          <a:effectRef idx="0">
+            <a:schemeClr val="accent1"/>
+          </a:effectRef>
+          <a:fontRef idx="minor">
+            <a:schemeClr val="tx1"/>
+          </a:fontRef>
+        </p:style>
+      </p:cxnSp>
+      <p:cxnSp>
+        <p:nvCxnSpPr>
+          <p:cNvPr id="163" name="12 Conector recto de flecha"/>
+          <p:cNvCxnSpPr/>
+          <p:nvPr/>
+        </p:nvCxnSpPr>
+        <p:spPr>
+          <a:xfrm flipH="1">
+            <a:off x="1151620" y="1088740"/>
+            <a:ext cx="1" cy="580991"/>
+          </a:xfrm>
+          <a:prstGeom prst="straightConnector1">
+            <a:avLst/>
+          </a:prstGeom>
+          <a:ln w="38100">
+            <a:solidFill>
+              <a:srgbClr val="FF0000"/>
+            </a:solidFill>
+            <a:tailEnd type="triangle" w="med" len="med"/>
+          </a:ln>
+        </p:spPr>
+        <p:style>
+          <a:lnRef idx="1">
+            <a:schemeClr val="accent1"/>
+          </a:lnRef>
+          <a:fillRef idx="0">
+            <a:schemeClr val="accent1"/>
+          </a:fillRef>
+          <a:effectRef idx="0">
+            <a:schemeClr val="accent1"/>
+          </a:effectRef>
+          <a:fontRef idx="minor">
+            <a:schemeClr val="tx1"/>
+          </a:fontRef>
+        </p:style>
+      </p:cxnSp>
+      <p:cxnSp>
+        <p:nvCxnSpPr>
+          <p:cNvPr id="4" name="12 Conector recto de flecha"/>
+          <p:cNvCxnSpPr/>
+          <p:nvPr/>
+        </p:nvCxnSpPr>
+        <p:spPr>
+          <a:xfrm flipH="1">
+            <a:off x="476545" y="1097160"/>
+            <a:ext cx="1" cy="580991"/>
+          </a:xfrm>
+          <a:prstGeom prst="straightConnector1">
+            <a:avLst/>
+          </a:prstGeom>
+          <a:ln w="38100">
+            <a:solidFill>
+              <a:srgbClr val="FF0000"/>
+            </a:solidFill>
+            <a:tailEnd type="triangle" w="med" len="med"/>
+          </a:ln>
+        </p:spPr>
+        <p:style>
+          <a:lnRef idx="1">
+            <a:schemeClr val="accent1"/>
+          </a:lnRef>
+          <a:fillRef idx="0">
+            <a:schemeClr val="accent1"/>
+          </a:fillRef>
+          <a:effectRef idx="0">
+            <a:schemeClr val="accent1"/>
+          </a:effectRef>
+          <a:fontRef idx="minor">
+            <a:schemeClr val="tx1"/>
+          </a:fontRef>
+        </p:style>
+      </p:cxnSp>
+      <p:sp>
+        <p:nvSpPr>
+          <p:cNvPr id="11" name="10 CuadroTexto"/>
+          <p:cNvSpPr txBox="1"/>
+          <p:nvPr/>
+        </p:nvSpPr>
+        <p:spPr>
+          <a:xfrm>
+            <a:off x="205451" y="1681907"/>
+            <a:ext cx="607859" cy="276999"/>
+          </a:xfrm>
+          <a:prstGeom prst="rect">
+            <a:avLst/>
+          </a:prstGeom>
+          <a:noFill/>
+        </p:spPr>
+        <p:txBody>
+          <a:bodyPr wrap="none" rtlCol="0">
+            <a:spAutoFit/>
+          </a:bodyPr>
+          <a:lstStyle/>
+          <a:p>
+            <a:r>
+              <a:rPr lang="es-CO" sz="1200" dirty="0" smtClean="0">
+                <a:latin typeface="Times New Roman" charset="0"/>
+                <a:ea typeface="Times New Roman" charset="0"/>
+                <a:cs typeface="Times New Roman" charset="0"/>
+              </a:rPr>
+              <a:t>$ </a:t>
+            </a:r>
+            <a:r>
+              <a:rPr lang="es-CO" sz="1200" dirty="0" smtClean="0">
+                <a:latin typeface="Times New Roman" charset="0"/>
+                <a:ea typeface="Times New Roman" charset="0"/>
+                <a:cs typeface="Times New Roman" charset="0"/>
+              </a:rPr>
+              <a:t>1400</a:t>
+            </a:r>
+            <a:endParaRPr lang="es-CO" sz="1200" dirty="0">
+              <a:latin typeface="Times New Roman" charset="0"/>
+              <a:ea typeface="Times New Roman" charset="0"/>
+              <a:cs typeface="Times New Roman" charset="0"/>
+            </a:endParaRPr>
+          </a:p>
+        </p:txBody>
+      </p:sp>
+      <p:sp>
+        <p:nvSpPr>
+          <p:cNvPr id="12" name="10 CuadroTexto"/>
+          <p:cNvSpPr txBox="1"/>
+          <p:nvPr/>
+        </p:nvSpPr>
+        <p:spPr>
+          <a:xfrm>
+            <a:off x="3581890" y="3122385"/>
+            <a:ext cx="530915" cy="276999"/>
+          </a:xfrm>
+          <a:prstGeom prst="rect">
+            <a:avLst/>
+          </a:prstGeom>
+          <a:noFill/>
+        </p:spPr>
+        <p:txBody>
+          <a:bodyPr wrap="none" rtlCol="0">
+            <a:spAutoFit/>
+          </a:bodyPr>
+          <a:lstStyle/>
+          <a:p>
+            <a:r>
+              <a:rPr lang="es-CO" sz="1200" smtClean="0">
+                <a:latin typeface="Times New Roman" charset="0"/>
+                <a:ea typeface="Times New Roman" charset="0"/>
+                <a:cs typeface="Times New Roman" charset="0"/>
+              </a:rPr>
+              <a:t>$ </a:t>
+            </a:r>
+            <a:r>
+              <a:rPr lang="es-CO" sz="1200" smtClean="0">
+                <a:latin typeface="Times New Roman" charset="0"/>
+                <a:ea typeface="Times New Roman" charset="0"/>
+                <a:cs typeface="Times New Roman" charset="0"/>
+              </a:rPr>
+              <a:t>400</a:t>
+            </a:r>
+            <a:endParaRPr lang="es-CO" sz="1200" dirty="0">
+              <a:latin typeface="Times New Roman" charset="0"/>
+              <a:ea typeface="Times New Roman" charset="0"/>
+              <a:cs typeface="Times New Roman" charset="0"/>
+            </a:endParaRPr>
+          </a:p>
+        </p:txBody>
+      </p:sp>
+      <p:sp>
+        <p:nvSpPr>
+          <p:cNvPr id="13" name="10 CuadroTexto"/>
+          <p:cNvSpPr txBox="1"/>
+          <p:nvPr/>
+        </p:nvSpPr>
+        <p:spPr>
+          <a:xfrm>
+            <a:off x="1535232" y="2942365"/>
+            <a:ext cx="530916" cy="276999"/>
+          </a:xfrm>
+          <a:prstGeom prst="rect">
+            <a:avLst/>
+          </a:prstGeom>
+          <a:noFill/>
+        </p:spPr>
+        <p:txBody>
+          <a:bodyPr wrap="none" rtlCol="0">
+            <a:spAutoFit/>
+          </a:bodyPr>
+          <a:lstStyle/>
+          <a:p>
+            <a:pPr algn="ctr"/>
+            <a:r>
+              <a:rPr lang="es-CO" sz="1200" dirty="0" smtClean="0">
+                <a:latin typeface="Times New Roman" charset="0"/>
+                <a:ea typeface="Times New Roman" charset="0"/>
+                <a:cs typeface="Times New Roman" charset="0"/>
+              </a:rPr>
+              <a:t>$ </a:t>
+            </a:r>
+            <a:r>
+              <a:rPr lang="es-CO" sz="1200" dirty="0" smtClean="0">
+                <a:latin typeface="Times New Roman" charset="0"/>
+                <a:ea typeface="Times New Roman" charset="0"/>
+                <a:cs typeface="Times New Roman" charset="0"/>
+              </a:rPr>
+              <a:t>300</a:t>
+            </a:r>
+            <a:endParaRPr lang="es-CO" sz="1200" dirty="0">
+              <a:latin typeface="Times New Roman" charset="0"/>
+              <a:ea typeface="Times New Roman" charset="0"/>
+              <a:cs typeface="Times New Roman" charset="0"/>
+            </a:endParaRPr>
+          </a:p>
+        </p:txBody>
+      </p:sp>
+      <p:grpSp>
+        <p:nvGrpSpPr>
+          <p:cNvPr id="50" name="Agrupar 49"/>
+          <p:cNvGrpSpPr/>
+          <p:nvPr/>
+        </p:nvGrpSpPr>
+        <p:grpSpPr>
+          <a:xfrm>
+            <a:off x="476545" y="962145"/>
+            <a:ext cx="8100900" cy="396625"/>
+            <a:chOff x="476545" y="962145"/>
+            <a:chExt cx="8100900" cy="396625"/>
+          </a:xfrm>
+        </p:grpSpPr>
+        <p:sp>
+          <p:nvSpPr>
+            <p:cNvPr id="5" name="10 CuadroTexto"/>
+            <p:cNvSpPr txBox="1"/>
+            <p:nvPr/>
+          </p:nvSpPr>
+          <p:spPr>
+            <a:xfrm>
+              <a:off x="491748" y="1097160"/>
+              <a:ext cx="675077" cy="261610"/>
+            </a:xfrm>
+            <a:prstGeom prst="rect">
+              <a:avLst/>
+            </a:prstGeom>
+            <a:noFill/>
+          </p:spPr>
+          <p:txBody>
+            <a:bodyPr wrap="square" rtlCol="0">
+              <a:spAutoFit/>
+            </a:bodyPr>
+            <a:lstStyle/>
+            <a:p>
+              <a:pPr algn="ctr"/>
+              <a:r>
+                <a:rPr lang="es-CO" sz="1050" smtClean="0">
+                  <a:latin typeface="Times New Roman" charset="0"/>
+                  <a:ea typeface="Times New Roman" charset="0"/>
+                  <a:cs typeface="Times New Roman" charset="0"/>
+                </a:rPr>
+                <a:t>2000-Q1</a:t>
+              </a:r>
+              <a:endParaRPr lang="es-CO" sz="1050" dirty="0">
+                <a:latin typeface="Times New Roman" charset="0"/>
+                <a:ea typeface="Times New Roman" charset="0"/>
+                <a:cs typeface="Times New Roman" charset="0"/>
+              </a:endParaRPr>
+            </a:p>
+          </p:txBody>
+        </p:sp>
+        <p:cxnSp>
+          <p:nvCxnSpPr>
+            <p:cNvPr id="6" name="5 Conector recto de flecha"/>
+            <p:cNvCxnSpPr/>
+            <p:nvPr/>
+          </p:nvCxnSpPr>
+          <p:spPr>
+            <a:xfrm>
+              <a:off x="476545" y="1097160"/>
+              <a:ext cx="8100900" cy="0"/>
+            </a:xfrm>
+            <a:prstGeom prst="straightConnector1">
+              <a:avLst/>
+            </a:prstGeom>
+            <a:ln w="28575">
+              <a:solidFill>
+                <a:schemeClr val="tx1"/>
+              </a:solidFill>
+              <a:tailEnd type="none" w="lg" len="lg"/>
+            </a:ln>
+          </p:spPr>
+          <p:style>
+            <a:lnRef idx="1">
+              <a:schemeClr val="accent1"/>
+            </a:lnRef>
+            <a:fillRef idx="0">
+              <a:schemeClr val="accent1"/>
+            </a:fillRef>
+            <a:effectRef idx="0">
+              <a:schemeClr val="accent1"/>
+            </a:effectRef>
+            <a:fontRef idx="minor">
+              <a:schemeClr val="tx1"/>
+            </a:fontRef>
+          </p:style>
+        </p:cxnSp>
+        <p:cxnSp>
+          <p:nvCxnSpPr>
+            <p:cNvPr id="7" name="9 Conector recto"/>
+            <p:cNvCxnSpPr/>
+            <p:nvPr/>
+          </p:nvCxnSpPr>
+          <p:spPr>
+            <a:xfrm flipH="1" flipV="1">
+              <a:off x="476547" y="962145"/>
+              <a:ext cx="0" cy="249419"/>
+            </a:xfrm>
+            <a:prstGeom prst="line">
+              <a:avLst/>
+            </a:prstGeom>
+            <a:ln w="25400">
+              <a:solidFill>
+                <a:schemeClr val="tx1"/>
+              </a:solidFill>
+            </a:ln>
+          </p:spPr>
+          <p:style>
+            <a:lnRef idx="1">
+              <a:schemeClr val="accent1"/>
+            </a:lnRef>
+            <a:fillRef idx="0">
+              <a:schemeClr val="accent1"/>
+            </a:fillRef>
+            <a:effectRef idx="0">
+              <a:schemeClr val="accent1"/>
+            </a:effectRef>
+            <a:fontRef idx="minor">
+              <a:schemeClr val="tx1"/>
+            </a:fontRef>
+          </p:style>
+        </p:cxnSp>
+        <p:cxnSp>
+          <p:nvCxnSpPr>
+            <p:cNvPr id="9" name="9 Conector recto"/>
+            <p:cNvCxnSpPr/>
+            <p:nvPr/>
+          </p:nvCxnSpPr>
+          <p:spPr>
+            <a:xfrm flipH="1" flipV="1">
+              <a:off x="1151622" y="962145"/>
+              <a:ext cx="0" cy="249419"/>
+            </a:xfrm>
+            <a:prstGeom prst="line">
+              <a:avLst/>
+            </a:prstGeom>
+            <a:ln w="25400">
+              <a:solidFill>
+                <a:schemeClr val="tx1"/>
+              </a:solidFill>
+            </a:ln>
+          </p:spPr>
+          <p:style>
+            <a:lnRef idx="1">
+              <a:schemeClr val="accent1"/>
+            </a:lnRef>
+            <a:fillRef idx="0">
+              <a:schemeClr val="accent1"/>
+            </a:fillRef>
+            <a:effectRef idx="0">
+              <a:schemeClr val="accent1"/>
+            </a:effectRef>
+            <a:fontRef idx="minor">
+              <a:schemeClr val="tx1"/>
+            </a:fontRef>
+          </p:style>
+        </p:cxnSp>
+        <p:cxnSp>
+          <p:nvCxnSpPr>
+            <p:cNvPr id="16" name="9 Conector recto"/>
+            <p:cNvCxnSpPr/>
+            <p:nvPr/>
+          </p:nvCxnSpPr>
+          <p:spPr>
+            <a:xfrm flipH="1" flipV="1">
+              <a:off x="1826697" y="962145"/>
+              <a:ext cx="0" cy="249419"/>
+            </a:xfrm>
+            <a:prstGeom prst="line">
+              <a:avLst/>
+            </a:prstGeom>
+            <a:ln w="25400">
+              <a:solidFill>
+                <a:schemeClr val="tx1"/>
+              </a:solidFill>
+            </a:ln>
+          </p:spPr>
+          <p:style>
+            <a:lnRef idx="1">
+              <a:schemeClr val="accent1"/>
+            </a:lnRef>
+            <a:fillRef idx="0">
+              <a:schemeClr val="accent1"/>
+            </a:fillRef>
+            <a:effectRef idx="0">
+              <a:schemeClr val="accent1"/>
+            </a:effectRef>
+            <a:fontRef idx="minor">
+              <a:schemeClr val="tx1"/>
+            </a:fontRef>
+          </p:style>
+        </p:cxnSp>
+        <p:cxnSp>
+          <p:nvCxnSpPr>
+            <p:cNvPr id="17" name="9 Conector recto"/>
+            <p:cNvCxnSpPr/>
+            <p:nvPr/>
+          </p:nvCxnSpPr>
+          <p:spPr>
+            <a:xfrm flipH="1" flipV="1">
+              <a:off x="3176847" y="962145"/>
+              <a:ext cx="0" cy="249419"/>
+            </a:xfrm>
+            <a:prstGeom prst="line">
+              <a:avLst/>
+            </a:prstGeom>
+            <a:ln w="25400">
+              <a:solidFill>
+                <a:schemeClr val="tx1"/>
+              </a:solidFill>
+            </a:ln>
+          </p:spPr>
+          <p:style>
+            <a:lnRef idx="1">
+              <a:schemeClr val="accent1"/>
+            </a:lnRef>
+            <a:fillRef idx="0">
+              <a:schemeClr val="accent1"/>
+            </a:fillRef>
+            <a:effectRef idx="0">
+              <a:schemeClr val="accent1"/>
+            </a:effectRef>
+            <a:fontRef idx="minor">
+              <a:schemeClr val="tx1"/>
+            </a:fontRef>
+          </p:style>
+        </p:cxnSp>
+        <p:cxnSp>
+          <p:nvCxnSpPr>
+            <p:cNvPr id="18" name="9 Conector recto"/>
+            <p:cNvCxnSpPr/>
+            <p:nvPr/>
+          </p:nvCxnSpPr>
+          <p:spPr>
+            <a:xfrm flipH="1" flipV="1">
+              <a:off x="2501772" y="962145"/>
+              <a:ext cx="0" cy="249419"/>
+            </a:xfrm>
+            <a:prstGeom prst="line">
+              <a:avLst/>
+            </a:prstGeom>
+            <a:ln w="25400">
+              <a:solidFill>
+                <a:schemeClr val="tx1"/>
+              </a:solidFill>
+            </a:ln>
+          </p:spPr>
+          <p:style>
+            <a:lnRef idx="1">
+              <a:schemeClr val="accent1"/>
+            </a:lnRef>
+            <a:fillRef idx="0">
+              <a:schemeClr val="accent1"/>
+            </a:fillRef>
+            <a:effectRef idx="0">
+              <a:schemeClr val="accent1"/>
+            </a:effectRef>
+            <a:fontRef idx="minor">
+              <a:schemeClr val="tx1"/>
+            </a:fontRef>
+          </p:style>
+        </p:cxnSp>
+        <p:cxnSp>
+          <p:nvCxnSpPr>
+            <p:cNvPr id="19" name="9 Conector recto"/>
+            <p:cNvCxnSpPr/>
+            <p:nvPr/>
+          </p:nvCxnSpPr>
+          <p:spPr>
+            <a:xfrm flipH="1" flipV="1">
+              <a:off x="3851922" y="962145"/>
+              <a:ext cx="0" cy="249419"/>
+            </a:xfrm>
+            <a:prstGeom prst="line">
+              <a:avLst/>
+            </a:prstGeom>
+            <a:ln w="25400">
+              <a:solidFill>
+                <a:schemeClr val="tx1"/>
+              </a:solidFill>
+            </a:ln>
+          </p:spPr>
+          <p:style>
+            <a:lnRef idx="1">
+              <a:schemeClr val="accent1"/>
+            </a:lnRef>
+            <a:fillRef idx="0">
+              <a:schemeClr val="accent1"/>
+            </a:fillRef>
+            <a:effectRef idx="0">
+              <a:schemeClr val="accent1"/>
+            </a:effectRef>
+            <a:fontRef idx="minor">
+              <a:schemeClr val="tx1"/>
+            </a:fontRef>
+          </p:style>
+        </p:cxnSp>
+        <p:cxnSp>
+          <p:nvCxnSpPr>
+            <p:cNvPr id="20" name="9 Conector recto"/>
+            <p:cNvCxnSpPr/>
+            <p:nvPr/>
+          </p:nvCxnSpPr>
+          <p:spPr>
+            <a:xfrm flipH="1" flipV="1">
+              <a:off x="5202072" y="962145"/>
+              <a:ext cx="0" cy="249419"/>
+            </a:xfrm>
+            <a:prstGeom prst="line">
+              <a:avLst/>
+            </a:prstGeom>
+            <a:ln w="25400">
+              <a:solidFill>
+                <a:schemeClr val="tx1"/>
+              </a:solidFill>
+            </a:ln>
+          </p:spPr>
+          <p:style>
+            <a:lnRef idx="1">
+              <a:schemeClr val="accent1"/>
+            </a:lnRef>
+            <a:fillRef idx="0">
+              <a:schemeClr val="accent1"/>
+            </a:fillRef>
+            <a:effectRef idx="0">
+              <a:schemeClr val="accent1"/>
+            </a:effectRef>
+            <a:fontRef idx="minor">
+              <a:schemeClr val="tx1"/>
+            </a:fontRef>
+          </p:style>
+        </p:cxnSp>
+        <p:cxnSp>
+          <p:nvCxnSpPr>
+            <p:cNvPr id="21" name="9 Conector recto"/>
+            <p:cNvCxnSpPr/>
+            <p:nvPr/>
+          </p:nvCxnSpPr>
+          <p:spPr>
+            <a:xfrm flipH="1" flipV="1">
+              <a:off x="4526997" y="962145"/>
+              <a:ext cx="0" cy="249419"/>
+            </a:xfrm>
+            <a:prstGeom prst="line">
+              <a:avLst/>
+            </a:prstGeom>
+            <a:ln w="25400">
+              <a:solidFill>
+                <a:schemeClr val="tx1"/>
+              </a:solidFill>
+            </a:ln>
+          </p:spPr>
+          <p:style>
+            <a:lnRef idx="1">
+              <a:schemeClr val="accent1"/>
+            </a:lnRef>
+            <a:fillRef idx="0">
+              <a:schemeClr val="accent1"/>
+            </a:fillRef>
+            <a:effectRef idx="0">
+              <a:schemeClr val="accent1"/>
+            </a:effectRef>
+            <a:fontRef idx="minor">
+              <a:schemeClr val="tx1"/>
+            </a:fontRef>
+          </p:style>
+        </p:cxnSp>
+        <p:cxnSp>
+          <p:nvCxnSpPr>
+            <p:cNvPr id="22" name="9 Conector recto"/>
+            <p:cNvCxnSpPr/>
+            <p:nvPr/>
+          </p:nvCxnSpPr>
+          <p:spPr>
+            <a:xfrm flipH="1" flipV="1">
+              <a:off x="6552222" y="962145"/>
+              <a:ext cx="0" cy="249419"/>
+            </a:xfrm>
+            <a:prstGeom prst="line">
+              <a:avLst/>
+            </a:prstGeom>
+            <a:ln w="25400">
+              <a:solidFill>
+                <a:schemeClr val="tx1"/>
+              </a:solidFill>
+            </a:ln>
+          </p:spPr>
+          <p:style>
+            <a:lnRef idx="1">
+              <a:schemeClr val="accent1"/>
+            </a:lnRef>
+            <a:fillRef idx="0">
+              <a:schemeClr val="accent1"/>
+            </a:fillRef>
+            <a:effectRef idx="0">
+              <a:schemeClr val="accent1"/>
+            </a:effectRef>
+            <a:fontRef idx="minor">
+              <a:schemeClr val="tx1"/>
+            </a:fontRef>
+          </p:style>
+        </p:cxnSp>
+        <p:cxnSp>
+          <p:nvCxnSpPr>
+            <p:cNvPr id="23" name="9 Conector recto"/>
+            <p:cNvCxnSpPr/>
+            <p:nvPr/>
+          </p:nvCxnSpPr>
+          <p:spPr>
+            <a:xfrm flipH="1" flipV="1">
+              <a:off x="5877147" y="962145"/>
+              <a:ext cx="0" cy="249419"/>
+            </a:xfrm>
+            <a:prstGeom prst="line">
+              <a:avLst/>
+            </a:prstGeom>
+            <a:ln w="25400">
+              <a:solidFill>
+                <a:schemeClr val="tx1"/>
+              </a:solidFill>
+            </a:ln>
+          </p:spPr>
+          <p:style>
+            <a:lnRef idx="1">
+              <a:schemeClr val="accent1"/>
+            </a:lnRef>
+            <a:fillRef idx="0">
+              <a:schemeClr val="accent1"/>
+            </a:fillRef>
+            <a:effectRef idx="0">
+              <a:schemeClr val="accent1"/>
+            </a:effectRef>
+            <a:fontRef idx="minor">
+              <a:schemeClr val="tx1"/>
+            </a:fontRef>
+          </p:style>
+        </p:cxnSp>
+        <p:sp>
+          <p:nvSpPr>
+            <p:cNvPr id="31" name="10 CuadroTexto"/>
+            <p:cNvSpPr txBox="1"/>
+            <p:nvPr/>
+          </p:nvSpPr>
+          <p:spPr>
+            <a:xfrm>
+              <a:off x="1165441" y="1097160"/>
+              <a:ext cx="675077" cy="261610"/>
+            </a:xfrm>
+            <a:prstGeom prst="rect">
+              <a:avLst/>
+            </a:prstGeom>
+            <a:noFill/>
+          </p:spPr>
+          <p:txBody>
+            <a:bodyPr wrap="square" rtlCol="0">
+              <a:spAutoFit/>
+            </a:bodyPr>
+            <a:lstStyle/>
+            <a:p>
+              <a:pPr algn="ctr"/>
+              <a:r>
+                <a:rPr lang="es-CO" sz="1050" dirty="0" smtClean="0">
+                  <a:latin typeface="Times New Roman" charset="0"/>
+                  <a:ea typeface="Times New Roman" charset="0"/>
+                  <a:cs typeface="Times New Roman" charset="0"/>
+                </a:rPr>
+                <a:t>2000-Q2</a:t>
+              </a:r>
+              <a:endParaRPr lang="es-CO" sz="1050" dirty="0">
+                <a:latin typeface="Times New Roman" charset="0"/>
+                <a:ea typeface="Times New Roman" charset="0"/>
+                <a:cs typeface="Times New Roman" charset="0"/>
+              </a:endParaRPr>
+            </a:p>
+          </p:txBody>
+        </p:sp>
+        <p:sp>
+          <p:nvSpPr>
+            <p:cNvPr id="32" name="10 CuadroTexto"/>
+            <p:cNvSpPr txBox="1"/>
+            <p:nvPr/>
+          </p:nvSpPr>
+          <p:spPr>
+            <a:xfrm>
+              <a:off x="1839134" y="1097160"/>
+              <a:ext cx="675077" cy="261610"/>
+            </a:xfrm>
+            <a:prstGeom prst="rect">
+              <a:avLst/>
+            </a:prstGeom>
+            <a:noFill/>
+          </p:spPr>
+          <p:txBody>
+            <a:bodyPr wrap="square" rtlCol="0">
+              <a:spAutoFit/>
+            </a:bodyPr>
+            <a:lstStyle/>
+            <a:p>
+              <a:pPr algn="ctr"/>
+              <a:r>
+                <a:rPr lang="es-CO" sz="1050" dirty="0" smtClean="0">
+                  <a:latin typeface="Times New Roman" charset="0"/>
+                  <a:ea typeface="Times New Roman" charset="0"/>
+                  <a:cs typeface="Times New Roman" charset="0"/>
+                </a:rPr>
+                <a:t>2000-Q3</a:t>
+              </a:r>
+              <a:endParaRPr lang="es-CO" sz="1050" dirty="0">
+                <a:latin typeface="Times New Roman" charset="0"/>
+                <a:ea typeface="Times New Roman" charset="0"/>
+                <a:cs typeface="Times New Roman" charset="0"/>
+              </a:endParaRPr>
+            </a:p>
+          </p:txBody>
+        </p:sp>
+        <p:sp>
+          <p:nvSpPr>
+            <p:cNvPr id="33" name="10 CuadroTexto"/>
+            <p:cNvSpPr txBox="1"/>
+            <p:nvPr/>
+          </p:nvSpPr>
+          <p:spPr>
+            <a:xfrm>
+              <a:off x="2512827" y="1097160"/>
+              <a:ext cx="675077" cy="261610"/>
+            </a:xfrm>
+            <a:prstGeom prst="rect">
+              <a:avLst/>
+            </a:prstGeom>
+            <a:noFill/>
+          </p:spPr>
+          <p:txBody>
+            <a:bodyPr wrap="square" rtlCol="0">
+              <a:spAutoFit/>
+            </a:bodyPr>
+            <a:lstStyle/>
+            <a:p>
+              <a:pPr algn="ctr"/>
+              <a:r>
+                <a:rPr lang="es-CO" sz="1050" dirty="0" smtClean="0">
+                  <a:latin typeface="Times New Roman" charset="0"/>
+                  <a:ea typeface="Times New Roman" charset="0"/>
+                  <a:cs typeface="Times New Roman" charset="0"/>
+                </a:rPr>
+                <a:t>2000-Q4</a:t>
+              </a:r>
+              <a:endParaRPr lang="es-CO" sz="1050" dirty="0">
+                <a:latin typeface="Times New Roman" charset="0"/>
+                <a:ea typeface="Times New Roman" charset="0"/>
+                <a:cs typeface="Times New Roman" charset="0"/>
+              </a:endParaRPr>
+            </a:p>
+          </p:txBody>
+        </p:sp>
+        <p:sp>
+          <p:nvSpPr>
+            <p:cNvPr id="36" name="10 CuadroTexto"/>
+            <p:cNvSpPr txBox="1"/>
+            <p:nvPr/>
+          </p:nvSpPr>
+          <p:spPr>
+            <a:xfrm>
+              <a:off x="3186520" y="1097160"/>
+              <a:ext cx="675077" cy="261610"/>
+            </a:xfrm>
+            <a:prstGeom prst="rect">
+              <a:avLst/>
+            </a:prstGeom>
+            <a:noFill/>
+          </p:spPr>
+          <p:txBody>
+            <a:bodyPr wrap="square" rtlCol="0">
+              <a:spAutoFit/>
+            </a:bodyPr>
+            <a:lstStyle/>
+            <a:p>
+              <a:pPr algn="ctr"/>
+              <a:r>
+                <a:rPr lang="es-CO" sz="1050" smtClean="0">
+                  <a:latin typeface="Times New Roman" charset="0"/>
+                  <a:ea typeface="Times New Roman" charset="0"/>
+                  <a:cs typeface="Times New Roman" charset="0"/>
+                </a:rPr>
+                <a:t>2001-Q1</a:t>
+              </a:r>
+              <a:endParaRPr lang="es-CO" sz="1050" dirty="0">
+                <a:latin typeface="Times New Roman" charset="0"/>
+                <a:ea typeface="Times New Roman" charset="0"/>
+                <a:cs typeface="Times New Roman" charset="0"/>
+              </a:endParaRPr>
+            </a:p>
+          </p:txBody>
+        </p:sp>
+        <p:sp>
+          <p:nvSpPr>
+            <p:cNvPr id="37" name="10 CuadroTexto"/>
+            <p:cNvSpPr txBox="1"/>
+            <p:nvPr/>
+          </p:nvSpPr>
+          <p:spPr>
+            <a:xfrm>
+              <a:off x="3860213" y="1097160"/>
+              <a:ext cx="675077" cy="261610"/>
+            </a:xfrm>
+            <a:prstGeom prst="rect">
+              <a:avLst/>
+            </a:prstGeom>
+            <a:noFill/>
+          </p:spPr>
+          <p:txBody>
+            <a:bodyPr wrap="square" rtlCol="0">
+              <a:spAutoFit/>
+            </a:bodyPr>
+            <a:lstStyle/>
+            <a:p>
+              <a:pPr algn="ctr"/>
+              <a:r>
+                <a:rPr lang="es-CO" sz="1050" smtClean="0">
+                  <a:latin typeface="Times New Roman" charset="0"/>
+                  <a:ea typeface="Times New Roman" charset="0"/>
+                  <a:cs typeface="Times New Roman" charset="0"/>
+                </a:rPr>
+                <a:t>2001-Q2</a:t>
+              </a:r>
+              <a:endParaRPr lang="es-CO" sz="1050" dirty="0">
+                <a:latin typeface="Times New Roman" charset="0"/>
+                <a:ea typeface="Times New Roman" charset="0"/>
+                <a:cs typeface="Times New Roman" charset="0"/>
+              </a:endParaRPr>
+            </a:p>
+          </p:txBody>
+        </p:sp>
+        <p:sp>
+          <p:nvSpPr>
+            <p:cNvPr id="38" name="10 CuadroTexto"/>
+            <p:cNvSpPr txBox="1"/>
+            <p:nvPr/>
+          </p:nvSpPr>
+          <p:spPr>
+            <a:xfrm>
+              <a:off x="4533906" y="1097160"/>
+              <a:ext cx="675077" cy="261610"/>
+            </a:xfrm>
+            <a:prstGeom prst="rect">
+              <a:avLst/>
+            </a:prstGeom>
+            <a:noFill/>
+          </p:spPr>
+          <p:txBody>
+            <a:bodyPr wrap="square" rtlCol="0">
+              <a:spAutoFit/>
+            </a:bodyPr>
+            <a:lstStyle/>
+            <a:p>
+              <a:pPr algn="ctr"/>
+              <a:r>
+                <a:rPr lang="es-CO" sz="1050" dirty="0" smtClean="0">
+                  <a:latin typeface="Times New Roman" charset="0"/>
+                  <a:ea typeface="Times New Roman" charset="0"/>
+                  <a:cs typeface="Times New Roman" charset="0"/>
+                </a:rPr>
+                <a:t>2001-Q3</a:t>
+              </a:r>
+              <a:endParaRPr lang="es-CO" sz="1050" dirty="0">
+                <a:latin typeface="Times New Roman" charset="0"/>
+                <a:ea typeface="Times New Roman" charset="0"/>
+                <a:cs typeface="Times New Roman" charset="0"/>
+              </a:endParaRPr>
+            </a:p>
+          </p:txBody>
+        </p:sp>
+        <p:sp>
+          <p:nvSpPr>
+            <p:cNvPr id="39" name="10 CuadroTexto"/>
+            <p:cNvSpPr txBox="1"/>
+            <p:nvPr/>
+          </p:nvSpPr>
+          <p:spPr>
+            <a:xfrm>
+              <a:off x="5207599" y="1097160"/>
+              <a:ext cx="675077" cy="261610"/>
+            </a:xfrm>
+            <a:prstGeom prst="rect">
+              <a:avLst/>
+            </a:prstGeom>
+            <a:noFill/>
+          </p:spPr>
+          <p:txBody>
+            <a:bodyPr wrap="square" rtlCol="0">
+              <a:spAutoFit/>
+            </a:bodyPr>
+            <a:lstStyle/>
+            <a:p>
+              <a:pPr algn="ctr"/>
+              <a:r>
+                <a:rPr lang="es-CO" sz="1050" dirty="0" smtClean="0">
+                  <a:latin typeface="Times New Roman" charset="0"/>
+                  <a:ea typeface="Times New Roman" charset="0"/>
+                  <a:cs typeface="Times New Roman" charset="0"/>
+                </a:rPr>
+                <a:t>2001-Q4</a:t>
+              </a:r>
+              <a:endParaRPr lang="es-CO" sz="1050" dirty="0">
+                <a:latin typeface="Times New Roman" charset="0"/>
+                <a:ea typeface="Times New Roman" charset="0"/>
+                <a:cs typeface="Times New Roman" charset="0"/>
+              </a:endParaRPr>
+            </a:p>
+          </p:txBody>
+        </p:sp>
+        <p:cxnSp>
+          <p:nvCxnSpPr>
+            <p:cNvPr id="41" name="9 Conector recto"/>
+            <p:cNvCxnSpPr/>
+            <p:nvPr/>
+          </p:nvCxnSpPr>
+          <p:spPr>
+            <a:xfrm flipH="1" flipV="1">
+              <a:off x="7227297" y="962145"/>
+              <a:ext cx="0" cy="249419"/>
+            </a:xfrm>
+            <a:prstGeom prst="line">
+              <a:avLst/>
+            </a:prstGeom>
+            <a:ln w="25400">
+              <a:solidFill>
+                <a:schemeClr val="tx1"/>
+              </a:solidFill>
+            </a:ln>
+          </p:spPr>
+          <p:style>
+            <a:lnRef idx="1">
+              <a:schemeClr val="accent1"/>
+            </a:lnRef>
+            <a:fillRef idx="0">
+              <a:schemeClr val="accent1"/>
+            </a:fillRef>
+            <a:effectRef idx="0">
+              <a:schemeClr val="accent1"/>
+            </a:effectRef>
+            <a:fontRef idx="minor">
+              <a:schemeClr val="tx1"/>
+            </a:fontRef>
+          </p:style>
+        </p:cxnSp>
+        <p:sp>
+          <p:nvSpPr>
+            <p:cNvPr id="42" name="10 CuadroTexto"/>
+            <p:cNvSpPr txBox="1"/>
+            <p:nvPr/>
+          </p:nvSpPr>
+          <p:spPr>
+            <a:xfrm>
+              <a:off x="5881292" y="1097160"/>
+              <a:ext cx="675077" cy="261610"/>
+            </a:xfrm>
+            <a:prstGeom prst="rect">
+              <a:avLst/>
+            </a:prstGeom>
+            <a:noFill/>
+          </p:spPr>
+          <p:txBody>
+            <a:bodyPr wrap="square" rtlCol="0">
+              <a:spAutoFit/>
+            </a:bodyPr>
+            <a:lstStyle/>
+            <a:p>
+              <a:pPr algn="ctr"/>
+              <a:r>
+                <a:rPr lang="es-CO" sz="1050" dirty="0" smtClean="0">
+                  <a:latin typeface="Times New Roman" charset="0"/>
+                  <a:ea typeface="Times New Roman" charset="0"/>
+                  <a:cs typeface="Times New Roman" charset="0"/>
+                </a:rPr>
+                <a:t>2002-Q1</a:t>
+              </a:r>
+              <a:endParaRPr lang="es-CO" sz="1050" dirty="0">
+                <a:latin typeface="Times New Roman" charset="0"/>
+                <a:ea typeface="Times New Roman" charset="0"/>
+                <a:cs typeface="Times New Roman" charset="0"/>
+              </a:endParaRPr>
+            </a:p>
+          </p:txBody>
+        </p:sp>
+        <p:cxnSp>
+          <p:nvCxnSpPr>
+            <p:cNvPr id="43" name="9 Conector recto"/>
+            <p:cNvCxnSpPr/>
+            <p:nvPr/>
+          </p:nvCxnSpPr>
+          <p:spPr>
+            <a:xfrm flipH="1" flipV="1">
+              <a:off x="7902372" y="962145"/>
+              <a:ext cx="0" cy="249419"/>
+            </a:xfrm>
+            <a:prstGeom prst="line">
+              <a:avLst/>
+            </a:prstGeom>
+            <a:ln w="25400">
+              <a:solidFill>
+                <a:schemeClr val="tx1"/>
+              </a:solidFill>
+            </a:ln>
+          </p:spPr>
+          <p:style>
+            <a:lnRef idx="1">
+              <a:schemeClr val="accent1"/>
+            </a:lnRef>
+            <a:fillRef idx="0">
+              <a:schemeClr val="accent1"/>
+            </a:fillRef>
+            <a:effectRef idx="0">
+              <a:schemeClr val="accent1"/>
+            </a:effectRef>
+            <a:fontRef idx="minor">
+              <a:schemeClr val="tx1"/>
+            </a:fontRef>
+          </p:style>
+        </p:cxnSp>
+        <p:cxnSp>
+          <p:nvCxnSpPr>
+            <p:cNvPr id="45" name="9 Conector recto"/>
+            <p:cNvCxnSpPr/>
+            <p:nvPr/>
+          </p:nvCxnSpPr>
+          <p:spPr>
+            <a:xfrm flipH="1" flipV="1">
+              <a:off x="8577445" y="962145"/>
+              <a:ext cx="0" cy="249419"/>
+            </a:xfrm>
+            <a:prstGeom prst="line">
+              <a:avLst/>
+            </a:prstGeom>
+            <a:ln w="25400">
+              <a:solidFill>
+                <a:schemeClr val="tx1"/>
+              </a:solidFill>
+            </a:ln>
+          </p:spPr>
+          <p:style>
+            <a:lnRef idx="1">
+              <a:schemeClr val="accent1"/>
+            </a:lnRef>
+            <a:fillRef idx="0">
+              <a:schemeClr val="accent1"/>
+            </a:fillRef>
+            <a:effectRef idx="0">
+              <a:schemeClr val="accent1"/>
+            </a:effectRef>
+            <a:fontRef idx="minor">
+              <a:schemeClr val="tx1"/>
+            </a:fontRef>
+          </p:style>
+        </p:cxnSp>
+        <p:sp>
+          <p:nvSpPr>
+            <p:cNvPr id="47" name="10 CuadroTexto"/>
+            <p:cNvSpPr txBox="1"/>
+            <p:nvPr/>
+          </p:nvSpPr>
+          <p:spPr>
+            <a:xfrm>
+              <a:off x="6554985" y="1097160"/>
+              <a:ext cx="675077" cy="261610"/>
+            </a:xfrm>
+            <a:prstGeom prst="rect">
+              <a:avLst/>
+            </a:prstGeom>
+            <a:noFill/>
+          </p:spPr>
+          <p:txBody>
+            <a:bodyPr wrap="square" rtlCol="0">
+              <a:spAutoFit/>
+            </a:bodyPr>
+            <a:lstStyle/>
+            <a:p>
+              <a:pPr algn="ctr"/>
+              <a:r>
+                <a:rPr lang="es-CO" sz="1050" dirty="0" smtClean="0">
+                  <a:latin typeface="Times New Roman" charset="0"/>
+                  <a:ea typeface="Times New Roman" charset="0"/>
+                  <a:cs typeface="Times New Roman" charset="0"/>
+                </a:rPr>
+                <a:t>2002-Q2</a:t>
+              </a:r>
+              <a:endParaRPr lang="es-CO" sz="1050" dirty="0">
+                <a:latin typeface="Times New Roman" charset="0"/>
+                <a:ea typeface="Times New Roman" charset="0"/>
+                <a:cs typeface="Times New Roman" charset="0"/>
+              </a:endParaRPr>
+            </a:p>
+          </p:txBody>
+        </p:sp>
+        <p:sp>
+          <p:nvSpPr>
+            <p:cNvPr id="48" name="10 CuadroTexto"/>
+            <p:cNvSpPr txBox="1"/>
+            <p:nvPr/>
+          </p:nvSpPr>
+          <p:spPr>
+            <a:xfrm>
+              <a:off x="7228678" y="1097160"/>
+              <a:ext cx="675077" cy="261610"/>
+            </a:xfrm>
+            <a:prstGeom prst="rect">
+              <a:avLst/>
+            </a:prstGeom>
+            <a:noFill/>
+          </p:spPr>
+          <p:txBody>
+            <a:bodyPr wrap="square" rtlCol="0">
+              <a:spAutoFit/>
+            </a:bodyPr>
+            <a:lstStyle/>
+            <a:p>
+              <a:pPr algn="ctr"/>
+              <a:r>
+                <a:rPr lang="es-CO" sz="1050" smtClean="0">
+                  <a:latin typeface="Times New Roman" charset="0"/>
+                  <a:ea typeface="Times New Roman" charset="0"/>
+                  <a:cs typeface="Times New Roman" charset="0"/>
+                </a:rPr>
+                <a:t>2002-Q3</a:t>
+              </a:r>
+              <a:endParaRPr lang="es-CO" sz="1050" dirty="0">
+                <a:latin typeface="Times New Roman" charset="0"/>
+                <a:ea typeface="Times New Roman" charset="0"/>
+                <a:cs typeface="Times New Roman" charset="0"/>
+              </a:endParaRPr>
+            </a:p>
+          </p:txBody>
+        </p:sp>
+        <p:sp>
+          <p:nvSpPr>
+            <p:cNvPr id="49" name="10 CuadroTexto"/>
+            <p:cNvSpPr txBox="1"/>
+            <p:nvPr/>
+          </p:nvSpPr>
+          <p:spPr>
+            <a:xfrm>
+              <a:off x="7902368" y="1097160"/>
+              <a:ext cx="675077" cy="261610"/>
+            </a:xfrm>
+            <a:prstGeom prst="rect">
+              <a:avLst/>
+            </a:prstGeom>
+            <a:noFill/>
+          </p:spPr>
+          <p:txBody>
+            <a:bodyPr wrap="square" rtlCol="0">
+              <a:spAutoFit/>
+            </a:bodyPr>
+            <a:lstStyle/>
+            <a:p>
+              <a:pPr algn="ctr"/>
+              <a:r>
+                <a:rPr lang="es-CO" sz="1050" dirty="0" smtClean="0">
+                  <a:latin typeface="Times New Roman" charset="0"/>
+                  <a:ea typeface="Times New Roman" charset="0"/>
+                  <a:cs typeface="Times New Roman" charset="0"/>
+                </a:rPr>
+                <a:t>2002-Q4</a:t>
+              </a:r>
+              <a:endParaRPr lang="es-CO" sz="1050" dirty="0">
+                <a:latin typeface="Times New Roman" charset="0"/>
+                <a:ea typeface="Times New Roman" charset="0"/>
+                <a:cs typeface="Times New Roman" charset="0"/>
+              </a:endParaRPr>
+            </a:p>
+          </p:txBody>
+        </p:sp>
+      </p:grpSp>
+      <p:grpSp>
+        <p:nvGrpSpPr>
+          <p:cNvPr id="55" name="Agrupar 54"/>
+          <p:cNvGrpSpPr/>
+          <p:nvPr/>
+        </p:nvGrpSpPr>
+        <p:grpSpPr>
+          <a:xfrm>
+            <a:off x="476545" y="2348880"/>
+            <a:ext cx="8100900" cy="396625"/>
+            <a:chOff x="476545" y="962145"/>
+            <a:chExt cx="8100900" cy="396625"/>
+          </a:xfrm>
+        </p:grpSpPr>
+        <p:sp>
+          <p:nvSpPr>
+            <p:cNvPr id="56" name="10 CuadroTexto"/>
+            <p:cNvSpPr txBox="1"/>
+            <p:nvPr/>
+          </p:nvSpPr>
+          <p:spPr>
+            <a:xfrm>
+              <a:off x="491748" y="1097160"/>
+              <a:ext cx="675077" cy="261610"/>
+            </a:xfrm>
+            <a:prstGeom prst="rect">
+              <a:avLst/>
+            </a:prstGeom>
+            <a:noFill/>
+          </p:spPr>
+          <p:txBody>
+            <a:bodyPr wrap="square" rtlCol="0">
+              <a:spAutoFit/>
+            </a:bodyPr>
+            <a:lstStyle/>
+            <a:p>
+              <a:pPr algn="ctr"/>
+              <a:r>
+                <a:rPr lang="es-CO" sz="1050" smtClean="0">
+                  <a:latin typeface="Times New Roman" charset="0"/>
+                  <a:ea typeface="Times New Roman" charset="0"/>
+                  <a:cs typeface="Times New Roman" charset="0"/>
+                </a:rPr>
+                <a:t>2000-Q1</a:t>
+              </a:r>
+              <a:endParaRPr lang="es-CO" sz="1050" dirty="0">
+                <a:latin typeface="Times New Roman" charset="0"/>
+                <a:ea typeface="Times New Roman" charset="0"/>
+                <a:cs typeface="Times New Roman" charset="0"/>
+              </a:endParaRPr>
+            </a:p>
+          </p:txBody>
+        </p:sp>
+        <p:cxnSp>
+          <p:nvCxnSpPr>
+            <p:cNvPr id="57" name="5 Conector recto de flecha"/>
+            <p:cNvCxnSpPr/>
+            <p:nvPr/>
+          </p:nvCxnSpPr>
+          <p:spPr>
+            <a:xfrm>
+              <a:off x="476545" y="1097160"/>
+              <a:ext cx="8100900" cy="0"/>
+            </a:xfrm>
+            <a:prstGeom prst="straightConnector1">
+              <a:avLst/>
+            </a:prstGeom>
+            <a:ln w="28575">
+              <a:solidFill>
+                <a:schemeClr val="tx1"/>
+              </a:solidFill>
+              <a:tailEnd type="none" w="lg" len="lg"/>
+            </a:ln>
+          </p:spPr>
+          <p:style>
+            <a:lnRef idx="1">
+              <a:schemeClr val="accent1"/>
+            </a:lnRef>
+            <a:fillRef idx="0">
+              <a:schemeClr val="accent1"/>
+            </a:fillRef>
+            <a:effectRef idx="0">
+              <a:schemeClr val="accent1"/>
+            </a:effectRef>
+            <a:fontRef idx="minor">
+              <a:schemeClr val="tx1"/>
+            </a:fontRef>
+          </p:style>
+        </p:cxnSp>
+        <p:cxnSp>
+          <p:nvCxnSpPr>
+            <p:cNvPr id="58" name="9 Conector recto"/>
+            <p:cNvCxnSpPr/>
+            <p:nvPr/>
+          </p:nvCxnSpPr>
+          <p:spPr>
+            <a:xfrm flipH="1" flipV="1">
+              <a:off x="476547" y="962145"/>
+              <a:ext cx="0" cy="249419"/>
+            </a:xfrm>
+            <a:prstGeom prst="line">
+              <a:avLst/>
+            </a:prstGeom>
+            <a:ln w="25400">
+              <a:solidFill>
+                <a:schemeClr val="tx1"/>
+              </a:solidFill>
+            </a:ln>
+          </p:spPr>
+          <p:style>
+            <a:lnRef idx="1">
+              <a:schemeClr val="accent1"/>
+            </a:lnRef>
+            <a:fillRef idx="0">
+              <a:schemeClr val="accent1"/>
+            </a:fillRef>
+            <a:effectRef idx="0">
+              <a:schemeClr val="accent1"/>
+            </a:effectRef>
+            <a:fontRef idx="minor">
+              <a:schemeClr val="tx1"/>
+            </a:fontRef>
+          </p:style>
+        </p:cxnSp>
+        <p:cxnSp>
+          <p:nvCxnSpPr>
+            <p:cNvPr id="59" name="9 Conector recto"/>
+            <p:cNvCxnSpPr/>
+            <p:nvPr/>
+          </p:nvCxnSpPr>
+          <p:spPr>
+            <a:xfrm flipH="1" flipV="1">
+              <a:off x="1151622" y="962145"/>
+              <a:ext cx="0" cy="249419"/>
+            </a:xfrm>
+            <a:prstGeom prst="line">
+              <a:avLst/>
+            </a:prstGeom>
+            <a:ln w="25400">
+              <a:solidFill>
+                <a:schemeClr val="tx1"/>
+              </a:solidFill>
+            </a:ln>
+          </p:spPr>
+          <p:style>
+            <a:lnRef idx="1">
+              <a:schemeClr val="accent1"/>
+            </a:lnRef>
+            <a:fillRef idx="0">
+              <a:schemeClr val="accent1"/>
+            </a:fillRef>
+            <a:effectRef idx="0">
+              <a:schemeClr val="accent1"/>
+            </a:effectRef>
+            <a:fontRef idx="minor">
+              <a:schemeClr val="tx1"/>
+            </a:fontRef>
+          </p:style>
+        </p:cxnSp>
+        <p:cxnSp>
+          <p:nvCxnSpPr>
+            <p:cNvPr id="60" name="9 Conector recto"/>
+            <p:cNvCxnSpPr/>
+            <p:nvPr/>
+          </p:nvCxnSpPr>
+          <p:spPr>
+            <a:xfrm flipH="1" flipV="1">
+              <a:off x="1826697" y="962145"/>
+              <a:ext cx="0" cy="249419"/>
+            </a:xfrm>
+            <a:prstGeom prst="line">
+              <a:avLst/>
+            </a:prstGeom>
+            <a:ln w="25400">
+              <a:solidFill>
+                <a:schemeClr val="tx1"/>
+              </a:solidFill>
+            </a:ln>
+          </p:spPr>
+          <p:style>
+            <a:lnRef idx="1">
+              <a:schemeClr val="accent1"/>
+            </a:lnRef>
+            <a:fillRef idx="0">
+              <a:schemeClr val="accent1"/>
+            </a:fillRef>
+            <a:effectRef idx="0">
+              <a:schemeClr val="accent1"/>
+            </a:effectRef>
+            <a:fontRef idx="minor">
+              <a:schemeClr val="tx1"/>
+            </a:fontRef>
+          </p:style>
+        </p:cxnSp>
+        <p:cxnSp>
+          <p:nvCxnSpPr>
+            <p:cNvPr id="61" name="9 Conector recto"/>
+            <p:cNvCxnSpPr/>
+            <p:nvPr/>
+          </p:nvCxnSpPr>
+          <p:spPr>
+            <a:xfrm flipH="1" flipV="1">
+              <a:off x="3176847" y="962145"/>
+              <a:ext cx="0" cy="249419"/>
+            </a:xfrm>
+            <a:prstGeom prst="line">
+              <a:avLst/>
+            </a:prstGeom>
+            <a:ln w="25400">
+              <a:solidFill>
+                <a:schemeClr val="tx1"/>
+              </a:solidFill>
+            </a:ln>
+          </p:spPr>
+          <p:style>
+            <a:lnRef idx="1">
+              <a:schemeClr val="accent1"/>
+            </a:lnRef>
+            <a:fillRef idx="0">
+              <a:schemeClr val="accent1"/>
+            </a:fillRef>
+            <a:effectRef idx="0">
+              <a:schemeClr val="accent1"/>
+            </a:effectRef>
+            <a:fontRef idx="minor">
+              <a:schemeClr val="tx1"/>
+            </a:fontRef>
+          </p:style>
+        </p:cxnSp>
+        <p:cxnSp>
+          <p:nvCxnSpPr>
+            <p:cNvPr id="62" name="9 Conector recto"/>
+            <p:cNvCxnSpPr/>
+            <p:nvPr/>
+          </p:nvCxnSpPr>
+          <p:spPr>
+            <a:xfrm flipH="1" flipV="1">
+              <a:off x="2501772" y="962145"/>
+              <a:ext cx="0" cy="249419"/>
+            </a:xfrm>
+            <a:prstGeom prst="line">
+              <a:avLst/>
+            </a:prstGeom>
+            <a:ln w="25400">
+              <a:solidFill>
+                <a:schemeClr val="tx1"/>
+              </a:solidFill>
+            </a:ln>
+          </p:spPr>
+          <p:style>
+            <a:lnRef idx="1">
+              <a:schemeClr val="accent1"/>
+            </a:lnRef>
+            <a:fillRef idx="0">
+              <a:schemeClr val="accent1"/>
+            </a:fillRef>
+            <a:effectRef idx="0">
+              <a:schemeClr val="accent1"/>
+            </a:effectRef>
+            <a:fontRef idx="minor">
+              <a:schemeClr val="tx1"/>
+            </a:fontRef>
+          </p:style>
+        </p:cxnSp>
+        <p:cxnSp>
+          <p:nvCxnSpPr>
+            <p:cNvPr id="63" name="9 Conector recto"/>
+            <p:cNvCxnSpPr/>
+            <p:nvPr/>
+          </p:nvCxnSpPr>
+          <p:spPr>
+            <a:xfrm flipH="1" flipV="1">
+              <a:off x="3851922" y="962145"/>
+              <a:ext cx="0" cy="249419"/>
+            </a:xfrm>
+            <a:prstGeom prst="line">
+              <a:avLst/>
+            </a:prstGeom>
+            <a:ln w="25400">
+              <a:solidFill>
+                <a:schemeClr val="tx1"/>
+              </a:solidFill>
+            </a:ln>
+          </p:spPr>
+          <p:style>
+            <a:lnRef idx="1">
+              <a:schemeClr val="accent1"/>
+            </a:lnRef>
+            <a:fillRef idx="0">
+              <a:schemeClr val="accent1"/>
+            </a:fillRef>
+            <a:effectRef idx="0">
+              <a:schemeClr val="accent1"/>
+            </a:effectRef>
+            <a:fontRef idx="minor">
+              <a:schemeClr val="tx1"/>
+            </a:fontRef>
+          </p:style>
+        </p:cxnSp>
+        <p:cxnSp>
+          <p:nvCxnSpPr>
+            <p:cNvPr id="64" name="9 Conector recto"/>
+            <p:cNvCxnSpPr/>
+            <p:nvPr/>
+          </p:nvCxnSpPr>
+          <p:spPr>
+            <a:xfrm flipH="1" flipV="1">
+              <a:off x="5202072" y="962145"/>
+              <a:ext cx="0" cy="249419"/>
+            </a:xfrm>
+            <a:prstGeom prst="line">
+              <a:avLst/>
+            </a:prstGeom>
+            <a:ln w="25400">
+              <a:solidFill>
+                <a:schemeClr val="tx1"/>
+              </a:solidFill>
+            </a:ln>
+          </p:spPr>
+          <p:style>
+            <a:lnRef idx="1">
+              <a:schemeClr val="accent1"/>
+            </a:lnRef>
+            <a:fillRef idx="0">
+              <a:schemeClr val="accent1"/>
+            </a:fillRef>
+            <a:effectRef idx="0">
+              <a:schemeClr val="accent1"/>
+            </a:effectRef>
+            <a:fontRef idx="minor">
+              <a:schemeClr val="tx1"/>
+            </a:fontRef>
+          </p:style>
+        </p:cxnSp>
+        <p:cxnSp>
+          <p:nvCxnSpPr>
+            <p:cNvPr id="65" name="9 Conector recto"/>
+            <p:cNvCxnSpPr/>
+            <p:nvPr/>
+          </p:nvCxnSpPr>
+          <p:spPr>
+            <a:xfrm flipH="1" flipV="1">
+              <a:off x="4526997" y="962145"/>
+              <a:ext cx="0" cy="249419"/>
+            </a:xfrm>
+            <a:prstGeom prst="line">
+              <a:avLst/>
+            </a:prstGeom>
+            <a:ln w="25400">
+              <a:solidFill>
+                <a:schemeClr val="tx1"/>
+              </a:solidFill>
+            </a:ln>
+          </p:spPr>
+          <p:style>
+            <a:lnRef idx="1">
+              <a:schemeClr val="accent1"/>
+            </a:lnRef>
+            <a:fillRef idx="0">
+              <a:schemeClr val="accent1"/>
+            </a:fillRef>
+            <a:effectRef idx="0">
+              <a:schemeClr val="accent1"/>
+            </a:effectRef>
+            <a:fontRef idx="minor">
+              <a:schemeClr val="tx1"/>
+            </a:fontRef>
+          </p:style>
+        </p:cxnSp>
+        <p:cxnSp>
+          <p:nvCxnSpPr>
+            <p:cNvPr id="66" name="9 Conector recto"/>
+            <p:cNvCxnSpPr/>
+            <p:nvPr/>
+          </p:nvCxnSpPr>
+          <p:spPr>
+            <a:xfrm flipH="1" flipV="1">
+              <a:off x="6552222" y="962145"/>
+              <a:ext cx="0" cy="249419"/>
+            </a:xfrm>
+            <a:prstGeom prst="line">
+              <a:avLst/>
+            </a:prstGeom>
+            <a:ln w="25400">
+              <a:solidFill>
+                <a:schemeClr val="tx1"/>
+              </a:solidFill>
+            </a:ln>
+          </p:spPr>
+          <p:style>
+            <a:lnRef idx="1">
+              <a:schemeClr val="accent1"/>
+            </a:lnRef>
+            <a:fillRef idx="0">
+              <a:schemeClr val="accent1"/>
+            </a:fillRef>
+            <a:effectRef idx="0">
+              <a:schemeClr val="accent1"/>
+            </a:effectRef>
+            <a:fontRef idx="minor">
+              <a:schemeClr val="tx1"/>
+            </a:fontRef>
+          </p:style>
+        </p:cxnSp>
+        <p:cxnSp>
+          <p:nvCxnSpPr>
+            <p:cNvPr id="67" name="9 Conector recto"/>
+            <p:cNvCxnSpPr/>
+            <p:nvPr/>
+          </p:nvCxnSpPr>
+          <p:spPr>
+            <a:xfrm flipH="1" flipV="1">
+              <a:off x="5877147" y="962145"/>
+              <a:ext cx="0" cy="249419"/>
+            </a:xfrm>
+            <a:prstGeom prst="line">
+              <a:avLst/>
+            </a:prstGeom>
+            <a:ln w="25400">
+              <a:solidFill>
+                <a:schemeClr val="tx1"/>
+              </a:solidFill>
+            </a:ln>
+          </p:spPr>
+          <p:style>
+            <a:lnRef idx="1">
+              <a:schemeClr val="accent1"/>
+            </a:lnRef>
+            <a:fillRef idx="0">
+              <a:schemeClr val="accent1"/>
+            </a:fillRef>
+            <a:effectRef idx="0">
+              <a:schemeClr val="accent1"/>
+            </a:effectRef>
+            <a:fontRef idx="minor">
+              <a:schemeClr val="tx1"/>
+            </a:fontRef>
+          </p:style>
+        </p:cxnSp>
+        <p:sp>
+          <p:nvSpPr>
+            <p:cNvPr id="68" name="10 CuadroTexto"/>
+            <p:cNvSpPr txBox="1"/>
+            <p:nvPr/>
+          </p:nvSpPr>
+          <p:spPr>
+            <a:xfrm>
+              <a:off x="1165441" y="1097160"/>
+              <a:ext cx="675077" cy="261610"/>
+            </a:xfrm>
+            <a:prstGeom prst="rect">
+              <a:avLst/>
+            </a:prstGeom>
+            <a:noFill/>
+          </p:spPr>
+          <p:txBody>
+            <a:bodyPr wrap="square" rtlCol="0">
+              <a:spAutoFit/>
+            </a:bodyPr>
+            <a:lstStyle/>
+            <a:p>
+              <a:pPr algn="ctr"/>
+              <a:r>
+                <a:rPr lang="es-CO" sz="1050" smtClean="0">
+                  <a:latin typeface="Times New Roman" charset="0"/>
+                  <a:ea typeface="Times New Roman" charset="0"/>
+                  <a:cs typeface="Times New Roman" charset="0"/>
+                </a:rPr>
+                <a:t>2000-Q2</a:t>
+              </a:r>
+              <a:endParaRPr lang="es-CO" sz="1050" dirty="0">
+                <a:latin typeface="Times New Roman" charset="0"/>
+                <a:ea typeface="Times New Roman" charset="0"/>
+                <a:cs typeface="Times New Roman" charset="0"/>
+              </a:endParaRPr>
+            </a:p>
+          </p:txBody>
+        </p:sp>
+        <p:sp>
+          <p:nvSpPr>
+            <p:cNvPr id="69" name="10 CuadroTexto"/>
+            <p:cNvSpPr txBox="1"/>
+            <p:nvPr/>
+          </p:nvSpPr>
+          <p:spPr>
+            <a:xfrm>
+              <a:off x="1839134" y="1097160"/>
+              <a:ext cx="675077" cy="261610"/>
+            </a:xfrm>
+            <a:prstGeom prst="rect">
+              <a:avLst/>
+            </a:prstGeom>
+            <a:noFill/>
+          </p:spPr>
+          <p:txBody>
+            <a:bodyPr wrap="square" rtlCol="0">
+              <a:spAutoFit/>
+            </a:bodyPr>
+            <a:lstStyle/>
+            <a:p>
+              <a:pPr algn="ctr"/>
+              <a:r>
+                <a:rPr lang="es-CO" sz="1050" dirty="0" smtClean="0">
+                  <a:latin typeface="Times New Roman" charset="0"/>
+                  <a:ea typeface="Times New Roman" charset="0"/>
+                  <a:cs typeface="Times New Roman" charset="0"/>
+                </a:rPr>
+                <a:t>2000-Q3</a:t>
+              </a:r>
+              <a:endParaRPr lang="es-CO" sz="1050" dirty="0">
+                <a:latin typeface="Times New Roman" charset="0"/>
+                <a:ea typeface="Times New Roman" charset="0"/>
+                <a:cs typeface="Times New Roman" charset="0"/>
+              </a:endParaRPr>
+            </a:p>
+          </p:txBody>
+        </p:sp>
+        <p:sp>
+          <p:nvSpPr>
+            <p:cNvPr id="70" name="10 CuadroTexto"/>
+            <p:cNvSpPr txBox="1"/>
+            <p:nvPr/>
+          </p:nvSpPr>
+          <p:spPr>
+            <a:xfrm>
+              <a:off x="2512827" y="1097160"/>
+              <a:ext cx="675077" cy="261610"/>
+            </a:xfrm>
+            <a:prstGeom prst="rect">
+              <a:avLst/>
+            </a:prstGeom>
+            <a:noFill/>
+          </p:spPr>
+          <p:txBody>
+            <a:bodyPr wrap="square" rtlCol="0">
+              <a:spAutoFit/>
+            </a:bodyPr>
+            <a:lstStyle/>
+            <a:p>
+              <a:pPr algn="ctr"/>
+              <a:r>
+                <a:rPr lang="es-CO" sz="1050" dirty="0" smtClean="0">
+                  <a:latin typeface="Times New Roman" charset="0"/>
+                  <a:ea typeface="Times New Roman" charset="0"/>
+                  <a:cs typeface="Times New Roman" charset="0"/>
+                </a:rPr>
+                <a:t>2000-Q4</a:t>
+              </a:r>
+              <a:endParaRPr lang="es-CO" sz="1050" dirty="0">
+                <a:latin typeface="Times New Roman" charset="0"/>
+                <a:ea typeface="Times New Roman" charset="0"/>
+                <a:cs typeface="Times New Roman" charset="0"/>
+              </a:endParaRPr>
+            </a:p>
+          </p:txBody>
+        </p:sp>
+        <p:sp>
+          <p:nvSpPr>
+            <p:cNvPr id="71" name="10 CuadroTexto"/>
+            <p:cNvSpPr txBox="1"/>
+            <p:nvPr/>
+          </p:nvSpPr>
+          <p:spPr>
+            <a:xfrm>
+              <a:off x="3186520" y="1097160"/>
+              <a:ext cx="675077" cy="261610"/>
+            </a:xfrm>
+            <a:prstGeom prst="rect">
+              <a:avLst/>
+            </a:prstGeom>
+            <a:noFill/>
+          </p:spPr>
+          <p:txBody>
+            <a:bodyPr wrap="square" rtlCol="0">
+              <a:spAutoFit/>
+            </a:bodyPr>
+            <a:lstStyle/>
+            <a:p>
+              <a:pPr algn="ctr"/>
+              <a:r>
+                <a:rPr lang="es-CO" sz="1050" smtClean="0">
+                  <a:latin typeface="Times New Roman" charset="0"/>
+                  <a:ea typeface="Times New Roman" charset="0"/>
+                  <a:cs typeface="Times New Roman" charset="0"/>
+                </a:rPr>
+                <a:t>2001-Q1</a:t>
+              </a:r>
+              <a:endParaRPr lang="es-CO" sz="1050" dirty="0">
+                <a:latin typeface="Times New Roman" charset="0"/>
+                <a:ea typeface="Times New Roman" charset="0"/>
+                <a:cs typeface="Times New Roman" charset="0"/>
+              </a:endParaRPr>
+            </a:p>
+          </p:txBody>
+        </p:sp>
+        <p:sp>
+          <p:nvSpPr>
+            <p:cNvPr id="72" name="10 CuadroTexto"/>
+            <p:cNvSpPr txBox="1"/>
+            <p:nvPr/>
+          </p:nvSpPr>
+          <p:spPr>
+            <a:xfrm>
+              <a:off x="3860213" y="1097160"/>
+              <a:ext cx="675077" cy="261610"/>
+            </a:xfrm>
+            <a:prstGeom prst="rect">
+              <a:avLst/>
+            </a:prstGeom>
+            <a:noFill/>
+          </p:spPr>
+          <p:txBody>
+            <a:bodyPr wrap="square" rtlCol="0">
+              <a:spAutoFit/>
+            </a:bodyPr>
+            <a:lstStyle/>
+            <a:p>
+              <a:pPr algn="ctr"/>
+              <a:r>
+                <a:rPr lang="es-CO" sz="1050" smtClean="0">
+                  <a:latin typeface="Times New Roman" charset="0"/>
+                  <a:ea typeface="Times New Roman" charset="0"/>
+                  <a:cs typeface="Times New Roman" charset="0"/>
+                </a:rPr>
+                <a:t>2001-Q2</a:t>
+              </a:r>
+              <a:endParaRPr lang="es-CO" sz="1050" dirty="0">
+                <a:latin typeface="Times New Roman" charset="0"/>
+                <a:ea typeface="Times New Roman" charset="0"/>
+                <a:cs typeface="Times New Roman" charset="0"/>
+              </a:endParaRPr>
+            </a:p>
+          </p:txBody>
+        </p:sp>
+        <p:sp>
+          <p:nvSpPr>
+            <p:cNvPr id="73" name="10 CuadroTexto"/>
+            <p:cNvSpPr txBox="1"/>
+            <p:nvPr/>
+          </p:nvSpPr>
+          <p:spPr>
+            <a:xfrm>
+              <a:off x="4533906" y="1097160"/>
+              <a:ext cx="675077" cy="261610"/>
+            </a:xfrm>
+            <a:prstGeom prst="rect">
+              <a:avLst/>
+            </a:prstGeom>
+            <a:noFill/>
+          </p:spPr>
+          <p:txBody>
+            <a:bodyPr wrap="square" rtlCol="0">
+              <a:spAutoFit/>
+            </a:bodyPr>
+            <a:lstStyle/>
+            <a:p>
+              <a:pPr algn="ctr"/>
+              <a:r>
+                <a:rPr lang="es-CO" sz="1050" dirty="0" smtClean="0">
+                  <a:latin typeface="Times New Roman" charset="0"/>
+                  <a:ea typeface="Times New Roman" charset="0"/>
+                  <a:cs typeface="Times New Roman" charset="0"/>
+                </a:rPr>
+                <a:t>2001-Q3</a:t>
+              </a:r>
+              <a:endParaRPr lang="es-CO" sz="1050" dirty="0">
+                <a:latin typeface="Times New Roman" charset="0"/>
+                <a:ea typeface="Times New Roman" charset="0"/>
+                <a:cs typeface="Times New Roman" charset="0"/>
+              </a:endParaRPr>
+            </a:p>
+          </p:txBody>
+        </p:sp>
+        <p:sp>
+          <p:nvSpPr>
+            <p:cNvPr id="74" name="10 CuadroTexto"/>
+            <p:cNvSpPr txBox="1"/>
+            <p:nvPr/>
+          </p:nvSpPr>
+          <p:spPr>
+            <a:xfrm>
+              <a:off x="5207599" y="1097160"/>
+              <a:ext cx="675077" cy="261610"/>
+            </a:xfrm>
+            <a:prstGeom prst="rect">
+              <a:avLst/>
+            </a:prstGeom>
+            <a:noFill/>
+          </p:spPr>
+          <p:txBody>
+            <a:bodyPr wrap="square" rtlCol="0">
+              <a:spAutoFit/>
+            </a:bodyPr>
+            <a:lstStyle/>
+            <a:p>
+              <a:pPr algn="ctr"/>
+              <a:r>
+                <a:rPr lang="es-CO" sz="1050" dirty="0" smtClean="0">
+                  <a:latin typeface="Times New Roman" charset="0"/>
+                  <a:ea typeface="Times New Roman" charset="0"/>
+                  <a:cs typeface="Times New Roman" charset="0"/>
+                </a:rPr>
+                <a:t>2001-Q4</a:t>
+              </a:r>
+              <a:endParaRPr lang="es-CO" sz="1050" dirty="0">
+                <a:latin typeface="Times New Roman" charset="0"/>
+                <a:ea typeface="Times New Roman" charset="0"/>
+                <a:cs typeface="Times New Roman" charset="0"/>
+              </a:endParaRPr>
+            </a:p>
+          </p:txBody>
+        </p:sp>
+        <p:cxnSp>
+          <p:nvCxnSpPr>
+            <p:cNvPr id="75" name="9 Conector recto"/>
+            <p:cNvCxnSpPr/>
+            <p:nvPr/>
+          </p:nvCxnSpPr>
+          <p:spPr>
+            <a:xfrm flipH="1" flipV="1">
+              <a:off x="7227297" y="962145"/>
+              <a:ext cx="0" cy="249419"/>
+            </a:xfrm>
+            <a:prstGeom prst="line">
+              <a:avLst/>
+            </a:prstGeom>
+            <a:ln w="25400">
+              <a:solidFill>
+                <a:schemeClr val="tx1"/>
+              </a:solidFill>
+            </a:ln>
+          </p:spPr>
+          <p:style>
+            <a:lnRef idx="1">
+              <a:schemeClr val="accent1"/>
+            </a:lnRef>
+            <a:fillRef idx="0">
+              <a:schemeClr val="accent1"/>
+            </a:fillRef>
+            <a:effectRef idx="0">
+              <a:schemeClr val="accent1"/>
+            </a:effectRef>
+            <a:fontRef idx="minor">
+              <a:schemeClr val="tx1"/>
+            </a:fontRef>
+          </p:style>
+        </p:cxnSp>
+        <p:sp>
+          <p:nvSpPr>
+            <p:cNvPr id="76" name="10 CuadroTexto"/>
+            <p:cNvSpPr txBox="1"/>
+            <p:nvPr/>
+          </p:nvSpPr>
+          <p:spPr>
+            <a:xfrm>
+              <a:off x="5881292" y="1097160"/>
+              <a:ext cx="675077" cy="261610"/>
+            </a:xfrm>
+            <a:prstGeom prst="rect">
+              <a:avLst/>
+            </a:prstGeom>
+            <a:noFill/>
+          </p:spPr>
+          <p:txBody>
+            <a:bodyPr wrap="square" rtlCol="0">
+              <a:spAutoFit/>
+            </a:bodyPr>
+            <a:lstStyle/>
+            <a:p>
+              <a:pPr algn="ctr"/>
+              <a:r>
+                <a:rPr lang="es-CO" sz="1050" dirty="0" smtClean="0">
+                  <a:latin typeface="Times New Roman" charset="0"/>
+                  <a:ea typeface="Times New Roman" charset="0"/>
+                  <a:cs typeface="Times New Roman" charset="0"/>
+                </a:rPr>
+                <a:t>2002-Q1</a:t>
+              </a:r>
+              <a:endParaRPr lang="es-CO" sz="1050" dirty="0">
+                <a:latin typeface="Times New Roman" charset="0"/>
+                <a:ea typeface="Times New Roman" charset="0"/>
+                <a:cs typeface="Times New Roman" charset="0"/>
+              </a:endParaRPr>
+            </a:p>
+          </p:txBody>
+        </p:sp>
+        <p:cxnSp>
+          <p:nvCxnSpPr>
+            <p:cNvPr id="77" name="9 Conector recto"/>
+            <p:cNvCxnSpPr/>
+            <p:nvPr/>
+          </p:nvCxnSpPr>
+          <p:spPr>
+            <a:xfrm flipH="1" flipV="1">
+              <a:off x="7902372" y="962145"/>
+              <a:ext cx="0" cy="249419"/>
+            </a:xfrm>
+            <a:prstGeom prst="line">
+              <a:avLst/>
+            </a:prstGeom>
+            <a:ln w="25400">
+              <a:solidFill>
+                <a:schemeClr val="tx1"/>
+              </a:solidFill>
+            </a:ln>
+          </p:spPr>
+          <p:style>
+            <a:lnRef idx="1">
+              <a:schemeClr val="accent1"/>
+            </a:lnRef>
+            <a:fillRef idx="0">
+              <a:schemeClr val="accent1"/>
+            </a:fillRef>
+            <a:effectRef idx="0">
+              <a:schemeClr val="accent1"/>
+            </a:effectRef>
+            <a:fontRef idx="minor">
+              <a:schemeClr val="tx1"/>
+            </a:fontRef>
+          </p:style>
+        </p:cxnSp>
+        <p:cxnSp>
+          <p:nvCxnSpPr>
+            <p:cNvPr id="78" name="9 Conector recto"/>
+            <p:cNvCxnSpPr/>
+            <p:nvPr/>
+          </p:nvCxnSpPr>
+          <p:spPr>
+            <a:xfrm flipH="1" flipV="1">
+              <a:off x="8577445" y="962145"/>
+              <a:ext cx="0" cy="249419"/>
+            </a:xfrm>
+            <a:prstGeom prst="line">
+              <a:avLst/>
+            </a:prstGeom>
+            <a:ln w="25400">
+              <a:solidFill>
+                <a:schemeClr val="tx1"/>
+              </a:solidFill>
+            </a:ln>
+          </p:spPr>
+          <p:style>
+            <a:lnRef idx="1">
+              <a:schemeClr val="accent1"/>
+            </a:lnRef>
+            <a:fillRef idx="0">
+              <a:schemeClr val="accent1"/>
+            </a:fillRef>
+            <a:effectRef idx="0">
+              <a:schemeClr val="accent1"/>
+            </a:effectRef>
+            <a:fontRef idx="minor">
+              <a:schemeClr val="tx1"/>
+            </a:fontRef>
+          </p:style>
+        </p:cxnSp>
+        <p:sp>
+          <p:nvSpPr>
+            <p:cNvPr id="79" name="10 CuadroTexto"/>
+            <p:cNvSpPr txBox="1"/>
+            <p:nvPr/>
+          </p:nvSpPr>
+          <p:spPr>
+            <a:xfrm>
+              <a:off x="6554985" y="1097160"/>
+              <a:ext cx="675077" cy="261610"/>
+            </a:xfrm>
+            <a:prstGeom prst="rect">
+              <a:avLst/>
+            </a:prstGeom>
+            <a:noFill/>
+          </p:spPr>
+          <p:txBody>
+            <a:bodyPr wrap="square" rtlCol="0">
+              <a:spAutoFit/>
+            </a:bodyPr>
+            <a:lstStyle/>
+            <a:p>
+              <a:pPr algn="ctr"/>
+              <a:r>
+                <a:rPr lang="es-CO" sz="1050" dirty="0" smtClean="0">
+                  <a:latin typeface="Times New Roman" charset="0"/>
+                  <a:ea typeface="Times New Roman" charset="0"/>
+                  <a:cs typeface="Times New Roman" charset="0"/>
+                </a:rPr>
+                <a:t>2002-Q2</a:t>
+              </a:r>
+              <a:endParaRPr lang="es-CO" sz="1050" dirty="0">
+                <a:latin typeface="Times New Roman" charset="0"/>
+                <a:ea typeface="Times New Roman" charset="0"/>
+                <a:cs typeface="Times New Roman" charset="0"/>
+              </a:endParaRPr>
+            </a:p>
+          </p:txBody>
+        </p:sp>
+        <p:sp>
+          <p:nvSpPr>
+            <p:cNvPr id="80" name="10 CuadroTexto"/>
+            <p:cNvSpPr txBox="1"/>
+            <p:nvPr/>
+          </p:nvSpPr>
+          <p:spPr>
+            <a:xfrm>
+              <a:off x="7228678" y="1097160"/>
+              <a:ext cx="675077" cy="261610"/>
+            </a:xfrm>
+            <a:prstGeom prst="rect">
+              <a:avLst/>
+            </a:prstGeom>
+            <a:noFill/>
+          </p:spPr>
+          <p:txBody>
+            <a:bodyPr wrap="square" rtlCol="0">
+              <a:spAutoFit/>
+            </a:bodyPr>
+            <a:lstStyle/>
+            <a:p>
+              <a:pPr algn="ctr"/>
+              <a:r>
+                <a:rPr lang="es-CO" sz="1050" smtClean="0">
+                  <a:latin typeface="Times New Roman" charset="0"/>
+                  <a:ea typeface="Times New Roman" charset="0"/>
+                  <a:cs typeface="Times New Roman" charset="0"/>
+                </a:rPr>
+                <a:t>2002-Q3</a:t>
+              </a:r>
+              <a:endParaRPr lang="es-CO" sz="1050" dirty="0">
+                <a:latin typeface="Times New Roman" charset="0"/>
+                <a:ea typeface="Times New Roman" charset="0"/>
+                <a:cs typeface="Times New Roman" charset="0"/>
+              </a:endParaRPr>
+            </a:p>
+          </p:txBody>
+        </p:sp>
+        <p:sp>
+          <p:nvSpPr>
+            <p:cNvPr id="81" name="10 CuadroTexto"/>
+            <p:cNvSpPr txBox="1"/>
+            <p:nvPr/>
+          </p:nvSpPr>
+          <p:spPr>
+            <a:xfrm>
+              <a:off x="7902368" y="1097160"/>
+              <a:ext cx="675077" cy="261610"/>
+            </a:xfrm>
+            <a:prstGeom prst="rect">
+              <a:avLst/>
+            </a:prstGeom>
+            <a:noFill/>
+          </p:spPr>
+          <p:txBody>
+            <a:bodyPr wrap="square" rtlCol="0">
+              <a:spAutoFit/>
+            </a:bodyPr>
+            <a:lstStyle/>
+            <a:p>
+              <a:pPr algn="ctr"/>
+              <a:r>
+                <a:rPr lang="es-CO" sz="1050" dirty="0" smtClean="0">
+                  <a:latin typeface="Times New Roman" charset="0"/>
+                  <a:ea typeface="Times New Roman" charset="0"/>
+                  <a:cs typeface="Times New Roman" charset="0"/>
+                </a:rPr>
+                <a:t>2002-Q4</a:t>
+              </a:r>
+              <a:endParaRPr lang="es-CO" sz="1050" dirty="0">
+                <a:latin typeface="Times New Roman" charset="0"/>
+                <a:ea typeface="Times New Roman" charset="0"/>
+                <a:cs typeface="Times New Roman" charset="0"/>
+              </a:endParaRPr>
+            </a:p>
+          </p:txBody>
+        </p:sp>
+      </p:grpSp>
+      <p:grpSp>
+        <p:nvGrpSpPr>
+          <p:cNvPr id="82" name="Agrupar 81"/>
+          <p:cNvGrpSpPr/>
+          <p:nvPr/>
+        </p:nvGrpSpPr>
+        <p:grpSpPr>
+          <a:xfrm>
+            <a:off x="476545" y="5147610"/>
+            <a:ext cx="8100900" cy="396625"/>
+            <a:chOff x="476545" y="962145"/>
+            <a:chExt cx="8100900" cy="396625"/>
+          </a:xfrm>
+        </p:grpSpPr>
+        <p:sp>
+          <p:nvSpPr>
+            <p:cNvPr id="83" name="10 CuadroTexto"/>
+            <p:cNvSpPr txBox="1"/>
+            <p:nvPr/>
+          </p:nvSpPr>
+          <p:spPr>
+            <a:xfrm>
+              <a:off x="491748" y="1097160"/>
+              <a:ext cx="675077" cy="261610"/>
+            </a:xfrm>
+            <a:prstGeom prst="rect">
+              <a:avLst/>
+            </a:prstGeom>
+            <a:noFill/>
+          </p:spPr>
+          <p:txBody>
+            <a:bodyPr wrap="square" rtlCol="0">
+              <a:spAutoFit/>
+            </a:bodyPr>
+            <a:lstStyle/>
+            <a:p>
+              <a:pPr algn="ctr"/>
+              <a:r>
+                <a:rPr lang="es-CO" sz="1050" smtClean="0">
+                  <a:latin typeface="Times New Roman" charset="0"/>
+                  <a:ea typeface="Times New Roman" charset="0"/>
+                  <a:cs typeface="Times New Roman" charset="0"/>
+                </a:rPr>
+                <a:t>2000-Q1</a:t>
+              </a:r>
+              <a:endParaRPr lang="es-CO" sz="1050" dirty="0">
+                <a:latin typeface="Times New Roman" charset="0"/>
+                <a:ea typeface="Times New Roman" charset="0"/>
+                <a:cs typeface="Times New Roman" charset="0"/>
+              </a:endParaRPr>
+            </a:p>
+          </p:txBody>
+        </p:sp>
+        <p:cxnSp>
+          <p:nvCxnSpPr>
+            <p:cNvPr id="84" name="5 Conector recto de flecha"/>
+            <p:cNvCxnSpPr/>
+            <p:nvPr/>
+          </p:nvCxnSpPr>
+          <p:spPr>
+            <a:xfrm>
+              <a:off x="476545" y="1097160"/>
+              <a:ext cx="8100900" cy="0"/>
+            </a:xfrm>
+            <a:prstGeom prst="straightConnector1">
+              <a:avLst/>
+            </a:prstGeom>
+            <a:ln w="28575">
+              <a:solidFill>
+                <a:schemeClr val="tx1"/>
+              </a:solidFill>
+              <a:tailEnd type="none" w="lg" len="lg"/>
+            </a:ln>
+          </p:spPr>
+          <p:style>
+            <a:lnRef idx="1">
+              <a:schemeClr val="accent1"/>
+            </a:lnRef>
+            <a:fillRef idx="0">
+              <a:schemeClr val="accent1"/>
+            </a:fillRef>
+            <a:effectRef idx="0">
+              <a:schemeClr val="accent1"/>
+            </a:effectRef>
+            <a:fontRef idx="minor">
+              <a:schemeClr val="tx1"/>
+            </a:fontRef>
+          </p:style>
+        </p:cxnSp>
+        <p:cxnSp>
+          <p:nvCxnSpPr>
+            <p:cNvPr id="85" name="9 Conector recto"/>
+            <p:cNvCxnSpPr/>
+            <p:nvPr/>
+          </p:nvCxnSpPr>
+          <p:spPr>
+            <a:xfrm flipH="1" flipV="1">
+              <a:off x="476547" y="962145"/>
+              <a:ext cx="0" cy="249419"/>
+            </a:xfrm>
+            <a:prstGeom prst="line">
+              <a:avLst/>
+            </a:prstGeom>
+            <a:ln w="25400">
+              <a:solidFill>
+                <a:schemeClr val="tx1"/>
+              </a:solidFill>
+            </a:ln>
+          </p:spPr>
+          <p:style>
+            <a:lnRef idx="1">
+              <a:schemeClr val="accent1"/>
+            </a:lnRef>
+            <a:fillRef idx="0">
+              <a:schemeClr val="accent1"/>
+            </a:fillRef>
+            <a:effectRef idx="0">
+              <a:schemeClr val="accent1"/>
+            </a:effectRef>
+            <a:fontRef idx="minor">
+              <a:schemeClr val="tx1"/>
+            </a:fontRef>
+          </p:style>
+        </p:cxnSp>
+        <p:cxnSp>
+          <p:nvCxnSpPr>
+            <p:cNvPr id="86" name="9 Conector recto"/>
+            <p:cNvCxnSpPr/>
+            <p:nvPr/>
+          </p:nvCxnSpPr>
+          <p:spPr>
+            <a:xfrm flipH="1" flipV="1">
+              <a:off x="1151622" y="962145"/>
+              <a:ext cx="0" cy="249419"/>
+            </a:xfrm>
+            <a:prstGeom prst="line">
+              <a:avLst/>
+            </a:prstGeom>
+            <a:ln w="25400">
+              <a:solidFill>
+                <a:schemeClr val="tx1"/>
+              </a:solidFill>
+            </a:ln>
+          </p:spPr>
+          <p:style>
+            <a:lnRef idx="1">
+              <a:schemeClr val="accent1"/>
+            </a:lnRef>
+            <a:fillRef idx="0">
+              <a:schemeClr val="accent1"/>
+            </a:fillRef>
+            <a:effectRef idx="0">
+              <a:schemeClr val="accent1"/>
+            </a:effectRef>
+            <a:fontRef idx="minor">
+              <a:schemeClr val="tx1"/>
+            </a:fontRef>
+          </p:style>
+        </p:cxnSp>
+        <p:cxnSp>
+          <p:nvCxnSpPr>
+            <p:cNvPr id="87" name="9 Conector recto"/>
+            <p:cNvCxnSpPr/>
+            <p:nvPr/>
+          </p:nvCxnSpPr>
+          <p:spPr>
+            <a:xfrm flipH="1" flipV="1">
+              <a:off x="1826697" y="962145"/>
+              <a:ext cx="0" cy="249419"/>
+            </a:xfrm>
+            <a:prstGeom prst="line">
+              <a:avLst/>
+            </a:prstGeom>
+            <a:ln w="25400">
+              <a:solidFill>
+                <a:schemeClr val="tx1"/>
+              </a:solidFill>
+            </a:ln>
+          </p:spPr>
+          <p:style>
+            <a:lnRef idx="1">
+              <a:schemeClr val="accent1"/>
+            </a:lnRef>
+            <a:fillRef idx="0">
+              <a:schemeClr val="accent1"/>
+            </a:fillRef>
+            <a:effectRef idx="0">
+              <a:schemeClr val="accent1"/>
+            </a:effectRef>
+            <a:fontRef idx="minor">
+              <a:schemeClr val="tx1"/>
+            </a:fontRef>
+          </p:style>
+        </p:cxnSp>
+        <p:cxnSp>
+          <p:nvCxnSpPr>
+            <p:cNvPr id="88" name="9 Conector recto"/>
+            <p:cNvCxnSpPr/>
+            <p:nvPr/>
+          </p:nvCxnSpPr>
+          <p:spPr>
+            <a:xfrm flipH="1" flipV="1">
+              <a:off x="3176847" y="962145"/>
+              <a:ext cx="0" cy="249419"/>
+            </a:xfrm>
+            <a:prstGeom prst="line">
+              <a:avLst/>
+            </a:prstGeom>
+            <a:ln w="25400">
+              <a:solidFill>
+                <a:schemeClr val="tx1"/>
+              </a:solidFill>
+            </a:ln>
+          </p:spPr>
+          <p:style>
+            <a:lnRef idx="1">
+              <a:schemeClr val="accent1"/>
+            </a:lnRef>
+            <a:fillRef idx="0">
+              <a:schemeClr val="accent1"/>
+            </a:fillRef>
+            <a:effectRef idx="0">
+              <a:schemeClr val="accent1"/>
+            </a:effectRef>
+            <a:fontRef idx="minor">
+              <a:schemeClr val="tx1"/>
+            </a:fontRef>
+          </p:style>
+        </p:cxnSp>
+        <p:cxnSp>
+          <p:nvCxnSpPr>
+            <p:cNvPr id="89" name="9 Conector recto"/>
+            <p:cNvCxnSpPr/>
+            <p:nvPr/>
+          </p:nvCxnSpPr>
+          <p:spPr>
+            <a:xfrm flipH="1" flipV="1">
+              <a:off x="2501772" y="962145"/>
+              <a:ext cx="0" cy="249419"/>
+            </a:xfrm>
+            <a:prstGeom prst="line">
+              <a:avLst/>
+            </a:prstGeom>
+            <a:ln w="25400">
+              <a:solidFill>
+                <a:schemeClr val="tx1"/>
+              </a:solidFill>
+            </a:ln>
+          </p:spPr>
+          <p:style>
+            <a:lnRef idx="1">
+              <a:schemeClr val="accent1"/>
+            </a:lnRef>
+            <a:fillRef idx="0">
+              <a:schemeClr val="accent1"/>
+            </a:fillRef>
+            <a:effectRef idx="0">
+              <a:schemeClr val="accent1"/>
+            </a:effectRef>
+            <a:fontRef idx="minor">
+              <a:schemeClr val="tx1"/>
+            </a:fontRef>
+          </p:style>
+        </p:cxnSp>
+        <p:cxnSp>
+          <p:nvCxnSpPr>
+            <p:cNvPr id="90" name="9 Conector recto"/>
+            <p:cNvCxnSpPr/>
+            <p:nvPr/>
+          </p:nvCxnSpPr>
+          <p:spPr>
+            <a:xfrm flipH="1" flipV="1">
+              <a:off x="3851922" y="962145"/>
+              <a:ext cx="0" cy="249419"/>
+            </a:xfrm>
+            <a:prstGeom prst="line">
+              <a:avLst/>
+            </a:prstGeom>
+            <a:ln w="25400">
+              <a:solidFill>
+                <a:schemeClr val="tx1"/>
+              </a:solidFill>
+            </a:ln>
+          </p:spPr>
+          <p:style>
+            <a:lnRef idx="1">
+              <a:schemeClr val="accent1"/>
+            </a:lnRef>
+            <a:fillRef idx="0">
+              <a:schemeClr val="accent1"/>
+            </a:fillRef>
+            <a:effectRef idx="0">
+              <a:schemeClr val="accent1"/>
+            </a:effectRef>
+            <a:fontRef idx="minor">
+              <a:schemeClr val="tx1"/>
+            </a:fontRef>
+          </p:style>
+        </p:cxnSp>
+        <p:cxnSp>
+          <p:nvCxnSpPr>
+            <p:cNvPr id="91" name="9 Conector recto"/>
+            <p:cNvCxnSpPr/>
+            <p:nvPr/>
+          </p:nvCxnSpPr>
+          <p:spPr>
+            <a:xfrm flipH="1" flipV="1">
+              <a:off x="5202072" y="962145"/>
+              <a:ext cx="0" cy="249419"/>
+            </a:xfrm>
+            <a:prstGeom prst="line">
+              <a:avLst/>
+            </a:prstGeom>
+            <a:ln w="25400">
+              <a:solidFill>
+                <a:schemeClr val="tx1"/>
+              </a:solidFill>
+            </a:ln>
+          </p:spPr>
+          <p:style>
+            <a:lnRef idx="1">
+              <a:schemeClr val="accent1"/>
+            </a:lnRef>
+            <a:fillRef idx="0">
+              <a:schemeClr val="accent1"/>
+            </a:fillRef>
+            <a:effectRef idx="0">
+              <a:schemeClr val="accent1"/>
+            </a:effectRef>
+            <a:fontRef idx="minor">
+              <a:schemeClr val="tx1"/>
+            </a:fontRef>
+          </p:style>
+        </p:cxnSp>
+        <p:cxnSp>
+          <p:nvCxnSpPr>
+            <p:cNvPr id="92" name="9 Conector recto"/>
+            <p:cNvCxnSpPr/>
+            <p:nvPr/>
+          </p:nvCxnSpPr>
+          <p:spPr>
+            <a:xfrm flipH="1" flipV="1">
+              <a:off x="4526997" y="962145"/>
+              <a:ext cx="0" cy="249419"/>
+            </a:xfrm>
+            <a:prstGeom prst="line">
+              <a:avLst/>
+            </a:prstGeom>
+            <a:ln w="25400">
+              <a:solidFill>
+                <a:schemeClr val="tx1"/>
+              </a:solidFill>
+            </a:ln>
+          </p:spPr>
+          <p:style>
+            <a:lnRef idx="1">
+              <a:schemeClr val="accent1"/>
+            </a:lnRef>
+            <a:fillRef idx="0">
+              <a:schemeClr val="accent1"/>
+            </a:fillRef>
+            <a:effectRef idx="0">
+              <a:schemeClr val="accent1"/>
+            </a:effectRef>
+            <a:fontRef idx="minor">
+              <a:schemeClr val="tx1"/>
+            </a:fontRef>
+          </p:style>
+        </p:cxnSp>
+        <p:cxnSp>
+          <p:nvCxnSpPr>
+            <p:cNvPr id="93" name="9 Conector recto"/>
+            <p:cNvCxnSpPr/>
+            <p:nvPr/>
+          </p:nvCxnSpPr>
+          <p:spPr>
+            <a:xfrm flipH="1" flipV="1">
+              <a:off x="6552222" y="962145"/>
+              <a:ext cx="0" cy="249419"/>
+            </a:xfrm>
+            <a:prstGeom prst="line">
+              <a:avLst/>
+            </a:prstGeom>
+            <a:ln w="25400">
+              <a:solidFill>
+                <a:schemeClr val="tx1"/>
+              </a:solidFill>
+            </a:ln>
+          </p:spPr>
+          <p:style>
+            <a:lnRef idx="1">
+              <a:schemeClr val="accent1"/>
+            </a:lnRef>
+            <a:fillRef idx="0">
+              <a:schemeClr val="accent1"/>
+            </a:fillRef>
+            <a:effectRef idx="0">
+              <a:schemeClr val="accent1"/>
+            </a:effectRef>
+            <a:fontRef idx="minor">
+              <a:schemeClr val="tx1"/>
+            </a:fontRef>
+          </p:style>
+        </p:cxnSp>
+        <p:cxnSp>
+          <p:nvCxnSpPr>
+            <p:cNvPr id="94" name="9 Conector recto"/>
+            <p:cNvCxnSpPr/>
+            <p:nvPr/>
+          </p:nvCxnSpPr>
+          <p:spPr>
+            <a:xfrm flipH="1" flipV="1">
+              <a:off x="5877147" y="962145"/>
+              <a:ext cx="0" cy="249419"/>
+            </a:xfrm>
+            <a:prstGeom prst="line">
+              <a:avLst/>
+            </a:prstGeom>
+            <a:ln w="25400">
+              <a:solidFill>
+                <a:schemeClr val="tx1"/>
+              </a:solidFill>
+            </a:ln>
+          </p:spPr>
+          <p:style>
+            <a:lnRef idx="1">
+              <a:schemeClr val="accent1"/>
+            </a:lnRef>
+            <a:fillRef idx="0">
+              <a:schemeClr val="accent1"/>
+            </a:fillRef>
+            <a:effectRef idx="0">
+              <a:schemeClr val="accent1"/>
+            </a:effectRef>
+            <a:fontRef idx="minor">
+              <a:schemeClr val="tx1"/>
+            </a:fontRef>
+          </p:style>
+        </p:cxnSp>
+        <p:sp>
+          <p:nvSpPr>
+            <p:cNvPr id="95" name="10 CuadroTexto"/>
+            <p:cNvSpPr txBox="1"/>
+            <p:nvPr/>
+          </p:nvSpPr>
+          <p:spPr>
+            <a:xfrm>
+              <a:off x="1165441" y="1097160"/>
+              <a:ext cx="675077" cy="261610"/>
+            </a:xfrm>
+            <a:prstGeom prst="rect">
+              <a:avLst/>
+            </a:prstGeom>
+            <a:noFill/>
+          </p:spPr>
+          <p:txBody>
+            <a:bodyPr wrap="square" rtlCol="0">
+              <a:spAutoFit/>
+            </a:bodyPr>
+            <a:lstStyle/>
+            <a:p>
+              <a:pPr algn="ctr"/>
+              <a:r>
+                <a:rPr lang="es-CO" sz="1050" smtClean="0">
+                  <a:latin typeface="Times New Roman" charset="0"/>
+                  <a:ea typeface="Times New Roman" charset="0"/>
+                  <a:cs typeface="Times New Roman" charset="0"/>
+                </a:rPr>
+                <a:t>2000-Q2</a:t>
+              </a:r>
+              <a:endParaRPr lang="es-CO" sz="1050" dirty="0">
+                <a:latin typeface="Times New Roman" charset="0"/>
+                <a:ea typeface="Times New Roman" charset="0"/>
+                <a:cs typeface="Times New Roman" charset="0"/>
+              </a:endParaRPr>
+            </a:p>
+          </p:txBody>
+        </p:sp>
+        <p:sp>
+          <p:nvSpPr>
+            <p:cNvPr id="96" name="10 CuadroTexto"/>
+            <p:cNvSpPr txBox="1"/>
+            <p:nvPr/>
+          </p:nvSpPr>
+          <p:spPr>
+            <a:xfrm>
+              <a:off x="1839134" y="1097160"/>
+              <a:ext cx="675077" cy="261610"/>
+            </a:xfrm>
+            <a:prstGeom prst="rect">
+              <a:avLst/>
+            </a:prstGeom>
+            <a:noFill/>
+          </p:spPr>
+          <p:txBody>
+            <a:bodyPr wrap="square" rtlCol="0">
+              <a:spAutoFit/>
+            </a:bodyPr>
+            <a:lstStyle/>
+            <a:p>
+              <a:pPr algn="ctr"/>
+              <a:r>
+                <a:rPr lang="es-CO" sz="1050" dirty="0" smtClean="0">
+                  <a:latin typeface="Times New Roman" charset="0"/>
+                  <a:ea typeface="Times New Roman" charset="0"/>
+                  <a:cs typeface="Times New Roman" charset="0"/>
+                </a:rPr>
+                <a:t>2000-Q3</a:t>
+              </a:r>
+              <a:endParaRPr lang="es-CO" sz="1050" dirty="0">
+                <a:latin typeface="Times New Roman" charset="0"/>
+                <a:ea typeface="Times New Roman" charset="0"/>
+                <a:cs typeface="Times New Roman" charset="0"/>
+              </a:endParaRPr>
+            </a:p>
+          </p:txBody>
+        </p:sp>
+        <p:sp>
+          <p:nvSpPr>
+            <p:cNvPr id="97" name="10 CuadroTexto"/>
+            <p:cNvSpPr txBox="1"/>
+            <p:nvPr/>
+          </p:nvSpPr>
+          <p:spPr>
+            <a:xfrm>
+              <a:off x="2512827" y="1097160"/>
+              <a:ext cx="675077" cy="261610"/>
+            </a:xfrm>
+            <a:prstGeom prst="rect">
+              <a:avLst/>
+            </a:prstGeom>
+            <a:noFill/>
+          </p:spPr>
+          <p:txBody>
+            <a:bodyPr wrap="square" rtlCol="0">
+              <a:spAutoFit/>
+            </a:bodyPr>
+            <a:lstStyle/>
+            <a:p>
+              <a:pPr algn="ctr"/>
+              <a:r>
+                <a:rPr lang="es-CO" sz="1050" dirty="0" smtClean="0">
+                  <a:latin typeface="Times New Roman" charset="0"/>
+                  <a:ea typeface="Times New Roman" charset="0"/>
+                  <a:cs typeface="Times New Roman" charset="0"/>
+                </a:rPr>
+                <a:t>2000-Q4</a:t>
+              </a:r>
+              <a:endParaRPr lang="es-CO" sz="1050" dirty="0">
+                <a:latin typeface="Times New Roman" charset="0"/>
+                <a:ea typeface="Times New Roman" charset="0"/>
+                <a:cs typeface="Times New Roman" charset="0"/>
+              </a:endParaRPr>
+            </a:p>
+          </p:txBody>
+        </p:sp>
+        <p:sp>
+          <p:nvSpPr>
+            <p:cNvPr id="98" name="10 CuadroTexto"/>
+            <p:cNvSpPr txBox="1"/>
+            <p:nvPr/>
+          </p:nvSpPr>
+          <p:spPr>
+            <a:xfrm>
+              <a:off x="3186520" y="1097160"/>
+              <a:ext cx="675077" cy="261610"/>
+            </a:xfrm>
+            <a:prstGeom prst="rect">
+              <a:avLst/>
+            </a:prstGeom>
+            <a:noFill/>
+          </p:spPr>
+          <p:txBody>
+            <a:bodyPr wrap="square" rtlCol="0">
+              <a:spAutoFit/>
+            </a:bodyPr>
+            <a:lstStyle/>
+            <a:p>
+              <a:pPr algn="ctr"/>
+              <a:r>
+                <a:rPr lang="es-CO" sz="1050" smtClean="0">
+                  <a:latin typeface="Times New Roman" charset="0"/>
+                  <a:ea typeface="Times New Roman" charset="0"/>
+                  <a:cs typeface="Times New Roman" charset="0"/>
+                </a:rPr>
+                <a:t>2001-Q1</a:t>
+              </a:r>
+              <a:endParaRPr lang="es-CO" sz="1050" dirty="0">
+                <a:latin typeface="Times New Roman" charset="0"/>
+                <a:ea typeface="Times New Roman" charset="0"/>
+                <a:cs typeface="Times New Roman" charset="0"/>
+              </a:endParaRPr>
+            </a:p>
+          </p:txBody>
+        </p:sp>
+        <p:sp>
+          <p:nvSpPr>
+            <p:cNvPr id="99" name="10 CuadroTexto"/>
+            <p:cNvSpPr txBox="1"/>
+            <p:nvPr/>
+          </p:nvSpPr>
+          <p:spPr>
+            <a:xfrm>
+              <a:off x="3860213" y="1097160"/>
+              <a:ext cx="675077" cy="261610"/>
+            </a:xfrm>
+            <a:prstGeom prst="rect">
+              <a:avLst/>
+            </a:prstGeom>
+            <a:noFill/>
+          </p:spPr>
+          <p:txBody>
+            <a:bodyPr wrap="square" rtlCol="0">
+              <a:spAutoFit/>
+            </a:bodyPr>
+            <a:lstStyle/>
+            <a:p>
+              <a:pPr algn="ctr"/>
+              <a:r>
+                <a:rPr lang="es-CO" sz="1050" smtClean="0">
+                  <a:latin typeface="Times New Roman" charset="0"/>
+                  <a:ea typeface="Times New Roman" charset="0"/>
+                  <a:cs typeface="Times New Roman" charset="0"/>
+                </a:rPr>
+                <a:t>2001-Q2</a:t>
+              </a:r>
+              <a:endParaRPr lang="es-CO" sz="1050" dirty="0">
+                <a:latin typeface="Times New Roman" charset="0"/>
+                <a:ea typeface="Times New Roman" charset="0"/>
+                <a:cs typeface="Times New Roman" charset="0"/>
+              </a:endParaRPr>
+            </a:p>
+          </p:txBody>
+        </p:sp>
+        <p:sp>
+          <p:nvSpPr>
+            <p:cNvPr id="100" name="10 CuadroTexto"/>
+            <p:cNvSpPr txBox="1"/>
+            <p:nvPr/>
+          </p:nvSpPr>
+          <p:spPr>
+            <a:xfrm>
+              <a:off x="4533906" y="1097160"/>
+              <a:ext cx="675077" cy="261610"/>
+            </a:xfrm>
+            <a:prstGeom prst="rect">
+              <a:avLst/>
+            </a:prstGeom>
+            <a:noFill/>
+          </p:spPr>
+          <p:txBody>
+            <a:bodyPr wrap="square" rtlCol="0">
+              <a:spAutoFit/>
+            </a:bodyPr>
+            <a:lstStyle/>
+            <a:p>
+              <a:pPr algn="ctr"/>
+              <a:r>
+                <a:rPr lang="es-CO" sz="1050" dirty="0" smtClean="0">
+                  <a:latin typeface="Times New Roman" charset="0"/>
+                  <a:ea typeface="Times New Roman" charset="0"/>
+                  <a:cs typeface="Times New Roman" charset="0"/>
+                </a:rPr>
+                <a:t>2001-Q3</a:t>
+              </a:r>
+              <a:endParaRPr lang="es-CO" sz="1050" dirty="0">
+                <a:latin typeface="Times New Roman" charset="0"/>
+                <a:ea typeface="Times New Roman" charset="0"/>
+                <a:cs typeface="Times New Roman" charset="0"/>
+              </a:endParaRPr>
+            </a:p>
+          </p:txBody>
+        </p:sp>
+        <p:sp>
+          <p:nvSpPr>
+            <p:cNvPr id="101" name="10 CuadroTexto"/>
+            <p:cNvSpPr txBox="1"/>
+            <p:nvPr/>
+          </p:nvSpPr>
+          <p:spPr>
+            <a:xfrm>
+              <a:off x="5207599" y="1097160"/>
+              <a:ext cx="675077" cy="261610"/>
+            </a:xfrm>
+            <a:prstGeom prst="rect">
+              <a:avLst/>
+            </a:prstGeom>
+            <a:noFill/>
+          </p:spPr>
+          <p:txBody>
+            <a:bodyPr wrap="square" rtlCol="0">
+              <a:spAutoFit/>
+            </a:bodyPr>
+            <a:lstStyle/>
+            <a:p>
+              <a:pPr algn="ctr"/>
+              <a:r>
+                <a:rPr lang="es-CO" sz="1050" dirty="0" smtClean="0">
+                  <a:latin typeface="Times New Roman" charset="0"/>
+                  <a:ea typeface="Times New Roman" charset="0"/>
+                  <a:cs typeface="Times New Roman" charset="0"/>
+                </a:rPr>
+                <a:t>2001-Q4</a:t>
+              </a:r>
+              <a:endParaRPr lang="es-CO" sz="1050" dirty="0">
+                <a:latin typeface="Times New Roman" charset="0"/>
+                <a:ea typeface="Times New Roman" charset="0"/>
+                <a:cs typeface="Times New Roman" charset="0"/>
+              </a:endParaRPr>
+            </a:p>
+          </p:txBody>
+        </p:sp>
+        <p:cxnSp>
+          <p:nvCxnSpPr>
+            <p:cNvPr id="102" name="9 Conector recto"/>
+            <p:cNvCxnSpPr/>
+            <p:nvPr/>
+          </p:nvCxnSpPr>
+          <p:spPr>
+            <a:xfrm flipH="1" flipV="1">
+              <a:off x="7227297" y="962145"/>
+              <a:ext cx="0" cy="249419"/>
+            </a:xfrm>
+            <a:prstGeom prst="line">
+              <a:avLst/>
+            </a:prstGeom>
+            <a:ln w="25400">
+              <a:solidFill>
+                <a:schemeClr val="tx1"/>
+              </a:solidFill>
+            </a:ln>
+          </p:spPr>
+          <p:style>
+            <a:lnRef idx="1">
+              <a:schemeClr val="accent1"/>
+            </a:lnRef>
+            <a:fillRef idx="0">
+              <a:schemeClr val="accent1"/>
+            </a:fillRef>
+            <a:effectRef idx="0">
+              <a:schemeClr val="accent1"/>
+            </a:effectRef>
+            <a:fontRef idx="minor">
+              <a:schemeClr val="tx1"/>
+            </a:fontRef>
+          </p:style>
+        </p:cxnSp>
+        <p:sp>
+          <p:nvSpPr>
+            <p:cNvPr id="103" name="10 CuadroTexto"/>
+            <p:cNvSpPr txBox="1"/>
+            <p:nvPr/>
+          </p:nvSpPr>
+          <p:spPr>
+            <a:xfrm>
+              <a:off x="5881292" y="1097160"/>
+              <a:ext cx="675077" cy="261610"/>
+            </a:xfrm>
+            <a:prstGeom prst="rect">
+              <a:avLst/>
+            </a:prstGeom>
+            <a:noFill/>
+          </p:spPr>
+          <p:txBody>
+            <a:bodyPr wrap="square" rtlCol="0">
+              <a:spAutoFit/>
+            </a:bodyPr>
+            <a:lstStyle/>
+            <a:p>
+              <a:pPr algn="ctr"/>
+              <a:r>
+                <a:rPr lang="es-CO" sz="1050" dirty="0" smtClean="0">
+                  <a:latin typeface="Times New Roman" charset="0"/>
+                  <a:ea typeface="Times New Roman" charset="0"/>
+                  <a:cs typeface="Times New Roman" charset="0"/>
+                </a:rPr>
+                <a:t>2002-Q1</a:t>
+              </a:r>
+              <a:endParaRPr lang="es-CO" sz="1050" dirty="0">
+                <a:latin typeface="Times New Roman" charset="0"/>
+                <a:ea typeface="Times New Roman" charset="0"/>
+                <a:cs typeface="Times New Roman" charset="0"/>
+              </a:endParaRPr>
+            </a:p>
+          </p:txBody>
+        </p:sp>
+        <p:cxnSp>
+          <p:nvCxnSpPr>
+            <p:cNvPr id="104" name="9 Conector recto"/>
+            <p:cNvCxnSpPr/>
+            <p:nvPr/>
+          </p:nvCxnSpPr>
+          <p:spPr>
+            <a:xfrm flipH="1" flipV="1">
+              <a:off x="7902372" y="962145"/>
+              <a:ext cx="0" cy="249419"/>
+            </a:xfrm>
+            <a:prstGeom prst="line">
+              <a:avLst/>
+            </a:prstGeom>
+            <a:ln w="25400">
+              <a:solidFill>
+                <a:schemeClr val="tx1"/>
+              </a:solidFill>
+            </a:ln>
+          </p:spPr>
+          <p:style>
+            <a:lnRef idx="1">
+              <a:schemeClr val="accent1"/>
+            </a:lnRef>
+            <a:fillRef idx="0">
+              <a:schemeClr val="accent1"/>
+            </a:fillRef>
+            <a:effectRef idx="0">
+              <a:schemeClr val="accent1"/>
+            </a:effectRef>
+            <a:fontRef idx="minor">
+              <a:schemeClr val="tx1"/>
+            </a:fontRef>
+          </p:style>
+        </p:cxnSp>
+        <p:cxnSp>
+          <p:nvCxnSpPr>
+            <p:cNvPr id="105" name="9 Conector recto"/>
+            <p:cNvCxnSpPr/>
+            <p:nvPr/>
+          </p:nvCxnSpPr>
+          <p:spPr>
+            <a:xfrm flipH="1" flipV="1">
+              <a:off x="8577445" y="962145"/>
+              <a:ext cx="0" cy="249419"/>
+            </a:xfrm>
+            <a:prstGeom prst="line">
+              <a:avLst/>
+            </a:prstGeom>
+            <a:ln w="25400">
+              <a:solidFill>
+                <a:schemeClr val="tx1"/>
+              </a:solidFill>
+            </a:ln>
+          </p:spPr>
+          <p:style>
+            <a:lnRef idx="1">
+              <a:schemeClr val="accent1"/>
+            </a:lnRef>
+            <a:fillRef idx="0">
+              <a:schemeClr val="accent1"/>
+            </a:fillRef>
+            <a:effectRef idx="0">
+              <a:schemeClr val="accent1"/>
+            </a:effectRef>
+            <a:fontRef idx="minor">
+              <a:schemeClr val="tx1"/>
+            </a:fontRef>
+          </p:style>
+        </p:cxnSp>
+        <p:sp>
+          <p:nvSpPr>
+            <p:cNvPr id="106" name="10 CuadroTexto"/>
+            <p:cNvSpPr txBox="1"/>
+            <p:nvPr/>
+          </p:nvSpPr>
+          <p:spPr>
+            <a:xfrm>
+              <a:off x="6554985" y="1097160"/>
+              <a:ext cx="675077" cy="261610"/>
+            </a:xfrm>
+            <a:prstGeom prst="rect">
+              <a:avLst/>
+            </a:prstGeom>
+            <a:noFill/>
+          </p:spPr>
+          <p:txBody>
+            <a:bodyPr wrap="square" rtlCol="0">
+              <a:spAutoFit/>
+            </a:bodyPr>
+            <a:lstStyle/>
+            <a:p>
+              <a:pPr algn="ctr"/>
+              <a:r>
+                <a:rPr lang="es-CO" sz="1050" dirty="0" smtClean="0">
+                  <a:latin typeface="Times New Roman" charset="0"/>
+                  <a:ea typeface="Times New Roman" charset="0"/>
+                  <a:cs typeface="Times New Roman" charset="0"/>
+                </a:rPr>
+                <a:t>2002-Q2</a:t>
+              </a:r>
+              <a:endParaRPr lang="es-CO" sz="1050" dirty="0">
+                <a:latin typeface="Times New Roman" charset="0"/>
+                <a:ea typeface="Times New Roman" charset="0"/>
+                <a:cs typeface="Times New Roman" charset="0"/>
+              </a:endParaRPr>
+            </a:p>
+          </p:txBody>
+        </p:sp>
+        <p:sp>
+          <p:nvSpPr>
+            <p:cNvPr id="107" name="10 CuadroTexto"/>
+            <p:cNvSpPr txBox="1"/>
+            <p:nvPr/>
+          </p:nvSpPr>
+          <p:spPr>
+            <a:xfrm>
+              <a:off x="7228678" y="1097160"/>
+              <a:ext cx="675077" cy="261610"/>
+            </a:xfrm>
+            <a:prstGeom prst="rect">
+              <a:avLst/>
+            </a:prstGeom>
+            <a:noFill/>
+          </p:spPr>
+          <p:txBody>
+            <a:bodyPr wrap="square" rtlCol="0">
+              <a:spAutoFit/>
+            </a:bodyPr>
+            <a:lstStyle/>
+            <a:p>
+              <a:pPr algn="ctr"/>
+              <a:r>
+                <a:rPr lang="es-CO" sz="1050" smtClean="0">
+                  <a:latin typeface="Times New Roman" charset="0"/>
+                  <a:ea typeface="Times New Roman" charset="0"/>
+                  <a:cs typeface="Times New Roman" charset="0"/>
+                </a:rPr>
+                <a:t>2002-Q3</a:t>
+              </a:r>
+              <a:endParaRPr lang="es-CO" sz="1050" dirty="0">
+                <a:latin typeface="Times New Roman" charset="0"/>
+                <a:ea typeface="Times New Roman" charset="0"/>
+                <a:cs typeface="Times New Roman" charset="0"/>
+              </a:endParaRPr>
+            </a:p>
+          </p:txBody>
+        </p:sp>
+        <p:sp>
+          <p:nvSpPr>
+            <p:cNvPr id="108" name="10 CuadroTexto"/>
+            <p:cNvSpPr txBox="1"/>
+            <p:nvPr/>
+          </p:nvSpPr>
+          <p:spPr>
+            <a:xfrm>
+              <a:off x="7902368" y="1097160"/>
+              <a:ext cx="675077" cy="261610"/>
+            </a:xfrm>
+            <a:prstGeom prst="rect">
+              <a:avLst/>
+            </a:prstGeom>
+            <a:noFill/>
+          </p:spPr>
+          <p:txBody>
+            <a:bodyPr wrap="square" rtlCol="0">
+              <a:spAutoFit/>
+            </a:bodyPr>
+            <a:lstStyle/>
+            <a:p>
+              <a:pPr algn="ctr"/>
+              <a:r>
+                <a:rPr lang="es-CO" sz="1050" dirty="0" smtClean="0">
+                  <a:latin typeface="Times New Roman" charset="0"/>
+                  <a:ea typeface="Times New Roman" charset="0"/>
+                  <a:cs typeface="Times New Roman" charset="0"/>
+                </a:rPr>
+                <a:t>2002-Q4</a:t>
+              </a:r>
+              <a:endParaRPr lang="es-CO" sz="1050" dirty="0">
+                <a:latin typeface="Times New Roman" charset="0"/>
+                <a:ea typeface="Times New Roman" charset="0"/>
+                <a:cs typeface="Times New Roman" charset="0"/>
+              </a:endParaRPr>
+            </a:p>
+          </p:txBody>
+        </p:sp>
+      </p:grpSp>
+      <p:sp>
+        <p:nvSpPr>
+          <p:cNvPr id="164" name="10 CuadroTexto"/>
+          <p:cNvSpPr txBox="1"/>
+          <p:nvPr/>
+        </p:nvSpPr>
+        <p:spPr>
+          <a:xfrm>
+            <a:off x="829284" y="1673805"/>
+            <a:ext cx="607859" cy="276999"/>
+          </a:xfrm>
+          <a:prstGeom prst="rect">
+            <a:avLst/>
+          </a:prstGeom>
+          <a:noFill/>
+        </p:spPr>
+        <p:txBody>
+          <a:bodyPr wrap="none" rtlCol="0">
+            <a:spAutoFit/>
+          </a:bodyPr>
+          <a:lstStyle/>
+          <a:p>
+            <a:r>
+              <a:rPr lang="es-CO" sz="1200" dirty="0" smtClean="0">
+                <a:latin typeface="Times New Roman" charset="0"/>
+                <a:ea typeface="Times New Roman" charset="0"/>
+                <a:cs typeface="Times New Roman" charset="0"/>
+              </a:rPr>
+              <a:t>$ </a:t>
+            </a:r>
+            <a:r>
+              <a:rPr lang="es-CO" sz="1200" dirty="0" smtClean="0">
+                <a:latin typeface="Times New Roman" charset="0"/>
+                <a:ea typeface="Times New Roman" charset="0"/>
+                <a:cs typeface="Times New Roman" charset="0"/>
+              </a:rPr>
+              <a:t>1400</a:t>
+            </a:r>
+            <a:endParaRPr lang="es-CO" sz="1200" dirty="0">
+              <a:latin typeface="Times New Roman" charset="0"/>
+              <a:ea typeface="Times New Roman" charset="0"/>
+              <a:cs typeface="Times New Roman" charset="0"/>
+            </a:endParaRPr>
+          </a:p>
+        </p:txBody>
+      </p:sp>
+      <p:sp>
+        <p:nvSpPr>
+          <p:cNvPr id="179" name="10 CuadroTexto"/>
+          <p:cNvSpPr txBox="1"/>
+          <p:nvPr/>
+        </p:nvSpPr>
+        <p:spPr>
+          <a:xfrm>
+            <a:off x="2217313" y="2933945"/>
+            <a:ext cx="530916" cy="276999"/>
+          </a:xfrm>
+          <a:prstGeom prst="rect">
+            <a:avLst/>
+          </a:prstGeom>
+          <a:noFill/>
+        </p:spPr>
+        <p:txBody>
+          <a:bodyPr wrap="none" rtlCol="0">
+            <a:spAutoFit/>
+          </a:bodyPr>
+          <a:lstStyle/>
+          <a:p>
+            <a:pPr algn="ctr"/>
+            <a:r>
+              <a:rPr lang="es-CO" sz="1200" smtClean="0">
+                <a:latin typeface="Times New Roman" charset="0"/>
+                <a:ea typeface="Times New Roman" charset="0"/>
+                <a:cs typeface="Times New Roman" charset="0"/>
+              </a:rPr>
+              <a:t>$ </a:t>
+            </a:r>
+            <a:r>
+              <a:rPr lang="es-CO" sz="1200" smtClean="0">
+                <a:latin typeface="Times New Roman" charset="0"/>
+                <a:ea typeface="Times New Roman" charset="0"/>
+                <a:cs typeface="Times New Roman" charset="0"/>
+              </a:rPr>
+              <a:t>300</a:t>
+            </a:r>
+            <a:endParaRPr lang="es-CO" sz="1200" dirty="0">
+              <a:latin typeface="Times New Roman" charset="0"/>
+              <a:ea typeface="Times New Roman" charset="0"/>
+              <a:cs typeface="Times New Roman" charset="0"/>
+            </a:endParaRPr>
+          </a:p>
+        </p:txBody>
+      </p:sp>
+      <p:sp>
+        <p:nvSpPr>
+          <p:cNvPr id="180" name="10 CuadroTexto"/>
+          <p:cNvSpPr txBox="1"/>
+          <p:nvPr/>
+        </p:nvSpPr>
+        <p:spPr>
+          <a:xfrm>
+            <a:off x="2930387" y="2933945"/>
+            <a:ext cx="530916" cy="276999"/>
+          </a:xfrm>
+          <a:prstGeom prst="rect">
+            <a:avLst/>
+          </a:prstGeom>
+          <a:noFill/>
+        </p:spPr>
+        <p:txBody>
+          <a:bodyPr wrap="none" rtlCol="0">
+            <a:spAutoFit/>
+          </a:bodyPr>
+          <a:lstStyle/>
+          <a:p>
+            <a:pPr algn="ctr"/>
+            <a:r>
+              <a:rPr lang="es-CO" sz="1200" smtClean="0">
+                <a:latin typeface="Times New Roman" charset="0"/>
+                <a:ea typeface="Times New Roman" charset="0"/>
+                <a:cs typeface="Times New Roman" charset="0"/>
+              </a:rPr>
+              <a:t>$ </a:t>
+            </a:r>
+            <a:r>
+              <a:rPr lang="es-CO" sz="1200" smtClean="0">
+                <a:latin typeface="Times New Roman" charset="0"/>
+                <a:ea typeface="Times New Roman" charset="0"/>
+                <a:cs typeface="Times New Roman" charset="0"/>
+              </a:rPr>
+              <a:t>300</a:t>
+            </a:r>
+            <a:endParaRPr lang="es-CO" sz="1200" dirty="0">
+              <a:latin typeface="Times New Roman" charset="0"/>
+              <a:ea typeface="Times New Roman" charset="0"/>
+              <a:cs typeface="Times New Roman" charset="0"/>
+            </a:endParaRPr>
+          </a:p>
+        </p:txBody>
+      </p:sp>
+      <p:sp>
+        <p:nvSpPr>
+          <p:cNvPr id="181" name="10 CuadroTexto"/>
+          <p:cNvSpPr txBox="1"/>
+          <p:nvPr/>
+        </p:nvSpPr>
+        <p:spPr>
+          <a:xfrm>
+            <a:off x="4280537" y="3113965"/>
+            <a:ext cx="530916" cy="276999"/>
+          </a:xfrm>
+          <a:prstGeom prst="rect">
+            <a:avLst/>
+          </a:prstGeom>
+          <a:noFill/>
+        </p:spPr>
+        <p:txBody>
+          <a:bodyPr wrap="none" rtlCol="0">
+            <a:spAutoFit/>
+          </a:bodyPr>
+          <a:lstStyle/>
+          <a:p>
+            <a:pPr algn="ctr"/>
+            <a:r>
+              <a:rPr lang="es-CO" sz="1200" smtClean="0">
+                <a:latin typeface="Times New Roman" charset="0"/>
+                <a:ea typeface="Times New Roman" charset="0"/>
+                <a:cs typeface="Times New Roman" charset="0"/>
+              </a:rPr>
+              <a:t>$ </a:t>
+            </a:r>
+            <a:r>
+              <a:rPr lang="es-CO" sz="1200" smtClean="0">
+                <a:latin typeface="Times New Roman" charset="0"/>
+                <a:ea typeface="Times New Roman" charset="0"/>
+                <a:cs typeface="Times New Roman" charset="0"/>
+              </a:rPr>
+              <a:t>400</a:t>
+            </a:r>
+            <a:endParaRPr lang="es-CO" sz="1200" dirty="0">
+              <a:latin typeface="Times New Roman" charset="0"/>
+              <a:ea typeface="Times New Roman" charset="0"/>
+              <a:cs typeface="Times New Roman" charset="0"/>
+            </a:endParaRPr>
+          </a:p>
+        </p:txBody>
+      </p:sp>
+      <p:sp>
+        <p:nvSpPr>
+          <p:cNvPr id="182" name="10 CuadroTexto"/>
+          <p:cNvSpPr txBox="1"/>
+          <p:nvPr/>
+        </p:nvSpPr>
+        <p:spPr>
+          <a:xfrm>
+            <a:off x="4932040" y="3113965"/>
+            <a:ext cx="530915" cy="276999"/>
+          </a:xfrm>
+          <a:prstGeom prst="rect">
+            <a:avLst/>
+          </a:prstGeom>
+          <a:noFill/>
+        </p:spPr>
+        <p:txBody>
+          <a:bodyPr wrap="none" rtlCol="0">
+            <a:spAutoFit/>
+          </a:bodyPr>
+          <a:lstStyle/>
+          <a:p>
+            <a:r>
+              <a:rPr lang="es-CO" sz="1200" smtClean="0">
+                <a:latin typeface="Times New Roman" charset="0"/>
+                <a:ea typeface="Times New Roman" charset="0"/>
+                <a:cs typeface="Times New Roman" charset="0"/>
+              </a:rPr>
+              <a:t>$ </a:t>
+            </a:r>
+            <a:r>
+              <a:rPr lang="es-CO" sz="1200" smtClean="0">
+                <a:latin typeface="Times New Roman" charset="0"/>
+                <a:ea typeface="Times New Roman" charset="0"/>
+                <a:cs typeface="Times New Roman" charset="0"/>
+              </a:rPr>
+              <a:t>400</a:t>
+            </a:r>
+            <a:endParaRPr lang="es-CO" sz="1200" dirty="0">
+              <a:latin typeface="Times New Roman" charset="0"/>
+              <a:ea typeface="Times New Roman" charset="0"/>
+              <a:cs typeface="Times New Roman" charset="0"/>
+            </a:endParaRPr>
+          </a:p>
+        </p:txBody>
+      </p:sp>
+      <p:sp>
+        <p:nvSpPr>
+          <p:cNvPr id="183" name="10 CuadroTexto"/>
+          <p:cNvSpPr txBox="1"/>
+          <p:nvPr/>
+        </p:nvSpPr>
+        <p:spPr>
+          <a:xfrm>
+            <a:off x="5645114" y="3248980"/>
+            <a:ext cx="530915" cy="276999"/>
+          </a:xfrm>
+          <a:prstGeom prst="rect">
+            <a:avLst/>
+          </a:prstGeom>
+          <a:noFill/>
+        </p:spPr>
+        <p:txBody>
+          <a:bodyPr wrap="none" rtlCol="0">
+            <a:spAutoFit/>
+          </a:bodyPr>
+          <a:lstStyle/>
+          <a:p>
+            <a:r>
+              <a:rPr lang="es-CO" sz="1200" dirty="0" smtClean="0">
+                <a:latin typeface="Times New Roman" charset="0"/>
+                <a:ea typeface="Times New Roman" charset="0"/>
+                <a:cs typeface="Times New Roman" charset="0"/>
+              </a:rPr>
+              <a:t>$ </a:t>
+            </a:r>
+            <a:r>
+              <a:rPr lang="es-CO" sz="1200" dirty="0" smtClean="0">
+                <a:latin typeface="Times New Roman" charset="0"/>
+                <a:ea typeface="Times New Roman" charset="0"/>
+                <a:cs typeface="Times New Roman" charset="0"/>
+              </a:rPr>
+              <a:t>500</a:t>
+            </a:r>
+            <a:endParaRPr lang="es-CO" sz="1200" dirty="0">
+              <a:latin typeface="Times New Roman" charset="0"/>
+              <a:ea typeface="Times New Roman" charset="0"/>
+              <a:cs typeface="Times New Roman" charset="0"/>
+            </a:endParaRPr>
+          </a:p>
+        </p:txBody>
+      </p:sp>
+      <p:sp>
+        <p:nvSpPr>
+          <p:cNvPr id="184" name="10 CuadroTexto"/>
+          <p:cNvSpPr txBox="1"/>
+          <p:nvPr/>
+        </p:nvSpPr>
+        <p:spPr>
+          <a:xfrm>
+            <a:off x="6320189" y="3248980"/>
+            <a:ext cx="530915" cy="276999"/>
+          </a:xfrm>
+          <a:prstGeom prst="rect">
+            <a:avLst/>
+          </a:prstGeom>
+          <a:noFill/>
+        </p:spPr>
+        <p:txBody>
+          <a:bodyPr wrap="none" rtlCol="0">
+            <a:spAutoFit/>
+          </a:bodyPr>
+          <a:lstStyle/>
+          <a:p>
+            <a:r>
+              <a:rPr lang="es-CO" sz="1200" smtClean="0">
+                <a:latin typeface="Times New Roman" charset="0"/>
+                <a:ea typeface="Times New Roman" charset="0"/>
+                <a:cs typeface="Times New Roman" charset="0"/>
+              </a:rPr>
+              <a:t>$ </a:t>
+            </a:r>
+            <a:r>
+              <a:rPr lang="es-CO" sz="1200" smtClean="0">
+                <a:latin typeface="Times New Roman" charset="0"/>
+                <a:ea typeface="Times New Roman" charset="0"/>
+                <a:cs typeface="Times New Roman" charset="0"/>
+              </a:rPr>
+              <a:t>500</a:t>
+            </a:r>
+            <a:endParaRPr lang="es-CO" sz="1200" dirty="0">
+              <a:latin typeface="Times New Roman" charset="0"/>
+              <a:ea typeface="Times New Roman" charset="0"/>
+              <a:cs typeface="Times New Roman" charset="0"/>
+            </a:endParaRPr>
+          </a:p>
+        </p:txBody>
+      </p:sp>
+      <p:sp>
+        <p:nvSpPr>
+          <p:cNvPr id="185" name="10 CuadroTexto"/>
+          <p:cNvSpPr txBox="1"/>
+          <p:nvPr/>
+        </p:nvSpPr>
+        <p:spPr>
+          <a:xfrm>
+            <a:off x="6957265" y="3248980"/>
+            <a:ext cx="530915" cy="276999"/>
+          </a:xfrm>
+          <a:prstGeom prst="rect">
+            <a:avLst/>
+          </a:prstGeom>
+          <a:noFill/>
+        </p:spPr>
+        <p:txBody>
+          <a:bodyPr wrap="none" rtlCol="0">
+            <a:spAutoFit/>
+          </a:bodyPr>
+          <a:lstStyle/>
+          <a:p>
+            <a:r>
+              <a:rPr lang="es-CO" sz="1200" dirty="0" smtClean="0">
+                <a:latin typeface="Times New Roman" charset="0"/>
+                <a:ea typeface="Times New Roman" charset="0"/>
+                <a:cs typeface="Times New Roman" charset="0"/>
+              </a:rPr>
+              <a:t>$ </a:t>
+            </a:r>
+            <a:r>
+              <a:rPr lang="es-CO" sz="1200" dirty="0" smtClean="0">
+                <a:latin typeface="Times New Roman" charset="0"/>
+                <a:ea typeface="Times New Roman" charset="0"/>
+                <a:cs typeface="Times New Roman" charset="0"/>
+              </a:rPr>
+              <a:t>500</a:t>
+            </a:r>
+            <a:endParaRPr lang="es-CO" sz="1200" dirty="0">
+              <a:latin typeface="Times New Roman" charset="0"/>
+              <a:ea typeface="Times New Roman" charset="0"/>
+              <a:cs typeface="Times New Roman" charset="0"/>
+            </a:endParaRPr>
+          </a:p>
+        </p:txBody>
+      </p:sp>
+      <p:sp>
+        <p:nvSpPr>
+          <p:cNvPr id="186" name="10 CuadroTexto"/>
+          <p:cNvSpPr txBox="1"/>
+          <p:nvPr/>
+        </p:nvSpPr>
+        <p:spPr>
+          <a:xfrm>
+            <a:off x="7670339" y="3257400"/>
+            <a:ext cx="530915" cy="276999"/>
+          </a:xfrm>
+          <a:prstGeom prst="rect">
+            <a:avLst/>
+          </a:prstGeom>
+          <a:noFill/>
+        </p:spPr>
+        <p:txBody>
+          <a:bodyPr wrap="none" rtlCol="0">
+            <a:spAutoFit/>
+          </a:bodyPr>
+          <a:lstStyle/>
+          <a:p>
+            <a:r>
+              <a:rPr lang="es-CO" sz="1200" dirty="0" smtClean="0">
+                <a:latin typeface="Times New Roman" charset="0"/>
+                <a:ea typeface="Times New Roman" charset="0"/>
+                <a:cs typeface="Times New Roman" charset="0"/>
+              </a:rPr>
+              <a:t>$ </a:t>
+            </a:r>
+            <a:r>
+              <a:rPr lang="es-CO" sz="1200" dirty="0" smtClean="0">
+                <a:latin typeface="Times New Roman" charset="0"/>
+                <a:ea typeface="Times New Roman" charset="0"/>
+                <a:cs typeface="Times New Roman" charset="0"/>
+              </a:rPr>
+              <a:t>500</a:t>
+            </a:r>
+            <a:endParaRPr lang="es-CO" sz="1200" dirty="0">
+              <a:latin typeface="Times New Roman" charset="0"/>
+              <a:ea typeface="Times New Roman" charset="0"/>
+              <a:cs typeface="Times New Roman" charset="0"/>
+            </a:endParaRPr>
+          </a:p>
+        </p:txBody>
+      </p:sp>
+      <p:sp>
+        <p:nvSpPr>
+          <p:cNvPr id="187" name="10 CuadroTexto"/>
+          <p:cNvSpPr txBox="1"/>
+          <p:nvPr/>
+        </p:nvSpPr>
+        <p:spPr>
+          <a:xfrm>
+            <a:off x="8345414" y="3248980"/>
+            <a:ext cx="530915" cy="276999"/>
+          </a:xfrm>
+          <a:prstGeom prst="rect">
+            <a:avLst/>
+          </a:prstGeom>
+          <a:noFill/>
+        </p:spPr>
+        <p:txBody>
+          <a:bodyPr wrap="none" rtlCol="0">
+            <a:spAutoFit/>
+          </a:bodyPr>
+          <a:lstStyle/>
+          <a:p>
+            <a:r>
+              <a:rPr lang="es-CO" sz="1200" dirty="0" smtClean="0">
+                <a:latin typeface="Times New Roman" charset="0"/>
+                <a:ea typeface="Times New Roman" charset="0"/>
+                <a:cs typeface="Times New Roman" charset="0"/>
+              </a:rPr>
+              <a:t>$ </a:t>
+            </a:r>
+            <a:r>
+              <a:rPr lang="es-CO" sz="1200" dirty="0" smtClean="0">
+                <a:latin typeface="Times New Roman" charset="0"/>
+                <a:ea typeface="Times New Roman" charset="0"/>
+                <a:cs typeface="Times New Roman" charset="0"/>
+              </a:rPr>
+              <a:t>500</a:t>
+            </a:r>
+            <a:endParaRPr lang="es-CO" sz="1200" dirty="0">
+              <a:latin typeface="Times New Roman" charset="0"/>
+              <a:ea typeface="Times New Roman" charset="0"/>
+              <a:cs typeface="Times New Roman" charset="0"/>
+            </a:endParaRPr>
+          </a:p>
+        </p:txBody>
+      </p:sp>
+      <p:sp>
+        <p:nvSpPr>
+          <p:cNvPr id="226" name="10 CuadroTexto"/>
+          <p:cNvSpPr txBox="1"/>
+          <p:nvPr/>
+        </p:nvSpPr>
+        <p:spPr>
+          <a:xfrm>
+            <a:off x="1573676" y="4547156"/>
+            <a:ext cx="530916" cy="276999"/>
+          </a:xfrm>
+          <a:prstGeom prst="rect">
+            <a:avLst/>
+          </a:prstGeom>
+          <a:noFill/>
+        </p:spPr>
+        <p:txBody>
+          <a:bodyPr wrap="none" rtlCol="0">
+            <a:spAutoFit/>
+          </a:bodyPr>
+          <a:lstStyle/>
+          <a:p>
+            <a:pPr algn="ctr"/>
+            <a:r>
+              <a:rPr lang="es-CO" sz="1200" smtClean="0">
+                <a:latin typeface="Times New Roman" charset="0"/>
+                <a:ea typeface="Times New Roman" charset="0"/>
+                <a:cs typeface="Times New Roman" charset="0"/>
+              </a:rPr>
+              <a:t>$ </a:t>
+            </a:r>
+            <a:r>
+              <a:rPr lang="es-CO" sz="1200" smtClean="0">
+                <a:latin typeface="Times New Roman" charset="0"/>
+                <a:ea typeface="Times New Roman" charset="0"/>
+                <a:cs typeface="Times New Roman" charset="0"/>
+              </a:rPr>
+              <a:t>400</a:t>
+            </a:r>
+            <a:endParaRPr lang="es-CO" sz="1200" dirty="0">
+              <a:latin typeface="Times New Roman" charset="0"/>
+              <a:ea typeface="Times New Roman" charset="0"/>
+              <a:cs typeface="Times New Roman" charset="0"/>
+            </a:endParaRPr>
+          </a:p>
+        </p:txBody>
+      </p:sp>
+      <p:sp>
+        <p:nvSpPr>
+          <p:cNvPr id="227" name="10 CuadroTexto"/>
+          <p:cNvSpPr txBox="1"/>
+          <p:nvPr/>
+        </p:nvSpPr>
+        <p:spPr>
+          <a:xfrm>
+            <a:off x="2240884" y="4464115"/>
+            <a:ext cx="530916" cy="276999"/>
+          </a:xfrm>
+          <a:prstGeom prst="rect">
+            <a:avLst/>
+          </a:prstGeom>
+          <a:noFill/>
+        </p:spPr>
+        <p:txBody>
+          <a:bodyPr wrap="none" rtlCol="0">
+            <a:spAutoFit/>
+          </a:bodyPr>
+          <a:lstStyle/>
+          <a:p>
+            <a:pPr algn="ctr"/>
+            <a:r>
+              <a:rPr lang="es-CO" sz="1200" dirty="0" smtClean="0">
+                <a:latin typeface="Times New Roman" charset="0"/>
+                <a:ea typeface="Times New Roman" charset="0"/>
+                <a:cs typeface="Times New Roman" charset="0"/>
+              </a:rPr>
+              <a:t>$ </a:t>
+            </a:r>
+            <a:r>
+              <a:rPr lang="es-CO" sz="1200" dirty="0" smtClean="0">
+                <a:latin typeface="Times New Roman" charset="0"/>
+                <a:ea typeface="Times New Roman" charset="0"/>
+                <a:cs typeface="Times New Roman" charset="0"/>
+              </a:rPr>
+              <a:t>450</a:t>
+            </a:r>
+            <a:endParaRPr lang="es-CO" sz="1200" dirty="0">
+              <a:latin typeface="Times New Roman" charset="0"/>
+              <a:ea typeface="Times New Roman" charset="0"/>
+              <a:cs typeface="Times New Roman" charset="0"/>
+            </a:endParaRPr>
+          </a:p>
+        </p:txBody>
+      </p:sp>
+      <p:sp>
+        <p:nvSpPr>
+          <p:cNvPr id="228" name="10 CuadroTexto"/>
+          <p:cNvSpPr txBox="1"/>
+          <p:nvPr/>
+        </p:nvSpPr>
+        <p:spPr>
+          <a:xfrm>
+            <a:off x="2915959" y="4419110"/>
+            <a:ext cx="530916" cy="276999"/>
+          </a:xfrm>
+          <a:prstGeom prst="rect">
+            <a:avLst/>
+          </a:prstGeom>
+          <a:noFill/>
+        </p:spPr>
+        <p:txBody>
+          <a:bodyPr wrap="none" rtlCol="0">
+            <a:spAutoFit/>
+          </a:bodyPr>
+          <a:lstStyle/>
+          <a:p>
+            <a:pPr algn="ctr"/>
+            <a:r>
+              <a:rPr lang="es-CO" sz="1200" dirty="0" smtClean="0">
+                <a:latin typeface="Times New Roman" charset="0"/>
+                <a:ea typeface="Times New Roman" charset="0"/>
+                <a:cs typeface="Times New Roman" charset="0"/>
+              </a:rPr>
+              <a:t>$ </a:t>
+            </a:r>
+            <a:r>
+              <a:rPr lang="es-CO" sz="1200" dirty="0" smtClean="0">
+                <a:latin typeface="Times New Roman" charset="0"/>
+                <a:ea typeface="Times New Roman" charset="0"/>
+                <a:cs typeface="Times New Roman" charset="0"/>
+              </a:rPr>
+              <a:t>500</a:t>
+            </a:r>
+            <a:endParaRPr lang="es-CO" sz="1200" dirty="0">
+              <a:latin typeface="Times New Roman" charset="0"/>
+              <a:ea typeface="Times New Roman" charset="0"/>
+              <a:cs typeface="Times New Roman" charset="0"/>
+            </a:endParaRPr>
+          </a:p>
+        </p:txBody>
+      </p:sp>
+      <p:sp>
+        <p:nvSpPr>
+          <p:cNvPr id="229" name="10 CuadroTexto"/>
+          <p:cNvSpPr txBox="1"/>
+          <p:nvPr/>
+        </p:nvSpPr>
+        <p:spPr>
+          <a:xfrm>
+            <a:off x="4266109" y="4239090"/>
+            <a:ext cx="530916" cy="276999"/>
+          </a:xfrm>
+          <a:prstGeom prst="rect">
+            <a:avLst/>
+          </a:prstGeom>
+          <a:noFill/>
+        </p:spPr>
+        <p:txBody>
+          <a:bodyPr wrap="none" rtlCol="0">
+            <a:spAutoFit/>
+          </a:bodyPr>
+          <a:lstStyle/>
+          <a:p>
+            <a:pPr algn="ctr"/>
+            <a:r>
+              <a:rPr lang="es-CO" sz="1200" smtClean="0">
+                <a:latin typeface="Times New Roman" charset="0"/>
+                <a:ea typeface="Times New Roman" charset="0"/>
+                <a:cs typeface="Times New Roman" charset="0"/>
+              </a:rPr>
+              <a:t>$ </a:t>
+            </a:r>
+            <a:r>
+              <a:rPr lang="es-CO" sz="1200" smtClean="0">
+                <a:latin typeface="Times New Roman" charset="0"/>
+                <a:ea typeface="Times New Roman" charset="0"/>
+                <a:cs typeface="Times New Roman" charset="0"/>
+              </a:rPr>
+              <a:t>600</a:t>
+            </a:r>
+            <a:endParaRPr lang="es-CO" sz="1200" dirty="0">
+              <a:latin typeface="Times New Roman" charset="0"/>
+              <a:ea typeface="Times New Roman" charset="0"/>
+              <a:cs typeface="Times New Roman" charset="0"/>
+            </a:endParaRPr>
+          </a:p>
+        </p:txBody>
+      </p:sp>
+      <p:sp>
+        <p:nvSpPr>
+          <p:cNvPr id="230" name="10 CuadroTexto"/>
+          <p:cNvSpPr txBox="1"/>
+          <p:nvPr/>
+        </p:nvSpPr>
+        <p:spPr>
+          <a:xfrm>
+            <a:off x="5616259" y="4059070"/>
+            <a:ext cx="530916" cy="276999"/>
+          </a:xfrm>
+          <a:prstGeom prst="rect">
+            <a:avLst/>
+          </a:prstGeom>
+          <a:noFill/>
+        </p:spPr>
+        <p:txBody>
+          <a:bodyPr wrap="none" rtlCol="0">
+            <a:spAutoFit/>
+          </a:bodyPr>
+          <a:lstStyle/>
+          <a:p>
+            <a:pPr algn="ctr"/>
+            <a:r>
+              <a:rPr lang="es-CO" sz="1200" dirty="0" smtClean="0">
+                <a:latin typeface="Times New Roman" charset="0"/>
+                <a:ea typeface="Times New Roman" charset="0"/>
+                <a:cs typeface="Times New Roman" charset="0"/>
+              </a:rPr>
+              <a:t>$ </a:t>
+            </a:r>
+            <a:r>
+              <a:rPr lang="es-CO" sz="1200" dirty="0" smtClean="0">
+                <a:latin typeface="Times New Roman" charset="0"/>
+                <a:ea typeface="Times New Roman" charset="0"/>
+                <a:cs typeface="Times New Roman" charset="0"/>
+              </a:rPr>
+              <a:t>700</a:t>
+            </a:r>
+            <a:endParaRPr lang="es-CO" sz="1200" dirty="0">
+              <a:latin typeface="Times New Roman" charset="0"/>
+              <a:ea typeface="Times New Roman" charset="0"/>
+              <a:cs typeface="Times New Roman" charset="0"/>
+            </a:endParaRPr>
+          </a:p>
+        </p:txBody>
+      </p:sp>
+      <p:sp>
+        <p:nvSpPr>
+          <p:cNvPr id="231" name="10 CuadroTexto"/>
+          <p:cNvSpPr txBox="1"/>
+          <p:nvPr/>
+        </p:nvSpPr>
+        <p:spPr>
+          <a:xfrm>
+            <a:off x="6966409" y="3879050"/>
+            <a:ext cx="530916" cy="276999"/>
+          </a:xfrm>
+          <a:prstGeom prst="rect">
+            <a:avLst/>
+          </a:prstGeom>
+          <a:noFill/>
+        </p:spPr>
+        <p:txBody>
+          <a:bodyPr wrap="none" rtlCol="0">
+            <a:spAutoFit/>
+          </a:bodyPr>
+          <a:lstStyle/>
+          <a:p>
+            <a:pPr algn="ctr"/>
+            <a:r>
+              <a:rPr lang="es-CO" sz="1200" dirty="0" smtClean="0">
+                <a:latin typeface="Times New Roman" charset="0"/>
+                <a:ea typeface="Times New Roman" charset="0"/>
+                <a:cs typeface="Times New Roman" charset="0"/>
+              </a:rPr>
+              <a:t>$ </a:t>
+            </a:r>
+            <a:r>
+              <a:rPr lang="es-CO" sz="1200" dirty="0" smtClean="0">
+                <a:latin typeface="Times New Roman" charset="0"/>
+                <a:ea typeface="Times New Roman" charset="0"/>
+                <a:cs typeface="Times New Roman" charset="0"/>
+              </a:rPr>
+              <a:t>800</a:t>
+            </a:r>
+            <a:endParaRPr lang="es-CO" sz="1200" dirty="0">
+              <a:latin typeface="Times New Roman" charset="0"/>
+              <a:ea typeface="Times New Roman" charset="0"/>
+              <a:cs typeface="Times New Roman" charset="0"/>
+            </a:endParaRPr>
+          </a:p>
+        </p:txBody>
+      </p:sp>
+      <p:sp>
+        <p:nvSpPr>
+          <p:cNvPr id="232" name="10 CuadroTexto"/>
+          <p:cNvSpPr txBox="1"/>
+          <p:nvPr/>
+        </p:nvSpPr>
+        <p:spPr>
+          <a:xfrm>
+            <a:off x="8316559" y="3737066"/>
+            <a:ext cx="530916" cy="276999"/>
+          </a:xfrm>
+          <a:prstGeom prst="rect">
+            <a:avLst/>
+          </a:prstGeom>
+          <a:noFill/>
+        </p:spPr>
+        <p:txBody>
+          <a:bodyPr wrap="none" rtlCol="0">
+            <a:spAutoFit/>
+          </a:bodyPr>
+          <a:lstStyle/>
+          <a:p>
+            <a:pPr algn="ctr"/>
+            <a:r>
+              <a:rPr lang="es-CO" sz="1200" dirty="0" smtClean="0">
+                <a:latin typeface="Times New Roman" charset="0"/>
+                <a:ea typeface="Times New Roman" charset="0"/>
+                <a:cs typeface="Times New Roman" charset="0"/>
+              </a:rPr>
+              <a:t>$ </a:t>
+            </a:r>
+            <a:r>
+              <a:rPr lang="es-CO" sz="1200" dirty="0" smtClean="0">
+                <a:latin typeface="Times New Roman" charset="0"/>
+                <a:ea typeface="Times New Roman" charset="0"/>
+                <a:cs typeface="Times New Roman" charset="0"/>
+              </a:rPr>
+              <a:t>900</a:t>
+            </a:r>
+            <a:endParaRPr lang="es-CO" sz="1200" dirty="0">
+              <a:latin typeface="Times New Roman" charset="0"/>
+              <a:ea typeface="Times New Roman" charset="0"/>
+              <a:cs typeface="Times New Roman" charset="0"/>
+            </a:endParaRPr>
+          </a:p>
+        </p:txBody>
+      </p:sp>
+      <p:sp>
+        <p:nvSpPr>
+          <p:cNvPr id="233" name="10 CuadroTexto"/>
+          <p:cNvSpPr txBox="1"/>
+          <p:nvPr/>
+        </p:nvSpPr>
+        <p:spPr>
+          <a:xfrm>
+            <a:off x="3591034" y="4284095"/>
+            <a:ext cx="530916" cy="276999"/>
+          </a:xfrm>
+          <a:prstGeom prst="rect">
+            <a:avLst/>
+          </a:prstGeom>
+          <a:noFill/>
+        </p:spPr>
+        <p:txBody>
+          <a:bodyPr wrap="none" rtlCol="0">
+            <a:spAutoFit/>
+          </a:bodyPr>
+          <a:lstStyle/>
+          <a:p>
+            <a:pPr algn="ctr"/>
+            <a:r>
+              <a:rPr lang="es-CO" sz="1200" dirty="0" smtClean="0">
+                <a:latin typeface="Times New Roman" charset="0"/>
+                <a:ea typeface="Times New Roman" charset="0"/>
+                <a:cs typeface="Times New Roman" charset="0"/>
+              </a:rPr>
+              <a:t>$ </a:t>
+            </a:r>
+            <a:r>
+              <a:rPr lang="es-CO" sz="1200" dirty="0" smtClean="0">
+                <a:latin typeface="Times New Roman" charset="0"/>
+                <a:ea typeface="Times New Roman" charset="0"/>
+                <a:cs typeface="Times New Roman" charset="0"/>
+              </a:rPr>
+              <a:t>550</a:t>
+            </a:r>
+            <a:endParaRPr lang="es-CO" sz="1200" dirty="0">
+              <a:latin typeface="Times New Roman" charset="0"/>
+              <a:ea typeface="Times New Roman" charset="0"/>
+              <a:cs typeface="Times New Roman" charset="0"/>
+            </a:endParaRPr>
+          </a:p>
+        </p:txBody>
+      </p:sp>
+      <p:sp>
+        <p:nvSpPr>
+          <p:cNvPr id="234" name="10 CuadroTexto"/>
+          <p:cNvSpPr txBox="1"/>
+          <p:nvPr/>
+        </p:nvSpPr>
+        <p:spPr>
+          <a:xfrm>
+            <a:off x="4941184" y="4149080"/>
+            <a:ext cx="530916" cy="276999"/>
+          </a:xfrm>
+          <a:prstGeom prst="rect">
+            <a:avLst/>
+          </a:prstGeom>
+          <a:noFill/>
+        </p:spPr>
+        <p:txBody>
+          <a:bodyPr wrap="none" rtlCol="0">
+            <a:spAutoFit/>
+          </a:bodyPr>
+          <a:lstStyle/>
+          <a:p>
+            <a:pPr algn="ctr"/>
+            <a:r>
+              <a:rPr lang="es-CO" sz="1200" dirty="0" smtClean="0">
+                <a:latin typeface="Times New Roman" charset="0"/>
+                <a:ea typeface="Times New Roman" charset="0"/>
+                <a:cs typeface="Times New Roman" charset="0"/>
+              </a:rPr>
+              <a:t>$ </a:t>
+            </a:r>
+            <a:r>
+              <a:rPr lang="es-CO" sz="1200" dirty="0" smtClean="0">
+                <a:latin typeface="Times New Roman" charset="0"/>
+                <a:ea typeface="Times New Roman" charset="0"/>
+                <a:cs typeface="Times New Roman" charset="0"/>
+              </a:rPr>
+              <a:t>650</a:t>
+            </a:r>
+            <a:endParaRPr lang="es-CO" sz="1200" dirty="0">
+              <a:latin typeface="Times New Roman" charset="0"/>
+              <a:ea typeface="Times New Roman" charset="0"/>
+              <a:cs typeface="Times New Roman" charset="0"/>
+            </a:endParaRPr>
+          </a:p>
+        </p:txBody>
+      </p:sp>
+      <p:sp>
+        <p:nvSpPr>
+          <p:cNvPr id="235" name="10 CuadroTexto"/>
+          <p:cNvSpPr txBox="1"/>
+          <p:nvPr/>
+        </p:nvSpPr>
+        <p:spPr>
+          <a:xfrm>
+            <a:off x="6291334" y="3969060"/>
+            <a:ext cx="530916" cy="276999"/>
+          </a:xfrm>
+          <a:prstGeom prst="rect">
+            <a:avLst/>
+          </a:prstGeom>
+          <a:noFill/>
+        </p:spPr>
+        <p:txBody>
+          <a:bodyPr wrap="none" rtlCol="0">
+            <a:spAutoFit/>
+          </a:bodyPr>
+          <a:lstStyle/>
+          <a:p>
+            <a:pPr algn="ctr"/>
+            <a:r>
+              <a:rPr lang="es-CO" sz="1200" dirty="0" smtClean="0">
+                <a:latin typeface="Times New Roman" charset="0"/>
+                <a:ea typeface="Times New Roman" charset="0"/>
+                <a:cs typeface="Times New Roman" charset="0"/>
+              </a:rPr>
+              <a:t>$ </a:t>
+            </a:r>
+            <a:r>
+              <a:rPr lang="es-CO" sz="1200" dirty="0" smtClean="0">
+                <a:latin typeface="Times New Roman" charset="0"/>
+                <a:ea typeface="Times New Roman" charset="0"/>
+                <a:cs typeface="Times New Roman" charset="0"/>
+              </a:rPr>
+              <a:t>750</a:t>
+            </a:r>
+            <a:endParaRPr lang="es-CO" sz="1200" dirty="0">
+              <a:latin typeface="Times New Roman" charset="0"/>
+              <a:ea typeface="Times New Roman" charset="0"/>
+              <a:cs typeface="Times New Roman" charset="0"/>
+            </a:endParaRPr>
+          </a:p>
+        </p:txBody>
+      </p:sp>
+      <p:sp>
+        <p:nvSpPr>
+          <p:cNvPr id="236" name="10 CuadroTexto"/>
+          <p:cNvSpPr txBox="1"/>
+          <p:nvPr/>
+        </p:nvSpPr>
+        <p:spPr>
+          <a:xfrm>
+            <a:off x="7641484" y="3789040"/>
+            <a:ext cx="530916" cy="276999"/>
+          </a:xfrm>
+          <a:prstGeom prst="rect">
+            <a:avLst/>
+          </a:prstGeom>
+          <a:noFill/>
+        </p:spPr>
+        <p:txBody>
+          <a:bodyPr wrap="none" rtlCol="0">
+            <a:spAutoFit/>
+          </a:bodyPr>
+          <a:lstStyle/>
+          <a:p>
+            <a:pPr algn="ctr"/>
+            <a:r>
+              <a:rPr lang="es-CO" sz="1200" dirty="0" smtClean="0">
+                <a:latin typeface="Times New Roman" charset="0"/>
+                <a:ea typeface="Times New Roman" charset="0"/>
+                <a:cs typeface="Times New Roman" charset="0"/>
+              </a:rPr>
+              <a:t>$ </a:t>
+            </a:r>
+            <a:r>
+              <a:rPr lang="es-CO" sz="1200" dirty="0" smtClean="0">
+                <a:latin typeface="Times New Roman" charset="0"/>
+                <a:ea typeface="Times New Roman" charset="0"/>
+                <a:cs typeface="Times New Roman" charset="0"/>
+              </a:rPr>
+              <a:t>850</a:t>
+            </a:r>
+            <a:endParaRPr lang="es-CO" sz="1200" dirty="0">
+              <a:latin typeface="Times New Roman" charset="0"/>
+              <a:ea typeface="Times New Roman" charset="0"/>
+              <a:cs typeface="Times New Roman" charset="0"/>
+            </a:endParaRPr>
+          </a:p>
+        </p:txBody>
+      </p:sp>
+    </p:spTree>
+    <p:extLst>
+      <p:ext uri="{BB962C8B-B14F-4D97-AF65-F5344CB8AC3E}">
+        <p14:creationId xmlns:p14="http://schemas.microsoft.com/office/powerpoint/2010/main" val="107689795"/>
+      </p:ext>
+    </p:extLst>
+  </p:cSld>
+  <p:clrMapOvr>
+    <a:masterClrMapping/>
+  </p:clrMapOvr>
+</p:sld>
+</file>
+
+<file path=ppt/slides/slide11.xml><?xml version="1.0" encoding="utf-8"?>
+<p:sld xmlns:a="http://schemas.openxmlformats.org/drawingml/2006/main" xmlns:r="http://schemas.openxmlformats.org/officeDocument/2006/relationships" xmlns:p="http://schemas.openxmlformats.org/presentationml/2006/main">
+  <p:cSld>
+    <p:spTree>
+      <p:nvGrpSpPr>
+        <p:cNvPr id="1" name=""/>
+        <p:cNvGrpSpPr/>
+        <p:nvPr/>
+      </p:nvGrpSpPr>
+      <p:grpSpPr>
+        <a:xfrm>
+          <a:off x="0" y="0"/>
+          <a:ext cx="0" cy="0"/>
+          <a:chOff x="0" y="0"/>
+          <a:chExt cx="0" cy="0"/>
+        </a:xfrm>
+      </p:grpSpPr>
+      <p:cxnSp>
+        <p:nvCxnSpPr>
           <p:cNvPr id="41" name="12 Conector recto de flecha"/>
           <p:cNvCxnSpPr/>
           <p:nvPr/>
@@ -4927,7 +9863,7 @@
         <p:spPr>
           <a:xfrm>
             <a:off x="2351167" y="1465921"/>
-            <a:ext cx="340158" cy="461665"/>
+            <a:ext cx="338554" cy="461665"/>
           </a:xfrm>
           <a:prstGeom prst="rect">
             <a:avLst/>
@@ -4941,10 +9877,18 @@
           <a:lstStyle/>
           <a:p>
             <a:r>
-              <a:rPr lang="es-CO" sz="2400" dirty="0" smtClean="0"/>
+              <a:rPr lang="es-CO" sz="2400" dirty="0" smtClean="0">
+                <a:latin typeface="Times New Roman" charset="0"/>
+                <a:ea typeface="Times New Roman" charset="0"/>
+                <a:cs typeface="Times New Roman" charset="0"/>
+              </a:rPr>
               <a:t>1</a:t>
             </a:r>
-            <a:endParaRPr lang="es-CO" sz="2400" dirty="0"/>
+            <a:endParaRPr lang="es-CO" sz="2400" dirty="0">
+              <a:latin typeface="Times New Roman" charset="0"/>
+              <a:ea typeface="Times New Roman" charset="0"/>
+              <a:cs typeface="Times New Roman" charset="0"/>
+            </a:endParaRPr>
           </a:p>
         </p:txBody>
       </p:sp>
@@ -5168,7 +10112,7 @@
         <p:spPr>
           <a:xfrm>
             <a:off x="3656312" y="1307387"/>
-            <a:ext cx="492443" cy="338554"/>
+            <a:ext cx="401072" cy="338554"/>
           </a:xfrm>
           <a:prstGeom prst="rect">
             <a:avLst/>
@@ -5184,10 +10128,18 @@
           <a:lstStyle/>
           <a:p>
             <a:r>
-              <a:rPr lang="es-CO" sz="1600" dirty="0" smtClean="0"/>
+              <a:rPr lang="es-CO" sz="1600" dirty="0" smtClean="0">
+                <a:latin typeface="Times New Roman" charset="0"/>
+                <a:ea typeface="Times New Roman" charset="0"/>
+                <a:cs typeface="Times New Roman" charset="0"/>
+              </a:rPr>
               <a:t>•••</a:t>
             </a:r>
-            <a:endParaRPr lang="es-CO" sz="1600" dirty="0"/>
+            <a:endParaRPr lang="es-CO" sz="1600" dirty="0">
+              <a:latin typeface="Times New Roman" charset="0"/>
+              <a:ea typeface="Times New Roman" charset="0"/>
+              <a:cs typeface="Times New Roman" charset="0"/>
+            </a:endParaRPr>
           </a:p>
         </p:txBody>
       </p:sp>
@@ -5200,7 +10152,7 @@
         <p:spPr>
           <a:xfrm>
             <a:off x="3086835" y="1465921"/>
-            <a:ext cx="340158" cy="461665"/>
+            <a:ext cx="338554" cy="461665"/>
           </a:xfrm>
           <a:prstGeom prst="rect">
             <a:avLst/>
@@ -5214,10 +10166,18 @@
           <a:lstStyle/>
           <a:p>
             <a:r>
-              <a:rPr lang="es-CO" sz="2400" dirty="0" smtClean="0"/>
+              <a:rPr lang="es-CO" sz="2400" dirty="0" smtClean="0">
+                <a:latin typeface="Times New Roman" charset="0"/>
+                <a:ea typeface="Times New Roman" charset="0"/>
+                <a:cs typeface="Times New Roman" charset="0"/>
+              </a:rPr>
               <a:t>2</a:t>
             </a:r>
-            <a:endParaRPr lang="es-CO" sz="2400" dirty="0"/>
+            <a:endParaRPr lang="es-CO" sz="2400" dirty="0">
+              <a:latin typeface="Times New Roman" charset="0"/>
+              <a:ea typeface="Times New Roman" charset="0"/>
+              <a:cs typeface="Times New Roman" charset="0"/>
+            </a:endParaRPr>
           </a:p>
         </p:txBody>
       </p:sp>
@@ -5230,7 +10190,7 @@
         <p:spPr>
           <a:xfrm>
             <a:off x="4346975" y="1527175"/>
-            <a:ext cx="643125" cy="461665"/>
+            <a:ext cx="1212191" cy="461665"/>
           </a:xfrm>
           <a:prstGeom prst="rect">
             <a:avLst/>
@@ -5244,10 +10204,26 @@
           <a:lstStyle/>
           <a:p>
             <a:r>
-              <a:rPr lang="es-CO" sz="2400" smtClean="0"/>
-              <a:t>n=?</a:t>
+              <a:rPr lang="es-CO" sz="2400" i="1" dirty="0" smtClean="0">
+                <a:latin typeface="Times New Roman" charset="0"/>
+                <a:ea typeface="Times New Roman" charset="0"/>
+                <a:cs typeface="Times New Roman" charset="0"/>
+              </a:rPr>
+              <a:t>nper </a:t>
             </a:r>
-            <a:endParaRPr lang="es-CO" sz="2400" dirty="0"/>
+            <a:r>
+              <a:rPr lang="es-CO" sz="2400" dirty="0" smtClean="0">
+                <a:latin typeface="Times New Roman" charset="0"/>
+                <a:ea typeface="Times New Roman" charset="0"/>
+                <a:cs typeface="Times New Roman" charset="0"/>
+              </a:rPr>
+              <a:t>= ?</a:t>
+            </a:r>
+            <a:endParaRPr lang="es-CO" sz="2400" dirty="0">
+              <a:latin typeface="Times New Roman" charset="0"/>
+              <a:ea typeface="Times New Roman" charset="0"/>
+              <a:cs typeface="Times New Roman" charset="0"/>
+            </a:endParaRPr>
           </a:p>
         </p:txBody>
       </p:sp>
@@ -5260,7 +10236,7 @@
         <p:spPr>
           <a:xfrm>
             <a:off x="2072467" y="1967403"/>
-            <a:ext cx="1525161" cy="461665"/>
+            <a:ext cx="1758815" cy="461665"/>
           </a:xfrm>
           <a:prstGeom prst="rect">
             <a:avLst/>
@@ -5274,10 +10250,26 @@
           <a:lstStyle/>
           <a:p>
             <a:r>
-              <a:rPr lang="es-CO" sz="2400" dirty="0" smtClean="0"/>
-              <a:t>PV = -2000</a:t>
+              <a:rPr lang="es-CO" sz="2400" i="1" dirty="0" smtClean="0">
+                <a:latin typeface="Times New Roman" charset="0"/>
+                <a:ea typeface="Times New Roman" charset="0"/>
+                <a:cs typeface="Times New Roman" charset="0"/>
+              </a:rPr>
+              <a:t>pval</a:t>
             </a:r>
-            <a:endParaRPr lang="es-CO" sz="2400" dirty="0"/>
+            <a:r>
+              <a:rPr lang="es-CO" sz="2400" dirty="0" smtClean="0">
+                <a:latin typeface="Times New Roman" charset="0"/>
+                <a:ea typeface="Times New Roman" charset="0"/>
+                <a:cs typeface="Times New Roman" charset="0"/>
+              </a:rPr>
+              <a:t> = -2000</a:t>
+            </a:r>
+            <a:endParaRPr lang="es-CO" sz="2400" dirty="0">
+              <a:latin typeface="Times New Roman" charset="0"/>
+              <a:ea typeface="Times New Roman" charset="0"/>
+              <a:cs typeface="Times New Roman" charset="0"/>
+            </a:endParaRPr>
           </a:p>
         </p:txBody>
       </p:sp>
@@ -5290,7 +10282,7 @@
         <p:spPr>
           <a:xfrm>
             <a:off x="5022050" y="548680"/>
-            <a:ext cx="1345240" cy="461665"/>
+            <a:ext cx="1587294" cy="461665"/>
           </a:xfrm>
           <a:prstGeom prst="rect">
             <a:avLst/>
@@ -5304,10 +10296,80 @@
           <a:lstStyle/>
           <a:p>
             <a:r>
-              <a:rPr lang="es-CO" sz="2400" dirty="0" smtClean="0"/>
-              <a:t>FV= 3000</a:t>
+              <a:rPr lang="es-CO" sz="2400" i="1" smtClean="0">
+                <a:latin typeface="Times New Roman" charset="0"/>
+                <a:ea typeface="Times New Roman" charset="0"/>
+                <a:cs typeface="Times New Roman" charset="0"/>
+              </a:rPr>
+              <a:t>fval </a:t>
             </a:r>
-            <a:endParaRPr lang="es-CO" sz="2400" dirty="0"/>
+            <a:r>
+              <a:rPr lang="es-CO" sz="2400" smtClean="0">
+                <a:latin typeface="Times New Roman" charset="0"/>
+                <a:ea typeface="Times New Roman" charset="0"/>
+                <a:cs typeface="Times New Roman" charset="0"/>
+              </a:rPr>
+              <a:t>= </a:t>
+            </a:r>
+            <a:r>
+              <a:rPr lang="es-CO" sz="2400" dirty="0" smtClean="0">
+                <a:latin typeface="Times New Roman" charset="0"/>
+                <a:ea typeface="Times New Roman" charset="0"/>
+                <a:cs typeface="Times New Roman" charset="0"/>
+              </a:rPr>
+              <a:t>3000</a:t>
+            </a:r>
+            <a:endParaRPr lang="es-CO" sz="2400" dirty="0">
+              <a:latin typeface="Times New Roman" charset="0"/>
+              <a:ea typeface="Times New Roman" charset="0"/>
+              <a:cs typeface="Times New Roman" charset="0"/>
+            </a:endParaRPr>
+          </a:p>
+        </p:txBody>
+      </p:sp>
+      <p:sp>
+        <p:nvSpPr>
+          <p:cNvPr id="43" name="10 CuadroTexto"/>
+          <p:cNvSpPr txBox="1"/>
+          <p:nvPr/>
+        </p:nvSpPr>
+        <p:spPr>
+          <a:xfrm>
+            <a:off x="2462467" y="750276"/>
+            <a:ext cx="1075936" cy="461665"/>
+          </a:xfrm>
+          <a:prstGeom prst="rect">
+            <a:avLst/>
+          </a:prstGeom>
+          <a:noFill/>
+        </p:spPr>
+        <p:txBody>
+          <a:bodyPr wrap="none" rtlCol="0">
+            <a:spAutoFit/>
+          </a:bodyPr>
+          <a:lstStyle/>
+          <a:p>
+            <a:r>
+              <a:rPr lang="es-CO" sz="2400" i="1" dirty="0" smtClean="0">
+                <a:latin typeface="Times New Roman" charset="0"/>
+                <a:ea typeface="Times New Roman" charset="0"/>
+                <a:cs typeface="Times New Roman" charset="0"/>
+              </a:rPr>
+              <a:t>pyr </a:t>
+            </a:r>
+            <a:r>
+              <a:rPr lang="es-CO" sz="2400" smtClean="0">
+                <a:latin typeface="Times New Roman" charset="0"/>
+                <a:ea typeface="Times New Roman" charset="0"/>
+                <a:cs typeface="Times New Roman" charset="0"/>
+              </a:rPr>
+              <a:t>= 1</a:t>
+            </a:r>
+            <a:endParaRPr lang="es-CO" sz="2400" dirty="0">
+              <a:latin typeface="Times New Roman" charset="0"/>
+              <a:ea typeface="Times New Roman" charset="0"/>
+              <a:cs typeface="Times New Roman" charset="0"/>
+            </a:endParaRPr>
           </a:p>
         </p:txBody>
       </p:sp>
@@ -5324,7 +10386,7 @@
 </p:sld>
 </file>
 
-<file path=ppt/slides/slide11.xml><?xml version="1.0" encoding="utf-8"?>
+<file path=ppt/slides/slide12.xml><?xml version="1.0" encoding="utf-8"?>
 <p:sld xmlns:a="http://schemas.openxmlformats.org/drawingml/2006/main" xmlns:r="http://schemas.openxmlformats.org/officeDocument/2006/relationships" xmlns:p="http://schemas.openxmlformats.org/presentationml/2006/main">
   <p:cSld>
     <p:spTree>
@@ -7939,7 +13001,7 @@
 </p:sld>
 </file>
 
-<file path=ppt/slides/slide12.xml><?xml version="1.0" encoding="utf-8"?>
+<file path=ppt/slides/slide13.xml><?xml version="1.0" encoding="utf-8"?>
 <p:sld xmlns:a="http://schemas.openxmlformats.org/drawingml/2006/main" xmlns:r="http://schemas.openxmlformats.org/officeDocument/2006/relationships" xmlns:p="http://schemas.openxmlformats.org/presentationml/2006/main">
   <p:cSld>
     <p:spTree>
@@ -10352,7 +15414,7 @@
 </p:sld>
 </file>
 
-<file path=ppt/slides/slide13.xml><?xml version="1.0" encoding="utf-8"?>
+<file path=ppt/slides/slide14.xml><?xml version="1.0" encoding="utf-8"?>
 <p:sld xmlns:a="http://schemas.openxmlformats.org/drawingml/2006/main" xmlns:r="http://schemas.openxmlformats.org/officeDocument/2006/relationships" xmlns:p="http://schemas.openxmlformats.org/presentationml/2006/main">
   <p:cSld>
     <p:spTree>
@@ -11603,7 +16665,7 @@
 </p:sld>
 </file>
 
-<file path=ppt/slides/slide14.xml><?xml version="1.0" encoding="utf-8"?>
+<file path=ppt/slides/slide15.xml><?xml version="1.0" encoding="utf-8"?>
 <p:sld xmlns:a="http://schemas.openxmlformats.org/drawingml/2006/main" xmlns:r="http://schemas.openxmlformats.org/officeDocument/2006/relationships" xmlns:p="http://schemas.openxmlformats.org/presentationml/2006/main">
   <p:cSld>
     <p:spTree>
@@ -12818,7 +17880,7 @@
 </p:sld>
 </file>
 
-<file path=ppt/slides/slide15.xml><?xml version="1.0" encoding="utf-8"?>
+<file path=ppt/slides/slide16.xml><?xml version="1.0" encoding="utf-8"?>
 <p:sld xmlns:a="http://schemas.openxmlformats.org/drawingml/2006/main" xmlns:r="http://schemas.openxmlformats.org/officeDocument/2006/relationships" xmlns:p="http://schemas.openxmlformats.org/presentationml/2006/main">
   <p:cSld>
     <p:spTree>
@@ -14952,7 +20014,7 @@
 </p:sld>
 </file>
 
-<file path=ppt/slides/slide16.xml><?xml version="1.0" encoding="utf-8"?>
+<file path=ppt/slides/slide17.xml><?xml version="1.0" encoding="utf-8"?>
 <p:sld xmlns:a="http://schemas.openxmlformats.org/drawingml/2006/main" xmlns:r="http://schemas.openxmlformats.org/officeDocument/2006/relationships" xmlns:p="http://schemas.openxmlformats.org/presentationml/2006/main">
   <p:cSld>
     <p:spTree>
@@ -15719,7 +20781,7 @@
 </p:sld>
 </file>
 
-<file path=ppt/slides/slide17.xml><?xml version="1.0" encoding="utf-8"?>
+<file path=ppt/slides/slide18.xml><?xml version="1.0" encoding="utf-8"?>
 <p:sld xmlns:a="http://schemas.openxmlformats.org/drawingml/2006/main" xmlns:r="http://schemas.openxmlformats.org/officeDocument/2006/relationships" xmlns:p="http://schemas.openxmlformats.org/presentationml/2006/main">
   <p:cSld>
     <p:spTree>
@@ -18201,7 +23263,7 @@
 </p:sld>
 </file>
 
-<file path=ppt/slides/slide18.xml><?xml version="1.0" encoding="utf-8"?>
+<file path=ppt/slides/slide19.xml><?xml version="1.0" encoding="utf-8"?>
 <p:sld xmlns:a="http://schemas.openxmlformats.org/drawingml/2006/main" xmlns:r="http://schemas.openxmlformats.org/officeDocument/2006/relationships" xmlns:p="http://schemas.openxmlformats.org/presentationml/2006/main">
   <p:cSld>
     <p:spTree>
@@ -19942,7 +25004,893 @@
 </p:sld>
 </file>
 
-<file path=ppt/slides/slide19.xml><?xml version="1.0" encoding="utf-8"?>
+<file path=ppt/slides/slide2.xml><?xml version="1.0" encoding="utf-8"?>
+<p:sld xmlns:a="http://schemas.openxmlformats.org/drawingml/2006/main" xmlns:r="http://schemas.openxmlformats.org/officeDocument/2006/relationships" xmlns:p="http://schemas.openxmlformats.org/presentationml/2006/main">
+  <p:cSld>
+    <p:spTree>
+      <p:nvGrpSpPr>
+        <p:cNvPr id="1" name=""/>
+        <p:cNvGrpSpPr/>
+        <p:nvPr/>
+      </p:nvGrpSpPr>
+      <p:grpSpPr>
+        <a:xfrm>
+          <a:off x="0" y="0"/>
+          <a:ext cx="0" cy="0"/>
+          <a:chOff x="0" y="0"/>
+          <a:chExt cx="0" cy="0"/>
+        </a:xfrm>
+      </p:grpSpPr>
+      <p:cxnSp>
+        <p:nvCxnSpPr>
+          <p:cNvPr id="34" name="Conector recto de flecha 33"/>
+          <p:cNvCxnSpPr/>
+          <p:nvPr/>
+        </p:nvCxnSpPr>
+        <p:spPr>
+          <a:xfrm flipH="1">
+            <a:off x="3436673" y="2439180"/>
+            <a:ext cx="0" cy="1291133"/>
+          </a:xfrm>
+          <a:prstGeom prst="straightConnector1">
+            <a:avLst/>
+          </a:prstGeom>
+          <a:ln w="76200">
+            <a:solidFill>
+              <a:srgbClr val="00B0F0"/>
+            </a:solidFill>
+            <a:tailEnd type="triangle"/>
+          </a:ln>
+        </p:spPr>
+        <p:style>
+          <a:lnRef idx="1">
+            <a:schemeClr val="accent1"/>
+          </a:lnRef>
+          <a:fillRef idx="0">
+            <a:schemeClr val="accent1"/>
+          </a:fillRef>
+          <a:effectRef idx="0">
+            <a:schemeClr val="accent1"/>
+          </a:effectRef>
+          <a:fontRef idx="minor">
+            <a:schemeClr val="tx1"/>
+          </a:fontRef>
+        </p:style>
+      </p:cxnSp>
+      <p:cxnSp>
+        <p:nvCxnSpPr>
+          <p:cNvPr id="33" name="Conector recto de flecha 32"/>
+          <p:cNvCxnSpPr/>
+          <p:nvPr/>
+        </p:nvCxnSpPr>
+        <p:spPr>
+          <a:xfrm flipV="1">
+            <a:off x="1305499" y="1493785"/>
+            <a:ext cx="0" cy="940459"/>
+          </a:xfrm>
+          <a:prstGeom prst="straightConnector1">
+            <a:avLst/>
+          </a:prstGeom>
+          <a:ln w="76200">
+            <a:solidFill>
+              <a:srgbClr val="00B0F0"/>
+            </a:solidFill>
+            <a:tailEnd type="triangle"/>
+          </a:ln>
+        </p:spPr>
+        <p:style>
+          <a:lnRef idx="1">
+            <a:schemeClr val="accent1"/>
+          </a:lnRef>
+          <a:fillRef idx="0">
+            <a:schemeClr val="accent1"/>
+          </a:fillRef>
+          <a:effectRef idx="0">
+            <a:schemeClr val="accent1"/>
+          </a:effectRef>
+          <a:fontRef idx="minor">
+            <a:schemeClr val="tx1"/>
+          </a:fontRef>
+        </p:style>
+      </p:cxnSp>
+      <p:cxnSp>
+        <p:nvCxnSpPr>
+          <p:cNvPr id="2" name="13 Conector recto de flecha"/>
+          <p:cNvCxnSpPr/>
+          <p:nvPr/>
+        </p:nvCxnSpPr>
+        <p:spPr>
+          <a:xfrm>
+            <a:off x="1305499" y="2426232"/>
+            <a:ext cx="2529281" cy="0"/>
+          </a:xfrm>
+          <a:prstGeom prst="straightConnector1">
+            <a:avLst/>
+          </a:prstGeom>
+          <a:ln w="25400">
+            <a:solidFill>
+              <a:schemeClr val="tx1"/>
+            </a:solidFill>
+            <a:tailEnd type="triangle" w="lg" len="lg"/>
+          </a:ln>
+        </p:spPr>
+        <p:style>
+          <a:lnRef idx="1">
+            <a:schemeClr val="accent1"/>
+          </a:lnRef>
+          <a:fillRef idx="0">
+            <a:schemeClr val="accent1"/>
+          </a:fillRef>
+          <a:effectRef idx="0">
+            <a:schemeClr val="accent1"/>
+          </a:effectRef>
+          <a:fontRef idx="minor">
+            <a:schemeClr val="tx1"/>
+          </a:fontRef>
+        </p:style>
+      </p:cxnSp>
+      <p:cxnSp>
+        <p:nvCxnSpPr>
+          <p:cNvPr id="3" name="16 Conector recto"/>
+          <p:cNvCxnSpPr/>
+          <p:nvPr/>
+        </p:nvCxnSpPr>
+        <p:spPr>
+          <a:xfrm flipV="1">
+            <a:off x="1305499" y="2292906"/>
+            <a:ext cx="0" cy="271998"/>
+          </a:xfrm>
+          <a:prstGeom prst="line">
+            <a:avLst/>
+          </a:prstGeom>
+          <a:ln w="25400">
+            <a:solidFill>
+              <a:schemeClr val="tx1"/>
+            </a:solidFill>
+          </a:ln>
+        </p:spPr>
+        <p:style>
+          <a:lnRef idx="1">
+            <a:schemeClr val="accent1"/>
+          </a:lnRef>
+          <a:fillRef idx="0">
+            <a:schemeClr val="accent1"/>
+          </a:fillRef>
+          <a:effectRef idx="0">
+            <a:schemeClr val="accent1"/>
+          </a:effectRef>
+          <a:fontRef idx="minor">
+            <a:schemeClr val="tx1"/>
+          </a:fontRef>
+        </p:style>
+      </p:cxnSp>
+      <p:cxnSp>
+        <p:nvCxnSpPr>
+          <p:cNvPr id="10" name="28 Conector recto"/>
+          <p:cNvCxnSpPr/>
+          <p:nvPr/>
+        </p:nvCxnSpPr>
+        <p:spPr>
+          <a:xfrm flipV="1">
+            <a:off x="3429735" y="2292906"/>
+            <a:ext cx="0" cy="271998"/>
+          </a:xfrm>
+          <a:prstGeom prst="line">
+            <a:avLst/>
+          </a:prstGeom>
+          <a:ln w="25400">
+            <a:solidFill>
+              <a:schemeClr val="tx1"/>
+            </a:solidFill>
+          </a:ln>
+        </p:spPr>
+        <p:style>
+          <a:lnRef idx="1">
+            <a:schemeClr val="accent1"/>
+          </a:lnRef>
+          <a:fillRef idx="0">
+            <a:schemeClr val="accent1"/>
+          </a:fillRef>
+          <a:effectRef idx="0">
+            <a:schemeClr val="accent1"/>
+          </a:effectRef>
+          <a:fontRef idx="minor">
+            <a:schemeClr val="tx1"/>
+          </a:fontRef>
+        </p:style>
+      </p:cxnSp>
+      <p:sp>
+        <p:nvSpPr>
+          <p:cNvPr id="18" name="CuadroTexto 17"/>
+          <p:cNvSpPr txBox="1"/>
+          <p:nvPr/>
+        </p:nvSpPr>
+        <p:spPr>
+          <a:xfrm>
+            <a:off x="2963809" y="2397909"/>
+            <a:ext cx="393056" cy="584775"/>
+          </a:xfrm>
+          <a:prstGeom prst="rect">
+            <a:avLst/>
+          </a:prstGeom>
+          <a:noFill/>
+        </p:spPr>
+        <p:txBody>
+          <a:bodyPr wrap="none" rtlCol="0">
+            <a:spAutoFit/>
+          </a:bodyPr>
+          <a:lstStyle/>
+          <a:p>
+            <a:r>
+              <a:rPr lang="es-ES_tradnl" sz="3200" smtClean="0"/>
+              <a:t>1</a:t>
+            </a:r>
+            <a:endParaRPr lang="es-ES_tradnl" sz="3200"/>
+          </a:p>
+        </p:txBody>
+      </p:sp>
+      <p:sp>
+        <p:nvSpPr>
+          <p:cNvPr id="27" name="CuadroTexto 26"/>
+          <p:cNvSpPr txBox="1"/>
+          <p:nvPr/>
+        </p:nvSpPr>
+        <p:spPr>
+          <a:xfrm>
+            <a:off x="761458" y="2069558"/>
+            <a:ext cx="553805" cy="369332"/>
+          </a:xfrm>
+          <a:prstGeom prst="rect">
+            <a:avLst/>
+          </a:prstGeom>
+          <a:noFill/>
+        </p:spPr>
+        <p:txBody>
+          <a:bodyPr wrap="none" rtlCol="0">
+            <a:spAutoFit/>
+          </a:bodyPr>
+          <a:lstStyle/>
+          <a:p>
+            <a:pPr algn="r"/>
+            <a:r>
+              <a:rPr lang="es-ES_tradnl" smtClean="0"/>
+              <a:t>Hoy</a:t>
+            </a:r>
+            <a:endParaRPr lang="es-ES_tradnl"/>
+          </a:p>
+        </p:txBody>
+      </p:sp>
+      <p:sp>
+        <p:nvSpPr>
+          <p:cNvPr id="36" name="CuadroTexto 35"/>
+          <p:cNvSpPr txBox="1"/>
+          <p:nvPr/>
+        </p:nvSpPr>
+        <p:spPr>
+          <a:xfrm>
+            <a:off x="1376645" y="1512783"/>
+            <a:ext cx="2131289" cy="400110"/>
+          </a:xfrm>
+          <a:prstGeom prst="rect">
+            <a:avLst/>
+          </a:prstGeom>
+          <a:noFill/>
+        </p:spPr>
+        <p:txBody>
+          <a:bodyPr wrap="none" rtlCol="0">
+            <a:spAutoFit/>
+          </a:bodyPr>
+          <a:lstStyle/>
+          <a:p>
+            <a:r>
+              <a:rPr lang="es-ES_tradnl" sz="2000" dirty="0" smtClean="0"/>
+              <a:t>Dinero recibido (+)</a:t>
+            </a:r>
+            <a:endParaRPr lang="es-ES_tradnl" sz="2000" dirty="0"/>
+          </a:p>
+        </p:txBody>
+      </p:sp>
+      <p:sp>
+        <p:nvSpPr>
+          <p:cNvPr id="37" name="CuadroTexto 36"/>
+          <p:cNvSpPr txBox="1"/>
+          <p:nvPr/>
+        </p:nvSpPr>
+        <p:spPr>
+          <a:xfrm>
+            <a:off x="1090076" y="3059461"/>
+            <a:ext cx="2356799" cy="400110"/>
+          </a:xfrm>
+          <a:prstGeom prst="rect">
+            <a:avLst/>
+          </a:prstGeom>
+          <a:noFill/>
+        </p:spPr>
+        <p:txBody>
+          <a:bodyPr wrap="none" rtlCol="0">
+            <a:spAutoFit/>
+          </a:bodyPr>
+          <a:lstStyle/>
+          <a:p>
+            <a:pPr algn="r"/>
+            <a:r>
+              <a:rPr lang="es-ES_tradnl" sz="2000" smtClean="0"/>
+              <a:t>Dinero entregado </a:t>
+            </a:r>
+            <a:r>
+              <a:rPr lang="es-ES_tradnl" sz="2000" dirty="0" smtClean="0"/>
+              <a:t>(⎼)</a:t>
+            </a:r>
+            <a:endParaRPr lang="es-ES_tradnl" sz="2000" dirty="0"/>
+          </a:p>
+        </p:txBody>
+      </p:sp>
+      <p:sp>
+        <p:nvSpPr>
+          <p:cNvPr id="40" name="CuadroTexto 39"/>
+          <p:cNvSpPr txBox="1"/>
+          <p:nvPr/>
+        </p:nvSpPr>
+        <p:spPr>
+          <a:xfrm>
+            <a:off x="761458" y="683985"/>
+            <a:ext cx="3073322" cy="584775"/>
+          </a:xfrm>
+          <a:prstGeom prst="rect">
+            <a:avLst/>
+          </a:prstGeom>
+          <a:noFill/>
+        </p:spPr>
+        <p:txBody>
+          <a:bodyPr wrap="square" rtlCol="0">
+            <a:spAutoFit/>
+          </a:bodyPr>
+          <a:lstStyle/>
+          <a:p>
+            <a:pPr algn="ctr"/>
+            <a:r>
+              <a:rPr lang="es-ES_tradnl" sz="3200" dirty="0" smtClean="0"/>
+              <a:t>Préstamo</a:t>
+            </a:r>
+            <a:endParaRPr lang="es-ES_tradnl" sz="3200" dirty="0"/>
+          </a:p>
+        </p:txBody>
+      </p:sp>
+      <p:cxnSp>
+        <p:nvCxnSpPr>
+          <p:cNvPr id="42" name="Conector recto de flecha 41"/>
+          <p:cNvCxnSpPr/>
+          <p:nvPr/>
+        </p:nvCxnSpPr>
+        <p:spPr>
+          <a:xfrm flipH="1">
+            <a:off x="5695062" y="2439106"/>
+            <a:ext cx="1446" cy="1050180"/>
+          </a:xfrm>
+          <a:prstGeom prst="straightConnector1">
+            <a:avLst/>
+          </a:prstGeom>
+          <a:ln w="76200">
+            <a:solidFill>
+              <a:srgbClr val="00B0F0"/>
+            </a:solidFill>
+            <a:tailEnd type="triangle"/>
+          </a:ln>
+        </p:spPr>
+        <p:style>
+          <a:lnRef idx="1">
+            <a:schemeClr val="accent1"/>
+          </a:lnRef>
+          <a:fillRef idx="0">
+            <a:schemeClr val="accent1"/>
+          </a:fillRef>
+          <a:effectRef idx="0">
+            <a:schemeClr val="accent1"/>
+          </a:effectRef>
+          <a:fontRef idx="minor">
+            <a:schemeClr val="tx1"/>
+          </a:fontRef>
+        </p:style>
+      </p:cxnSp>
+      <p:cxnSp>
+        <p:nvCxnSpPr>
+          <p:cNvPr id="43" name="Conector recto de flecha 42"/>
+          <p:cNvCxnSpPr/>
+          <p:nvPr/>
+        </p:nvCxnSpPr>
+        <p:spPr>
+          <a:xfrm flipV="1">
+            <a:off x="7812360" y="1268760"/>
+            <a:ext cx="0" cy="1165485"/>
+          </a:xfrm>
+          <a:prstGeom prst="straightConnector1">
+            <a:avLst/>
+          </a:prstGeom>
+          <a:ln w="76200">
+            <a:solidFill>
+              <a:srgbClr val="00B0F0"/>
+            </a:solidFill>
+            <a:tailEnd type="triangle"/>
+          </a:ln>
+        </p:spPr>
+        <p:style>
+          <a:lnRef idx="1">
+            <a:schemeClr val="accent1"/>
+          </a:lnRef>
+          <a:fillRef idx="0">
+            <a:schemeClr val="accent1"/>
+          </a:fillRef>
+          <a:effectRef idx="0">
+            <a:schemeClr val="accent1"/>
+          </a:effectRef>
+          <a:fontRef idx="minor">
+            <a:schemeClr val="tx1"/>
+          </a:fontRef>
+        </p:style>
+      </p:cxnSp>
+      <p:cxnSp>
+        <p:nvCxnSpPr>
+          <p:cNvPr id="44" name="13 Conector recto de flecha"/>
+          <p:cNvCxnSpPr/>
+          <p:nvPr/>
+        </p:nvCxnSpPr>
+        <p:spPr>
+          <a:xfrm>
+            <a:off x="5688124" y="2426158"/>
+            <a:ext cx="2529281" cy="0"/>
+          </a:xfrm>
+          <a:prstGeom prst="straightConnector1">
+            <a:avLst/>
+          </a:prstGeom>
+          <a:ln w="25400">
+            <a:solidFill>
+              <a:schemeClr val="tx1"/>
+            </a:solidFill>
+            <a:tailEnd type="triangle" w="lg" len="lg"/>
+          </a:ln>
+        </p:spPr>
+        <p:style>
+          <a:lnRef idx="1">
+            <a:schemeClr val="accent1"/>
+          </a:lnRef>
+          <a:fillRef idx="0">
+            <a:schemeClr val="accent1"/>
+          </a:fillRef>
+          <a:effectRef idx="0">
+            <a:schemeClr val="accent1"/>
+          </a:effectRef>
+          <a:fontRef idx="minor">
+            <a:schemeClr val="tx1"/>
+          </a:fontRef>
+        </p:style>
+      </p:cxnSp>
+      <p:cxnSp>
+        <p:nvCxnSpPr>
+          <p:cNvPr id="45" name="16 Conector recto"/>
+          <p:cNvCxnSpPr/>
+          <p:nvPr/>
+        </p:nvCxnSpPr>
+        <p:spPr>
+          <a:xfrm flipV="1">
+            <a:off x="5688124" y="2292832"/>
+            <a:ext cx="0" cy="271998"/>
+          </a:xfrm>
+          <a:prstGeom prst="line">
+            <a:avLst/>
+          </a:prstGeom>
+          <a:ln w="25400">
+            <a:solidFill>
+              <a:schemeClr val="tx1"/>
+            </a:solidFill>
+          </a:ln>
+        </p:spPr>
+        <p:style>
+          <a:lnRef idx="1">
+            <a:schemeClr val="accent1"/>
+          </a:lnRef>
+          <a:fillRef idx="0">
+            <a:schemeClr val="accent1"/>
+          </a:fillRef>
+          <a:effectRef idx="0">
+            <a:schemeClr val="accent1"/>
+          </a:effectRef>
+          <a:fontRef idx="minor">
+            <a:schemeClr val="tx1"/>
+          </a:fontRef>
+        </p:style>
+      </p:cxnSp>
+      <p:cxnSp>
+        <p:nvCxnSpPr>
+          <p:cNvPr id="46" name="28 Conector recto"/>
+          <p:cNvCxnSpPr/>
+          <p:nvPr/>
+        </p:nvCxnSpPr>
+        <p:spPr>
+          <a:xfrm flipV="1">
+            <a:off x="7812360" y="2292832"/>
+            <a:ext cx="0" cy="271998"/>
+          </a:xfrm>
+          <a:prstGeom prst="line">
+            <a:avLst/>
+          </a:prstGeom>
+          <a:ln w="25400">
+            <a:solidFill>
+              <a:schemeClr val="tx1"/>
+            </a:solidFill>
+          </a:ln>
+        </p:spPr>
+        <p:style>
+          <a:lnRef idx="1">
+            <a:schemeClr val="accent1"/>
+          </a:lnRef>
+          <a:fillRef idx="0">
+            <a:schemeClr val="accent1"/>
+          </a:fillRef>
+          <a:effectRef idx="0">
+            <a:schemeClr val="accent1"/>
+          </a:effectRef>
+          <a:fontRef idx="minor">
+            <a:schemeClr val="tx1"/>
+          </a:fontRef>
+        </p:style>
+      </p:cxnSp>
+      <p:sp>
+        <p:nvSpPr>
+          <p:cNvPr id="47" name="CuadroTexto 46"/>
+          <p:cNvSpPr txBox="1"/>
+          <p:nvPr/>
+        </p:nvSpPr>
+        <p:spPr>
+          <a:xfrm>
+            <a:off x="7374299" y="2397835"/>
+            <a:ext cx="393056" cy="584775"/>
+          </a:xfrm>
+          <a:prstGeom prst="rect">
+            <a:avLst/>
+          </a:prstGeom>
+          <a:noFill/>
+        </p:spPr>
+        <p:txBody>
+          <a:bodyPr wrap="none" rtlCol="0">
+            <a:spAutoFit/>
+          </a:bodyPr>
+          <a:lstStyle/>
+          <a:p>
+            <a:r>
+              <a:rPr lang="es-ES_tradnl" sz="3200" smtClean="0"/>
+              <a:t>1</a:t>
+            </a:r>
+            <a:endParaRPr lang="es-ES_tradnl" sz="3200"/>
+          </a:p>
+        </p:txBody>
+      </p:sp>
+      <p:sp>
+        <p:nvSpPr>
+          <p:cNvPr id="48" name="CuadroTexto 47"/>
+          <p:cNvSpPr txBox="1"/>
+          <p:nvPr/>
+        </p:nvSpPr>
+        <p:spPr>
+          <a:xfrm>
+            <a:off x="5112060" y="2069558"/>
+            <a:ext cx="553805" cy="369332"/>
+          </a:xfrm>
+          <a:prstGeom prst="rect">
+            <a:avLst/>
+          </a:prstGeom>
+          <a:noFill/>
+        </p:spPr>
+        <p:txBody>
+          <a:bodyPr wrap="none" rtlCol="0">
+            <a:spAutoFit/>
+          </a:bodyPr>
+          <a:lstStyle/>
+          <a:p>
+            <a:pPr algn="r"/>
+            <a:r>
+              <a:rPr lang="es-ES_tradnl" smtClean="0"/>
+              <a:t>Hoy</a:t>
+            </a:r>
+            <a:endParaRPr lang="es-ES_tradnl"/>
+          </a:p>
+        </p:txBody>
+      </p:sp>
+      <p:sp>
+        <p:nvSpPr>
+          <p:cNvPr id="51" name="CuadroTexto 50"/>
+          <p:cNvSpPr txBox="1"/>
+          <p:nvPr/>
+        </p:nvSpPr>
+        <p:spPr>
+          <a:xfrm>
+            <a:off x="5112060" y="683985"/>
+            <a:ext cx="3105345" cy="584775"/>
+          </a:xfrm>
+          <a:prstGeom prst="rect">
+            <a:avLst/>
+          </a:prstGeom>
+          <a:noFill/>
+        </p:spPr>
+        <p:txBody>
+          <a:bodyPr wrap="square" rtlCol="0">
+            <a:spAutoFit/>
+          </a:bodyPr>
+          <a:lstStyle/>
+          <a:p>
+            <a:pPr algn="ctr"/>
+            <a:r>
+              <a:rPr lang="es-ES_tradnl" sz="3200" dirty="0" smtClean="0"/>
+              <a:t>Ahorro</a:t>
+            </a:r>
+            <a:endParaRPr lang="es-ES_tradnl" sz="3200" dirty="0"/>
+          </a:p>
+        </p:txBody>
+      </p:sp>
+      <p:sp>
+        <p:nvSpPr>
+          <p:cNvPr id="52" name="CuadroTexto 51"/>
+          <p:cNvSpPr txBox="1"/>
+          <p:nvPr/>
+        </p:nvSpPr>
+        <p:spPr>
+          <a:xfrm>
+            <a:off x="5681071" y="1526838"/>
+            <a:ext cx="2131289" cy="400110"/>
+          </a:xfrm>
+          <a:prstGeom prst="rect">
+            <a:avLst/>
+          </a:prstGeom>
+          <a:noFill/>
+        </p:spPr>
+        <p:txBody>
+          <a:bodyPr wrap="none" rtlCol="0">
+            <a:spAutoFit/>
+          </a:bodyPr>
+          <a:lstStyle/>
+          <a:p>
+            <a:pPr algn="r"/>
+            <a:r>
+              <a:rPr lang="es-ES_tradnl" sz="2000" dirty="0" smtClean="0"/>
+              <a:t>Dinero recibido (+)</a:t>
+            </a:r>
+            <a:endParaRPr lang="es-ES_tradnl" sz="2000" dirty="0"/>
+          </a:p>
+        </p:txBody>
+      </p:sp>
+      <p:sp>
+        <p:nvSpPr>
+          <p:cNvPr id="53" name="CuadroTexto 52"/>
+          <p:cNvSpPr txBox="1"/>
+          <p:nvPr/>
+        </p:nvSpPr>
+        <p:spPr>
+          <a:xfrm>
+            <a:off x="5815601" y="3064040"/>
+            <a:ext cx="2356799" cy="400110"/>
+          </a:xfrm>
+          <a:prstGeom prst="rect">
+            <a:avLst/>
+          </a:prstGeom>
+          <a:noFill/>
+        </p:spPr>
+        <p:txBody>
+          <a:bodyPr wrap="none" rtlCol="0">
+            <a:spAutoFit/>
+          </a:bodyPr>
+          <a:lstStyle/>
+          <a:p>
+            <a:r>
+              <a:rPr lang="es-ES_tradnl" sz="2000" dirty="0" smtClean="0"/>
+              <a:t>Dinero entregado (⎼)</a:t>
+            </a:r>
+            <a:endParaRPr lang="es-ES_tradnl" sz="2000" dirty="0"/>
+          </a:p>
+        </p:txBody>
+      </p:sp>
+      <p:cxnSp>
+        <p:nvCxnSpPr>
+          <p:cNvPr id="5" name="Conector recto 4"/>
+          <p:cNvCxnSpPr/>
+          <p:nvPr/>
+        </p:nvCxnSpPr>
+        <p:spPr>
+          <a:xfrm>
+            <a:off x="1000673" y="1501701"/>
+            <a:ext cx="7283938" cy="0"/>
+          </a:xfrm>
+          <a:prstGeom prst="line">
+            <a:avLst/>
+          </a:prstGeom>
+          <a:ln w="12700">
+            <a:solidFill>
+              <a:schemeClr val="bg1">
+                <a:lumMod val="50000"/>
+              </a:schemeClr>
+            </a:solidFill>
+            <a:prstDash val="dash"/>
+          </a:ln>
+        </p:spPr>
+        <p:style>
+          <a:lnRef idx="1">
+            <a:schemeClr val="accent1"/>
+          </a:lnRef>
+          <a:fillRef idx="0">
+            <a:schemeClr val="accent1"/>
+          </a:fillRef>
+          <a:effectRef idx="0">
+            <a:schemeClr val="accent1"/>
+          </a:effectRef>
+          <a:fontRef idx="minor">
+            <a:schemeClr val="tx1"/>
+          </a:fontRef>
+        </p:style>
+      </p:cxnSp>
+      <p:cxnSp>
+        <p:nvCxnSpPr>
+          <p:cNvPr id="31" name="Conector recto 30"/>
+          <p:cNvCxnSpPr/>
+          <p:nvPr/>
+        </p:nvCxnSpPr>
+        <p:spPr>
+          <a:xfrm>
+            <a:off x="1068482" y="2434170"/>
+            <a:ext cx="7283938" cy="0"/>
+          </a:xfrm>
+          <a:prstGeom prst="line">
+            <a:avLst/>
+          </a:prstGeom>
+          <a:ln w="12700">
+            <a:solidFill>
+              <a:schemeClr val="bg1">
+                <a:lumMod val="50000"/>
+              </a:schemeClr>
+            </a:solidFill>
+            <a:prstDash val="dash"/>
+          </a:ln>
+        </p:spPr>
+        <p:style>
+          <a:lnRef idx="1">
+            <a:schemeClr val="accent1"/>
+          </a:lnRef>
+          <a:fillRef idx="0">
+            <a:schemeClr val="accent1"/>
+          </a:fillRef>
+          <a:effectRef idx="0">
+            <a:schemeClr val="accent1"/>
+          </a:effectRef>
+          <a:fontRef idx="minor">
+            <a:schemeClr val="tx1"/>
+          </a:fontRef>
+        </p:style>
+      </p:cxnSp>
+      <p:cxnSp>
+        <p:nvCxnSpPr>
+          <p:cNvPr id="32" name="Conector recto 31"/>
+          <p:cNvCxnSpPr/>
+          <p:nvPr/>
+        </p:nvCxnSpPr>
+        <p:spPr>
+          <a:xfrm>
+            <a:off x="978472" y="3474005"/>
+            <a:ext cx="7283938" cy="0"/>
+          </a:xfrm>
+          <a:prstGeom prst="line">
+            <a:avLst/>
+          </a:prstGeom>
+          <a:ln w="12700">
+            <a:solidFill>
+              <a:schemeClr val="bg1">
+                <a:lumMod val="50000"/>
+              </a:schemeClr>
+            </a:solidFill>
+            <a:prstDash val="dash"/>
+          </a:ln>
+        </p:spPr>
+        <p:style>
+          <a:lnRef idx="1">
+            <a:schemeClr val="accent1"/>
+          </a:lnRef>
+          <a:fillRef idx="0">
+            <a:schemeClr val="accent1"/>
+          </a:fillRef>
+          <a:effectRef idx="0">
+            <a:schemeClr val="accent1"/>
+          </a:effectRef>
+          <a:fontRef idx="minor">
+            <a:schemeClr val="tx1"/>
+          </a:fontRef>
+        </p:style>
+      </p:cxnSp>
+      <p:cxnSp>
+        <p:nvCxnSpPr>
+          <p:cNvPr id="35" name="Conector recto 34"/>
+          <p:cNvCxnSpPr/>
+          <p:nvPr/>
+        </p:nvCxnSpPr>
+        <p:spPr>
+          <a:xfrm>
+            <a:off x="1023477" y="1268760"/>
+            <a:ext cx="7283938" cy="0"/>
+          </a:xfrm>
+          <a:prstGeom prst="line">
+            <a:avLst/>
+          </a:prstGeom>
+          <a:ln w="12700">
+            <a:solidFill>
+              <a:schemeClr val="bg1">
+                <a:lumMod val="50000"/>
+              </a:schemeClr>
+            </a:solidFill>
+            <a:prstDash val="dash"/>
+          </a:ln>
+        </p:spPr>
+        <p:style>
+          <a:lnRef idx="1">
+            <a:schemeClr val="accent1"/>
+          </a:lnRef>
+          <a:fillRef idx="0">
+            <a:schemeClr val="accent1"/>
+          </a:fillRef>
+          <a:effectRef idx="0">
+            <a:schemeClr val="accent1"/>
+          </a:effectRef>
+          <a:fontRef idx="minor">
+            <a:schemeClr val="tx1"/>
+          </a:fontRef>
+        </p:style>
+      </p:cxnSp>
+      <p:cxnSp>
+        <p:nvCxnSpPr>
+          <p:cNvPr id="38" name="Conector recto 37"/>
+          <p:cNvCxnSpPr/>
+          <p:nvPr/>
+        </p:nvCxnSpPr>
+        <p:spPr>
+          <a:xfrm>
+            <a:off x="978472" y="3699030"/>
+            <a:ext cx="7283938" cy="0"/>
+          </a:xfrm>
+          <a:prstGeom prst="line">
+            <a:avLst/>
+          </a:prstGeom>
+          <a:ln w="12700">
+            <a:solidFill>
+              <a:schemeClr val="bg1">
+                <a:lumMod val="50000"/>
+              </a:schemeClr>
+            </a:solidFill>
+            <a:prstDash val="dash"/>
+          </a:ln>
+        </p:spPr>
+        <p:style>
+          <a:lnRef idx="1">
+            <a:schemeClr val="accent1"/>
+          </a:lnRef>
+          <a:fillRef idx="0">
+            <a:schemeClr val="accent1"/>
+          </a:fillRef>
+          <a:effectRef idx="0">
+            <a:schemeClr val="accent1"/>
+          </a:effectRef>
+          <a:fontRef idx="minor">
+            <a:schemeClr val="tx1"/>
+          </a:fontRef>
+        </p:style>
+      </p:cxnSp>
+    </p:spTree>
+    <p:extLst>
+      <p:ext uri="{BB962C8B-B14F-4D97-AF65-F5344CB8AC3E}">
+        <p14:creationId xmlns:p14="http://schemas.microsoft.com/office/powerpoint/2010/main" val="1170414755"/>
+      </p:ext>
+    </p:extLst>
+  </p:cSld>
+  <p:clrMapOvr>
+    <a:masterClrMapping/>
+  </p:clrMapOvr>
+</p:sld>
+</file>
+
+<file path=ppt/slides/slide20.xml><?xml version="1.0" encoding="utf-8"?>
 <p:sld xmlns:a="http://schemas.openxmlformats.org/drawingml/2006/main" xmlns:r="http://schemas.openxmlformats.org/officeDocument/2006/relationships" xmlns:p="http://schemas.openxmlformats.org/presentationml/2006/main">
   <p:cSld>
     <p:spTree>
@@ -21476,893 +27424,7 @@
 </p:sld>
 </file>
 
-<file path=ppt/slides/slide2.xml><?xml version="1.0" encoding="utf-8"?>
-<p:sld xmlns:a="http://schemas.openxmlformats.org/drawingml/2006/main" xmlns:r="http://schemas.openxmlformats.org/officeDocument/2006/relationships" xmlns:p="http://schemas.openxmlformats.org/presentationml/2006/main">
-  <p:cSld>
-    <p:spTree>
-      <p:nvGrpSpPr>
-        <p:cNvPr id="1" name=""/>
-        <p:cNvGrpSpPr/>
-        <p:nvPr/>
-      </p:nvGrpSpPr>
-      <p:grpSpPr>
-        <a:xfrm>
-          <a:off x="0" y="0"/>
-          <a:ext cx="0" cy="0"/>
-          <a:chOff x="0" y="0"/>
-          <a:chExt cx="0" cy="0"/>
-        </a:xfrm>
-      </p:grpSpPr>
-      <p:cxnSp>
-        <p:nvCxnSpPr>
-          <p:cNvPr id="34" name="Conector recto de flecha 33"/>
-          <p:cNvCxnSpPr/>
-          <p:nvPr/>
-        </p:nvCxnSpPr>
-        <p:spPr>
-          <a:xfrm flipH="1">
-            <a:off x="3436673" y="2439180"/>
-            <a:ext cx="0" cy="1291133"/>
-          </a:xfrm>
-          <a:prstGeom prst="straightConnector1">
-            <a:avLst/>
-          </a:prstGeom>
-          <a:ln w="76200">
-            <a:solidFill>
-              <a:srgbClr val="00B0F0"/>
-            </a:solidFill>
-            <a:tailEnd type="triangle"/>
-          </a:ln>
-        </p:spPr>
-        <p:style>
-          <a:lnRef idx="1">
-            <a:schemeClr val="accent1"/>
-          </a:lnRef>
-          <a:fillRef idx="0">
-            <a:schemeClr val="accent1"/>
-          </a:fillRef>
-          <a:effectRef idx="0">
-            <a:schemeClr val="accent1"/>
-          </a:effectRef>
-          <a:fontRef idx="minor">
-            <a:schemeClr val="tx1"/>
-          </a:fontRef>
-        </p:style>
-      </p:cxnSp>
-      <p:cxnSp>
-        <p:nvCxnSpPr>
-          <p:cNvPr id="33" name="Conector recto de flecha 32"/>
-          <p:cNvCxnSpPr/>
-          <p:nvPr/>
-        </p:nvCxnSpPr>
-        <p:spPr>
-          <a:xfrm flipV="1">
-            <a:off x="1305499" y="1493785"/>
-            <a:ext cx="0" cy="940459"/>
-          </a:xfrm>
-          <a:prstGeom prst="straightConnector1">
-            <a:avLst/>
-          </a:prstGeom>
-          <a:ln w="76200">
-            <a:solidFill>
-              <a:srgbClr val="00B0F0"/>
-            </a:solidFill>
-            <a:tailEnd type="triangle"/>
-          </a:ln>
-        </p:spPr>
-        <p:style>
-          <a:lnRef idx="1">
-            <a:schemeClr val="accent1"/>
-          </a:lnRef>
-          <a:fillRef idx="0">
-            <a:schemeClr val="accent1"/>
-          </a:fillRef>
-          <a:effectRef idx="0">
-            <a:schemeClr val="accent1"/>
-          </a:effectRef>
-          <a:fontRef idx="minor">
-            <a:schemeClr val="tx1"/>
-          </a:fontRef>
-        </p:style>
-      </p:cxnSp>
-      <p:cxnSp>
-        <p:nvCxnSpPr>
-          <p:cNvPr id="2" name="13 Conector recto de flecha"/>
-          <p:cNvCxnSpPr/>
-          <p:nvPr/>
-        </p:nvCxnSpPr>
-        <p:spPr>
-          <a:xfrm>
-            <a:off x="1305499" y="2426232"/>
-            <a:ext cx="2529281" cy="0"/>
-          </a:xfrm>
-          <a:prstGeom prst="straightConnector1">
-            <a:avLst/>
-          </a:prstGeom>
-          <a:ln w="25400">
-            <a:solidFill>
-              <a:schemeClr val="tx1"/>
-            </a:solidFill>
-            <a:tailEnd type="triangle" w="lg" len="lg"/>
-          </a:ln>
-        </p:spPr>
-        <p:style>
-          <a:lnRef idx="1">
-            <a:schemeClr val="accent1"/>
-          </a:lnRef>
-          <a:fillRef idx="0">
-            <a:schemeClr val="accent1"/>
-          </a:fillRef>
-          <a:effectRef idx="0">
-            <a:schemeClr val="accent1"/>
-          </a:effectRef>
-          <a:fontRef idx="minor">
-            <a:schemeClr val="tx1"/>
-          </a:fontRef>
-        </p:style>
-      </p:cxnSp>
-      <p:cxnSp>
-        <p:nvCxnSpPr>
-          <p:cNvPr id="3" name="16 Conector recto"/>
-          <p:cNvCxnSpPr/>
-          <p:nvPr/>
-        </p:nvCxnSpPr>
-        <p:spPr>
-          <a:xfrm flipV="1">
-            <a:off x="1305499" y="2292906"/>
-            <a:ext cx="0" cy="271998"/>
-          </a:xfrm>
-          <a:prstGeom prst="line">
-            <a:avLst/>
-          </a:prstGeom>
-          <a:ln w="25400">
-            <a:solidFill>
-              <a:schemeClr val="tx1"/>
-            </a:solidFill>
-          </a:ln>
-        </p:spPr>
-        <p:style>
-          <a:lnRef idx="1">
-            <a:schemeClr val="accent1"/>
-          </a:lnRef>
-          <a:fillRef idx="0">
-            <a:schemeClr val="accent1"/>
-          </a:fillRef>
-          <a:effectRef idx="0">
-            <a:schemeClr val="accent1"/>
-          </a:effectRef>
-          <a:fontRef idx="minor">
-            <a:schemeClr val="tx1"/>
-          </a:fontRef>
-        </p:style>
-      </p:cxnSp>
-      <p:cxnSp>
-        <p:nvCxnSpPr>
-          <p:cNvPr id="10" name="28 Conector recto"/>
-          <p:cNvCxnSpPr/>
-          <p:nvPr/>
-        </p:nvCxnSpPr>
-        <p:spPr>
-          <a:xfrm flipV="1">
-            <a:off x="3429735" y="2292906"/>
-            <a:ext cx="0" cy="271998"/>
-          </a:xfrm>
-          <a:prstGeom prst="line">
-            <a:avLst/>
-          </a:prstGeom>
-          <a:ln w="25400">
-            <a:solidFill>
-              <a:schemeClr val="tx1"/>
-            </a:solidFill>
-          </a:ln>
-        </p:spPr>
-        <p:style>
-          <a:lnRef idx="1">
-            <a:schemeClr val="accent1"/>
-          </a:lnRef>
-          <a:fillRef idx="0">
-            <a:schemeClr val="accent1"/>
-          </a:fillRef>
-          <a:effectRef idx="0">
-            <a:schemeClr val="accent1"/>
-          </a:effectRef>
-          <a:fontRef idx="minor">
-            <a:schemeClr val="tx1"/>
-          </a:fontRef>
-        </p:style>
-      </p:cxnSp>
-      <p:sp>
-        <p:nvSpPr>
-          <p:cNvPr id="18" name="CuadroTexto 17"/>
-          <p:cNvSpPr txBox="1"/>
-          <p:nvPr/>
-        </p:nvSpPr>
-        <p:spPr>
-          <a:xfrm>
-            <a:off x="2963809" y="2397909"/>
-            <a:ext cx="393056" cy="584775"/>
-          </a:xfrm>
-          <a:prstGeom prst="rect">
-            <a:avLst/>
-          </a:prstGeom>
-          <a:noFill/>
-        </p:spPr>
-        <p:txBody>
-          <a:bodyPr wrap="none" rtlCol="0">
-            <a:spAutoFit/>
-          </a:bodyPr>
-          <a:lstStyle/>
-          <a:p>
-            <a:r>
-              <a:rPr lang="es-ES_tradnl" sz="3200" smtClean="0"/>
-              <a:t>1</a:t>
-            </a:r>
-            <a:endParaRPr lang="es-ES_tradnl" sz="3200"/>
-          </a:p>
-        </p:txBody>
-      </p:sp>
-      <p:sp>
-        <p:nvSpPr>
-          <p:cNvPr id="27" name="CuadroTexto 26"/>
-          <p:cNvSpPr txBox="1"/>
-          <p:nvPr/>
-        </p:nvSpPr>
-        <p:spPr>
-          <a:xfrm>
-            <a:off x="761458" y="2069558"/>
-            <a:ext cx="553805" cy="369332"/>
-          </a:xfrm>
-          <a:prstGeom prst="rect">
-            <a:avLst/>
-          </a:prstGeom>
-          <a:noFill/>
-        </p:spPr>
-        <p:txBody>
-          <a:bodyPr wrap="none" rtlCol="0">
-            <a:spAutoFit/>
-          </a:bodyPr>
-          <a:lstStyle/>
-          <a:p>
-            <a:pPr algn="r"/>
-            <a:r>
-              <a:rPr lang="es-ES_tradnl" smtClean="0"/>
-              <a:t>Hoy</a:t>
-            </a:r>
-            <a:endParaRPr lang="es-ES_tradnl"/>
-          </a:p>
-        </p:txBody>
-      </p:sp>
-      <p:sp>
-        <p:nvSpPr>
-          <p:cNvPr id="36" name="CuadroTexto 35"/>
-          <p:cNvSpPr txBox="1"/>
-          <p:nvPr/>
-        </p:nvSpPr>
-        <p:spPr>
-          <a:xfrm>
-            <a:off x="1376645" y="1512783"/>
-            <a:ext cx="2131289" cy="400110"/>
-          </a:xfrm>
-          <a:prstGeom prst="rect">
-            <a:avLst/>
-          </a:prstGeom>
-          <a:noFill/>
-        </p:spPr>
-        <p:txBody>
-          <a:bodyPr wrap="none" rtlCol="0">
-            <a:spAutoFit/>
-          </a:bodyPr>
-          <a:lstStyle/>
-          <a:p>
-            <a:r>
-              <a:rPr lang="es-ES_tradnl" sz="2000" dirty="0" smtClean="0"/>
-              <a:t>Dinero recibido (+)</a:t>
-            </a:r>
-            <a:endParaRPr lang="es-ES_tradnl" sz="2000" dirty="0"/>
-          </a:p>
-        </p:txBody>
-      </p:sp>
-      <p:sp>
-        <p:nvSpPr>
-          <p:cNvPr id="37" name="CuadroTexto 36"/>
-          <p:cNvSpPr txBox="1"/>
-          <p:nvPr/>
-        </p:nvSpPr>
-        <p:spPr>
-          <a:xfrm>
-            <a:off x="1090076" y="3059461"/>
-            <a:ext cx="2356799" cy="400110"/>
-          </a:xfrm>
-          <a:prstGeom prst="rect">
-            <a:avLst/>
-          </a:prstGeom>
-          <a:noFill/>
-        </p:spPr>
-        <p:txBody>
-          <a:bodyPr wrap="none" rtlCol="0">
-            <a:spAutoFit/>
-          </a:bodyPr>
-          <a:lstStyle/>
-          <a:p>
-            <a:pPr algn="r"/>
-            <a:r>
-              <a:rPr lang="es-ES_tradnl" sz="2000" smtClean="0"/>
-              <a:t>Dinero entregado </a:t>
-            </a:r>
-            <a:r>
-              <a:rPr lang="es-ES_tradnl" sz="2000" dirty="0" smtClean="0"/>
-              <a:t>(⎼)</a:t>
-            </a:r>
-            <a:endParaRPr lang="es-ES_tradnl" sz="2000" dirty="0"/>
-          </a:p>
-        </p:txBody>
-      </p:sp>
-      <p:sp>
-        <p:nvSpPr>
-          <p:cNvPr id="40" name="CuadroTexto 39"/>
-          <p:cNvSpPr txBox="1"/>
-          <p:nvPr/>
-        </p:nvSpPr>
-        <p:spPr>
-          <a:xfrm>
-            <a:off x="761458" y="683985"/>
-            <a:ext cx="3073322" cy="584775"/>
-          </a:xfrm>
-          <a:prstGeom prst="rect">
-            <a:avLst/>
-          </a:prstGeom>
-          <a:noFill/>
-        </p:spPr>
-        <p:txBody>
-          <a:bodyPr wrap="square" rtlCol="0">
-            <a:spAutoFit/>
-          </a:bodyPr>
-          <a:lstStyle/>
-          <a:p>
-            <a:pPr algn="ctr"/>
-            <a:r>
-              <a:rPr lang="es-ES_tradnl" sz="3200" dirty="0" smtClean="0"/>
-              <a:t>Préstamo</a:t>
-            </a:r>
-            <a:endParaRPr lang="es-ES_tradnl" sz="3200" dirty="0"/>
-          </a:p>
-        </p:txBody>
-      </p:sp>
-      <p:cxnSp>
-        <p:nvCxnSpPr>
-          <p:cNvPr id="42" name="Conector recto de flecha 41"/>
-          <p:cNvCxnSpPr/>
-          <p:nvPr/>
-        </p:nvCxnSpPr>
-        <p:spPr>
-          <a:xfrm flipH="1">
-            <a:off x="5695062" y="2439106"/>
-            <a:ext cx="1446" cy="1050180"/>
-          </a:xfrm>
-          <a:prstGeom prst="straightConnector1">
-            <a:avLst/>
-          </a:prstGeom>
-          <a:ln w="76200">
-            <a:solidFill>
-              <a:srgbClr val="00B0F0"/>
-            </a:solidFill>
-            <a:tailEnd type="triangle"/>
-          </a:ln>
-        </p:spPr>
-        <p:style>
-          <a:lnRef idx="1">
-            <a:schemeClr val="accent1"/>
-          </a:lnRef>
-          <a:fillRef idx="0">
-            <a:schemeClr val="accent1"/>
-          </a:fillRef>
-          <a:effectRef idx="0">
-            <a:schemeClr val="accent1"/>
-          </a:effectRef>
-          <a:fontRef idx="minor">
-            <a:schemeClr val="tx1"/>
-          </a:fontRef>
-        </p:style>
-      </p:cxnSp>
-      <p:cxnSp>
-        <p:nvCxnSpPr>
-          <p:cNvPr id="43" name="Conector recto de flecha 42"/>
-          <p:cNvCxnSpPr/>
-          <p:nvPr/>
-        </p:nvCxnSpPr>
-        <p:spPr>
-          <a:xfrm flipV="1">
-            <a:off x="7812360" y="1268760"/>
-            <a:ext cx="0" cy="1165485"/>
-          </a:xfrm>
-          <a:prstGeom prst="straightConnector1">
-            <a:avLst/>
-          </a:prstGeom>
-          <a:ln w="76200">
-            <a:solidFill>
-              <a:srgbClr val="00B0F0"/>
-            </a:solidFill>
-            <a:tailEnd type="triangle"/>
-          </a:ln>
-        </p:spPr>
-        <p:style>
-          <a:lnRef idx="1">
-            <a:schemeClr val="accent1"/>
-          </a:lnRef>
-          <a:fillRef idx="0">
-            <a:schemeClr val="accent1"/>
-          </a:fillRef>
-          <a:effectRef idx="0">
-            <a:schemeClr val="accent1"/>
-          </a:effectRef>
-          <a:fontRef idx="minor">
-            <a:schemeClr val="tx1"/>
-          </a:fontRef>
-        </p:style>
-      </p:cxnSp>
-      <p:cxnSp>
-        <p:nvCxnSpPr>
-          <p:cNvPr id="44" name="13 Conector recto de flecha"/>
-          <p:cNvCxnSpPr/>
-          <p:nvPr/>
-        </p:nvCxnSpPr>
-        <p:spPr>
-          <a:xfrm>
-            <a:off x="5688124" y="2426158"/>
-            <a:ext cx="2529281" cy="0"/>
-          </a:xfrm>
-          <a:prstGeom prst="straightConnector1">
-            <a:avLst/>
-          </a:prstGeom>
-          <a:ln w="25400">
-            <a:solidFill>
-              <a:schemeClr val="tx1"/>
-            </a:solidFill>
-            <a:tailEnd type="triangle" w="lg" len="lg"/>
-          </a:ln>
-        </p:spPr>
-        <p:style>
-          <a:lnRef idx="1">
-            <a:schemeClr val="accent1"/>
-          </a:lnRef>
-          <a:fillRef idx="0">
-            <a:schemeClr val="accent1"/>
-          </a:fillRef>
-          <a:effectRef idx="0">
-            <a:schemeClr val="accent1"/>
-          </a:effectRef>
-          <a:fontRef idx="minor">
-            <a:schemeClr val="tx1"/>
-          </a:fontRef>
-        </p:style>
-      </p:cxnSp>
-      <p:cxnSp>
-        <p:nvCxnSpPr>
-          <p:cNvPr id="45" name="16 Conector recto"/>
-          <p:cNvCxnSpPr/>
-          <p:nvPr/>
-        </p:nvCxnSpPr>
-        <p:spPr>
-          <a:xfrm flipV="1">
-            <a:off x="5688124" y="2292832"/>
-            <a:ext cx="0" cy="271998"/>
-          </a:xfrm>
-          <a:prstGeom prst="line">
-            <a:avLst/>
-          </a:prstGeom>
-          <a:ln w="25400">
-            <a:solidFill>
-              <a:schemeClr val="tx1"/>
-            </a:solidFill>
-          </a:ln>
-        </p:spPr>
-        <p:style>
-          <a:lnRef idx="1">
-            <a:schemeClr val="accent1"/>
-          </a:lnRef>
-          <a:fillRef idx="0">
-            <a:schemeClr val="accent1"/>
-          </a:fillRef>
-          <a:effectRef idx="0">
-            <a:schemeClr val="accent1"/>
-          </a:effectRef>
-          <a:fontRef idx="minor">
-            <a:schemeClr val="tx1"/>
-          </a:fontRef>
-        </p:style>
-      </p:cxnSp>
-      <p:cxnSp>
-        <p:nvCxnSpPr>
-          <p:cNvPr id="46" name="28 Conector recto"/>
-          <p:cNvCxnSpPr/>
-          <p:nvPr/>
-        </p:nvCxnSpPr>
-        <p:spPr>
-          <a:xfrm flipV="1">
-            <a:off x="7812360" y="2292832"/>
-            <a:ext cx="0" cy="271998"/>
-          </a:xfrm>
-          <a:prstGeom prst="line">
-            <a:avLst/>
-          </a:prstGeom>
-          <a:ln w="25400">
-            <a:solidFill>
-              <a:schemeClr val="tx1"/>
-            </a:solidFill>
-          </a:ln>
-        </p:spPr>
-        <p:style>
-          <a:lnRef idx="1">
-            <a:schemeClr val="accent1"/>
-          </a:lnRef>
-          <a:fillRef idx="0">
-            <a:schemeClr val="accent1"/>
-          </a:fillRef>
-          <a:effectRef idx="0">
-            <a:schemeClr val="accent1"/>
-          </a:effectRef>
-          <a:fontRef idx="minor">
-            <a:schemeClr val="tx1"/>
-          </a:fontRef>
-        </p:style>
-      </p:cxnSp>
-      <p:sp>
-        <p:nvSpPr>
-          <p:cNvPr id="47" name="CuadroTexto 46"/>
-          <p:cNvSpPr txBox="1"/>
-          <p:nvPr/>
-        </p:nvSpPr>
-        <p:spPr>
-          <a:xfrm>
-            <a:off x="7374299" y="2397835"/>
-            <a:ext cx="393056" cy="584775"/>
-          </a:xfrm>
-          <a:prstGeom prst="rect">
-            <a:avLst/>
-          </a:prstGeom>
-          <a:noFill/>
-        </p:spPr>
-        <p:txBody>
-          <a:bodyPr wrap="none" rtlCol="0">
-            <a:spAutoFit/>
-          </a:bodyPr>
-          <a:lstStyle/>
-          <a:p>
-            <a:r>
-              <a:rPr lang="es-ES_tradnl" sz="3200" smtClean="0"/>
-              <a:t>1</a:t>
-            </a:r>
-            <a:endParaRPr lang="es-ES_tradnl" sz="3200"/>
-          </a:p>
-        </p:txBody>
-      </p:sp>
-      <p:sp>
-        <p:nvSpPr>
-          <p:cNvPr id="48" name="CuadroTexto 47"/>
-          <p:cNvSpPr txBox="1"/>
-          <p:nvPr/>
-        </p:nvSpPr>
-        <p:spPr>
-          <a:xfrm>
-            <a:off x="5112060" y="2069558"/>
-            <a:ext cx="553805" cy="369332"/>
-          </a:xfrm>
-          <a:prstGeom prst="rect">
-            <a:avLst/>
-          </a:prstGeom>
-          <a:noFill/>
-        </p:spPr>
-        <p:txBody>
-          <a:bodyPr wrap="none" rtlCol="0">
-            <a:spAutoFit/>
-          </a:bodyPr>
-          <a:lstStyle/>
-          <a:p>
-            <a:pPr algn="r"/>
-            <a:r>
-              <a:rPr lang="es-ES_tradnl" smtClean="0"/>
-              <a:t>Hoy</a:t>
-            </a:r>
-            <a:endParaRPr lang="es-ES_tradnl"/>
-          </a:p>
-        </p:txBody>
-      </p:sp>
-      <p:sp>
-        <p:nvSpPr>
-          <p:cNvPr id="51" name="CuadroTexto 50"/>
-          <p:cNvSpPr txBox="1"/>
-          <p:nvPr/>
-        </p:nvSpPr>
-        <p:spPr>
-          <a:xfrm>
-            <a:off x="5112060" y="683985"/>
-            <a:ext cx="3105345" cy="584775"/>
-          </a:xfrm>
-          <a:prstGeom prst="rect">
-            <a:avLst/>
-          </a:prstGeom>
-          <a:noFill/>
-        </p:spPr>
-        <p:txBody>
-          <a:bodyPr wrap="square" rtlCol="0">
-            <a:spAutoFit/>
-          </a:bodyPr>
-          <a:lstStyle/>
-          <a:p>
-            <a:pPr algn="ctr"/>
-            <a:r>
-              <a:rPr lang="es-ES_tradnl" sz="3200" dirty="0" smtClean="0"/>
-              <a:t>Ahorro</a:t>
-            </a:r>
-            <a:endParaRPr lang="es-ES_tradnl" sz="3200" dirty="0"/>
-          </a:p>
-        </p:txBody>
-      </p:sp>
-      <p:sp>
-        <p:nvSpPr>
-          <p:cNvPr id="52" name="CuadroTexto 51"/>
-          <p:cNvSpPr txBox="1"/>
-          <p:nvPr/>
-        </p:nvSpPr>
-        <p:spPr>
-          <a:xfrm>
-            <a:off x="5681071" y="1526838"/>
-            <a:ext cx="2131289" cy="400110"/>
-          </a:xfrm>
-          <a:prstGeom prst="rect">
-            <a:avLst/>
-          </a:prstGeom>
-          <a:noFill/>
-        </p:spPr>
-        <p:txBody>
-          <a:bodyPr wrap="none" rtlCol="0">
-            <a:spAutoFit/>
-          </a:bodyPr>
-          <a:lstStyle/>
-          <a:p>
-            <a:pPr algn="r"/>
-            <a:r>
-              <a:rPr lang="es-ES_tradnl" sz="2000" dirty="0" smtClean="0"/>
-              <a:t>Dinero recibido (+)</a:t>
-            </a:r>
-            <a:endParaRPr lang="es-ES_tradnl" sz="2000" dirty="0"/>
-          </a:p>
-        </p:txBody>
-      </p:sp>
-      <p:sp>
-        <p:nvSpPr>
-          <p:cNvPr id="53" name="CuadroTexto 52"/>
-          <p:cNvSpPr txBox="1"/>
-          <p:nvPr/>
-        </p:nvSpPr>
-        <p:spPr>
-          <a:xfrm>
-            <a:off x="5815601" y="3064040"/>
-            <a:ext cx="2356799" cy="400110"/>
-          </a:xfrm>
-          <a:prstGeom prst="rect">
-            <a:avLst/>
-          </a:prstGeom>
-          <a:noFill/>
-        </p:spPr>
-        <p:txBody>
-          <a:bodyPr wrap="none" rtlCol="0">
-            <a:spAutoFit/>
-          </a:bodyPr>
-          <a:lstStyle/>
-          <a:p>
-            <a:r>
-              <a:rPr lang="es-ES_tradnl" sz="2000" dirty="0" smtClean="0"/>
-              <a:t>Dinero entregado (⎼)</a:t>
-            </a:r>
-            <a:endParaRPr lang="es-ES_tradnl" sz="2000" dirty="0"/>
-          </a:p>
-        </p:txBody>
-      </p:sp>
-      <p:cxnSp>
-        <p:nvCxnSpPr>
-          <p:cNvPr id="5" name="Conector recto 4"/>
-          <p:cNvCxnSpPr/>
-          <p:nvPr/>
-        </p:nvCxnSpPr>
-        <p:spPr>
-          <a:xfrm>
-            <a:off x="1000673" y="1501701"/>
-            <a:ext cx="7283938" cy="0"/>
-          </a:xfrm>
-          <a:prstGeom prst="line">
-            <a:avLst/>
-          </a:prstGeom>
-          <a:ln w="12700">
-            <a:solidFill>
-              <a:schemeClr val="bg1">
-                <a:lumMod val="50000"/>
-              </a:schemeClr>
-            </a:solidFill>
-            <a:prstDash val="dash"/>
-          </a:ln>
-        </p:spPr>
-        <p:style>
-          <a:lnRef idx="1">
-            <a:schemeClr val="accent1"/>
-          </a:lnRef>
-          <a:fillRef idx="0">
-            <a:schemeClr val="accent1"/>
-          </a:fillRef>
-          <a:effectRef idx="0">
-            <a:schemeClr val="accent1"/>
-          </a:effectRef>
-          <a:fontRef idx="minor">
-            <a:schemeClr val="tx1"/>
-          </a:fontRef>
-        </p:style>
-      </p:cxnSp>
-      <p:cxnSp>
-        <p:nvCxnSpPr>
-          <p:cNvPr id="31" name="Conector recto 30"/>
-          <p:cNvCxnSpPr/>
-          <p:nvPr/>
-        </p:nvCxnSpPr>
-        <p:spPr>
-          <a:xfrm>
-            <a:off x="1068482" y="2434170"/>
-            <a:ext cx="7283938" cy="0"/>
-          </a:xfrm>
-          <a:prstGeom prst="line">
-            <a:avLst/>
-          </a:prstGeom>
-          <a:ln w="12700">
-            <a:solidFill>
-              <a:schemeClr val="bg1">
-                <a:lumMod val="50000"/>
-              </a:schemeClr>
-            </a:solidFill>
-            <a:prstDash val="dash"/>
-          </a:ln>
-        </p:spPr>
-        <p:style>
-          <a:lnRef idx="1">
-            <a:schemeClr val="accent1"/>
-          </a:lnRef>
-          <a:fillRef idx="0">
-            <a:schemeClr val="accent1"/>
-          </a:fillRef>
-          <a:effectRef idx="0">
-            <a:schemeClr val="accent1"/>
-          </a:effectRef>
-          <a:fontRef idx="minor">
-            <a:schemeClr val="tx1"/>
-          </a:fontRef>
-        </p:style>
-      </p:cxnSp>
-      <p:cxnSp>
-        <p:nvCxnSpPr>
-          <p:cNvPr id="32" name="Conector recto 31"/>
-          <p:cNvCxnSpPr/>
-          <p:nvPr/>
-        </p:nvCxnSpPr>
-        <p:spPr>
-          <a:xfrm>
-            <a:off x="978472" y="3474005"/>
-            <a:ext cx="7283938" cy="0"/>
-          </a:xfrm>
-          <a:prstGeom prst="line">
-            <a:avLst/>
-          </a:prstGeom>
-          <a:ln w="12700">
-            <a:solidFill>
-              <a:schemeClr val="bg1">
-                <a:lumMod val="50000"/>
-              </a:schemeClr>
-            </a:solidFill>
-            <a:prstDash val="dash"/>
-          </a:ln>
-        </p:spPr>
-        <p:style>
-          <a:lnRef idx="1">
-            <a:schemeClr val="accent1"/>
-          </a:lnRef>
-          <a:fillRef idx="0">
-            <a:schemeClr val="accent1"/>
-          </a:fillRef>
-          <a:effectRef idx="0">
-            <a:schemeClr val="accent1"/>
-          </a:effectRef>
-          <a:fontRef idx="minor">
-            <a:schemeClr val="tx1"/>
-          </a:fontRef>
-        </p:style>
-      </p:cxnSp>
-      <p:cxnSp>
-        <p:nvCxnSpPr>
-          <p:cNvPr id="35" name="Conector recto 34"/>
-          <p:cNvCxnSpPr/>
-          <p:nvPr/>
-        </p:nvCxnSpPr>
-        <p:spPr>
-          <a:xfrm>
-            <a:off x="1023477" y="1268760"/>
-            <a:ext cx="7283938" cy="0"/>
-          </a:xfrm>
-          <a:prstGeom prst="line">
-            <a:avLst/>
-          </a:prstGeom>
-          <a:ln w="12700">
-            <a:solidFill>
-              <a:schemeClr val="bg1">
-                <a:lumMod val="50000"/>
-              </a:schemeClr>
-            </a:solidFill>
-            <a:prstDash val="dash"/>
-          </a:ln>
-        </p:spPr>
-        <p:style>
-          <a:lnRef idx="1">
-            <a:schemeClr val="accent1"/>
-          </a:lnRef>
-          <a:fillRef idx="0">
-            <a:schemeClr val="accent1"/>
-          </a:fillRef>
-          <a:effectRef idx="0">
-            <a:schemeClr val="accent1"/>
-          </a:effectRef>
-          <a:fontRef idx="minor">
-            <a:schemeClr val="tx1"/>
-          </a:fontRef>
-        </p:style>
-      </p:cxnSp>
-      <p:cxnSp>
-        <p:nvCxnSpPr>
-          <p:cNvPr id="38" name="Conector recto 37"/>
-          <p:cNvCxnSpPr/>
-          <p:nvPr/>
-        </p:nvCxnSpPr>
-        <p:spPr>
-          <a:xfrm>
-            <a:off x="978472" y="3699030"/>
-            <a:ext cx="7283938" cy="0"/>
-          </a:xfrm>
-          <a:prstGeom prst="line">
-            <a:avLst/>
-          </a:prstGeom>
-          <a:ln w="12700">
-            <a:solidFill>
-              <a:schemeClr val="bg1">
-                <a:lumMod val="50000"/>
-              </a:schemeClr>
-            </a:solidFill>
-            <a:prstDash val="dash"/>
-          </a:ln>
-        </p:spPr>
-        <p:style>
-          <a:lnRef idx="1">
-            <a:schemeClr val="accent1"/>
-          </a:lnRef>
-          <a:fillRef idx="0">
-            <a:schemeClr val="accent1"/>
-          </a:fillRef>
-          <a:effectRef idx="0">
-            <a:schemeClr val="accent1"/>
-          </a:effectRef>
-          <a:fontRef idx="minor">
-            <a:schemeClr val="tx1"/>
-          </a:fontRef>
-        </p:style>
-      </p:cxnSp>
-    </p:spTree>
-    <p:extLst>
-      <p:ext uri="{BB962C8B-B14F-4D97-AF65-F5344CB8AC3E}">
-        <p14:creationId xmlns:p14="http://schemas.microsoft.com/office/powerpoint/2010/main" val="1170414755"/>
-      </p:ext>
-    </p:extLst>
-  </p:cSld>
-  <p:clrMapOvr>
-    <a:masterClrMapping/>
-  </p:clrMapOvr>
-</p:sld>
-</file>
-
-<file path=ppt/slides/slide20.xml><?xml version="1.0" encoding="utf-8"?>
+<file path=ppt/slides/slide21.xml><?xml version="1.0" encoding="utf-8"?>
 <p:sld xmlns:a="http://schemas.openxmlformats.org/drawingml/2006/main" xmlns:r="http://schemas.openxmlformats.org/officeDocument/2006/relationships" xmlns:p="http://schemas.openxmlformats.org/presentationml/2006/main">
   <p:cSld>
     <p:spTree>
@@ -23671,7 +28733,7 @@
 </p:sld>
 </file>
 
-<file path=ppt/slides/slide21.xml><?xml version="1.0" encoding="utf-8"?>
+<file path=ppt/slides/slide22.xml><?xml version="1.0" encoding="utf-8"?>
 <p:sld xmlns:a="http://schemas.openxmlformats.org/drawingml/2006/main" xmlns:r="http://schemas.openxmlformats.org/officeDocument/2006/relationships" xmlns:p="http://schemas.openxmlformats.org/presentationml/2006/main">
   <p:cSld>
     <p:spTree>
@@ -25596,7 +30658,7 @@
 </p:sld>
 </file>
 
-<file path=ppt/slides/slide22.xml><?xml version="1.0" encoding="utf-8"?>
+<file path=ppt/slides/slide23.xml><?xml version="1.0" encoding="utf-8"?>
 <p:sld xmlns:a="http://schemas.openxmlformats.org/drawingml/2006/main" xmlns:r="http://schemas.openxmlformats.org/officeDocument/2006/relationships" xmlns:p="http://schemas.openxmlformats.org/presentationml/2006/main">
   <p:cSld>
     <p:spTree>
@@ -30155,7 +35217,7 @@
 </p:sld>
 </file>
 
-<file path=ppt/slides/slide23.xml><?xml version="1.0" encoding="utf-8"?>
+<file path=ppt/slides/slide24.xml><?xml version="1.0" encoding="utf-8"?>
 <p:sld xmlns:a="http://schemas.openxmlformats.org/drawingml/2006/main" xmlns:r="http://schemas.openxmlformats.org/officeDocument/2006/relationships" xmlns:p="http://schemas.openxmlformats.org/presentationml/2006/main">
   <p:cSld>
     <p:spTree>
@@ -31279,7 +36341,7 @@
 </p:sld>
 </file>
 
-<file path=ppt/slides/slide24.xml><?xml version="1.0" encoding="utf-8"?>
+<file path=ppt/slides/slide25.xml><?xml version="1.0" encoding="utf-8"?>
 <p:sld xmlns:a="http://schemas.openxmlformats.org/drawingml/2006/main" xmlns:r="http://schemas.openxmlformats.org/officeDocument/2006/relationships" xmlns:p="http://schemas.openxmlformats.org/presentationml/2006/main">
   <p:cSld>
     <p:spTree>
@@ -32443,7 +37505,7 @@
           <a:graphicData uri="http://schemas.openxmlformats.org/presentationml/2006/ole">
             <mc:AlternateContent xmlns:mc="http://schemas.openxmlformats.org/markup-compatibility/2006">
               <mc:Choice xmlns:v="urn:schemas-microsoft-com:vml" Requires="v">
-                <p:oleObj spid="_x0000_s1106" name="EcuaciÛn" r:id="rId7" imgW="114300" imgH="165100" progId="Equation.3">
+                <p:oleObj spid="_x0000_s1113" name="EcuaciÛn" r:id="rId7" imgW="114300" imgH="165100" progId="Equation.3">
                   <p:embed/>
                 </p:oleObj>
               </mc:Choice>
@@ -32498,7 +37560,7 @@
 </p:sld>
 </file>
 
-<file path=ppt/slides/slide25.xml><?xml version="1.0" encoding="utf-8"?>
+<file path=ppt/slides/slide26.xml><?xml version="1.0" encoding="utf-8"?>
 <p:sld xmlns:a="http://schemas.openxmlformats.org/drawingml/2006/main" xmlns:r="http://schemas.openxmlformats.org/officeDocument/2006/relationships" xmlns:p="http://schemas.openxmlformats.org/presentationml/2006/main">
   <p:cSld>
     <p:spTree>
@@ -36237,7 +41299,7 @@
 </p:sld>
 </file>
 
-<file path=ppt/slides/slide26.xml><?xml version="1.0" encoding="utf-8"?>
+<file path=ppt/slides/slide27.xml><?xml version="1.0" encoding="utf-8"?>
 <p:sld xmlns:a="http://schemas.openxmlformats.org/drawingml/2006/main" xmlns:r="http://schemas.openxmlformats.org/officeDocument/2006/relationships" xmlns:p="http://schemas.openxmlformats.org/presentationml/2006/main">
   <p:cSld>
     <p:spTree>
@@ -37754,7 +42816,7 @@
 </p:sld>
 </file>
 
-<file path=ppt/slides/slide27.xml><?xml version="1.0" encoding="utf-8"?>
+<file path=ppt/slides/slide28.xml><?xml version="1.0" encoding="utf-8"?>
 <p:sld xmlns:a="http://schemas.openxmlformats.org/drawingml/2006/main" xmlns:r="http://schemas.openxmlformats.org/officeDocument/2006/relationships" xmlns:p="http://schemas.openxmlformats.org/presentationml/2006/main">
   <p:cSld>
     <p:spTree>
@@ -38812,7 +43874,7 @@
 </p:sld>
 </file>
 
-<file path=ppt/slides/slide28.xml><?xml version="1.0" encoding="utf-8"?>
+<file path=ppt/slides/slide29.xml><?xml version="1.0" encoding="utf-8"?>
 <p:sld xmlns:a="http://schemas.openxmlformats.org/drawingml/2006/main" xmlns:r="http://schemas.openxmlformats.org/officeDocument/2006/relationships" xmlns:p="http://schemas.openxmlformats.org/presentationml/2006/main">
   <p:cSld>
     <p:spTree>
@@ -38879,378 +43941,6 @@
     <p:extLst>
       <p:ext uri="{BB962C8B-B14F-4D97-AF65-F5344CB8AC3E}">
         <p14:creationId xmlns:p14="http://schemas.microsoft.com/office/powerpoint/2010/main" val="1852428117"/>
-      </p:ext>
-    </p:extLst>
-  </p:cSld>
-  <p:clrMapOvr>
-    <a:masterClrMapping/>
-  </p:clrMapOvr>
-</p:sld>
-</file>
-
-<file path=ppt/slides/slide29.xml><?xml version="1.0" encoding="utf-8"?>
-<p:sld xmlns:a="http://schemas.openxmlformats.org/drawingml/2006/main" xmlns:r="http://schemas.openxmlformats.org/officeDocument/2006/relationships" xmlns:p="http://schemas.openxmlformats.org/presentationml/2006/main">
-  <p:cSld>
-    <p:spTree>
-      <p:nvGrpSpPr>
-        <p:cNvPr id="1" name=""/>
-        <p:cNvGrpSpPr/>
-        <p:nvPr/>
-      </p:nvGrpSpPr>
-      <p:grpSpPr>
-        <a:xfrm>
-          <a:off x="0" y="0"/>
-          <a:ext cx="0" cy="0"/>
-          <a:chOff x="0" y="0"/>
-          <a:chExt cx="0" cy="0"/>
-        </a:xfrm>
-      </p:grpSpPr>
-      <p:cxnSp>
-        <p:nvCxnSpPr>
-          <p:cNvPr id="3" name="Conector recto 2"/>
-          <p:cNvCxnSpPr/>
-          <p:nvPr/>
-        </p:nvCxnSpPr>
-        <p:spPr>
-          <a:xfrm>
-            <a:off x="971600" y="1233649"/>
-            <a:ext cx="0" cy="3015962"/>
-          </a:xfrm>
-          <a:prstGeom prst="line">
-            <a:avLst/>
-          </a:prstGeom>
-          <a:ln>
-            <a:solidFill>
-              <a:schemeClr val="tx1"/>
-            </a:solidFill>
-          </a:ln>
-          <a:effectLst/>
-        </p:spPr>
-        <p:style>
-          <a:lnRef idx="2">
-            <a:schemeClr val="accent1"/>
-          </a:lnRef>
-          <a:fillRef idx="0">
-            <a:schemeClr val="accent1"/>
-          </a:fillRef>
-          <a:effectRef idx="1">
-            <a:schemeClr val="accent1"/>
-          </a:effectRef>
-          <a:fontRef idx="minor">
-            <a:schemeClr val="tx1"/>
-          </a:fontRef>
-        </p:style>
-      </p:cxnSp>
-      <p:cxnSp>
-        <p:nvCxnSpPr>
-          <p:cNvPr id="5" name="Conector recto 4"/>
-          <p:cNvCxnSpPr/>
-          <p:nvPr/>
-        </p:nvCxnSpPr>
-        <p:spPr>
-          <a:xfrm>
-            <a:off x="296525" y="3753929"/>
-            <a:ext cx="5805645" cy="0"/>
-          </a:xfrm>
-          <a:prstGeom prst="line">
-            <a:avLst/>
-          </a:prstGeom>
-          <a:ln>
-            <a:solidFill>
-              <a:schemeClr val="tx1"/>
-            </a:solidFill>
-          </a:ln>
-          <a:effectLst/>
-        </p:spPr>
-        <p:style>
-          <a:lnRef idx="2">
-            <a:schemeClr val="accent1"/>
-          </a:lnRef>
-          <a:fillRef idx="0">
-            <a:schemeClr val="accent1"/>
-          </a:fillRef>
-          <a:effectRef idx="1">
-            <a:schemeClr val="accent1"/>
-          </a:effectRef>
-          <a:fontRef idx="minor">
-            <a:schemeClr val="tx1"/>
-          </a:fontRef>
-        </p:style>
-      </p:cxnSp>
-      <p:sp>
-        <p:nvSpPr>
-          <p:cNvPr id="17" name="Forma libre 16"/>
-          <p:cNvSpPr/>
-          <p:nvPr/>
-        </p:nvSpPr>
-        <p:spPr>
-          <a:xfrm>
-            <a:off x="656565" y="1503678"/>
-            <a:ext cx="4545505" cy="2745933"/>
-          </a:xfrm>
-          <a:custGeom>
-            <a:avLst/>
-            <a:gdLst>
-              <a:gd name="connsiteX0" fmla="*/ 0 w 5958776"/>
-              <a:gd name="connsiteY0" fmla="*/ 3377534 h 3377534"/>
-              <a:gd name="connsiteX1" fmla="*/ 348875 w 5958776"/>
-              <a:gd name="connsiteY1" fmla="*/ 2749481 h 3377534"/>
-              <a:gd name="connsiteX2" fmla="*/ 990804 w 5958776"/>
-              <a:gd name="connsiteY2" fmla="*/ 2233081 h 3377534"/>
-              <a:gd name="connsiteX3" fmla="*/ 2121157 w 5958776"/>
-              <a:gd name="connsiteY3" fmla="*/ 1870205 h 3377534"/>
-              <a:gd name="connsiteX4" fmla="*/ 3028231 w 5958776"/>
-              <a:gd name="connsiteY4" fmla="*/ 1479416 h 3377534"/>
-              <a:gd name="connsiteX5" fmla="*/ 3725980 w 5958776"/>
-              <a:gd name="connsiteY5" fmla="*/ 1032800 h 3377534"/>
-              <a:gd name="connsiteX6" fmla="*/ 4186494 w 5958776"/>
-              <a:gd name="connsiteY6" fmla="*/ 544313 h 3377534"/>
-              <a:gd name="connsiteX7" fmla="*/ 4674918 w 5958776"/>
-              <a:gd name="connsiteY7" fmla="*/ 181438 h 3377534"/>
-              <a:gd name="connsiteX8" fmla="*/ 5247072 w 5958776"/>
-              <a:gd name="connsiteY8" fmla="*/ 41870 h 3377534"/>
-              <a:gd name="connsiteX9" fmla="*/ 5958776 w 5958776"/>
-              <a:gd name="connsiteY9" fmla="*/ 0 h 3377534"/>
-            </a:gdLst>
-            <a:ahLst/>
-            <a:cxnLst>
-              <a:cxn ang="0">
-                <a:pos x="connsiteX0" y="connsiteY0"/>
-              </a:cxn>
-              <a:cxn ang="0">
-                <a:pos x="connsiteX1" y="connsiteY1"/>
-              </a:cxn>
-              <a:cxn ang="0">
-                <a:pos x="connsiteX2" y="connsiteY2"/>
-              </a:cxn>
-              <a:cxn ang="0">
-                <a:pos x="connsiteX3" y="connsiteY3"/>
-              </a:cxn>
-              <a:cxn ang="0">
-                <a:pos x="connsiteX4" y="connsiteY4"/>
-              </a:cxn>
-              <a:cxn ang="0">
-                <a:pos x="connsiteX5" y="connsiteY5"/>
-              </a:cxn>
-              <a:cxn ang="0">
-                <a:pos x="connsiteX6" y="connsiteY6"/>
-              </a:cxn>
-              <a:cxn ang="0">
-                <a:pos x="connsiteX7" y="connsiteY7"/>
-              </a:cxn>
-              <a:cxn ang="0">
-                <a:pos x="connsiteX8" y="connsiteY8"/>
-              </a:cxn>
-              <a:cxn ang="0">
-                <a:pos x="connsiteX9" y="connsiteY9"/>
-              </a:cxn>
-            </a:cxnLst>
-            <a:rect l="l" t="t" r="r" b="b"/>
-            <a:pathLst>
-              <a:path w="5958776" h="3377534">
-                <a:moveTo>
-                  <a:pt x="0" y="3377534"/>
-                </a:moveTo>
-                <a:cubicBezTo>
-                  <a:pt x="91870" y="3158878"/>
-                  <a:pt x="183741" y="2940223"/>
-                  <a:pt x="348875" y="2749481"/>
-                </a:cubicBezTo>
-                <a:cubicBezTo>
-                  <a:pt x="514009" y="2558739"/>
-                  <a:pt x="695424" y="2379627"/>
-                  <a:pt x="990804" y="2233081"/>
-                </a:cubicBezTo>
-                <a:cubicBezTo>
-                  <a:pt x="1286184" y="2086535"/>
-                  <a:pt x="1781586" y="1995816"/>
-                  <a:pt x="2121157" y="1870205"/>
-                </a:cubicBezTo>
-                <a:cubicBezTo>
-                  <a:pt x="2460728" y="1744594"/>
-                  <a:pt x="2760761" y="1618983"/>
-                  <a:pt x="3028231" y="1479416"/>
-                </a:cubicBezTo>
-                <a:cubicBezTo>
-                  <a:pt x="3295701" y="1339849"/>
-                  <a:pt x="3532936" y="1188650"/>
-                  <a:pt x="3725980" y="1032800"/>
-                </a:cubicBezTo>
-                <a:cubicBezTo>
-                  <a:pt x="3919024" y="876950"/>
-                  <a:pt x="4028338" y="686207"/>
-                  <a:pt x="4186494" y="544313"/>
-                </a:cubicBezTo>
-                <a:cubicBezTo>
-                  <a:pt x="4344650" y="402419"/>
-                  <a:pt x="4498155" y="265178"/>
-                  <a:pt x="4674918" y="181438"/>
-                </a:cubicBezTo>
-                <a:cubicBezTo>
-                  <a:pt x="4851681" y="97697"/>
-                  <a:pt x="5033096" y="72110"/>
-                  <a:pt x="5247072" y="41870"/>
-                </a:cubicBezTo>
-                <a:cubicBezTo>
-                  <a:pt x="5461048" y="11630"/>
-                  <a:pt x="5958776" y="0"/>
-                  <a:pt x="5958776" y="0"/>
-                </a:cubicBezTo>
-              </a:path>
-            </a:pathLst>
-          </a:custGeom>
-          <a:ln w="34925">
-            <a:solidFill>
-              <a:srgbClr val="FF0000"/>
-            </a:solidFill>
-          </a:ln>
-          <a:effectLst/>
-        </p:spPr>
-        <p:style>
-          <a:lnRef idx="2">
-            <a:schemeClr val="accent1"/>
-          </a:lnRef>
-          <a:fillRef idx="0">
-            <a:schemeClr val="accent1"/>
-          </a:fillRef>
-          <a:effectRef idx="1">
-            <a:schemeClr val="accent1"/>
-          </a:effectRef>
-          <a:fontRef idx="minor">
-            <a:schemeClr val="tx1"/>
-          </a:fontRef>
-        </p:style>
-        <p:txBody>
-          <a:bodyPr rtlCol="0" anchor="ctr"/>
-          <a:lstStyle/>
-          <a:p>
-            <a:pPr algn="ctr"/>
-            <a:endParaRPr lang="es-ES"/>
-          </a:p>
-        </p:txBody>
-      </p:sp>
-      <p:sp>
-        <p:nvSpPr>
-          <p:cNvPr id="18" name="CuadroTexto 17"/>
-          <p:cNvSpPr txBox="1"/>
-          <p:nvPr/>
-        </p:nvSpPr>
-        <p:spPr>
-          <a:xfrm>
-            <a:off x="1961710" y="1864560"/>
-            <a:ext cx="980407" cy="646331"/>
-          </a:xfrm>
-          <a:prstGeom prst="rect">
-            <a:avLst/>
-          </a:prstGeom>
-          <a:noFill/>
-        </p:spPr>
-        <p:txBody>
-          <a:bodyPr wrap="none" rtlCol="0">
-            <a:spAutoFit/>
-          </a:bodyPr>
-          <a:lstStyle/>
-          <a:p>
-            <a:pPr algn="ctr"/>
-            <a:r>
-              <a:rPr lang="es-ES" dirty="0" smtClean="0"/>
-              <a:t>Porción</a:t>
-            </a:r>
-          </a:p>
-          <a:p>
-            <a:pPr algn="ctr"/>
-            <a:r>
-              <a:rPr lang="es-ES" dirty="0" smtClean="0"/>
-              <a:t>Convexa</a:t>
-            </a:r>
-            <a:endParaRPr lang="es-ES" dirty="0"/>
-          </a:p>
-        </p:txBody>
-      </p:sp>
-      <p:sp>
-        <p:nvSpPr>
-          <p:cNvPr id="19" name="CuadroTexto 18"/>
-          <p:cNvSpPr txBox="1"/>
-          <p:nvPr/>
-        </p:nvSpPr>
-        <p:spPr>
-          <a:xfrm>
-            <a:off x="3941930" y="1813561"/>
-            <a:ext cx="973757" cy="646331"/>
-          </a:xfrm>
-          <a:prstGeom prst="rect">
-            <a:avLst/>
-          </a:prstGeom>
-          <a:noFill/>
-        </p:spPr>
-        <p:txBody>
-          <a:bodyPr wrap="none" rtlCol="0">
-            <a:spAutoFit/>
-          </a:bodyPr>
-          <a:lstStyle/>
-          <a:p>
-            <a:pPr algn="ctr"/>
-            <a:r>
-              <a:rPr lang="es-ES" dirty="0" smtClean="0"/>
-              <a:t>Porción</a:t>
-            </a:r>
-          </a:p>
-          <a:p>
-            <a:pPr algn="ctr"/>
-            <a:r>
-              <a:rPr lang="es-ES" dirty="0" smtClean="0"/>
-              <a:t>Cóncava</a:t>
-            </a:r>
-            <a:endParaRPr lang="es-ES" dirty="0"/>
-          </a:p>
-        </p:txBody>
-      </p:sp>
-      <p:sp>
-        <p:nvSpPr>
-          <p:cNvPr id="23" name="CuadroTexto 22"/>
-          <p:cNvSpPr txBox="1"/>
-          <p:nvPr/>
-        </p:nvSpPr>
-        <p:spPr>
-          <a:xfrm>
-            <a:off x="4572000" y="2696273"/>
-            <a:ext cx="3375375" cy="923330"/>
-          </a:xfrm>
-          <a:prstGeom prst="rect">
-            <a:avLst/>
-          </a:prstGeom>
-          <a:noFill/>
-        </p:spPr>
-        <p:txBody>
-          <a:bodyPr wrap="square" rtlCol="0">
-            <a:spAutoFit/>
-          </a:bodyPr>
-          <a:lstStyle/>
-          <a:p>
-            <a:r>
-              <a:rPr lang="es-ES" dirty="0" smtClean="0"/>
-              <a:t>Adverso al riesgo: cóncava</a:t>
-            </a:r>
-          </a:p>
-          <a:p>
-            <a:r>
-              <a:rPr lang="es-ES" dirty="0" smtClean="0"/>
-              <a:t>Neutral al riesgo: lineal</a:t>
-            </a:r>
-          </a:p>
-          <a:p>
-            <a:r>
-              <a:rPr lang="es-ES" dirty="0" smtClean="0"/>
-              <a:t>Buscador de riesgo: convexa</a:t>
-            </a:r>
-            <a:endParaRPr lang="es-ES" dirty="0"/>
-          </a:p>
-        </p:txBody>
-      </p:sp>
-    </p:spTree>
-    <p:extLst>
-      <p:ext uri="{BB962C8B-B14F-4D97-AF65-F5344CB8AC3E}">
-        <p14:creationId xmlns:p14="http://schemas.microsoft.com/office/powerpoint/2010/main" val="3465388613"/>
       </p:ext>
     </p:extLst>
   </p:cSld>
@@ -40651,6 +45341,378 @@
       </p:grpSpPr>
       <p:cxnSp>
         <p:nvCxnSpPr>
+          <p:cNvPr id="3" name="Conector recto 2"/>
+          <p:cNvCxnSpPr/>
+          <p:nvPr/>
+        </p:nvCxnSpPr>
+        <p:spPr>
+          <a:xfrm>
+            <a:off x="971600" y="1233649"/>
+            <a:ext cx="0" cy="3015962"/>
+          </a:xfrm>
+          <a:prstGeom prst="line">
+            <a:avLst/>
+          </a:prstGeom>
+          <a:ln>
+            <a:solidFill>
+              <a:schemeClr val="tx1"/>
+            </a:solidFill>
+          </a:ln>
+          <a:effectLst/>
+        </p:spPr>
+        <p:style>
+          <a:lnRef idx="2">
+            <a:schemeClr val="accent1"/>
+          </a:lnRef>
+          <a:fillRef idx="0">
+            <a:schemeClr val="accent1"/>
+          </a:fillRef>
+          <a:effectRef idx="1">
+            <a:schemeClr val="accent1"/>
+          </a:effectRef>
+          <a:fontRef idx="minor">
+            <a:schemeClr val="tx1"/>
+          </a:fontRef>
+        </p:style>
+      </p:cxnSp>
+      <p:cxnSp>
+        <p:nvCxnSpPr>
+          <p:cNvPr id="5" name="Conector recto 4"/>
+          <p:cNvCxnSpPr/>
+          <p:nvPr/>
+        </p:nvCxnSpPr>
+        <p:spPr>
+          <a:xfrm>
+            <a:off x="296525" y="3753929"/>
+            <a:ext cx="5805645" cy="0"/>
+          </a:xfrm>
+          <a:prstGeom prst="line">
+            <a:avLst/>
+          </a:prstGeom>
+          <a:ln>
+            <a:solidFill>
+              <a:schemeClr val="tx1"/>
+            </a:solidFill>
+          </a:ln>
+          <a:effectLst/>
+        </p:spPr>
+        <p:style>
+          <a:lnRef idx="2">
+            <a:schemeClr val="accent1"/>
+          </a:lnRef>
+          <a:fillRef idx="0">
+            <a:schemeClr val="accent1"/>
+          </a:fillRef>
+          <a:effectRef idx="1">
+            <a:schemeClr val="accent1"/>
+          </a:effectRef>
+          <a:fontRef idx="minor">
+            <a:schemeClr val="tx1"/>
+          </a:fontRef>
+        </p:style>
+      </p:cxnSp>
+      <p:sp>
+        <p:nvSpPr>
+          <p:cNvPr id="17" name="Forma libre 16"/>
+          <p:cNvSpPr/>
+          <p:nvPr/>
+        </p:nvSpPr>
+        <p:spPr>
+          <a:xfrm>
+            <a:off x="656565" y="1503678"/>
+            <a:ext cx="4545505" cy="2745933"/>
+          </a:xfrm>
+          <a:custGeom>
+            <a:avLst/>
+            <a:gdLst>
+              <a:gd name="connsiteX0" fmla="*/ 0 w 5958776"/>
+              <a:gd name="connsiteY0" fmla="*/ 3377534 h 3377534"/>
+              <a:gd name="connsiteX1" fmla="*/ 348875 w 5958776"/>
+              <a:gd name="connsiteY1" fmla="*/ 2749481 h 3377534"/>
+              <a:gd name="connsiteX2" fmla="*/ 990804 w 5958776"/>
+              <a:gd name="connsiteY2" fmla="*/ 2233081 h 3377534"/>
+              <a:gd name="connsiteX3" fmla="*/ 2121157 w 5958776"/>
+              <a:gd name="connsiteY3" fmla="*/ 1870205 h 3377534"/>
+              <a:gd name="connsiteX4" fmla="*/ 3028231 w 5958776"/>
+              <a:gd name="connsiteY4" fmla="*/ 1479416 h 3377534"/>
+              <a:gd name="connsiteX5" fmla="*/ 3725980 w 5958776"/>
+              <a:gd name="connsiteY5" fmla="*/ 1032800 h 3377534"/>
+              <a:gd name="connsiteX6" fmla="*/ 4186494 w 5958776"/>
+              <a:gd name="connsiteY6" fmla="*/ 544313 h 3377534"/>
+              <a:gd name="connsiteX7" fmla="*/ 4674918 w 5958776"/>
+              <a:gd name="connsiteY7" fmla="*/ 181438 h 3377534"/>
+              <a:gd name="connsiteX8" fmla="*/ 5247072 w 5958776"/>
+              <a:gd name="connsiteY8" fmla="*/ 41870 h 3377534"/>
+              <a:gd name="connsiteX9" fmla="*/ 5958776 w 5958776"/>
+              <a:gd name="connsiteY9" fmla="*/ 0 h 3377534"/>
+            </a:gdLst>
+            <a:ahLst/>
+            <a:cxnLst>
+              <a:cxn ang="0">
+                <a:pos x="connsiteX0" y="connsiteY0"/>
+              </a:cxn>
+              <a:cxn ang="0">
+                <a:pos x="connsiteX1" y="connsiteY1"/>
+              </a:cxn>
+              <a:cxn ang="0">
+                <a:pos x="connsiteX2" y="connsiteY2"/>
+              </a:cxn>
+              <a:cxn ang="0">
+                <a:pos x="connsiteX3" y="connsiteY3"/>
+              </a:cxn>
+              <a:cxn ang="0">
+                <a:pos x="connsiteX4" y="connsiteY4"/>
+              </a:cxn>
+              <a:cxn ang="0">
+                <a:pos x="connsiteX5" y="connsiteY5"/>
+              </a:cxn>
+              <a:cxn ang="0">
+                <a:pos x="connsiteX6" y="connsiteY6"/>
+              </a:cxn>
+              <a:cxn ang="0">
+                <a:pos x="connsiteX7" y="connsiteY7"/>
+              </a:cxn>
+              <a:cxn ang="0">
+                <a:pos x="connsiteX8" y="connsiteY8"/>
+              </a:cxn>
+              <a:cxn ang="0">
+                <a:pos x="connsiteX9" y="connsiteY9"/>
+              </a:cxn>
+            </a:cxnLst>
+            <a:rect l="l" t="t" r="r" b="b"/>
+            <a:pathLst>
+              <a:path w="5958776" h="3377534">
+                <a:moveTo>
+                  <a:pt x="0" y="3377534"/>
+                </a:moveTo>
+                <a:cubicBezTo>
+                  <a:pt x="91870" y="3158878"/>
+                  <a:pt x="183741" y="2940223"/>
+                  <a:pt x="348875" y="2749481"/>
+                </a:cubicBezTo>
+                <a:cubicBezTo>
+                  <a:pt x="514009" y="2558739"/>
+                  <a:pt x="695424" y="2379627"/>
+                  <a:pt x="990804" y="2233081"/>
+                </a:cubicBezTo>
+                <a:cubicBezTo>
+                  <a:pt x="1286184" y="2086535"/>
+                  <a:pt x="1781586" y="1995816"/>
+                  <a:pt x="2121157" y="1870205"/>
+                </a:cubicBezTo>
+                <a:cubicBezTo>
+                  <a:pt x="2460728" y="1744594"/>
+                  <a:pt x="2760761" y="1618983"/>
+                  <a:pt x="3028231" y="1479416"/>
+                </a:cubicBezTo>
+                <a:cubicBezTo>
+                  <a:pt x="3295701" y="1339849"/>
+                  <a:pt x="3532936" y="1188650"/>
+                  <a:pt x="3725980" y="1032800"/>
+                </a:cubicBezTo>
+                <a:cubicBezTo>
+                  <a:pt x="3919024" y="876950"/>
+                  <a:pt x="4028338" y="686207"/>
+                  <a:pt x="4186494" y="544313"/>
+                </a:cubicBezTo>
+                <a:cubicBezTo>
+                  <a:pt x="4344650" y="402419"/>
+                  <a:pt x="4498155" y="265178"/>
+                  <a:pt x="4674918" y="181438"/>
+                </a:cubicBezTo>
+                <a:cubicBezTo>
+                  <a:pt x="4851681" y="97697"/>
+                  <a:pt x="5033096" y="72110"/>
+                  <a:pt x="5247072" y="41870"/>
+                </a:cubicBezTo>
+                <a:cubicBezTo>
+                  <a:pt x="5461048" y="11630"/>
+                  <a:pt x="5958776" y="0"/>
+                  <a:pt x="5958776" y="0"/>
+                </a:cubicBezTo>
+              </a:path>
+            </a:pathLst>
+          </a:custGeom>
+          <a:ln w="34925">
+            <a:solidFill>
+              <a:srgbClr val="FF0000"/>
+            </a:solidFill>
+          </a:ln>
+          <a:effectLst/>
+        </p:spPr>
+        <p:style>
+          <a:lnRef idx="2">
+            <a:schemeClr val="accent1"/>
+          </a:lnRef>
+          <a:fillRef idx="0">
+            <a:schemeClr val="accent1"/>
+          </a:fillRef>
+          <a:effectRef idx="1">
+            <a:schemeClr val="accent1"/>
+          </a:effectRef>
+          <a:fontRef idx="minor">
+            <a:schemeClr val="tx1"/>
+          </a:fontRef>
+        </p:style>
+        <p:txBody>
+          <a:bodyPr rtlCol="0" anchor="ctr"/>
+          <a:lstStyle/>
+          <a:p>
+            <a:pPr algn="ctr"/>
+            <a:endParaRPr lang="es-ES"/>
+          </a:p>
+        </p:txBody>
+      </p:sp>
+      <p:sp>
+        <p:nvSpPr>
+          <p:cNvPr id="18" name="CuadroTexto 17"/>
+          <p:cNvSpPr txBox="1"/>
+          <p:nvPr/>
+        </p:nvSpPr>
+        <p:spPr>
+          <a:xfrm>
+            <a:off x="1961710" y="1864560"/>
+            <a:ext cx="980407" cy="646331"/>
+          </a:xfrm>
+          <a:prstGeom prst="rect">
+            <a:avLst/>
+          </a:prstGeom>
+          <a:noFill/>
+        </p:spPr>
+        <p:txBody>
+          <a:bodyPr wrap="none" rtlCol="0">
+            <a:spAutoFit/>
+          </a:bodyPr>
+          <a:lstStyle/>
+          <a:p>
+            <a:pPr algn="ctr"/>
+            <a:r>
+              <a:rPr lang="es-ES" dirty="0" smtClean="0"/>
+              <a:t>Porción</a:t>
+            </a:r>
+          </a:p>
+          <a:p>
+            <a:pPr algn="ctr"/>
+            <a:r>
+              <a:rPr lang="es-ES" dirty="0" smtClean="0"/>
+              <a:t>Convexa</a:t>
+            </a:r>
+            <a:endParaRPr lang="es-ES" dirty="0"/>
+          </a:p>
+        </p:txBody>
+      </p:sp>
+      <p:sp>
+        <p:nvSpPr>
+          <p:cNvPr id="19" name="CuadroTexto 18"/>
+          <p:cNvSpPr txBox="1"/>
+          <p:nvPr/>
+        </p:nvSpPr>
+        <p:spPr>
+          <a:xfrm>
+            <a:off x="3941930" y="1813561"/>
+            <a:ext cx="973757" cy="646331"/>
+          </a:xfrm>
+          <a:prstGeom prst="rect">
+            <a:avLst/>
+          </a:prstGeom>
+          <a:noFill/>
+        </p:spPr>
+        <p:txBody>
+          <a:bodyPr wrap="none" rtlCol="0">
+            <a:spAutoFit/>
+          </a:bodyPr>
+          <a:lstStyle/>
+          <a:p>
+            <a:pPr algn="ctr"/>
+            <a:r>
+              <a:rPr lang="es-ES" dirty="0" smtClean="0"/>
+              <a:t>Porción</a:t>
+            </a:r>
+          </a:p>
+          <a:p>
+            <a:pPr algn="ctr"/>
+            <a:r>
+              <a:rPr lang="es-ES" dirty="0" smtClean="0"/>
+              <a:t>Cóncava</a:t>
+            </a:r>
+            <a:endParaRPr lang="es-ES" dirty="0"/>
+          </a:p>
+        </p:txBody>
+      </p:sp>
+      <p:sp>
+        <p:nvSpPr>
+          <p:cNvPr id="23" name="CuadroTexto 22"/>
+          <p:cNvSpPr txBox="1"/>
+          <p:nvPr/>
+        </p:nvSpPr>
+        <p:spPr>
+          <a:xfrm>
+            <a:off x="4572000" y="2696273"/>
+            <a:ext cx="3375375" cy="923330"/>
+          </a:xfrm>
+          <a:prstGeom prst="rect">
+            <a:avLst/>
+          </a:prstGeom>
+          <a:noFill/>
+        </p:spPr>
+        <p:txBody>
+          <a:bodyPr wrap="square" rtlCol="0">
+            <a:spAutoFit/>
+          </a:bodyPr>
+          <a:lstStyle/>
+          <a:p>
+            <a:r>
+              <a:rPr lang="es-ES" dirty="0" smtClean="0"/>
+              <a:t>Adverso al riesgo: cóncava</a:t>
+            </a:r>
+          </a:p>
+          <a:p>
+            <a:r>
+              <a:rPr lang="es-ES" dirty="0" smtClean="0"/>
+              <a:t>Neutral al riesgo: lineal</a:t>
+            </a:r>
+          </a:p>
+          <a:p>
+            <a:r>
+              <a:rPr lang="es-ES" dirty="0" smtClean="0"/>
+              <a:t>Buscador de riesgo: convexa</a:t>
+            </a:r>
+            <a:endParaRPr lang="es-ES" dirty="0"/>
+          </a:p>
+        </p:txBody>
+      </p:sp>
+    </p:spTree>
+    <p:extLst>
+      <p:ext uri="{BB962C8B-B14F-4D97-AF65-F5344CB8AC3E}">
+        <p14:creationId xmlns:p14="http://schemas.microsoft.com/office/powerpoint/2010/main" val="3465388613"/>
+      </p:ext>
+    </p:extLst>
+  </p:cSld>
+  <p:clrMapOvr>
+    <a:masterClrMapping/>
+  </p:clrMapOvr>
+</p:sld>
+</file>
+
+<file path=ppt/slides/slide31.xml><?xml version="1.0" encoding="utf-8"?>
+<p:sld xmlns:a="http://schemas.openxmlformats.org/drawingml/2006/main" xmlns:r="http://schemas.openxmlformats.org/officeDocument/2006/relationships" xmlns:p="http://schemas.openxmlformats.org/presentationml/2006/main">
+  <p:cSld>
+    <p:spTree>
+      <p:nvGrpSpPr>
+        <p:cNvPr id="1" name=""/>
+        <p:cNvGrpSpPr/>
+        <p:nvPr/>
+      </p:nvGrpSpPr>
+      <p:grpSpPr>
+        <a:xfrm>
+          <a:off x="0" y="0"/>
+          <a:ext cx="0" cy="0"/>
+          <a:chOff x="0" y="0"/>
+          <a:chExt cx="0" cy="0"/>
+        </a:xfrm>
+      </p:grpSpPr>
+      <p:cxnSp>
+        <p:nvCxnSpPr>
           <p:cNvPr id="2" name="Conector recto 1"/>
           <p:cNvCxnSpPr/>
           <p:nvPr/>
@@ -41229,7 +46291,7 @@
 </p:sld>
 </file>
 
-<file path=ppt/slides/slide31.xml><?xml version="1.0" encoding="utf-8"?>
+<file path=ppt/slides/slide32.xml><?xml version="1.0" encoding="utf-8"?>
 <p:sld xmlns:a="http://schemas.openxmlformats.org/drawingml/2006/main" xmlns:r="http://schemas.openxmlformats.org/officeDocument/2006/relationships" xmlns:p="http://schemas.openxmlformats.org/presentationml/2006/main">
   <p:cSld>
     <p:spTree>
@@ -42134,7 +47196,7 @@
 </p:sld>
 </file>
 
-<file path=ppt/slides/slide32.xml><?xml version="1.0" encoding="utf-8"?>
+<file path=ppt/slides/slide33.xml><?xml version="1.0" encoding="utf-8"?>
 <p:sld xmlns:a="http://schemas.openxmlformats.org/drawingml/2006/main" xmlns:r="http://schemas.openxmlformats.org/officeDocument/2006/relationships" xmlns:p="http://schemas.openxmlformats.org/presentationml/2006/main">
   <p:cSld>
     <p:spTree>
@@ -42995,7 +48057,7 @@
 </p:sld>
 </file>
 
-<file path=ppt/slides/slide33.xml><?xml version="1.0" encoding="utf-8"?>
+<file path=ppt/slides/slide34.xml><?xml version="1.0" encoding="utf-8"?>
 <p:sld xmlns:a="http://schemas.openxmlformats.org/drawingml/2006/main" xmlns:r="http://schemas.openxmlformats.org/officeDocument/2006/relationships" xmlns:p="http://schemas.openxmlformats.org/presentationml/2006/main">
   <p:cSld>
     <p:spTree>
@@ -45356,7 +50418,7 @@
 </p:sld>
 </file>
 
-<file path=ppt/slides/slide34.xml><?xml version="1.0" encoding="utf-8"?>
+<file path=ppt/slides/slide35.xml><?xml version="1.0" encoding="utf-8"?>
 <p:sld xmlns:a="http://schemas.openxmlformats.org/drawingml/2006/main" xmlns:r="http://schemas.openxmlformats.org/officeDocument/2006/relationships" xmlns:p="http://schemas.openxmlformats.org/presentationml/2006/main">
   <p:cSld>
     <p:spTree>
@@ -45836,7 +50898,7 @@
 </p:sld>
 </file>
 
-<file path=ppt/slides/slide35.xml><?xml version="1.0" encoding="utf-8"?>
+<file path=ppt/slides/slide36.xml><?xml version="1.0" encoding="utf-8"?>
 <p:sld xmlns:a="http://schemas.openxmlformats.org/drawingml/2006/main" xmlns:r="http://schemas.openxmlformats.org/officeDocument/2006/relationships" xmlns:p="http://schemas.openxmlformats.org/presentationml/2006/main">
   <p:cSld>
     <p:spTree>
@@ -46604,7 +51666,7 @@
 </p:sld>
 </file>
 
-<file path=ppt/slides/slide36.xml><?xml version="1.0" encoding="utf-8"?>
+<file path=ppt/slides/slide37.xml><?xml version="1.0" encoding="utf-8"?>
 <p:sld xmlns:a="http://schemas.openxmlformats.org/drawingml/2006/main" xmlns:r="http://schemas.openxmlformats.org/officeDocument/2006/relationships" xmlns:p="http://schemas.openxmlformats.org/presentationml/2006/main">
   <p:cSld>
     <p:spTree>
@@ -48342,7 +53404,7 @@
 </p:sld>
 </file>
 
-<file path=ppt/slides/slide37.xml><?xml version="1.0" encoding="utf-8"?>
+<file path=ppt/slides/slide38.xml><?xml version="1.0" encoding="utf-8"?>
 <p:sld xmlns:a="http://schemas.openxmlformats.org/drawingml/2006/main" xmlns:r="http://schemas.openxmlformats.org/officeDocument/2006/relationships" xmlns:p="http://schemas.openxmlformats.org/presentationml/2006/main">
   <p:cSld>
     <p:spTree>
@@ -48372,7 +53434,7 @@
 </p:sld>
 </file>
 
-<file path=ppt/slides/slide38.xml><?xml version="1.0" encoding="utf-8"?>
+<file path=ppt/slides/slide39.xml><?xml version="1.0" encoding="utf-8"?>
 <p:sld xmlns:a="http://schemas.openxmlformats.org/drawingml/2006/main" xmlns:r="http://schemas.openxmlformats.org/officeDocument/2006/relationships" xmlns:p="http://schemas.openxmlformats.org/presentationml/2006/main">
   <p:cSld>
     <p:spTree>
@@ -58615,11 +63677,6 @@
               </a:rPr>
               <a:t>?</a:t>
             </a:r>
-            <a:endParaRPr lang="es-CO" sz="2400" dirty="0">
-              <a:latin typeface="Cambria Math" charset="0"/>
-              <a:ea typeface="Cambria Math" charset="0"/>
-              <a:cs typeface="Cambria Math" charset="0"/>
-            </a:endParaRPr>
           </a:p>
         </p:txBody>
       </p:sp>
@@ -58668,15 +63725,7 @@
                 <a:ea typeface="Cambria Math" charset="0"/>
                 <a:cs typeface="Cambria Math" charset="0"/>
               </a:rPr>
-              <a:t>= </a:t>
-            </a:r>
-            <a:r>
-              <a:rPr lang="es-CO" sz="2400" smtClean="0">
-                <a:latin typeface="Cambria Math" charset="0"/>
-                <a:ea typeface="Cambria Math" charset="0"/>
-                <a:cs typeface="Cambria Math" charset="0"/>
-              </a:rPr>
-              <a:t>$ 730</a:t>
+              <a:t>= $ 730</a:t>
             </a:r>
             <a:endParaRPr lang="es-CO" sz="2400" dirty="0">
               <a:latin typeface="Cambria Math" charset="0"/>

--- a/images/graficas.pptx
+++ b/images/graficas.pptx
@@ -5,7 +5,7 @@
     <p:sldMasterId id="2147483648" r:id="rId1"/>
   </p:sldMasterIdLst>
   <p:notesMasterIdLst>
-    <p:notesMasterId r:id="rId41"/>
+    <p:notesMasterId r:id="rId42"/>
   </p:notesMasterIdLst>
   <p:sldIdLst>
     <p:sldId id="290" r:id="rId2"/>
@@ -15,38 +15,39 @@
     <p:sldId id="305" r:id="rId6"/>
     <p:sldId id="300" r:id="rId7"/>
     <p:sldId id="275" r:id="rId8"/>
-    <p:sldId id="296" r:id="rId9"/>
-    <p:sldId id="297" r:id="rId10"/>
-    <p:sldId id="307" r:id="rId11"/>
-    <p:sldId id="299" r:id="rId12"/>
-    <p:sldId id="295" r:id="rId13"/>
-    <p:sldId id="292" r:id="rId14"/>
-    <p:sldId id="298" r:id="rId15"/>
-    <p:sldId id="306" r:id="rId16"/>
-    <p:sldId id="271" r:id="rId17"/>
-    <p:sldId id="272" r:id="rId18"/>
-    <p:sldId id="273" r:id="rId19"/>
-    <p:sldId id="274" r:id="rId20"/>
-    <p:sldId id="276" r:id="rId21"/>
-    <p:sldId id="281" r:id="rId22"/>
-    <p:sldId id="282" r:id="rId23"/>
-    <p:sldId id="277" r:id="rId24"/>
-    <p:sldId id="278" r:id="rId25"/>
-    <p:sldId id="279" r:id="rId26"/>
-    <p:sldId id="280" r:id="rId27"/>
-    <p:sldId id="269" r:id="rId28"/>
-    <p:sldId id="270" r:id="rId29"/>
-    <p:sldId id="286" r:id="rId30"/>
-    <p:sldId id="287" r:id="rId31"/>
-    <p:sldId id="288" r:id="rId32"/>
-    <p:sldId id="289" r:id="rId33"/>
-    <p:sldId id="283" r:id="rId34"/>
-    <p:sldId id="284" r:id="rId35"/>
-    <p:sldId id="285" r:id="rId36"/>
-    <p:sldId id="301" r:id="rId37"/>
-    <p:sldId id="302" r:id="rId38"/>
-    <p:sldId id="303" r:id="rId39"/>
-    <p:sldId id="304" r:id="rId40"/>
+    <p:sldId id="308" r:id="rId9"/>
+    <p:sldId id="296" r:id="rId10"/>
+    <p:sldId id="297" r:id="rId11"/>
+    <p:sldId id="307" r:id="rId12"/>
+    <p:sldId id="299" r:id="rId13"/>
+    <p:sldId id="295" r:id="rId14"/>
+    <p:sldId id="292" r:id="rId15"/>
+    <p:sldId id="298" r:id="rId16"/>
+    <p:sldId id="306" r:id="rId17"/>
+    <p:sldId id="271" r:id="rId18"/>
+    <p:sldId id="272" r:id="rId19"/>
+    <p:sldId id="273" r:id="rId20"/>
+    <p:sldId id="274" r:id="rId21"/>
+    <p:sldId id="276" r:id="rId22"/>
+    <p:sldId id="281" r:id="rId23"/>
+    <p:sldId id="282" r:id="rId24"/>
+    <p:sldId id="277" r:id="rId25"/>
+    <p:sldId id="278" r:id="rId26"/>
+    <p:sldId id="279" r:id="rId27"/>
+    <p:sldId id="280" r:id="rId28"/>
+    <p:sldId id="269" r:id="rId29"/>
+    <p:sldId id="270" r:id="rId30"/>
+    <p:sldId id="286" r:id="rId31"/>
+    <p:sldId id="287" r:id="rId32"/>
+    <p:sldId id="288" r:id="rId33"/>
+    <p:sldId id="289" r:id="rId34"/>
+    <p:sldId id="283" r:id="rId35"/>
+    <p:sldId id="284" r:id="rId36"/>
+    <p:sldId id="285" r:id="rId37"/>
+    <p:sldId id="301" r:id="rId38"/>
+    <p:sldId id="302" r:id="rId39"/>
+    <p:sldId id="303" r:id="rId40"/>
+    <p:sldId id="304" r:id="rId41"/>
   </p:sldIdLst>
   <p:sldSz cx="9144000" cy="6858000" type="screen4x3"/>
   <p:notesSz cx="6858000" cy="9144000"/>
@@ -4087,6 +4088,1546 @@
 </file>
 
 <file path=ppt/slides/slide10.xml><?xml version="1.0" encoding="utf-8"?>
+<p:sld xmlns:a="http://schemas.openxmlformats.org/drawingml/2006/main" xmlns:r="http://schemas.openxmlformats.org/officeDocument/2006/relationships" xmlns:p="http://schemas.openxmlformats.org/presentationml/2006/main">
+  <p:cSld>
+    <p:spTree>
+      <p:nvGrpSpPr>
+        <p:cNvPr id="1" name=""/>
+        <p:cNvGrpSpPr/>
+        <p:nvPr/>
+      </p:nvGrpSpPr>
+      <p:grpSpPr>
+        <a:xfrm>
+          <a:off x="0" y="0"/>
+          <a:ext cx="0" cy="0"/>
+          <a:chOff x="0" y="0"/>
+          <a:chExt cx="0" cy="0"/>
+        </a:xfrm>
+      </p:grpSpPr>
+      <p:cxnSp>
+        <p:nvCxnSpPr>
+          <p:cNvPr id="40" name="12 Conector recto de flecha"/>
+          <p:cNvCxnSpPr/>
+          <p:nvPr/>
+        </p:nvCxnSpPr>
+        <p:spPr>
+          <a:xfrm flipH="1" flipV="1">
+            <a:off x="8082390" y="2455735"/>
+            <a:ext cx="0" cy="669268"/>
+          </a:xfrm>
+          <a:prstGeom prst="straightConnector1">
+            <a:avLst/>
+          </a:prstGeom>
+          <a:ln w="50800">
+            <a:solidFill>
+              <a:srgbClr val="FF0000"/>
+            </a:solidFill>
+            <a:tailEnd type="triangle" w="med" len="med"/>
+          </a:ln>
+        </p:spPr>
+        <p:style>
+          <a:lnRef idx="1">
+            <a:schemeClr val="accent1"/>
+          </a:lnRef>
+          <a:fillRef idx="0">
+            <a:schemeClr val="accent1"/>
+          </a:fillRef>
+          <a:effectRef idx="0">
+            <a:schemeClr val="accent1"/>
+          </a:effectRef>
+          <a:fontRef idx="minor">
+            <a:schemeClr val="tx1"/>
+          </a:fontRef>
+        </p:style>
+      </p:cxnSp>
+      <p:cxnSp>
+        <p:nvCxnSpPr>
+          <p:cNvPr id="37" name="12 Conector recto de flecha"/>
+          <p:cNvCxnSpPr/>
+          <p:nvPr/>
+        </p:nvCxnSpPr>
+        <p:spPr>
+          <a:xfrm flipH="1" flipV="1">
+            <a:off x="6642230" y="2430858"/>
+            <a:ext cx="0" cy="669268"/>
+          </a:xfrm>
+          <a:prstGeom prst="straightConnector1">
+            <a:avLst/>
+          </a:prstGeom>
+          <a:ln w="50800">
+            <a:solidFill>
+              <a:srgbClr val="FF0000"/>
+            </a:solidFill>
+            <a:tailEnd type="triangle" w="med" len="med"/>
+          </a:ln>
+        </p:spPr>
+        <p:style>
+          <a:lnRef idx="1">
+            <a:schemeClr val="accent1"/>
+          </a:lnRef>
+          <a:fillRef idx="0">
+            <a:schemeClr val="accent1"/>
+          </a:fillRef>
+          <a:effectRef idx="0">
+            <a:schemeClr val="accent1"/>
+          </a:effectRef>
+          <a:fontRef idx="minor">
+            <a:schemeClr val="tx1"/>
+          </a:fontRef>
+        </p:style>
+      </p:cxnSp>
+      <p:cxnSp>
+        <p:nvCxnSpPr>
+          <p:cNvPr id="3" name="12 Conector recto de flecha"/>
+          <p:cNvCxnSpPr/>
+          <p:nvPr/>
+        </p:nvCxnSpPr>
+        <p:spPr>
+          <a:xfrm flipV="1">
+            <a:off x="3248671" y="528016"/>
+            <a:ext cx="0" cy="900100"/>
+          </a:xfrm>
+          <a:prstGeom prst="straightConnector1">
+            <a:avLst/>
+          </a:prstGeom>
+          <a:ln w="50800">
+            <a:solidFill>
+              <a:srgbClr val="FF0000"/>
+            </a:solidFill>
+            <a:tailEnd type="triangle" w="med" len="med"/>
+          </a:ln>
+        </p:spPr>
+        <p:style>
+          <a:lnRef idx="1">
+            <a:schemeClr val="accent1"/>
+          </a:lnRef>
+          <a:fillRef idx="0">
+            <a:schemeClr val="accent1"/>
+          </a:fillRef>
+          <a:effectRef idx="0">
+            <a:schemeClr val="accent1"/>
+          </a:effectRef>
+          <a:fontRef idx="minor">
+            <a:schemeClr val="tx1"/>
+          </a:fontRef>
+        </p:style>
+      </p:cxnSp>
+      <p:cxnSp>
+        <p:nvCxnSpPr>
+          <p:cNvPr id="2" name="12 Conector recto de flecha"/>
+          <p:cNvCxnSpPr/>
+          <p:nvPr/>
+        </p:nvCxnSpPr>
+        <p:spPr>
+          <a:xfrm>
+            <a:off x="350081" y="1424814"/>
+            <a:ext cx="0" cy="946540"/>
+          </a:xfrm>
+          <a:prstGeom prst="straightConnector1">
+            <a:avLst/>
+          </a:prstGeom>
+          <a:ln w="50800">
+            <a:solidFill>
+              <a:srgbClr val="FF0000"/>
+            </a:solidFill>
+            <a:tailEnd type="triangle" w="med" len="med"/>
+          </a:ln>
+        </p:spPr>
+        <p:style>
+          <a:lnRef idx="1">
+            <a:schemeClr val="accent1"/>
+          </a:lnRef>
+          <a:fillRef idx="0">
+            <a:schemeClr val="accent1"/>
+          </a:fillRef>
+          <a:effectRef idx="0">
+            <a:schemeClr val="accent1"/>
+          </a:effectRef>
+          <a:fontRef idx="minor">
+            <a:schemeClr val="tx1"/>
+          </a:fontRef>
+        </p:style>
+      </p:cxnSp>
+      <p:sp>
+        <p:nvSpPr>
+          <p:cNvPr id="4" name="10 CuadroTexto"/>
+          <p:cNvSpPr txBox="1"/>
+          <p:nvPr/>
+        </p:nvSpPr>
+        <p:spPr>
+          <a:xfrm>
+            <a:off x="730988" y="1428116"/>
+            <a:ext cx="354584" cy="461665"/>
+          </a:xfrm>
+          <a:prstGeom prst="rect">
+            <a:avLst/>
+          </a:prstGeom>
+          <a:noFill/>
+        </p:spPr>
+        <p:txBody>
+          <a:bodyPr wrap="none" rtlCol="0">
+            <a:spAutoFit/>
+          </a:bodyPr>
+          <a:lstStyle/>
+          <a:p>
+            <a:r>
+              <a:rPr lang="es-CO" sz="2400" dirty="0" smtClean="0">
+                <a:latin typeface="Cambria Math" charset="0"/>
+                <a:ea typeface="Cambria Math" charset="0"/>
+                <a:cs typeface="Cambria Math" charset="0"/>
+              </a:rPr>
+              <a:t>1</a:t>
+            </a:r>
+            <a:endParaRPr lang="es-CO" sz="2400" dirty="0">
+              <a:latin typeface="Cambria Math" charset="0"/>
+              <a:ea typeface="Cambria Math" charset="0"/>
+              <a:cs typeface="Cambria Math" charset="0"/>
+            </a:endParaRPr>
+          </a:p>
+        </p:txBody>
+      </p:sp>
+      <p:cxnSp>
+        <p:nvCxnSpPr>
+          <p:cNvPr id="9" name="5 Conector recto de flecha"/>
+          <p:cNvCxnSpPr/>
+          <p:nvPr/>
+        </p:nvCxnSpPr>
+        <p:spPr>
+          <a:xfrm flipV="1">
+            <a:off x="325943" y="1424814"/>
+            <a:ext cx="2925325" cy="0"/>
+          </a:xfrm>
+          <a:prstGeom prst="straightConnector1">
+            <a:avLst/>
+          </a:prstGeom>
+          <a:ln w="28575">
+            <a:solidFill>
+              <a:schemeClr val="tx1"/>
+            </a:solidFill>
+            <a:tailEnd type="none" w="lg" len="lg"/>
+          </a:ln>
+        </p:spPr>
+        <p:style>
+          <a:lnRef idx="1">
+            <a:schemeClr val="accent1"/>
+          </a:lnRef>
+          <a:fillRef idx="0">
+            <a:schemeClr val="accent1"/>
+          </a:fillRef>
+          <a:effectRef idx="0">
+            <a:schemeClr val="accent1"/>
+          </a:effectRef>
+          <a:fontRef idx="minor">
+            <a:schemeClr val="tx1"/>
+          </a:fontRef>
+        </p:style>
+      </p:cxnSp>
+      <p:cxnSp>
+        <p:nvCxnSpPr>
+          <p:cNvPr id="10" name="9 Conector recto"/>
+          <p:cNvCxnSpPr/>
+          <p:nvPr/>
+        </p:nvCxnSpPr>
+        <p:spPr>
+          <a:xfrm flipH="1" flipV="1">
+            <a:off x="350081" y="1295086"/>
+            <a:ext cx="0" cy="249419"/>
+          </a:xfrm>
+          <a:prstGeom prst="line">
+            <a:avLst/>
+          </a:prstGeom>
+          <a:ln w="25400">
+            <a:solidFill>
+              <a:schemeClr val="tx1"/>
+            </a:solidFill>
+          </a:ln>
+        </p:spPr>
+        <p:style>
+          <a:lnRef idx="1">
+            <a:schemeClr val="accent1"/>
+          </a:lnRef>
+          <a:fillRef idx="0">
+            <a:schemeClr val="accent1"/>
+          </a:fillRef>
+          <a:effectRef idx="0">
+            <a:schemeClr val="accent1"/>
+          </a:effectRef>
+          <a:fontRef idx="minor">
+            <a:schemeClr val="tx1"/>
+          </a:fontRef>
+        </p:style>
+      </p:cxnSp>
+      <p:cxnSp>
+        <p:nvCxnSpPr>
+          <p:cNvPr id="11" name="9 Conector recto"/>
+          <p:cNvCxnSpPr/>
+          <p:nvPr/>
+        </p:nvCxnSpPr>
+        <p:spPr>
+          <a:xfrm flipH="1" flipV="1">
+            <a:off x="1091028" y="1289799"/>
+            <a:ext cx="0" cy="249419"/>
+          </a:xfrm>
+          <a:prstGeom prst="line">
+            <a:avLst/>
+          </a:prstGeom>
+          <a:ln w="25400">
+            <a:solidFill>
+              <a:schemeClr val="tx1"/>
+            </a:solidFill>
+          </a:ln>
+        </p:spPr>
+        <p:style>
+          <a:lnRef idx="1">
+            <a:schemeClr val="accent1"/>
+          </a:lnRef>
+          <a:fillRef idx="0">
+            <a:schemeClr val="accent1"/>
+          </a:fillRef>
+          <a:effectRef idx="0">
+            <a:schemeClr val="accent1"/>
+          </a:effectRef>
+          <a:fontRef idx="minor">
+            <a:schemeClr val="tx1"/>
+          </a:fontRef>
+        </p:style>
+      </p:cxnSp>
+      <p:cxnSp>
+        <p:nvCxnSpPr>
+          <p:cNvPr id="12" name="9 Conector recto"/>
+          <p:cNvCxnSpPr/>
+          <p:nvPr/>
+        </p:nvCxnSpPr>
+        <p:spPr>
+          <a:xfrm flipH="1" flipV="1">
+            <a:off x="1811108" y="1289799"/>
+            <a:ext cx="0" cy="249419"/>
+          </a:xfrm>
+          <a:prstGeom prst="line">
+            <a:avLst/>
+          </a:prstGeom>
+          <a:ln w="25400">
+            <a:solidFill>
+              <a:schemeClr val="tx1"/>
+            </a:solidFill>
+          </a:ln>
+        </p:spPr>
+        <p:style>
+          <a:lnRef idx="1">
+            <a:schemeClr val="accent1"/>
+          </a:lnRef>
+          <a:fillRef idx="0">
+            <a:schemeClr val="accent1"/>
+          </a:fillRef>
+          <a:effectRef idx="0">
+            <a:schemeClr val="accent1"/>
+          </a:effectRef>
+          <a:fontRef idx="minor">
+            <a:schemeClr val="tx1"/>
+          </a:fontRef>
+        </p:style>
+      </p:cxnSp>
+      <p:cxnSp>
+        <p:nvCxnSpPr>
+          <p:cNvPr id="13" name="9 Conector recto"/>
+          <p:cNvCxnSpPr/>
+          <p:nvPr/>
+        </p:nvCxnSpPr>
+        <p:spPr>
+          <a:xfrm flipH="1" flipV="1">
+            <a:off x="2711208" y="1310410"/>
+            <a:ext cx="0" cy="249419"/>
+          </a:xfrm>
+          <a:prstGeom prst="line">
+            <a:avLst/>
+          </a:prstGeom>
+          <a:ln w="25400">
+            <a:solidFill>
+              <a:schemeClr val="tx1"/>
+            </a:solidFill>
+          </a:ln>
+        </p:spPr>
+        <p:style>
+          <a:lnRef idx="1">
+            <a:schemeClr val="accent1"/>
+          </a:lnRef>
+          <a:fillRef idx="0">
+            <a:schemeClr val="accent1"/>
+          </a:fillRef>
+          <a:effectRef idx="0">
+            <a:schemeClr val="accent1"/>
+          </a:effectRef>
+          <a:fontRef idx="minor">
+            <a:schemeClr val="tx1"/>
+          </a:fontRef>
+        </p:style>
+      </p:cxnSp>
+      <p:cxnSp>
+        <p:nvCxnSpPr>
+          <p:cNvPr id="14" name="9 Conector recto"/>
+          <p:cNvCxnSpPr/>
+          <p:nvPr/>
+        </p:nvCxnSpPr>
+        <p:spPr>
+          <a:xfrm flipH="1" flipV="1">
+            <a:off x="3251268" y="1289799"/>
+            <a:ext cx="0" cy="249419"/>
+          </a:xfrm>
+          <a:prstGeom prst="line">
+            <a:avLst/>
+          </a:prstGeom>
+          <a:ln w="25400">
+            <a:solidFill>
+              <a:schemeClr val="tx1"/>
+            </a:solidFill>
+          </a:ln>
+        </p:spPr>
+        <p:style>
+          <a:lnRef idx="1">
+            <a:schemeClr val="accent1"/>
+          </a:lnRef>
+          <a:fillRef idx="0">
+            <a:schemeClr val="accent1"/>
+          </a:fillRef>
+          <a:effectRef idx="0">
+            <a:schemeClr val="accent1"/>
+          </a:effectRef>
+          <a:fontRef idx="minor">
+            <a:schemeClr val="tx1"/>
+          </a:fontRef>
+        </p:style>
+      </p:cxnSp>
+      <p:sp>
+        <p:nvSpPr>
+          <p:cNvPr id="15" name="6 CuadroTexto"/>
+          <p:cNvSpPr txBox="1"/>
+          <p:nvPr/>
+        </p:nvSpPr>
+        <p:spPr>
+          <a:xfrm>
+            <a:off x="2036133" y="1269582"/>
+            <a:ext cx="458780" cy="338554"/>
+          </a:xfrm>
+          <a:prstGeom prst="rect">
+            <a:avLst/>
+          </a:prstGeom>
+          <a:solidFill>
+            <a:schemeClr val="bg1"/>
+          </a:solidFill>
+        </p:spPr>
+        <p:txBody>
+          <a:bodyPr wrap="none" rtlCol="0">
+            <a:spAutoFit/>
+          </a:bodyPr>
+          <a:lstStyle/>
+          <a:p>
+            <a:r>
+              <a:rPr lang="es-CO" sz="1600" dirty="0" smtClean="0">
+                <a:latin typeface="Cambria Math" charset="0"/>
+                <a:ea typeface="Cambria Math" charset="0"/>
+                <a:cs typeface="Cambria Math" charset="0"/>
+              </a:rPr>
+              <a:t>•••</a:t>
+            </a:r>
+            <a:endParaRPr lang="es-CO" sz="1600" dirty="0">
+              <a:latin typeface="Cambria Math" charset="0"/>
+              <a:ea typeface="Cambria Math" charset="0"/>
+              <a:cs typeface="Cambria Math" charset="0"/>
+            </a:endParaRPr>
+          </a:p>
+        </p:txBody>
+      </p:sp>
+      <p:sp>
+        <p:nvSpPr>
+          <p:cNvPr id="16" name="10 CuadroTexto"/>
+          <p:cNvSpPr txBox="1"/>
+          <p:nvPr/>
+        </p:nvSpPr>
+        <p:spPr>
+          <a:xfrm>
+            <a:off x="1466656" y="1428116"/>
+            <a:ext cx="354584" cy="461665"/>
+          </a:xfrm>
+          <a:prstGeom prst="rect">
+            <a:avLst/>
+          </a:prstGeom>
+          <a:noFill/>
+        </p:spPr>
+        <p:txBody>
+          <a:bodyPr wrap="none" rtlCol="0">
+            <a:spAutoFit/>
+          </a:bodyPr>
+          <a:lstStyle/>
+          <a:p>
+            <a:r>
+              <a:rPr lang="es-CO" sz="2400" dirty="0" smtClean="0">
+                <a:latin typeface="Cambria Math" charset="0"/>
+                <a:ea typeface="Cambria Math" charset="0"/>
+                <a:cs typeface="Cambria Math" charset="0"/>
+              </a:rPr>
+              <a:t>2</a:t>
+            </a:r>
+            <a:endParaRPr lang="es-CO" sz="2400" dirty="0">
+              <a:latin typeface="Cambria Math" charset="0"/>
+              <a:ea typeface="Cambria Math" charset="0"/>
+              <a:cs typeface="Cambria Math" charset="0"/>
+            </a:endParaRPr>
+          </a:p>
+        </p:txBody>
+      </p:sp>
+      <p:sp>
+        <p:nvSpPr>
+          <p:cNvPr id="17" name="10 CuadroTexto"/>
+          <p:cNvSpPr txBox="1"/>
+          <p:nvPr/>
+        </p:nvSpPr>
+        <p:spPr>
+          <a:xfrm>
+            <a:off x="2771801" y="1428116"/>
+            <a:ext cx="524503" cy="461665"/>
+          </a:xfrm>
+          <a:prstGeom prst="rect">
+            <a:avLst/>
+          </a:prstGeom>
+          <a:noFill/>
+        </p:spPr>
+        <p:txBody>
+          <a:bodyPr wrap="none" rtlCol="0">
+            <a:spAutoFit/>
+          </a:bodyPr>
+          <a:lstStyle/>
+          <a:p>
+            <a:r>
+              <a:rPr lang="es-CO" sz="2400" smtClean="0">
+                <a:latin typeface="Cambria Math" charset="0"/>
+                <a:ea typeface="Cambria Math" charset="0"/>
+                <a:cs typeface="Cambria Math" charset="0"/>
+              </a:rPr>
+              <a:t>20</a:t>
+            </a:r>
+            <a:endParaRPr lang="es-CO" sz="2400" dirty="0">
+              <a:latin typeface="Cambria Math" charset="0"/>
+              <a:ea typeface="Cambria Math" charset="0"/>
+              <a:cs typeface="Cambria Math" charset="0"/>
+            </a:endParaRPr>
+          </a:p>
+        </p:txBody>
+      </p:sp>
+      <p:sp>
+        <p:nvSpPr>
+          <p:cNvPr id="18" name="10 CuadroTexto"/>
+          <p:cNvSpPr txBox="1"/>
+          <p:nvPr/>
+        </p:nvSpPr>
+        <p:spPr>
+          <a:xfrm>
+            <a:off x="325943" y="2008122"/>
+            <a:ext cx="1143667" cy="461665"/>
+          </a:xfrm>
+          <a:prstGeom prst="rect">
+            <a:avLst/>
+          </a:prstGeom>
+          <a:noFill/>
+        </p:spPr>
+        <p:txBody>
+          <a:bodyPr wrap="square" rtlCol="0">
+            <a:spAutoFit/>
+          </a:bodyPr>
+          <a:lstStyle/>
+          <a:p>
+            <a:pPr algn="ctr"/>
+            <a:r>
+              <a:rPr lang="es-CO" sz="2400" i="1" dirty="0" smtClean="0">
+                <a:latin typeface="Cambria Math" charset="0"/>
+                <a:ea typeface="Cambria Math" charset="0"/>
+                <a:cs typeface="Cambria Math" charset="0"/>
+              </a:rPr>
+              <a:t>P</a:t>
+            </a:r>
+            <a:r>
+              <a:rPr lang="es-CO" sz="2400" dirty="0" smtClean="0">
+                <a:latin typeface="Cambria Math" charset="0"/>
+                <a:ea typeface="Cambria Math" charset="0"/>
+                <a:cs typeface="Cambria Math" charset="0"/>
+              </a:rPr>
+              <a:t> = ?</a:t>
+            </a:r>
+            <a:endParaRPr lang="es-CO" sz="2400" dirty="0">
+              <a:latin typeface="Cambria Math" charset="0"/>
+              <a:ea typeface="Cambria Math" charset="0"/>
+              <a:cs typeface="Cambria Math" charset="0"/>
+            </a:endParaRPr>
+          </a:p>
+        </p:txBody>
+      </p:sp>
+      <p:sp>
+        <p:nvSpPr>
+          <p:cNvPr id="19" name="10 CuadroTexto"/>
+          <p:cNvSpPr txBox="1"/>
+          <p:nvPr/>
+        </p:nvSpPr>
+        <p:spPr>
+          <a:xfrm>
+            <a:off x="3401871" y="510875"/>
+            <a:ext cx="1620180" cy="461665"/>
+          </a:xfrm>
+          <a:prstGeom prst="rect">
+            <a:avLst/>
+          </a:prstGeom>
+          <a:noFill/>
+        </p:spPr>
+        <p:txBody>
+          <a:bodyPr wrap="square" rtlCol="0">
+            <a:spAutoFit/>
+          </a:bodyPr>
+          <a:lstStyle/>
+          <a:p>
+            <a:r>
+              <a:rPr lang="es-CO" sz="2400" i="1" dirty="0" smtClean="0">
+                <a:latin typeface="Cambria Math" charset="0"/>
+                <a:ea typeface="Cambria Math" charset="0"/>
+                <a:cs typeface="Cambria Math" charset="0"/>
+              </a:rPr>
+              <a:t>F </a:t>
+            </a:r>
+            <a:r>
+              <a:rPr lang="es-CO" sz="2400" dirty="0" smtClean="0">
+                <a:latin typeface="Cambria Math" charset="0"/>
+                <a:ea typeface="Cambria Math" charset="0"/>
+                <a:cs typeface="Cambria Math" charset="0"/>
+              </a:rPr>
+              <a:t>= $ 7800</a:t>
+            </a:r>
+            <a:endParaRPr lang="es-CO" sz="2400" dirty="0">
+              <a:latin typeface="Cambria Math" charset="0"/>
+              <a:ea typeface="Cambria Math" charset="0"/>
+              <a:cs typeface="Cambria Math" charset="0"/>
+            </a:endParaRPr>
+          </a:p>
+        </p:txBody>
+      </p:sp>
+      <p:cxnSp>
+        <p:nvCxnSpPr>
+          <p:cNvPr id="24" name="12 Conector recto de flecha"/>
+          <p:cNvCxnSpPr/>
+          <p:nvPr/>
+        </p:nvCxnSpPr>
+        <p:spPr>
+          <a:xfrm>
+            <a:off x="5226208" y="3113965"/>
+            <a:ext cx="0" cy="946540"/>
+          </a:xfrm>
+          <a:prstGeom prst="straightConnector1">
+            <a:avLst/>
+          </a:prstGeom>
+          <a:ln w="50800">
+            <a:solidFill>
+              <a:srgbClr val="FF0000"/>
+            </a:solidFill>
+            <a:tailEnd type="triangle" w="med" len="med"/>
+          </a:ln>
+        </p:spPr>
+        <p:style>
+          <a:lnRef idx="1">
+            <a:schemeClr val="accent1"/>
+          </a:lnRef>
+          <a:fillRef idx="0">
+            <a:schemeClr val="accent1"/>
+          </a:fillRef>
+          <a:effectRef idx="0">
+            <a:schemeClr val="accent1"/>
+          </a:effectRef>
+          <a:fontRef idx="minor">
+            <a:schemeClr val="tx1"/>
+          </a:fontRef>
+        </p:style>
+      </p:cxnSp>
+      <p:sp>
+        <p:nvSpPr>
+          <p:cNvPr id="25" name="10 CuadroTexto"/>
+          <p:cNvSpPr txBox="1"/>
+          <p:nvPr/>
+        </p:nvSpPr>
+        <p:spPr>
+          <a:xfrm>
+            <a:off x="6302072" y="3117267"/>
+            <a:ext cx="354584" cy="461665"/>
+          </a:xfrm>
+          <a:prstGeom prst="rect">
+            <a:avLst/>
+          </a:prstGeom>
+          <a:noFill/>
+        </p:spPr>
+        <p:txBody>
+          <a:bodyPr wrap="none" rtlCol="0">
+            <a:spAutoFit/>
+          </a:bodyPr>
+          <a:lstStyle/>
+          <a:p>
+            <a:r>
+              <a:rPr lang="es-CO" sz="2400" dirty="0" smtClean="0">
+                <a:latin typeface="Cambria Math" charset="0"/>
+                <a:ea typeface="Cambria Math" charset="0"/>
+                <a:cs typeface="Cambria Math" charset="0"/>
+              </a:rPr>
+              <a:t>1</a:t>
+            </a:r>
+            <a:endParaRPr lang="es-CO" sz="2400" dirty="0">
+              <a:latin typeface="Cambria Math" charset="0"/>
+              <a:ea typeface="Cambria Math" charset="0"/>
+              <a:cs typeface="Cambria Math" charset="0"/>
+            </a:endParaRPr>
+          </a:p>
+        </p:txBody>
+      </p:sp>
+      <p:cxnSp>
+        <p:nvCxnSpPr>
+          <p:cNvPr id="26" name="5 Conector recto de flecha"/>
+          <p:cNvCxnSpPr/>
+          <p:nvPr/>
+        </p:nvCxnSpPr>
+        <p:spPr>
+          <a:xfrm>
+            <a:off x="5202070" y="3113965"/>
+            <a:ext cx="2880320" cy="11038"/>
+          </a:xfrm>
+          <a:prstGeom prst="straightConnector1">
+            <a:avLst/>
+          </a:prstGeom>
+          <a:ln w="28575">
+            <a:solidFill>
+              <a:schemeClr val="tx1"/>
+            </a:solidFill>
+            <a:tailEnd type="none" w="lg" len="lg"/>
+          </a:ln>
+        </p:spPr>
+        <p:style>
+          <a:lnRef idx="1">
+            <a:schemeClr val="accent1"/>
+          </a:lnRef>
+          <a:fillRef idx="0">
+            <a:schemeClr val="accent1"/>
+          </a:fillRef>
+          <a:effectRef idx="0">
+            <a:schemeClr val="accent1"/>
+          </a:effectRef>
+          <a:fontRef idx="minor">
+            <a:schemeClr val="tx1"/>
+          </a:fontRef>
+        </p:style>
+      </p:cxnSp>
+      <p:cxnSp>
+        <p:nvCxnSpPr>
+          <p:cNvPr id="27" name="9 Conector recto"/>
+          <p:cNvCxnSpPr/>
+          <p:nvPr/>
+        </p:nvCxnSpPr>
+        <p:spPr>
+          <a:xfrm flipH="1" flipV="1">
+            <a:off x="5226208" y="2984237"/>
+            <a:ext cx="0" cy="249419"/>
+          </a:xfrm>
+          <a:prstGeom prst="line">
+            <a:avLst/>
+          </a:prstGeom>
+          <a:ln w="25400">
+            <a:solidFill>
+              <a:schemeClr val="tx1"/>
+            </a:solidFill>
+          </a:ln>
+        </p:spPr>
+        <p:style>
+          <a:lnRef idx="1">
+            <a:schemeClr val="accent1"/>
+          </a:lnRef>
+          <a:fillRef idx="0">
+            <a:schemeClr val="accent1"/>
+          </a:fillRef>
+          <a:effectRef idx="0">
+            <a:schemeClr val="accent1"/>
+          </a:effectRef>
+          <a:fontRef idx="minor">
+            <a:schemeClr val="tx1"/>
+          </a:fontRef>
+        </p:style>
+      </p:cxnSp>
+      <p:cxnSp>
+        <p:nvCxnSpPr>
+          <p:cNvPr id="29" name="9 Conector recto"/>
+          <p:cNvCxnSpPr/>
+          <p:nvPr/>
+        </p:nvCxnSpPr>
+        <p:spPr>
+          <a:xfrm flipH="1" flipV="1">
+            <a:off x="8082390" y="3000294"/>
+            <a:ext cx="0" cy="249419"/>
+          </a:xfrm>
+          <a:prstGeom prst="line">
+            <a:avLst/>
+          </a:prstGeom>
+          <a:ln w="25400">
+            <a:solidFill>
+              <a:schemeClr val="tx1"/>
+            </a:solidFill>
+          </a:ln>
+        </p:spPr>
+        <p:style>
+          <a:lnRef idx="1">
+            <a:schemeClr val="accent1"/>
+          </a:lnRef>
+          <a:fillRef idx="0">
+            <a:schemeClr val="accent1"/>
+          </a:fillRef>
+          <a:effectRef idx="0">
+            <a:schemeClr val="accent1"/>
+          </a:effectRef>
+          <a:fontRef idx="minor">
+            <a:schemeClr val="tx1"/>
+          </a:fontRef>
+        </p:style>
+      </p:cxnSp>
+      <p:cxnSp>
+        <p:nvCxnSpPr>
+          <p:cNvPr id="31" name="9 Conector recto"/>
+          <p:cNvCxnSpPr/>
+          <p:nvPr/>
+        </p:nvCxnSpPr>
+        <p:spPr>
+          <a:xfrm flipH="1" flipV="1">
+            <a:off x="6642230" y="2992557"/>
+            <a:ext cx="0" cy="249419"/>
+          </a:xfrm>
+          <a:prstGeom prst="line">
+            <a:avLst/>
+          </a:prstGeom>
+          <a:ln w="25400">
+            <a:solidFill>
+              <a:schemeClr val="tx1"/>
+            </a:solidFill>
+          </a:ln>
+        </p:spPr>
+        <p:style>
+          <a:lnRef idx="1">
+            <a:schemeClr val="accent1"/>
+          </a:lnRef>
+          <a:fillRef idx="0">
+            <a:schemeClr val="accent1"/>
+          </a:fillRef>
+          <a:effectRef idx="0">
+            <a:schemeClr val="accent1"/>
+          </a:effectRef>
+          <a:fontRef idx="minor">
+            <a:schemeClr val="tx1"/>
+          </a:fontRef>
+        </p:style>
+      </p:cxnSp>
+      <p:sp>
+        <p:nvSpPr>
+          <p:cNvPr id="33" name="10 CuadroTexto"/>
+          <p:cNvSpPr txBox="1"/>
+          <p:nvPr/>
+        </p:nvSpPr>
+        <p:spPr>
+          <a:xfrm>
+            <a:off x="7755090" y="3138842"/>
+            <a:ext cx="354584" cy="461665"/>
+          </a:xfrm>
+          <a:prstGeom prst="rect">
+            <a:avLst/>
+          </a:prstGeom>
+          <a:noFill/>
+        </p:spPr>
+        <p:txBody>
+          <a:bodyPr wrap="none" rtlCol="0">
+            <a:spAutoFit/>
+          </a:bodyPr>
+          <a:lstStyle/>
+          <a:p>
+            <a:r>
+              <a:rPr lang="es-CO" sz="2400" dirty="0" smtClean="0">
+                <a:latin typeface="Cambria Math" charset="0"/>
+                <a:ea typeface="Cambria Math" charset="0"/>
+                <a:cs typeface="Cambria Math" charset="0"/>
+              </a:rPr>
+              <a:t>2</a:t>
+            </a:r>
+            <a:endParaRPr lang="es-CO" sz="2400" dirty="0">
+              <a:latin typeface="Cambria Math" charset="0"/>
+              <a:ea typeface="Cambria Math" charset="0"/>
+              <a:cs typeface="Cambria Math" charset="0"/>
+            </a:endParaRPr>
+          </a:p>
+        </p:txBody>
+      </p:sp>
+      <p:sp>
+        <p:nvSpPr>
+          <p:cNvPr id="35" name="10 CuadroTexto"/>
+          <p:cNvSpPr txBox="1"/>
+          <p:nvPr/>
+        </p:nvSpPr>
+        <p:spPr>
+          <a:xfrm>
+            <a:off x="5328415" y="3618749"/>
+            <a:ext cx="1087157" cy="461665"/>
+          </a:xfrm>
+          <a:prstGeom prst="rect">
+            <a:avLst/>
+          </a:prstGeom>
+          <a:noFill/>
+        </p:spPr>
+        <p:txBody>
+          <a:bodyPr wrap="none" rtlCol="0">
+            <a:spAutoFit/>
+          </a:bodyPr>
+          <a:lstStyle/>
+          <a:p>
+            <a:r>
+              <a:rPr lang="es-CO" sz="2400" dirty="0" smtClean="0">
+                <a:latin typeface="Cambria Math" charset="0"/>
+                <a:ea typeface="Cambria Math" charset="0"/>
+                <a:cs typeface="Cambria Math" charset="0"/>
+              </a:rPr>
+              <a:t>$ 1000</a:t>
+            </a:r>
+            <a:endParaRPr lang="es-CO" sz="2400" dirty="0">
+              <a:latin typeface="Cambria Math" charset="0"/>
+              <a:ea typeface="Cambria Math" charset="0"/>
+              <a:cs typeface="Cambria Math" charset="0"/>
+            </a:endParaRPr>
+          </a:p>
+        </p:txBody>
+      </p:sp>
+      <p:sp>
+        <p:nvSpPr>
+          <p:cNvPr id="36" name="10 CuadroTexto"/>
+          <p:cNvSpPr txBox="1"/>
+          <p:nvPr/>
+        </p:nvSpPr>
+        <p:spPr>
+          <a:xfrm>
+            <a:off x="6687235" y="2336913"/>
+            <a:ext cx="917239" cy="461665"/>
+          </a:xfrm>
+          <a:prstGeom prst="rect">
+            <a:avLst/>
+          </a:prstGeom>
+          <a:noFill/>
+        </p:spPr>
+        <p:txBody>
+          <a:bodyPr wrap="none" rtlCol="0">
+            <a:spAutoFit/>
+          </a:bodyPr>
+          <a:lstStyle/>
+          <a:p>
+            <a:r>
+              <a:rPr lang="es-CO" sz="2400" smtClean="0">
+                <a:latin typeface="Cambria Math" charset="0"/>
+                <a:ea typeface="Cambria Math" charset="0"/>
+                <a:cs typeface="Cambria Math" charset="0"/>
+              </a:rPr>
+              <a:t>$ 600</a:t>
+            </a:r>
+            <a:endParaRPr lang="es-CO" sz="2400" dirty="0">
+              <a:latin typeface="Cambria Math" charset="0"/>
+              <a:ea typeface="Cambria Math" charset="0"/>
+              <a:cs typeface="Cambria Math" charset="0"/>
+            </a:endParaRPr>
+          </a:p>
+        </p:txBody>
+      </p:sp>
+      <p:sp>
+        <p:nvSpPr>
+          <p:cNvPr id="41" name="10 CuadroTexto"/>
+          <p:cNvSpPr txBox="1"/>
+          <p:nvPr/>
+        </p:nvSpPr>
+        <p:spPr>
+          <a:xfrm>
+            <a:off x="8131435" y="2257660"/>
+            <a:ext cx="917239" cy="461665"/>
+          </a:xfrm>
+          <a:prstGeom prst="rect">
+            <a:avLst/>
+          </a:prstGeom>
+          <a:noFill/>
+        </p:spPr>
+        <p:txBody>
+          <a:bodyPr wrap="none" rtlCol="0">
+            <a:spAutoFit/>
+          </a:bodyPr>
+          <a:lstStyle/>
+          <a:p>
+            <a:r>
+              <a:rPr lang="es-CO" sz="2400" smtClean="0">
+                <a:latin typeface="Cambria Math" charset="0"/>
+                <a:ea typeface="Cambria Math" charset="0"/>
+                <a:cs typeface="Cambria Math" charset="0"/>
+              </a:rPr>
+              <a:t>$ 600</a:t>
+            </a:r>
+            <a:endParaRPr lang="es-CO" sz="2400" dirty="0">
+              <a:latin typeface="Cambria Math" charset="0"/>
+              <a:ea typeface="Cambria Math" charset="0"/>
+              <a:cs typeface="Cambria Math" charset="0"/>
+            </a:endParaRPr>
+          </a:p>
+        </p:txBody>
+      </p:sp>
+      <p:cxnSp>
+        <p:nvCxnSpPr>
+          <p:cNvPr id="28" name="12 Conector recto de flecha"/>
+          <p:cNvCxnSpPr/>
+          <p:nvPr/>
+        </p:nvCxnSpPr>
+        <p:spPr>
+          <a:xfrm flipV="1">
+            <a:off x="3248671" y="4735876"/>
+            <a:ext cx="0" cy="900100"/>
+          </a:xfrm>
+          <a:prstGeom prst="straightConnector1">
+            <a:avLst/>
+          </a:prstGeom>
+          <a:ln w="50800">
+            <a:solidFill>
+              <a:srgbClr val="FF0000"/>
+            </a:solidFill>
+            <a:tailEnd type="triangle" w="med" len="med"/>
+          </a:ln>
+        </p:spPr>
+        <p:style>
+          <a:lnRef idx="1">
+            <a:schemeClr val="accent1"/>
+          </a:lnRef>
+          <a:fillRef idx="0">
+            <a:schemeClr val="accent1"/>
+          </a:fillRef>
+          <a:effectRef idx="0">
+            <a:schemeClr val="accent1"/>
+          </a:effectRef>
+          <a:fontRef idx="minor">
+            <a:schemeClr val="tx1"/>
+          </a:fontRef>
+        </p:style>
+      </p:cxnSp>
+      <p:cxnSp>
+        <p:nvCxnSpPr>
+          <p:cNvPr id="30" name="12 Conector recto de flecha"/>
+          <p:cNvCxnSpPr/>
+          <p:nvPr/>
+        </p:nvCxnSpPr>
+        <p:spPr>
+          <a:xfrm>
+            <a:off x="350081" y="5632674"/>
+            <a:ext cx="0" cy="946540"/>
+          </a:xfrm>
+          <a:prstGeom prst="straightConnector1">
+            <a:avLst/>
+          </a:prstGeom>
+          <a:ln w="50800">
+            <a:solidFill>
+              <a:srgbClr val="FF0000"/>
+            </a:solidFill>
+            <a:tailEnd type="triangle" w="med" len="med"/>
+          </a:ln>
+        </p:spPr>
+        <p:style>
+          <a:lnRef idx="1">
+            <a:schemeClr val="accent1"/>
+          </a:lnRef>
+          <a:fillRef idx="0">
+            <a:schemeClr val="accent1"/>
+          </a:fillRef>
+          <a:effectRef idx="0">
+            <a:schemeClr val="accent1"/>
+          </a:effectRef>
+          <a:fontRef idx="minor">
+            <a:schemeClr val="tx1"/>
+          </a:fontRef>
+        </p:style>
+      </p:cxnSp>
+      <p:sp>
+        <p:nvSpPr>
+          <p:cNvPr id="32" name="10 CuadroTexto"/>
+          <p:cNvSpPr txBox="1"/>
+          <p:nvPr/>
+        </p:nvSpPr>
+        <p:spPr>
+          <a:xfrm>
+            <a:off x="730988" y="5635976"/>
+            <a:ext cx="354584" cy="461665"/>
+          </a:xfrm>
+          <a:prstGeom prst="rect">
+            <a:avLst/>
+          </a:prstGeom>
+          <a:noFill/>
+        </p:spPr>
+        <p:txBody>
+          <a:bodyPr wrap="none" rtlCol="0">
+            <a:spAutoFit/>
+          </a:bodyPr>
+          <a:lstStyle/>
+          <a:p>
+            <a:r>
+              <a:rPr lang="es-CO" sz="2400" dirty="0" smtClean="0">
+                <a:latin typeface="Cambria Math" charset="0"/>
+                <a:ea typeface="Cambria Math" charset="0"/>
+                <a:cs typeface="Cambria Math" charset="0"/>
+              </a:rPr>
+              <a:t>1</a:t>
+            </a:r>
+            <a:endParaRPr lang="es-CO" sz="2400" dirty="0">
+              <a:latin typeface="Cambria Math" charset="0"/>
+              <a:ea typeface="Cambria Math" charset="0"/>
+              <a:cs typeface="Cambria Math" charset="0"/>
+            </a:endParaRPr>
+          </a:p>
+        </p:txBody>
+      </p:sp>
+      <p:cxnSp>
+        <p:nvCxnSpPr>
+          <p:cNvPr id="34" name="5 Conector recto de flecha"/>
+          <p:cNvCxnSpPr/>
+          <p:nvPr/>
+        </p:nvCxnSpPr>
+        <p:spPr>
+          <a:xfrm flipV="1">
+            <a:off x="325943" y="5632674"/>
+            <a:ext cx="2925325" cy="0"/>
+          </a:xfrm>
+          <a:prstGeom prst="straightConnector1">
+            <a:avLst/>
+          </a:prstGeom>
+          <a:ln w="28575">
+            <a:solidFill>
+              <a:schemeClr val="tx1"/>
+            </a:solidFill>
+            <a:tailEnd type="none" w="lg" len="lg"/>
+          </a:ln>
+        </p:spPr>
+        <p:style>
+          <a:lnRef idx="1">
+            <a:schemeClr val="accent1"/>
+          </a:lnRef>
+          <a:fillRef idx="0">
+            <a:schemeClr val="accent1"/>
+          </a:fillRef>
+          <a:effectRef idx="0">
+            <a:schemeClr val="accent1"/>
+          </a:effectRef>
+          <a:fontRef idx="minor">
+            <a:schemeClr val="tx1"/>
+          </a:fontRef>
+        </p:style>
+      </p:cxnSp>
+      <p:cxnSp>
+        <p:nvCxnSpPr>
+          <p:cNvPr id="38" name="9 Conector recto"/>
+          <p:cNvCxnSpPr/>
+          <p:nvPr/>
+        </p:nvCxnSpPr>
+        <p:spPr>
+          <a:xfrm flipH="1" flipV="1">
+            <a:off x="350081" y="5502946"/>
+            <a:ext cx="0" cy="249419"/>
+          </a:xfrm>
+          <a:prstGeom prst="line">
+            <a:avLst/>
+          </a:prstGeom>
+          <a:ln w="25400">
+            <a:solidFill>
+              <a:schemeClr val="tx1"/>
+            </a:solidFill>
+          </a:ln>
+        </p:spPr>
+        <p:style>
+          <a:lnRef idx="1">
+            <a:schemeClr val="accent1"/>
+          </a:lnRef>
+          <a:fillRef idx="0">
+            <a:schemeClr val="accent1"/>
+          </a:fillRef>
+          <a:effectRef idx="0">
+            <a:schemeClr val="accent1"/>
+          </a:effectRef>
+          <a:fontRef idx="minor">
+            <a:schemeClr val="tx1"/>
+          </a:fontRef>
+        </p:style>
+      </p:cxnSp>
+      <p:cxnSp>
+        <p:nvCxnSpPr>
+          <p:cNvPr id="39" name="9 Conector recto"/>
+          <p:cNvCxnSpPr/>
+          <p:nvPr/>
+        </p:nvCxnSpPr>
+        <p:spPr>
+          <a:xfrm flipH="1" flipV="1">
+            <a:off x="1091028" y="5497659"/>
+            <a:ext cx="0" cy="249419"/>
+          </a:xfrm>
+          <a:prstGeom prst="line">
+            <a:avLst/>
+          </a:prstGeom>
+          <a:ln w="25400">
+            <a:solidFill>
+              <a:schemeClr val="tx1"/>
+            </a:solidFill>
+          </a:ln>
+        </p:spPr>
+        <p:style>
+          <a:lnRef idx="1">
+            <a:schemeClr val="accent1"/>
+          </a:lnRef>
+          <a:fillRef idx="0">
+            <a:schemeClr val="accent1"/>
+          </a:fillRef>
+          <a:effectRef idx="0">
+            <a:schemeClr val="accent1"/>
+          </a:effectRef>
+          <a:fontRef idx="minor">
+            <a:schemeClr val="tx1"/>
+          </a:fontRef>
+        </p:style>
+      </p:cxnSp>
+      <p:cxnSp>
+        <p:nvCxnSpPr>
+          <p:cNvPr id="42" name="9 Conector recto"/>
+          <p:cNvCxnSpPr/>
+          <p:nvPr/>
+        </p:nvCxnSpPr>
+        <p:spPr>
+          <a:xfrm flipH="1" flipV="1">
+            <a:off x="1811108" y="5497659"/>
+            <a:ext cx="0" cy="249419"/>
+          </a:xfrm>
+          <a:prstGeom prst="line">
+            <a:avLst/>
+          </a:prstGeom>
+          <a:ln w="25400">
+            <a:solidFill>
+              <a:schemeClr val="tx1"/>
+            </a:solidFill>
+          </a:ln>
+        </p:spPr>
+        <p:style>
+          <a:lnRef idx="1">
+            <a:schemeClr val="accent1"/>
+          </a:lnRef>
+          <a:fillRef idx="0">
+            <a:schemeClr val="accent1"/>
+          </a:fillRef>
+          <a:effectRef idx="0">
+            <a:schemeClr val="accent1"/>
+          </a:effectRef>
+          <a:fontRef idx="minor">
+            <a:schemeClr val="tx1"/>
+          </a:fontRef>
+        </p:style>
+      </p:cxnSp>
+      <p:cxnSp>
+        <p:nvCxnSpPr>
+          <p:cNvPr id="43" name="9 Conector recto"/>
+          <p:cNvCxnSpPr/>
+          <p:nvPr/>
+        </p:nvCxnSpPr>
+        <p:spPr>
+          <a:xfrm flipH="1" flipV="1">
+            <a:off x="2711208" y="5518270"/>
+            <a:ext cx="0" cy="249419"/>
+          </a:xfrm>
+          <a:prstGeom prst="line">
+            <a:avLst/>
+          </a:prstGeom>
+          <a:ln w="25400">
+            <a:solidFill>
+              <a:schemeClr val="tx1"/>
+            </a:solidFill>
+          </a:ln>
+        </p:spPr>
+        <p:style>
+          <a:lnRef idx="1">
+            <a:schemeClr val="accent1"/>
+          </a:lnRef>
+          <a:fillRef idx="0">
+            <a:schemeClr val="accent1"/>
+          </a:fillRef>
+          <a:effectRef idx="0">
+            <a:schemeClr val="accent1"/>
+          </a:effectRef>
+          <a:fontRef idx="minor">
+            <a:schemeClr val="tx1"/>
+          </a:fontRef>
+        </p:style>
+      </p:cxnSp>
+      <p:cxnSp>
+        <p:nvCxnSpPr>
+          <p:cNvPr id="44" name="9 Conector recto"/>
+          <p:cNvCxnSpPr/>
+          <p:nvPr/>
+        </p:nvCxnSpPr>
+        <p:spPr>
+          <a:xfrm flipH="1" flipV="1">
+            <a:off x="3251268" y="5497659"/>
+            <a:ext cx="0" cy="249419"/>
+          </a:xfrm>
+          <a:prstGeom prst="line">
+            <a:avLst/>
+          </a:prstGeom>
+          <a:ln w="25400">
+            <a:solidFill>
+              <a:schemeClr val="tx1"/>
+            </a:solidFill>
+          </a:ln>
+        </p:spPr>
+        <p:style>
+          <a:lnRef idx="1">
+            <a:schemeClr val="accent1"/>
+          </a:lnRef>
+          <a:fillRef idx="0">
+            <a:schemeClr val="accent1"/>
+          </a:fillRef>
+          <a:effectRef idx="0">
+            <a:schemeClr val="accent1"/>
+          </a:effectRef>
+          <a:fontRef idx="minor">
+            <a:schemeClr val="tx1"/>
+          </a:fontRef>
+        </p:style>
+      </p:cxnSp>
+      <p:sp>
+        <p:nvSpPr>
+          <p:cNvPr id="45" name="6 CuadroTexto"/>
+          <p:cNvSpPr txBox="1"/>
+          <p:nvPr/>
+        </p:nvSpPr>
+        <p:spPr>
+          <a:xfrm>
+            <a:off x="2036133" y="5477442"/>
+            <a:ext cx="458780" cy="338554"/>
+          </a:xfrm>
+          <a:prstGeom prst="rect">
+            <a:avLst/>
+          </a:prstGeom>
+          <a:solidFill>
+            <a:schemeClr val="bg1"/>
+          </a:solidFill>
+        </p:spPr>
+        <p:txBody>
+          <a:bodyPr wrap="none" rtlCol="0">
+            <a:spAutoFit/>
+          </a:bodyPr>
+          <a:lstStyle/>
+          <a:p>
+            <a:r>
+              <a:rPr lang="es-CO" sz="1600" dirty="0" smtClean="0">
+                <a:latin typeface="Cambria Math" charset="0"/>
+                <a:ea typeface="Cambria Math" charset="0"/>
+                <a:cs typeface="Cambria Math" charset="0"/>
+              </a:rPr>
+              <a:t>•••</a:t>
+            </a:r>
+            <a:endParaRPr lang="es-CO" sz="1600" dirty="0">
+              <a:latin typeface="Cambria Math" charset="0"/>
+              <a:ea typeface="Cambria Math" charset="0"/>
+              <a:cs typeface="Cambria Math" charset="0"/>
+            </a:endParaRPr>
+          </a:p>
+        </p:txBody>
+      </p:sp>
+      <p:sp>
+        <p:nvSpPr>
+          <p:cNvPr id="46" name="10 CuadroTexto"/>
+          <p:cNvSpPr txBox="1"/>
+          <p:nvPr/>
+        </p:nvSpPr>
+        <p:spPr>
+          <a:xfrm>
+            <a:off x="1466656" y="5635976"/>
+            <a:ext cx="354584" cy="461665"/>
+          </a:xfrm>
+          <a:prstGeom prst="rect">
+            <a:avLst/>
+          </a:prstGeom>
+          <a:noFill/>
+        </p:spPr>
+        <p:txBody>
+          <a:bodyPr wrap="none" rtlCol="0">
+            <a:spAutoFit/>
+          </a:bodyPr>
+          <a:lstStyle/>
+          <a:p>
+            <a:r>
+              <a:rPr lang="es-CO" sz="2400" dirty="0" smtClean="0">
+                <a:latin typeface="Cambria Math" charset="0"/>
+                <a:ea typeface="Cambria Math" charset="0"/>
+                <a:cs typeface="Cambria Math" charset="0"/>
+              </a:rPr>
+              <a:t>2</a:t>
+            </a:r>
+            <a:endParaRPr lang="es-CO" sz="2400" dirty="0">
+              <a:latin typeface="Cambria Math" charset="0"/>
+              <a:ea typeface="Cambria Math" charset="0"/>
+              <a:cs typeface="Cambria Math" charset="0"/>
+            </a:endParaRPr>
+          </a:p>
+        </p:txBody>
+      </p:sp>
+      <p:sp>
+        <p:nvSpPr>
+          <p:cNvPr id="47" name="10 CuadroTexto"/>
+          <p:cNvSpPr txBox="1"/>
+          <p:nvPr/>
+        </p:nvSpPr>
+        <p:spPr>
+          <a:xfrm>
+            <a:off x="2771801" y="5635976"/>
+            <a:ext cx="524503" cy="461665"/>
+          </a:xfrm>
+          <a:prstGeom prst="rect">
+            <a:avLst/>
+          </a:prstGeom>
+          <a:noFill/>
+        </p:spPr>
+        <p:txBody>
+          <a:bodyPr wrap="none" rtlCol="0">
+            <a:spAutoFit/>
+          </a:bodyPr>
+          <a:lstStyle/>
+          <a:p>
+            <a:r>
+              <a:rPr lang="es-CO" sz="2400" dirty="0" smtClean="0">
+                <a:latin typeface="Cambria Math" charset="0"/>
+                <a:ea typeface="Cambria Math" charset="0"/>
+                <a:cs typeface="Cambria Math" charset="0"/>
+              </a:rPr>
+              <a:t>12</a:t>
+            </a:r>
+            <a:endParaRPr lang="es-CO" sz="2400" dirty="0">
+              <a:latin typeface="Cambria Math" charset="0"/>
+              <a:ea typeface="Cambria Math" charset="0"/>
+              <a:cs typeface="Cambria Math" charset="0"/>
+            </a:endParaRPr>
+          </a:p>
+        </p:txBody>
+      </p:sp>
+      <p:sp>
+        <p:nvSpPr>
+          <p:cNvPr id="48" name="10 CuadroTexto"/>
+          <p:cNvSpPr txBox="1"/>
+          <p:nvPr/>
+        </p:nvSpPr>
+        <p:spPr>
+          <a:xfrm>
+            <a:off x="3266855" y="4767535"/>
+            <a:ext cx="900100" cy="461665"/>
+          </a:xfrm>
+          <a:prstGeom prst="rect">
+            <a:avLst/>
+          </a:prstGeom>
+          <a:noFill/>
+        </p:spPr>
+        <p:txBody>
+          <a:bodyPr wrap="square" rtlCol="0">
+            <a:spAutoFit/>
+          </a:bodyPr>
+          <a:lstStyle/>
+          <a:p>
+            <a:r>
+              <a:rPr lang="es-CO" sz="2400" i="1" dirty="0" smtClean="0">
+                <a:latin typeface="Cambria Math" charset="0"/>
+                <a:ea typeface="Cambria Math" charset="0"/>
+                <a:cs typeface="Cambria Math" charset="0"/>
+              </a:rPr>
+              <a:t>F </a:t>
+            </a:r>
+            <a:r>
+              <a:rPr lang="es-CO" sz="2400" dirty="0" smtClean="0">
+                <a:latin typeface="Cambria Math" charset="0"/>
+                <a:ea typeface="Cambria Math" charset="0"/>
+                <a:cs typeface="Cambria Math" charset="0"/>
+              </a:rPr>
+              <a:t>= </a:t>
+            </a:r>
+            <a:r>
+              <a:rPr lang="es-CO" sz="2400" dirty="0">
+                <a:latin typeface="Cambria Math" charset="0"/>
+                <a:ea typeface="Cambria Math" charset="0"/>
+                <a:cs typeface="Cambria Math" charset="0"/>
+              </a:rPr>
+              <a:t>?</a:t>
+            </a:r>
+          </a:p>
+        </p:txBody>
+      </p:sp>
+      <p:sp>
+        <p:nvSpPr>
+          <p:cNvPr id="49" name="10 CuadroTexto"/>
+          <p:cNvSpPr txBox="1"/>
+          <p:nvPr/>
+        </p:nvSpPr>
+        <p:spPr>
+          <a:xfrm>
+            <a:off x="322989" y="6282541"/>
+            <a:ext cx="1498251" cy="461665"/>
+          </a:xfrm>
+          <a:prstGeom prst="rect">
+            <a:avLst/>
+          </a:prstGeom>
+          <a:noFill/>
+        </p:spPr>
+        <p:txBody>
+          <a:bodyPr wrap="square" rtlCol="0">
+            <a:spAutoFit/>
+          </a:bodyPr>
+          <a:lstStyle/>
+          <a:p>
+            <a:pPr algn="ctr"/>
+            <a:r>
+              <a:rPr lang="es-CO" sz="2400" i="1" dirty="0" smtClean="0">
+                <a:latin typeface="Cambria Math" charset="0"/>
+                <a:ea typeface="Cambria Math" charset="0"/>
+                <a:cs typeface="Cambria Math" charset="0"/>
+              </a:rPr>
+              <a:t>P</a:t>
+            </a:r>
+            <a:r>
+              <a:rPr lang="es-CO" sz="2400" dirty="0" smtClean="0">
+                <a:latin typeface="Cambria Math" charset="0"/>
+                <a:ea typeface="Cambria Math" charset="0"/>
+                <a:cs typeface="Cambria Math" charset="0"/>
+              </a:rPr>
+              <a:t> </a:t>
+            </a:r>
+            <a:r>
+              <a:rPr lang="es-CO" sz="2400" smtClean="0">
+                <a:latin typeface="Cambria Math" charset="0"/>
+                <a:ea typeface="Cambria Math" charset="0"/>
+                <a:cs typeface="Cambria Math" charset="0"/>
+              </a:rPr>
+              <a:t>= $ 730</a:t>
+            </a:r>
+            <a:endParaRPr lang="es-CO" sz="2400" dirty="0">
+              <a:latin typeface="Cambria Math" charset="0"/>
+              <a:ea typeface="Cambria Math" charset="0"/>
+              <a:cs typeface="Cambria Math" charset="0"/>
+            </a:endParaRPr>
+          </a:p>
+        </p:txBody>
+      </p:sp>
+    </p:spTree>
+    <p:extLst>
+      <p:ext uri="{BB962C8B-B14F-4D97-AF65-F5344CB8AC3E}">
+        <p14:creationId xmlns:p14="http://schemas.microsoft.com/office/powerpoint/2010/main" val="2033107730"/>
+      </p:ext>
+    </p:extLst>
+  </p:cSld>
+  <p:clrMapOvr>
+    <a:masterClrMapping/>
+  </p:clrMapOvr>
+</p:sld>
+</file>
+
+<file path=ppt/slides/slide11.xml><?xml version="1.0" encoding="utf-8"?>
 <p:sld xmlns:a="http://schemas.openxmlformats.org/drawingml/2006/main" xmlns:r="http://schemas.openxmlformats.org/officeDocument/2006/relationships" xmlns:p="http://schemas.openxmlformats.org/presentationml/2006/main">
   <p:cSld>
     <p:spTree>
@@ -9021,7 +10562,7 @@
 </p:sld>
 </file>
 
-<file path=ppt/slides/slide11.xml><?xml version="1.0" encoding="utf-8"?>
+<file path=ppt/slides/slide12.xml><?xml version="1.0" encoding="utf-8"?>
 <p:sld xmlns:a="http://schemas.openxmlformats.org/drawingml/2006/main" xmlns:r="http://schemas.openxmlformats.org/officeDocument/2006/relationships" xmlns:p="http://schemas.openxmlformats.org/presentationml/2006/main">
   <p:cSld>
     <p:spTree>
@@ -10386,7 +11927,7 @@
 </p:sld>
 </file>
 
-<file path=ppt/slides/slide12.xml><?xml version="1.0" encoding="utf-8"?>
+<file path=ppt/slides/slide13.xml><?xml version="1.0" encoding="utf-8"?>
 <p:sld xmlns:a="http://schemas.openxmlformats.org/drawingml/2006/main" xmlns:r="http://schemas.openxmlformats.org/officeDocument/2006/relationships" xmlns:p="http://schemas.openxmlformats.org/presentationml/2006/main">
   <p:cSld>
     <p:spTree>
@@ -13001,7 +14542,7 @@
 </p:sld>
 </file>
 
-<file path=ppt/slides/slide13.xml><?xml version="1.0" encoding="utf-8"?>
+<file path=ppt/slides/slide14.xml><?xml version="1.0" encoding="utf-8"?>
 <p:sld xmlns:a="http://schemas.openxmlformats.org/drawingml/2006/main" xmlns:r="http://schemas.openxmlformats.org/officeDocument/2006/relationships" xmlns:p="http://schemas.openxmlformats.org/presentationml/2006/main">
   <p:cSld>
     <p:spTree>
@@ -15414,7 +16955,7 @@
 </p:sld>
 </file>
 
-<file path=ppt/slides/slide14.xml><?xml version="1.0" encoding="utf-8"?>
+<file path=ppt/slides/slide15.xml><?xml version="1.0" encoding="utf-8"?>
 <p:sld xmlns:a="http://schemas.openxmlformats.org/drawingml/2006/main" xmlns:r="http://schemas.openxmlformats.org/officeDocument/2006/relationships" xmlns:p="http://schemas.openxmlformats.org/presentationml/2006/main">
   <p:cSld>
     <p:spTree>
@@ -16665,7 +18206,7 @@
 </p:sld>
 </file>
 
-<file path=ppt/slides/slide15.xml><?xml version="1.0" encoding="utf-8"?>
+<file path=ppt/slides/slide16.xml><?xml version="1.0" encoding="utf-8"?>
 <p:sld xmlns:a="http://schemas.openxmlformats.org/drawingml/2006/main" xmlns:r="http://schemas.openxmlformats.org/officeDocument/2006/relationships" xmlns:p="http://schemas.openxmlformats.org/presentationml/2006/main">
   <p:cSld>
     <p:spTree>
@@ -17880,7 +19421,7 @@
 </p:sld>
 </file>
 
-<file path=ppt/slides/slide16.xml><?xml version="1.0" encoding="utf-8"?>
+<file path=ppt/slides/slide17.xml><?xml version="1.0" encoding="utf-8"?>
 <p:sld xmlns:a="http://schemas.openxmlformats.org/drawingml/2006/main" xmlns:r="http://schemas.openxmlformats.org/officeDocument/2006/relationships" xmlns:p="http://schemas.openxmlformats.org/presentationml/2006/main">
   <p:cSld>
     <p:spTree>
@@ -20014,7 +21555,7 @@
 </p:sld>
 </file>
 
-<file path=ppt/slides/slide17.xml><?xml version="1.0" encoding="utf-8"?>
+<file path=ppt/slides/slide18.xml><?xml version="1.0" encoding="utf-8"?>
 <p:sld xmlns:a="http://schemas.openxmlformats.org/drawingml/2006/main" xmlns:r="http://schemas.openxmlformats.org/officeDocument/2006/relationships" xmlns:p="http://schemas.openxmlformats.org/presentationml/2006/main">
   <p:cSld>
     <p:spTree>
@@ -20781,7 +22322,7 @@
 </p:sld>
 </file>
 
-<file path=ppt/slides/slide18.xml><?xml version="1.0" encoding="utf-8"?>
+<file path=ppt/slides/slide19.xml><?xml version="1.0" encoding="utf-8"?>
 <p:sld xmlns:a="http://schemas.openxmlformats.org/drawingml/2006/main" xmlns:r="http://schemas.openxmlformats.org/officeDocument/2006/relationships" xmlns:p="http://schemas.openxmlformats.org/presentationml/2006/main">
   <p:cSld>
     <p:spTree>
@@ -23263,7 +24804,893 @@
 </p:sld>
 </file>
 
-<file path=ppt/slides/slide19.xml><?xml version="1.0" encoding="utf-8"?>
+<file path=ppt/slides/slide2.xml><?xml version="1.0" encoding="utf-8"?>
+<p:sld xmlns:a="http://schemas.openxmlformats.org/drawingml/2006/main" xmlns:r="http://schemas.openxmlformats.org/officeDocument/2006/relationships" xmlns:p="http://schemas.openxmlformats.org/presentationml/2006/main">
+  <p:cSld>
+    <p:spTree>
+      <p:nvGrpSpPr>
+        <p:cNvPr id="1" name=""/>
+        <p:cNvGrpSpPr/>
+        <p:nvPr/>
+      </p:nvGrpSpPr>
+      <p:grpSpPr>
+        <a:xfrm>
+          <a:off x="0" y="0"/>
+          <a:ext cx="0" cy="0"/>
+          <a:chOff x="0" y="0"/>
+          <a:chExt cx="0" cy="0"/>
+        </a:xfrm>
+      </p:grpSpPr>
+      <p:cxnSp>
+        <p:nvCxnSpPr>
+          <p:cNvPr id="34" name="Conector recto de flecha 33"/>
+          <p:cNvCxnSpPr/>
+          <p:nvPr/>
+        </p:nvCxnSpPr>
+        <p:spPr>
+          <a:xfrm flipH="1">
+            <a:off x="3436673" y="2439180"/>
+            <a:ext cx="0" cy="1291133"/>
+          </a:xfrm>
+          <a:prstGeom prst="straightConnector1">
+            <a:avLst/>
+          </a:prstGeom>
+          <a:ln w="76200">
+            <a:solidFill>
+              <a:srgbClr val="00B0F0"/>
+            </a:solidFill>
+            <a:tailEnd type="triangle"/>
+          </a:ln>
+        </p:spPr>
+        <p:style>
+          <a:lnRef idx="1">
+            <a:schemeClr val="accent1"/>
+          </a:lnRef>
+          <a:fillRef idx="0">
+            <a:schemeClr val="accent1"/>
+          </a:fillRef>
+          <a:effectRef idx="0">
+            <a:schemeClr val="accent1"/>
+          </a:effectRef>
+          <a:fontRef idx="minor">
+            <a:schemeClr val="tx1"/>
+          </a:fontRef>
+        </p:style>
+      </p:cxnSp>
+      <p:cxnSp>
+        <p:nvCxnSpPr>
+          <p:cNvPr id="33" name="Conector recto de flecha 32"/>
+          <p:cNvCxnSpPr/>
+          <p:nvPr/>
+        </p:nvCxnSpPr>
+        <p:spPr>
+          <a:xfrm flipV="1">
+            <a:off x="1305499" y="1493785"/>
+            <a:ext cx="0" cy="940459"/>
+          </a:xfrm>
+          <a:prstGeom prst="straightConnector1">
+            <a:avLst/>
+          </a:prstGeom>
+          <a:ln w="76200">
+            <a:solidFill>
+              <a:srgbClr val="00B0F0"/>
+            </a:solidFill>
+            <a:tailEnd type="triangle"/>
+          </a:ln>
+        </p:spPr>
+        <p:style>
+          <a:lnRef idx="1">
+            <a:schemeClr val="accent1"/>
+          </a:lnRef>
+          <a:fillRef idx="0">
+            <a:schemeClr val="accent1"/>
+          </a:fillRef>
+          <a:effectRef idx="0">
+            <a:schemeClr val="accent1"/>
+          </a:effectRef>
+          <a:fontRef idx="minor">
+            <a:schemeClr val="tx1"/>
+          </a:fontRef>
+        </p:style>
+      </p:cxnSp>
+      <p:cxnSp>
+        <p:nvCxnSpPr>
+          <p:cNvPr id="2" name="13 Conector recto de flecha"/>
+          <p:cNvCxnSpPr/>
+          <p:nvPr/>
+        </p:nvCxnSpPr>
+        <p:spPr>
+          <a:xfrm>
+            <a:off x="1305499" y="2426232"/>
+            <a:ext cx="2529281" cy="0"/>
+          </a:xfrm>
+          <a:prstGeom prst="straightConnector1">
+            <a:avLst/>
+          </a:prstGeom>
+          <a:ln w="25400">
+            <a:solidFill>
+              <a:schemeClr val="tx1"/>
+            </a:solidFill>
+            <a:tailEnd type="triangle" w="lg" len="lg"/>
+          </a:ln>
+        </p:spPr>
+        <p:style>
+          <a:lnRef idx="1">
+            <a:schemeClr val="accent1"/>
+          </a:lnRef>
+          <a:fillRef idx="0">
+            <a:schemeClr val="accent1"/>
+          </a:fillRef>
+          <a:effectRef idx="0">
+            <a:schemeClr val="accent1"/>
+          </a:effectRef>
+          <a:fontRef idx="minor">
+            <a:schemeClr val="tx1"/>
+          </a:fontRef>
+        </p:style>
+      </p:cxnSp>
+      <p:cxnSp>
+        <p:nvCxnSpPr>
+          <p:cNvPr id="3" name="16 Conector recto"/>
+          <p:cNvCxnSpPr/>
+          <p:nvPr/>
+        </p:nvCxnSpPr>
+        <p:spPr>
+          <a:xfrm flipV="1">
+            <a:off x="1305499" y="2292906"/>
+            <a:ext cx="0" cy="271998"/>
+          </a:xfrm>
+          <a:prstGeom prst="line">
+            <a:avLst/>
+          </a:prstGeom>
+          <a:ln w="25400">
+            <a:solidFill>
+              <a:schemeClr val="tx1"/>
+            </a:solidFill>
+          </a:ln>
+        </p:spPr>
+        <p:style>
+          <a:lnRef idx="1">
+            <a:schemeClr val="accent1"/>
+          </a:lnRef>
+          <a:fillRef idx="0">
+            <a:schemeClr val="accent1"/>
+          </a:fillRef>
+          <a:effectRef idx="0">
+            <a:schemeClr val="accent1"/>
+          </a:effectRef>
+          <a:fontRef idx="minor">
+            <a:schemeClr val="tx1"/>
+          </a:fontRef>
+        </p:style>
+      </p:cxnSp>
+      <p:cxnSp>
+        <p:nvCxnSpPr>
+          <p:cNvPr id="10" name="28 Conector recto"/>
+          <p:cNvCxnSpPr/>
+          <p:nvPr/>
+        </p:nvCxnSpPr>
+        <p:spPr>
+          <a:xfrm flipV="1">
+            <a:off x="3429735" y="2292906"/>
+            <a:ext cx="0" cy="271998"/>
+          </a:xfrm>
+          <a:prstGeom prst="line">
+            <a:avLst/>
+          </a:prstGeom>
+          <a:ln w="25400">
+            <a:solidFill>
+              <a:schemeClr val="tx1"/>
+            </a:solidFill>
+          </a:ln>
+        </p:spPr>
+        <p:style>
+          <a:lnRef idx="1">
+            <a:schemeClr val="accent1"/>
+          </a:lnRef>
+          <a:fillRef idx="0">
+            <a:schemeClr val="accent1"/>
+          </a:fillRef>
+          <a:effectRef idx="0">
+            <a:schemeClr val="accent1"/>
+          </a:effectRef>
+          <a:fontRef idx="minor">
+            <a:schemeClr val="tx1"/>
+          </a:fontRef>
+        </p:style>
+      </p:cxnSp>
+      <p:sp>
+        <p:nvSpPr>
+          <p:cNvPr id="18" name="CuadroTexto 17"/>
+          <p:cNvSpPr txBox="1"/>
+          <p:nvPr/>
+        </p:nvSpPr>
+        <p:spPr>
+          <a:xfrm>
+            <a:off x="2963809" y="2397909"/>
+            <a:ext cx="393056" cy="584775"/>
+          </a:xfrm>
+          <a:prstGeom prst="rect">
+            <a:avLst/>
+          </a:prstGeom>
+          <a:noFill/>
+        </p:spPr>
+        <p:txBody>
+          <a:bodyPr wrap="none" rtlCol="0">
+            <a:spAutoFit/>
+          </a:bodyPr>
+          <a:lstStyle/>
+          <a:p>
+            <a:r>
+              <a:rPr lang="es-ES_tradnl" sz="3200" smtClean="0"/>
+              <a:t>1</a:t>
+            </a:r>
+            <a:endParaRPr lang="es-ES_tradnl" sz="3200"/>
+          </a:p>
+        </p:txBody>
+      </p:sp>
+      <p:sp>
+        <p:nvSpPr>
+          <p:cNvPr id="27" name="CuadroTexto 26"/>
+          <p:cNvSpPr txBox="1"/>
+          <p:nvPr/>
+        </p:nvSpPr>
+        <p:spPr>
+          <a:xfrm>
+            <a:off x="761458" y="2069558"/>
+            <a:ext cx="553805" cy="369332"/>
+          </a:xfrm>
+          <a:prstGeom prst="rect">
+            <a:avLst/>
+          </a:prstGeom>
+          <a:noFill/>
+        </p:spPr>
+        <p:txBody>
+          <a:bodyPr wrap="none" rtlCol="0">
+            <a:spAutoFit/>
+          </a:bodyPr>
+          <a:lstStyle/>
+          <a:p>
+            <a:pPr algn="r"/>
+            <a:r>
+              <a:rPr lang="es-ES_tradnl" smtClean="0"/>
+              <a:t>Hoy</a:t>
+            </a:r>
+            <a:endParaRPr lang="es-ES_tradnl"/>
+          </a:p>
+        </p:txBody>
+      </p:sp>
+      <p:sp>
+        <p:nvSpPr>
+          <p:cNvPr id="36" name="CuadroTexto 35"/>
+          <p:cNvSpPr txBox="1"/>
+          <p:nvPr/>
+        </p:nvSpPr>
+        <p:spPr>
+          <a:xfrm>
+            <a:off x="1376645" y="1512783"/>
+            <a:ext cx="2131289" cy="400110"/>
+          </a:xfrm>
+          <a:prstGeom prst="rect">
+            <a:avLst/>
+          </a:prstGeom>
+          <a:noFill/>
+        </p:spPr>
+        <p:txBody>
+          <a:bodyPr wrap="none" rtlCol="0">
+            <a:spAutoFit/>
+          </a:bodyPr>
+          <a:lstStyle/>
+          <a:p>
+            <a:r>
+              <a:rPr lang="es-ES_tradnl" sz="2000" dirty="0" smtClean="0"/>
+              <a:t>Dinero recibido (+)</a:t>
+            </a:r>
+            <a:endParaRPr lang="es-ES_tradnl" sz="2000" dirty="0"/>
+          </a:p>
+        </p:txBody>
+      </p:sp>
+      <p:sp>
+        <p:nvSpPr>
+          <p:cNvPr id="37" name="CuadroTexto 36"/>
+          <p:cNvSpPr txBox="1"/>
+          <p:nvPr/>
+        </p:nvSpPr>
+        <p:spPr>
+          <a:xfrm>
+            <a:off x="1090076" y="3059461"/>
+            <a:ext cx="2356799" cy="400110"/>
+          </a:xfrm>
+          <a:prstGeom prst="rect">
+            <a:avLst/>
+          </a:prstGeom>
+          <a:noFill/>
+        </p:spPr>
+        <p:txBody>
+          <a:bodyPr wrap="none" rtlCol="0">
+            <a:spAutoFit/>
+          </a:bodyPr>
+          <a:lstStyle/>
+          <a:p>
+            <a:pPr algn="r"/>
+            <a:r>
+              <a:rPr lang="es-ES_tradnl" sz="2000" smtClean="0"/>
+              <a:t>Dinero entregado </a:t>
+            </a:r>
+            <a:r>
+              <a:rPr lang="es-ES_tradnl" sz="2000" dirty="0" smtClean="0"/>
+              <a:t>(⎼)</a:t>
+            </a:r>
+            <a:endParaRPr lang="es-ES_tradnl" sz="2000" dirty="0"/>
+          </a:p>
+        </p:txBody>
+      </p:sp>
+      <p:sp>
+        <p:nvSpPr>
+          <p:cNvPr id="40" name="CuadroTexto 39"/>
+          <p:cNvSpPr txBox="1"/>
+          <p:nvPr/>
+        </p:nvSpPr>
+        <p:spPr>
+          <a:xfrm>
+            <a:off x="761458" y="683985"/>
+            <a:ext cx="3073322" cy="584775"/>
+          </a:xfrm>
+          <a:prstGeom prst="rect">
+            <a:avLst/>
+          </a:prstGeom>
+          <a:noFill/>
+        </p:spPr>
+        <p:txBody>
+          <a:bodyPr wrap="square" rtlCol="0">
+            <a:spAutoFit/>
+          </a:bodyPr>
+          <a:lstStyle/>
+          <a:p>
+            <a:pPr algn="ctr"/>
+            <a:r>
+              <a:rPr lang="es-ES_tradnl" sz="3200" dirty="0" smtClean="0"/>
+              <a:t>Préstamo</a:t>
+            </a:r>
+            <a:endParaRPr lang="es-ES_tradnl" sz="3200" dirty="0"/>
+          </a:p>
+        </p:txBody>
+      </p:sp>
+      <p:cxnSp>
+        <p:nvCxnSpPr>
+          <p:cNvPr id="42" name="Conector recto de flecha 41"/>
+          <p:cNvCxnSpPr/>
+          <p:nvPr/>
+        </p:nvCxnSpPr>
+        <p:spPr>
+          <a:xfrm flipH="1">
+            <a:off x="5695062" y="2439106"/>
+            <a:ext cx="1446" cy="1050180"/>
+          </a:xfrm>
+          <a:prstGeom prst="straightConnector1">
+            <a:avLst/>
+          </a:prstGeom>
+          <a:ln w="76200">
+            <a:solidFill>
+              <a:srgbClr val="00B0F0"/>
+            </a:solidFill>
+            <a:tailEnd type="triangle"/>
+          </a:ln>
+        </p:spPr>
+        <p:style>
+          <a:lnRef idx="1">
+            <a:schemeClr val="accent1"/>
+          </a:lnRef>
+          <a:fillRef idx="0">
+            <a:schemeClr val="accent1"/>
+          </a:fillRef>
+          <a:effectRef idx="0">
+            <a:schemeClr val="accent1"/>
+          </a:effectRef>
+          <a:fontRef idx="minor">
+            <a:schemeClr val="tx1"/>
+          </a:fontRef>
+        </p:style>
+      </p:cxnSp>
+      <p:cxnSp>
+        <p:nvCxnSpPr>
+          <p:cNvPr id="43" name="Conector recto de flecha 42"/>
+          <p:cNvCxnSpPr/>
+          <p:nvPr/>
+        </p:nvCxnSpPr>
+        <p:spPr>
+          <a:xfrm flipV="1">
+            <a:off x="7812360" y="1268760"/>
+            <a:ext cx="0" cy="1165485"/>
+          </a:xfrm>
+          <a:prstGeom prst="straightConnector1">
+            <a:avLst/>
+          </a:prstGeom>
+          <a:ln w="76200">
+            <a:solidFill>
+              <a:srgbClr val="00B0F0"/>
+            </a:solidFill>
+            <a:tailEnd type="triangle"/>
+          </a:ln>
+        </p:spPr>
+        <p:style>
+          <a:lnRef idx="1">
+            <a:schemeClr val="accent1"/>
+          </a:lnRef>
+          <a:fillRef idx="0">
+            <a:schemeClr val="accent1"/>
+          </a:fillRef>
+          <a:effectRef idx="0">
+            <a:schemeClr val="accent1"/>
+          </a:effectRef>
+          <a:fontRef idx="minor">
+            <a:schemeClr val="tx1"/>
+          </a:fontRef>
+        </p:style>
+      </p:cxnSp>
+      <p:cxnSp>
+        <p:nvCxnSpPr>
+          <p:cNvPr id="44" name="13 Conector recto de flecha"/>
+          <p:cNvCxnSpPr/>
+          <p:nvPr/>
+        </p:nvCxnSpPr>
+        <p:spPr>
+          <a:xfrm>
+            <a:off x="5688124" y="2426158"/>
+            <a:ext cx="2529281" cy="0"/>
+          </a:xfrm>
+          <a:prstGeom prst="straightConnector1">
+            <a:avLst/>
+          </a:prstGeom>
+          <a:ln w="25400">
+            <a:solidFill>
+              <a:schemeClr val="tx1"/>
+            </a:solidFill>
+            <a:tailEnd type="triangle" w="lg" len="lg"/>
+          </a:ln>
+        </p:spPr>
+        <p:style>
+          <a:lnRef idx="1">
+            <a:schemeClr val="accent1"/>
+          </a:lnRef>
+          <a:fillRef idx="0">
+            <a:schemeClr val="accent1"/>
+          </a:fillRef>
+          <a:effectRef idx="0">
+            <a:schemeClr val="accent1"/>
+          </a:effectRef>
+          <a:fontRef idx="minor">
+            <a:schemeClr val="tx1"/>
+          </a:fontRef>
+        </p:style>
+      </p:cxnSp>
+      <p:cxnSp>
+        <p:nvCxnSpPr>
+          <p:cNvPr id="45" name="16 Conector recto"/>
+          <p:cNvCxnSpPr/>
+          <p:nvPr/>
+        </p:nvCxnSpPr>
+        <p:spPr>
+          <a:xfrm flipV="1">
+            <a:off x="5688124" y="2292832"/>
+            <a:ext cx="0" cy="271998"/>
+          </a:xfrm>
+          <a:prstGeom prst="line">
+            <a:avLst/>
+          </a:prstGeom>
+          <a:ln w="25400">
+            <a:solidFill>
+              <a:schemeClr val="tx1"/>
+            </a:solidFill>
+          </a:ln>
+        </p:spPr>
+        <p:style>
+          <a:lnRef idx="1">
+            <a:schemeClr val="accent1"/>
+          </a:lnRef>
+          <a:fillRef idx="0">
+            <a:schemeClr val="accent1"/>
+          </a:fillRef>
+          <a:effectRef idx="0">
+            <a:schemeClr val="accent1"/>
+          </a:effectRef>
+          <a:fontRef idx="minor">
+            <a:schemeClr val="tx1"/>
+          </a:fontRef>
+        </p:style>
+      </p:cxnSp>
+      <p:cxnSp>
+        <p:nvCxnSpPr>
+          <p:cNvPr id="46" name="28 Conector recto"/>
+          <p:cNvCxnSpPr/>
+          <p:nvPr/>
+        </p:nvCxnSpPr>
+        <p:spPr>
+          <a:xfrm flipV="1">
+            <a:off x="7812360" y="2292832"/>
+            <a:ext cx="0" cy="271998"/>
+          </a:xfrm>
+          <a:prstGeom prst="line">
+            <a:avLst/>
+          </a:prstGeom>
+          <a:ln w="25400">
+            <a:solidFill>
+              <a:schemeClr val="tx1"/>
+            </a:solidFill>
+          </a:ln>
+        </p:spPr>
+        <p:style>
+          <a:lnRef idx="1">
+            <a:schemeClr val="accent1"/>
+          </a:lnRef>
+          <a:fillRef idx="0">
+            <a:schemeClr val="accent1"/>
+          </a:fillRef>
+          <a:effectRef idx="0">
+            <a:schemeClr val="accent1"/>
+          </a:effectRef>
+          <a:fontRef idx="minor">
+            <a:schemeClr val="tx1"/>
+          </a:fontRef>
+        </p:style>
+      </p:cxnSp>
+      <p:sp>
+        <p:nvSpPr>
+          <p:cNvPr id="47" name="CuadroTexto 46"/>
+          <p:cNvSpPr txBox="1"/>
+          <p:nvPr/>
+        </p:nvSpPr>
+        <p:spPr>
+          <a:xfrm>
+            <a:off x="7374299" y="2397835"/>
+            <a:ext cx="393056" cy="584775"/>
+          </a:xfrm>
+          <a:prstGeom prst="rect">
+            <a:avLst/>
+          </a:prstGeom>
+          <a:noFill/>
+        </p:spPr>
+        <p:txBody>
+          <a:bodyPr wrap="none" rtlCol="0">
+            <a:spAutoFit/>
+          </a:bodyPr>
+          <a:lstStyle/>
+          <a:p>
+            <a:r>
+              <a:rPr lang="es-ES_tradnl" sz="3200" smtClean="0"/>
+              <a:t>1</a:t>
+            </a:r>
+            <a:endParaRPr lang="es-ES_tradnl" sz="3200"/>
+          </a:p>
+        </p:txBody>
+      </p:sp>
+      <p:sp>
+        <p:nvSpPr>
+          <p:cNvPr id="48" name="CuadroTexto 47"/>
+          <p:cNvSpPr txBox="1"/>
+          <p:nvPr/>
+        </p:nvSpPr>
+        <p:spPr>
+          <a:xfrm>
+            <a:off x="5112060" y="2069558"/>
+            <a:ext cx="553805" cy="369332"/>
+          </a:xfrm>
+          <a:prstGeom prst="rect">
+            <a:avLst/>
+          </a:prstGeom>
+          <a:noFill/>
+        </p:spPr>
+        <p:txBody>
+          <a:bodyPr wrap="none" rtlCol="0">
+            <a:spAutoFit/>
+          </a:bodyPr>
+          <a:lstStyle/>
+          <a:p>
+            <a:pPr algn="r"/>
+            <a:r>
+              <a:rPr lang="es-ES_tradnl" smtClean="0"/>
+              <a:t>Hoy</a:t>
+            </a:r>
+            <a:endParaRPr lang="es-ES_tradnl"/>
+          </a:p>
+        </p:txBody>
+      </p:sp>
+      <p:sp>
+        <p:nvSpPr>
+          <p:cNvPr id="51" name="CuadroTexto 50"/>
+          <p:cNvSpPr txBox="1"/>
+          <p:nvPr/>
+        </p:nvSpPr>
+        <p:spPr>
+          <a:xfrm>
+            <a:off x="5112060" y="683985"/>
+            <a:ext cx="3105345" cy="584775"/>
+          </a:xfrm>
+          <a:prstGeom prst="rect">
+            <a:avLst/>
+          </a:prstGeom>
+          <a:noFill/>
+        </p:spPr>
+        <p:txBody>
+          <a:bodyPr wrap="square" rtlCol="0">
+            <a:spAutoFit/>
+          </a:bodyPr>
+          <a:lstStyle/>
+          <a:p>
+            <a:pPr algn="ctr"/>
+            <a:r>
+              <a:rPr lang="es-ES_tradnl" sz="3200" dirty="0" smtClean="0"/>
+              <a:t>Ahorro</a:t>
+            </a:r>
+            <a:endParaRPr lang="es-ES_tradnl" sz="3200" dirty="0"/>
+          </a:p>
+        </p:txBody>
+      </p:sp>
+      <p:sp>
+        <p:nvSpPr>
+          <p:cNvPr id="52" name="CuadroTexto 51"/>
+          <p:cNvSpPr txBox="1"/>
+          <p:nvPr/>
+        </p:nvSpPr>
+        <p:spPr>
+          <a:xfrm>
+            <a:off x="5681071" y="1526838"/>
+            <a:ext cx="2131289" cy="400110"/>
+          </a:xfrm>
+          <a:prstGeom prst="rect">
+            <a:avLst/>
+          </a:prstGeom>
+          <a:noFill/>
+        </p:spPr>
+        <p:txBody>
+          <a:bodyPr wrap="none" rtlCol="0">
+            <a:spAutoFit/>
+          </a:bodyPr>
+          <a:lstStyle/>
+          <a:p>
+            <a:pPr algn="r"/>
+            <a:r>
+              <a:rPr lang="es-ES_tradnl" sz="2000" dirty="0" smtClean="0"/>
+              <a:t>Dinero recibido (+)</a:t>
+            </a:r>
+            <a:endParaRPr lang="es-ES_tradnl" sz="2000" dirty="0"/>
+          </a:p>
+        </p:txBody>
+      </p:sp>
+      <p:sp>
+        <p:nvSpPr>
+          <p:cNvPr id="53" name="CuadroTexto 52"/>
+          <p:cNvSpPr txBox="1"/>
+          <p:nvPr/>
+        </p:nvSpPr>
+        <p:spPr>
+          <a:xfrm>
+            <a:off x="5815601" y="3064040"/>
+            <a:ext cx="2356799" cy="400110"/>
+          </a:xfrm>
+          <a:prstGeom prst="rect">
+            <a:avLst/>
+          </a:prstGeom>
+          <a:noFill/>
+        </p:spPr>
+        <p:txBody>
+          <a:bodyPr wrap="none" rtlCol="0">
+            <a:spAutoFit/>
+          </a:bodyPr>
+          <a:lstStyle/>
+          <a:p>
+            <a:r>
+              <a:rPr lang="es-ES_tradnl" sz="2000" dirty="0" smtClean="0"/>
+              <a:t>Dinero entregado (⎼)</a:t>
+            </a:r>
+            <a:endParaRPr lang="es-ES_tradnl" sz="2000" dirty="0"/>
+          </a:p>
+        </p:txBody>
+      </p:sp>
+      <p:cxnSp>
+        <p:nvCxnSpPr>
+          <p:cNvPr id="5" name="Conector recto 4"/>
+          <p:cNvCxnSpPr/>
+          <p:nvPr/>
+        </p:nvCxnSpPr>
+        <p:spPr>
+          <a:xfrm>
+            <a:off x="1000673" y="1501701"/>
+            <a:ext cx="7283938" cy="0"/>
+          </a:xfrm>
+          <a:prstGeom prst="line">
+            <a:avLst/>
+          </a:prstGeom>
+          <a:ln w="12700">
+            <a:solidFill>
+              <a:schemeClr val="bg1">
+                <a:lumMod val="50000"/>
+              </a:schemeClr>
+            </a:solidFill>
+            <a:prstDash val="dash"/>
+          </a:ln>
+        </p:spPr>
+        <p:style>
+          <a:lnRef idx="1">
+            <a:schemeClr val="accent1"/>
+          </a:lnRef>
+          <a:fillRef idx="0">
+            <a:schemeClr val="accent1"/>
+          </a:fillRef>
+          <a:effectRef idx="0">
+            <a:schemeClr val="accent1"/>
+          </a:effectRef>
+          <a:fontRef idx="minor">
+            <a:schemeClr val="tx1"/>
+          </a:fontRef>
+        </p:style>
+      </p:cxnSp>
+      <p:cxnSp>
+        <p:nvCxnSpPr>
+          <p:cNvPr id="31" name="Conector recto 30"/>
+          <p:cNvCxnSpPr/>
+          <p:nvPr/>
+        </p:nvCxnSpPr>
+        <p:spPr>
+          <a:xfrm>
+            <a:off x="1068482" y="2434170"/>
+            <a:ext cx="7283938" cy="0"/>
+          </a:xfrm>
+          <a:prstGeom prst="line">
+            <a:avLst/>
+          </a:prstGeom>
+          <a:ln w="12700">
+            <a:solidFill>
+              <a:schemeClr val="bg1">
+                <a:lumMod val="50000"/>
+              </a:schemeClr>
+            </a:solidFill>
+            <a:prstDash val="dash"/>
+          </a:ln>
+        </p:spPr>
+        <p:style>
+          <a:lnRef idx="1">
+            <a:schemeClr val="accent1"/>
+          </a:lnRef>
+          <a:fillRef idx="0">
+            <a:schemeClr val="accent1"/>
+          </a:fillRef>
+          <a:effectRef idx="0">
+            <a:schemeClr val="accent1"/>
+          </a:effectRef>
+          <a:fontRef idx="minor">
+            <a:schemeClr val="tx1"/>
+          </a:fontRef>
+        </p:style>
+      </p:cxnSp>
+      <p:cxnSp>
+        <p:nvCxnSpPr>
+          <p:cNvPr id="32" name="Conector recto 31"/>
+          <p:cNvCxnSpPr/>
+          <p:nvPr/>
+        </p:nvCxnSpPr>
+        <p:spPr>
+          <a:xfrm>
+            <a:off x="978472" y="3474005"/>
+            <a:ext cx="7283938" cy="0"/>
+          </a:xfrm>
+          <a:prstGeom prst="line">
+            <a:avLst/>
+          </a:prstGeom>
+          <a:ln w="12700">
+            <a:solidFill>
+              <a:schemeClr val="bg1">
+                <a:lumMod val="50000"/>
+              </a:schemeClr>
+            </a:solidFill>
+            <a:prstDash val="dash"/>
+          </a:ln>
+        </p:spPr>
+        <p:style>
+          <a:lnRef idx="1">
+            <a:schemeClr val="accent1"/>
+          </a:lnRef>
+          <a:fillRef idx="0">
+            <a:schemeClr val="accent1"/>
+          </a:fillRef>
+          <a:effectRef idx="0">
+            <a:schemeClr val="accent1"/>
+          </a:effectRef>
+          <a:fontRef idx="minor">
+            <a:schemeClr val="tx1"/>
+          </a:fontRef>
+        </p:style>
+      </p:cxnSp>
+      <p:cxnSp>
+        <p:nvCxnSpPr>
+          <p:cNvPr id="35" name="Conector recto 34"/>
+          <p:cNvCxnSpPr/>
+          <p:nvPr/>
+        </p:nvCxnSpPr>
+        <p:spPr>
+          <a:xfrm>
+            <a:off x="1023477" y="1268760"/>
+            <a:ext cx="7283938" cy="0"/>
+          </a:xfrm>
+          <a:prstGeom prst="line">
+            <a:avLst/>
+          </a:prstGeom>
+          <a:ln w="12700">
+            <a:solidFill>
+              <a:schemeClr val="bg1">
+                <a:lumMod val="50000"/>
+              </a:schemeClr>
+            </a:solidFill>
+            <a:prstDash val="dash"/>
+          </a:ln>
+        </p:spPr>
+        <p:style>
+          <a:lnRef idx="1">
+            <a:schemeClr val="accent1"/>
+          </a:lnRef>
+          <a:fillRef idx="0">
+            <a:schemeClr val="accent1"/>
+          </a:fillRef>
+          <a:effectRef idx="0">
+            <a:schemeClr val="accent1"/>
+          </a:effectRef>
+          <a:fontRef idx="minor">
+            <a:schemeClr val="tx1"/>
+          </a:fontRef>
+        </p:style>
+      </p:cxnSp>
+      <p:cxnSp>
+        <p:nvCxnSpPr>
+          <p:cNvPr id="38" name="Conector recto 37"/>
+          <p:cNvCxnSpPr/>
+          <p:nvPr/>
+        </p:nvCxnSpPr>
+        <p:spPr>
+          <a:xfrm>
+            <a:off x="978472" y="3699030"/>
+            <a:ext cx="7283938" cy="0"/>
+          </a:xfrm>
+          <a:prstGeom prst="line">
+            <a:avLst/>
+          </a:prstGeom>
+          <a:ln w="12700">
+            <a:solidFill>
+              <a:schemeClr val="bg1">
+                <a:lumMod val="50000"/>
+              </a:schemeClr>
+            </a:solidFill>
+            <a:prstDash val="dash"/>
+          </a:ln>
+        </p:spPr>
+        <p:style>
+          <a:lnRef idx="1">
+            <a:schemeClr val="accent1"/>
+          </a:lnRef>
+          <a:fillRef idx="0">
+            <a:schemeClr val="accent1"/>
+          </a:fillRef>
+          <a:effectRef idx="0">
+            <a:schemeClr val="accent1"/>
+          </a:effectRef>
+          <a:fontRef idx="minor">
+            <a:schemeClr val="tx1"/>
+          </a:fontRef>
+        </p:style>
+      </p:cxnSp>
+    </p:spTree>
+    <p:extLst>
+      <p:ext uri="{BB962C8B-B14F-4D97-AF65-F5344CB8AC3E}">
+        <p14:creationId xmlns:p14="http://schemas.microsoft.com/office/powerpoint/2010/main" val="1170414755"/>
+      </p:ext>
+    </p:extLst>
+  </p:cSld>
+  <p:clrMapOvr>
+    <a:masterClrMapping/>
+  </p:clrMapOvr>
+</p:sld>
+</file>
+
+<file path=ppt/slides/slide20.xml><?xml version="1.0" encoding="utf-8"?>
 <p:sld xmlns:a="http://schemas.openxmlformats.org/drawingml/2006/main" xmlns:r="http://schemas.openxmlformats.org/officeDocument/2006/relationships" xmlns:p="http://schemas.openxmlformats.org/presentationml/2006/main">
   <p:cSld>
     <p:spTree>
@@ -25004,893 +27431,7 @@
 </p:sld>
 </file>
 
-<file path=ppt/slides/slide2.xml><?xml version="1.0" encoding="utf-8"?>
-<p:sld xmlns:a="http://schemas.openxmlformats.org/drawingml/2006/main" xmlns:r="http://schemas.openxmlformats.org/officeDocument/2006/relationships" xmlns:p="http://schemas.openxmlformats.org/presentationml/2006/main">
-  <p:cSld>
-    <p:spTree>
-      <p:nvGrpSpPr>
-        <p:cNvPr id="1" name=""/>
-        <p:cNvGrpSpPr/>
-        <p:nvPr/>
-      </p:nvGrpSpPr>
-      <p:grpSpPr>
-        <a:xfrm>
-          <a:off x="0" y="0"/>
-          <a:ext cx="0" cy="0"/>
-          <a:chOff x="0" y="0"/>
-          <a:chExt cx="0" cy="0"/>
-        </a:xfrm>
-      </p:grpSpPr>
-      <p:cxnSp>
-        <p:nvCxnSpPr>
-          <p:cNvPr id="34" name="Conector recto de flecha 33"/>
-          <p:cNvCxnSpPr/>
-          <p:nvPr/>
-        </p:nvCxnSpPr>
-        <p:spPr>
-          <a:xfrm flipH="1">
-            <a:off x="3436673" y="2439180"/>
-            <a:ext cx="0" cy="1291133"/>
-          </a:xfrm>
-          <a:prstGeom prst="straightConnector1">
-            <a:avLst/>
-          </a:prstGeom>
-          <a:ln w="76200">
-            <a:solidFill>
-              <a:srgbClr val="00B0F0"/>
-            </a:solidFill>
-            <a:tailEnd type="triangle"/>
-          </a:ln>
-        </p:spPr>
-        <p:style>
-          <a:lnRef idx="1">
-            <a:schemeClr val="accent1"/>
-          </a:lnRef>
-          <a:fillRef idx="0">
-            <a:schemeClr val="accent1"/>
-          </a:fillRef>
-          <a:effectRef idx="0">
-            <a:schemeClr val="accent1"/>
-          </a:effectRef>
-          <a:fontRef idx="minor">
-            <a:schemeClr val="tx1"/>
-          </a:fontRef>
-        </p:style>
-      </p:cxnSp>
-      <p:cxnSp>
-        <p:nvCxnSpPr>
-          <p:cNvPr id="33" name="Conector recto de flecha 32"/>
-          <p:cNvCxnSpPr/>
-          <p:nvPr/>
-        </p:nvCxnSpPr>
-        <p:spPr>
-          <a:xfrm flipV="1">
-            <a:off x="1305499" y="1493785"/>
-            <a:ext cx="0" cy="940459"/>
-          </a:xfrm>
-          <a:prstGeom prst="straightConnector1">
-            <a:avLst/>
-          </a:prstGeom>
-          <a:ln w="76200">
-            <a:solidFill>
-              <a:srgbClr val="00B0F0"/>
-            </a:solidFill>
-            <a:tailEnd type="triangle"/>
-          </a:ln>
-        </p:spPr>
-        <p:style>
-          <a:lnRef idx="1">
-            <a:schemeClr val="accent1"/>
-          </a:lnRef>
-          <a:fillRef idx="0">
-            <a:schemeClr val="accent1"/>
-          </a:fillRef>
-          <a:effectRef idx="0">
-            <a:schemeClr val="accent1"/>
-          </a:effectRef>
-          <a:fontRef idx="minor">
-            <a:schemeClr val="tx1"/>
-          </a:fontRef>
-        </p:style>
-      </p:cxnSp>
-      <p:cxnSp>
-        <p:nvCxnSpPr>
-          <p:cNvPr id="2" name="13 Conector recto de flecha"/>
-          <p:cNvCxnSpPr/>
-          <p:nvPr/>
-        </p:nvCxnSpPr>
-        <p:spPr>
-          <a:xfrm>
-            <a:off x="1305499" y="2426232"/>
-            <a:ext cx="2529281" cy="0"/>
-          </a:xfrm>
-          <a:prstGeom prst="straightConnector1">
-            <a:avLst/>
-          </a:prstGeom>
-          <a:ln w="25400">
-            <a:solidFill>
-              <a:schemeClr val="tx1"/>
-            </a:solidFill>
-            <a:tailEnd type="triangle" w="lg" len="lg"/>
-          </a:ln>
-        </p:spPr>
-        <p:style>
-          <a:lnRef idx="1">
-            <a:schemeClr val="accent1"/>
-          </a:lnRef>
-          <a:fillRef idx="0">
-            <a:schemeClr val="accent1"/>
-          </a:fillRef>
-          <a:effectRef idx="0">
-            <a:schemeClr val="accent1"/>
-          </a:effectRef>
-          <a:fontRef idx="minor">
-            <a:schemeClr val="tx1"/>
-          </a:fontRef>
-        </p:style>
-      </p:cxnSp>
-      <p:cxnSp>
-        <p:nvCxnSpPr>
-          <p:cNvPr id="3" name="16 Conector recto"/>
-          <p:cNvCxnSpPr/>
-          <p:nvPr/>
-        </p:nvCxnSpPr>
-        <p:spPr>
-          <a:xfrm flipV="1">
-            <a:off x="1305499" y="2292906"/>
-            <a:ext cx="0" cy="271998"/>
-          </a:xfrm>
-          <a:prstGeom prst="line">
-            <a:avLst/>
-          </a:prstGeom>
-          <a:ln w="25400">
-            <a:solidFill>
-              <a:schemeClr val="tx1"/>
-            </a:solidFill>
-          </a:ln>
-        </p:spPr>
-        <p:style>
-          <a:lnRef idx="1">
-            <a:schemeClr val="accent1"/>
-          </a:lnRef>
-          <a:fillRef idx="0">
-            <a:schemeClr val="accent1"/>
-          </a:fillRef>
-          <a:effectRef idx="0">
-            <a:schemeClr val="accent1"/>
-          </a:effectRef>
-          <a:fontRef idx="minor">
-            <a:schemeClr val="tx1"/>
-          </a:fontRef>
-        </p:style>
-      </p:cxnSp>
-      <p:cxnSp>
-        <p:nvCxnSpPr>
-          <p:cNvPr id="10" name="28 Conector recto"/>
-          <p:cNvCxnSpPr/>
-          <p:nvPr/>
-        </p:nvCxnSpPr>
-        <p:spPr>
-          <a:xfrm flipV="1">
-            <a:off x="3429735" y="2292906"/>
-            <a:ext cx="0" cy="271998"/>
-          </a:xfrm>
-          <a:prstGeom prst="line">
-            <a:avLst/>
-          </a:prstGeom>
-          <a:ln w="25400">
-            <a:solidFill>
-              <a:schemeClr val="tx1"/>
-            </a:solidFill>
-          </a:ln>
-        </p:spPr>
-        <p:style>
-          <a:lnRef idx="1">
-            <a:schemeClr val="accent1"/>
-          </a:lnRef>
-          <a:fillRef idx="0">
-            <a:schemeClr val="accent1"/>
-          </a:fillRef>
-          <a:effectRef idx="0">
-            <a:schemeClr val="accent1"/>
-          </a:effectRef>
-          <a:fontRef idx="minor">
-            <a:schemeClr val="tx1"/>
-          </a:fontRef>
-        </p:style>
-      </p:cxnSp>
-      <p:sp>
-        <p:nvSpPr>
-          <p:cNvPr id="18" name="CuadroTexto 17"/>
-          <p:cNvSpPr txBox="1"/>
-          <p:nvPr/>
-        </p:nvSpPr>
-        <p:spPr>
-          <a:xfrm>
-            <a:off x="2963809" y="2397909"/>
-            <a:ext cx="393056" cy="584775"/>
-          </a:xfrm>
-          <a:prstGeom prst="rect">
-            <a:avLst/>
-          </a:prstGeom>
-          <a:noFill/>
-        </p:spPr>
-        <p:txBody>
-          <a:bodyPr wrap="none" rtlCol="0">
-            <a:spAutoFit/>
-          </a:bodyPr>
-          <a:lstStyle/>
-          <a:p>
-            <a:r>
-              <a:rPr lang="es-ES_tradnl" sz="3200" smtClean="0"/>
-              <a:t>1</a:t>
-            </a:r>
-            <a:endParaRPr lang="es-ES_tradnl" sz="3200"/>
-          </a:p>
-        </p:txBody>
-      </p:sp>
-      <p:sp>
-        <p:nvSpPr>
-          <p:cNvPr id="27" name="CuadroTexto 26"/>
-          <p:cNvSpPr txBox="1"/>
-          <p:nvPr/>
-        </p:nvSpPr>
-        <p:spPr>
-          <a:xfrm>
-            <a:off x="761458" y="2069558"/>
-            <a:ext cx="553805" cy="369332"/>
-          </a:xfrm>
-          <a:prstGeom prst="rect">
-            <a:avLst/>
-          </a:prstGeom>
-          <a:noFill/>
-        </p:spPr>
-        <p:txBody>
-          <a:bodyPr wrap="none" rtlCol="0">
-            <a:spAutoFit/>
-          </a:bodyPr>
-          <a:lstStyle/>
-          <a:p>
-            <a:pPr algn="r"/>
-            <a:r>
-              <a:rPr lang="es-ES_tradnl" smtClean="0"/>
-              <a:t>Hoy</a:t>
-            </a:r>
-            <a:endParaRPr lang="es-ES_tradnl"/>
-          </a:p>
-        </p:txBody>
-      </p:sp>
-      <p:sp>
-        <p:nvSpPr>
-          <p:cNvPr id="36" name="CuadroTexto 35"/>
-          <p:cNvSpPr txBox="1"/>
-          <p:nvPr/>
-        </p:nvSpPr>
-        <p:spPr>
-          <a:xfrm>
-            <a:off x="1376645" y="1512783"/>
-            <a:ext cx="2131289" cy="400110"/>
-          </a:xfrm>
-          <a:prstGeom prst="rect">
-            <a:avLst/>
-          </a:prstGeom>
-          <a:noFill/>
-        </p:spPr>
-        <p:txBody>
-          <a:bodyPr wrap="none" rtlCol="0">
-            <a:spAutoFit/>
-          </a:bodyPr>
-          <a:lstStyle/>
-          <a:p>
-            <a:r>
-              <a:rPr lang="es-ES_tradnl" sz="2000" dirty="0" smtClean="0"/>
-              <a:t>Dinero recibido (+)</a:t>
-            </a:r>
-            <a:endParaRPr lang="es-ES_tradnl" sz="2000" dirty="0"/>
-          </a:p>
-        </p:txBody>
-      </p:sp>
-      <p:sp>
-        <p:nvSpPr>
-          <p:cNvPr id="37" name="CuadroTexto 36"/>
-          <p:cNvSpPr txBox="1"/>
-          <p:nvPr/>
-        </p:nvSpPr>
-        <p:spPr>
-          <a:xfrm>
-            <a:off x="1090076" y="3059461"/>
-            <a:ext cx="2356799" cy="400110"/>
-          </a:xfrm>
-          <a:prstGeom prst="rect">
-            <a:avLst/>
-          </a:prstGeom>
-          <a:noFill/>
-        </p:spPr>
-        <p:txBody>
-          <a:bodyPr wrap="none" rtlCol="0">
-            <a:spAutoFit/>
-          </a:bodyPr>
-          <a:lstStyle/>
-          <a:p>
-            <a:pPr algn="r"/>
-            <a:r>
-              <a:rPr lang="es-ES_tradnl" sz="2000" smtClean="0"/>
-              <a:t>Dinero entregado </a:t>
-            </a:r>
-            <a:r>
-              <a:rPr lang="es-ES_tradnl" sz="2000" dirty="0" smtClean="0"/>
-              <a:t>(⎼)</a:t>
-            </a:r>
-            <a:endParaRPr lang="es-ES_tradnl" sz="2000" dirty="0"/>
-          </a:p>
-        </p:txBody>
-      </p:sp>
-      <p:sp>
-        <p:nvSpPr>
-          <p:cNvPr id="40" name="CuadroTexto 39"/>
-          <p:cNvSpPr txBox="1"/>
-          <p:nvPr/>
-        </p:nvSpPr>
-        <p:spPr>
-          <a:xfrm>
-            <a:off x="761458" y="683985"/>
-            <a:ext cx="3073322" cy="584775"/>
-          </a:xfrm>
-          <a:prstGeom prst="rect">
-            <a:avLst/>
-          </a:prstGeom>
-          <a:noFill/>
-        </p:spPr>
-        <p:txBody>
-          <a:bodyPr wrap="square" rtlCol="0">
-            <a:spAutoFit/>
-          </a:bodyPr>
-          <a:lstStyle/>
-          <a:p>
-            <a:pPr algn="ctr"/>
-            <a:r>
-              <a:rPr lang="es-ES_tradnl" sz="3200" dirty="0" smtClean="0"/>
-              <a:t>Préstamo</a:t>
-            </a:r>
-            <a:endParaRPr lang="es-ES_tradnl" sz="3200" dirty="0"/>
-          </a:p>
-        </p:txBody>
-      </p:sp>
-      <p:cxnSp>
-        <p:nvCxnSpPr>
-          <p:cNvPr id="42" name="Conector recto de flecha 41"/>
-          <p:cNvCxnSpPr/>
-          <p:nvPr/>
-        </p:nvCxnSpPr>
-        <p:spPr>
-          <a:xfrm flipH="1">
-            <a:off x="5695062" y="2439106"/>
-            <a:ext cx="1446" cy="1050180"/>
-          </a:xfrm>
-          <a:prstGeom prst="straightConnector1">
-            <a:avLst/>
-          </a:prstGeom>
-          <a:ln w="76200">
-            <a:solidFill>
-              <a:srgbClr val="00B0F0"/>
-            </a:solidFill>
-            <a:tailEnd type="triangle"/>
-          </a:ln>
-        </p:spPr>
-        <p:style>
-          <a:lnRef idx="1">
-            <a:schemeClr val="accent1"/>
-          </a:lnRef>
-          <a:fillRef idx="0">
-            <a:schemeClr val="accent1"/>
-          </a:fillRef>
-          <a:effectRef idx="0">
-            <a:schemeClr val="accent1"/>
-          </a:effectRef>
-          <a:fontRef idx="minor">
-            <a:schemeClr val="tx1"/>
-          </a:fontRef>
-        </p:style>
-      </p:cxnSp>
-      <p:cxnSp>
-        <p:nvCxnSpPr>
-          <p:cNvPr id="43" name="Conector recto de flecha 42"/>
-          <p:cNvCxnSpPr/>
-          <p:nvPr/>
-        </p:nvCxnSpPr>
-        <p:spPr>
-          <a:xfrm flipV="1">
-            <a:off x="7812360" y="1268760"/>
-            <a:ext cx="0" cy="1165485"/>
-          </a:xfrm>
-          <a:prstGeom prst="straightConnector1">
-            <a:avLst/>
-          </a:prstGeom>
-          <a:ln w="76200">
-            <a:solidFill>
-              <a:srgbClr val="00B0F0"/>
-            </a:solidFill>
-            <a:tailEnd type="triangle"/>
-          </a:ln>
-        </p:spPr>
-        <p:style>
-          <a:lnRef idx="1">
-            <a:schemeClr val="accent1"/>
-          </a:lnRef>
-          <a:fillRef idx="0">
-            <a:schemeClr val="accent1"/>
-          </a:fillRef>
-          <a:effectRef idx="0">
-            <a:schemeClr val="accent1"/>
-          </a:effectRef>
-          <a:fontRef idx="minor">
-            <a:schemeClr val="tx1"/>
-          </a:fontRef>
-        </p:style>
-      </p:cxnSp>
-      <p:cxnSp>
-        <p:nvCxnSpPr>
-          <p:cNvPr id="44" name="13 Conector recto de flecha"/>
-          <p:cNvCxnSpPr/>
-          <p:nvPr/>
-        </p:nvCxnSpPr>
-        <p:spPr>
-          <a:xfrm>
-            <a:off x="5688124" y="2426158"/>
-            <a:ext cx="2529281" cy="0"/>
-          </a:xfrm>
-          <a:prstGeom prst="straightConnector1">
-            <a:avLst/>
-          </a:prstGeom>
-          <a:ln w="25400">
-            <a:solidFill>
-              <a:schemeClr val="tx1"/>
-            </a:solidFill>
-            <a:tailEnd type="triangle" w="lg" len="lg"/>
-          </a:ln>
-        </p:spPr>
-        <p:style>
-          <a:lnRef idx="1">
-            <a:schemeClr val="accent1"/>
-          </a:lnRef>
-          <a:fillRef idx="0">
-            <a:schemeClr val="accent1"/>
-          </a:fillRef>
-          <a:effectRef idx="0">
-            <a:schemeClr val="accent1"/>
-          </a:effectRef>
-          <a:fontRef idx="minor">
-            <a:schemeClr val="tx1"/>
-          </a:fontRef>
-        </p:style>
-      </p:cxnSp>
-      <p:cxnSp>
-        <p:nvCxnSpPr>
-          <p:cNvPr id="45" name="16 Conector recto"/>
-          <p:cNvCxnSpPr/>
-          <p:nvPr/>
-        </p:nvCxnSpPr>
-        <p:spPr>
-          <a:xfrm flipV="1">
-            <a:off x="5688124" y="2292832"/>
-            <a:ext cx="0" cy="271998"/>
-          </a:xfrm>
-          <a:prstGeom prst="line">
-            <a:avLst/>
-          </a:prstGeom>
-          <a:ln w="25400">
-            <a:solidFill>
-              <a:schemeClr val="tx1"/>
-            </a:solidFill>
-          </a:ln>
-        </p:spPr>
-        <p:style>
-          <a:lnRef idx="1">
-            <a:schemeClr val="accent1"/>
-          </a:lnRef>
-          <a:fillRef idx="0">
-            <a:schemeClr val="accent1"/>
-          </a:fillRef>
-          <a:effectRef idx="0">
-            <a:schemeClr val="accent1"/>
-          </a:effectRef>
-          <a:fontRef idx="minor">
-            <a:schemeClr val="tx1"/>
-          </a:fontRef>
-        </p:style>
-      </p:cxnSp>
-      <p:cxnSp>
-        <p:nvCxnSpPr>
-          <p:cNvPr id="46" name="28 Conector recto"/>
-          <p:cNvCxnSpPr/>
-          <p:nvPr/>
-        </p:nvCxnSpPr>
-        <p:spPr>
-          <a:xfrm flipV="1">
-            <a:off x="7812360" y="2292832"/>
-            <a:ext cx="0" cy="271998"/>
-          </a:xfrm>
-          <a:prstGeom prst="line">
-            <a:avLst/>
-          </a:prstGeom>
-          <a:ln w="25400">
-            <a:solidFill>
-              <a:schemeClr val="tx1"/>
-            </a:solidFill>
-          </a:ln>
-        </p:spPr>
-        <p:style>
-          <a:lnRef idx="1">
-            <a:schemeClr val="accent1"/>
-          </a:lnRef>
-          <a:fillRef idx="0">
-            <a:schemeClr val="accent1"/>
-          </a:fillRef>
-          <a:effectRef idx="0">
-            <a:schemeClr val="accent1"/>
-          </a:effectRef>
-          <a:fontRef idx="minor">
-            <a:schemeClr val="tx1"/>
-          </a:fontRef>
-        </p:style>
-      </p:cxnSp>
-      <p:sp>
-        <p:nvSpPr>
-          <p:cNvPr id="47" name="CuadroTexto 46"/>
-          <p:cNvSpPr txBox="1"/>
-          <p:nvPr/>
-        </p:nvSpPr>
-        <p:spPr>
-          <a:xfrm>
-            <a:off x="7374299" y="2397835"/>
-            <a:ext cx="393056" cy="584775"/>
-          </a:xfrm>
-          <a:prstGeom prst="rect">
-            <a:avLst/>
-          </a:prstGeom>
-          <a:noFill/>
-        </p:spPr>
-        <p:txBody>
-          <a:bodyPr wrap="none" rtlCol="0">
-            <a:spAutoFit/>
-          </a:bodyPr>
-          <a:lstStyle/>
-          <a:p>
-            <a:r>
-              <a:rPr lang="es-ES_tradnl" sz="3200" smtClean="0"/>
-              <a:t>1</a:t>
-            </a:r>
-            <a:endParaRPr lang="es-ES_tradnl" sz="3200"/>
-          </a:p>
-        </p:txBody>
-      </p:sp>
-      <p:sp>
-        <p:nvSpPr>
-          <p:cNvPr id="48" name="CuadroTexto 47"/>
-          <p:cNvSpPr txBox="1"/>
-          <p:nvPr/>
-        </p:nvSpPr>
-        <p:spPr>
-          <a:xfrm>
-            <a:off x="5112060" y="2069558"/>
-            <a:ext cx="553805" cy="369332"/>
-          </a:xfrm>
-          <a:prstGeom prst="rect">
-            <a:avLst/>
-          </a:prstGeom>
-          <a:noFill/>
-        </p:spPr>
-        <p:txBody>
-          <a:bodyPr wrap="none" rtlCol="0">
-            <a:spAutoFit/>
-          </a:bodyPr>
-          <a:lstStyle/>
-          <a:p>
-            <a:pPr algn="r"/>
-            <a:r>
-              <a:rPr lang="es-ES_tradnl" smtClean="0"/>
-              <a:t>Hoy</a:t>
-            </a:r>
-            <a:endParaRPr lang="es-ES_tradnl"/>
-          </a:p>
-        </p:txBody>
-      </p:sp>
-      <p:sp>
-        <p:nvSpPr>
-          <p:cNvPr id="51" name="CuadroTexto 50"/>
-          <p:cNvSpPr txBox="1"/>
-          <p:nvPr/>
-        </p:nvSpPr>
-        <p:spPr>
-          <a:xfrm>
-            <a:off x="5112060" y="683985"/>
-            <a:ext cx="3105345" cy="584775"/>
-          </a:xfrm>
-          <a:prstGeom prst="rect">
-            <a:avLst/>
-          </a:prstGeom>
-          <a:noFill/>
-        </p:spPr>
-        <p:txBody>
-          <a:bodyPr wrap="square" rtlCol="0">
-            <a:spAutoFit/>
-          </a:bodyPr>
-          <a:lstStyle/>
-          <a:p>
-            <a:pPr algn="ctr"/>
-            <a:r>
-              <a:rPr lang="es-ES_tradnl" sz="3200" dirty="0" smtClean="0"/>
-              <a:t>Ahorro</a:t>
-            </a:r>
-            <a:endParaRPr lang="es-ES_tradnl" sz="3200" dirty="0"/>
-          </a:p>
-        </p:txBody>
-      </p:sp>
-      <p:sp>
-        <p:nvSpPr>
-          <p:cNvPr id="52" name="CuadroTexto 51"/>
-          <p:cNvSpPr txBox="1"/>
-          <p:nvPr/>
-        </p:nvSpPr>
-        <p:spPr>
-          <a:xfrm>
-            <a:off x="5681071" y="1526838"/>
-            <a:ext cx="2131289" cy="400110"/>
-          </a:xfrm>
-          <a:prstGeom prst="rect">
-            <a:avLst/>
-          </a:prstGeom>
-          <a:noFill/>
-        </p:spPr>
-        <p:txBody>
-          <a:bodyPr wrap="none" rtlCol="0">
-            <a:spAutoFit/>
-          </a:bodyPr>
-          <a:lstStyle/>
-          <a:p>
-            <a:pPr algn="r"/>
-            <a:r>
-              <a:rPr lang="es-ES_tradnl" sz="2000" dirty="0" smtClean="0"/>
-              <a:t>Dinero recibido (+)</a:t>
-            </a:r>
-            <a:endParaRPr lang="es-ES_tradnl" sz="2000" dirty="0"/>
-          </a:p>
-        </p:txBody>
-      </p:sp>
-      <p:sp>
-        <p:nvSpPr>
-          <p:cNvPr id="53" name="CuadroTexto 52"/>
-          <p:cNvSpPr txBox="1"/>
-          <p:nvPr/>
-        </p:nvSpPr>
-        <p:spPr>
-          <a:xfrm>
-            <a:off x="5815601" y="3064040"/>
-            <a:ext cx="2356799" cy="400110"/>
-          </a:xfrm>
-          <a:prstGeom prst="rect">
-            <a:avLst/>
-          </a:prstGeom>
-          <a:noFill/>
-        </p:spPr>
-        <p:txBody>
-          <a:bodyPr wrap="none" rtlCol="0">
-            <a:spAutoFit/>
-          </a:bodyPr>
-          <a:lstStyle/>
-          <a:p>
-            <a:r>
-              <a:rPr lang="es-ES_tradnl" sz="2000" dirty="0" smtClean="0"/>
-              <a:t>Dinero entregado (⎼)</a:t>
-            </a:r>
-            <a:endParaRPr lang="es-ES_tradnl" sz="2000" dirty="0"/>
-          </a:p>
-        </p:txBody>
-      </p:sp>
-      <p:cxnSp>
-        <p:nvCxnSpPr>
-          <p:cNvPr id="5" name="Conector recto 4"/>
-          <p:cNvCxnSpPr/>
-          <p:nvPr/>
-        </p:nvCxnSpPr>
-        <p:spPr>
-          <a:xfrm>
-            <a:off x="1000673" y="1501701"/>
-            <a:ext cx="7283938" cy="0"/>
-          </a:xfrm>
-          <a:prstGeom prst="line">
-            <a:avLst/>
-          </a:prstGeom>
-          <a:ln w="12700">
-            <a:solidFill>
-              <a:schemeClr val="bg1">
-                <a:lumMod val="50000"/>
-              </a:schemeClr>
-            </a:solidFill>
-            <a:prstDash val="dash"/>
-          </a:ln>
-        </p:spPr>
-        <p:style>
-          <a:lnRef idx="1">
-            <a:schemeClr val="accent1"/>
-          </a:lnRef>
-          <a:fillRef idx="0">
-            <a:schemeClr val="accent1"/>
-          </a:fillRef>
-          <a:effectRef idx="0">
-            <a:schemeClr val="accent1"/>
-          </a:effectRef>
-          <a:fontRef idx="minor">
-            <a:schemeClr val="tx1"/>
-          </a:fontRef>
-        </p:style>
-      </p:cxnSp>
-      <p:cxnSp>
-        <p:nvCxnSpPr>
-          <p:cNvPr id="31" name="Conector recto 30"/>
-          <p:cNvCxnSpPr/>
-          <p:nvPr/>
-        </p:nvCxnSpPr>
-        <p:spPr>
-          <a:xfrm>
-            <a:off x="1068482" y="2434170"/>
-            <a:ext cx="7283938" cy="0"/>
-          </a:xfrm>
-          <a:prstGeom prst="line">
-            <a:avLst/>
-          </a:prstGeom>
-          <a:ln w="12700">
-            <a:solidFill>
-              <a:schemeClr val="bg1">
-                <a:lumMod val="50000"/>
-              </a:schemeClr>
-            </a:solidFill>
-            <a:prstDash val="dash"/>
-          </a:ln>
-        </p:spPr>
-        <p:style>
-          <a:lnRef idx="1">
-            <a:schemeClr val="accent1"/>
-          </a:lnRef>
-          <a:fillRef idx="0">
-            <a:schemeClr val="accent1"/>
-          </a:fillRef>
-          <a:effectRef idx="0">
-            <a:schemeClr val="accent1"/>
-          </a:effectRef>
-          <a:fontRef idx="minor">
-            <a:schemeClr val="tx1"/>
-          </a:fontRef>
-        </p:style>
-      </p:cxnSp>
-      <p:cxnSp>
-        <p:nvCxnSpPr>
-          <p:cNvPr id="32" name="Conector recto 31"/>
-          <p:cNvCxnSpPr/>
-          <p:nvPr/>
-        </p:nvCxnSpPr>
-        <p:spPr>
-          <a:xfrm>
-            <a:off x="978472" y="3474005"/>
-            <a:ext cx="7283938" cy="0"/>
-          </a:xfrm>
-          <a:prstGeom prst="line">
-            <a:avLst/>
-          </a:prstGeom>
-          <a:ln w="12700">
-            <a:solidFill>
-              <a:schemeClr val="bg1">
-                <a:lumMod val="50000"/>
-              </a:schemeClr>
-            </a:solidFill>
-            <a:prstDash val="dash"/>
-          </a:ln>
-        </p:spPr>
-        <p:style>
-          <a:lnRef idx="1">
-            <a:schemeClr val="accent1"/>
-          </a:lnRef>
-          <a:fillRef idx="0">
-            <a:schemeClr val="accent1"/>
-          </a:fillRef>
-          <a:effectRef idx="0">
-            <a:schemeClr val="accent1"/>
-          </a:effectRef>
-          <a:fontRef idx="minor">
-            <a:schemeClr val="tx1"/>
-          </a:fontRef>
-        </p:style>
-      </p:cxnSp>
-      <p:cxnSp>
-        <p:nvCxnSpPr>
-          <p:cNvPr id="35" name="Conector recto 34"/>
-          <p:cNvCxnSpPr/>
-          <p:nvPr/>
-        </p:nvCxnSpPr>
-        <p:spPr>
-          <a:xfrm>
-            <a:off x="1023477" y="1268760"/>
-            <a:ext cx="7283938" cy="0"/>
-          </a:xfrm>
-          <a:prstGeom prst="line">
-            <a:avLst/>
-          </a:prstGeom>
-          <a:ln w="12700">
-            <a:solidFill>
-              <a:schemeClr val="bg1">
-                <a:lumMod val="50000"/>
-              </a:schemeClr>
-            </a:solidFill>
-            <a:prstDash val="dash"/>
-          </a:ln>
-        </p:spPr>
-        <p:style>
-          <a:lnRef idx="1">
-            <a:schemeClr val="accent1"/>
-          </a:lnRef>
-          <a:fillRef idx="0">
-            <a:schemeClr val="accent1"/>
-          </a:fillRef>
-          <a:effectRef idx="0">
-            <a:schemeClr val="accent1"/>
-          </a:effectRef>
-          <a:fontRef idx="minor">
-            <a:schemeClr val="tx1"/>
-          </a:fontRef>
-        </p:style>
-      </p:cxnSp>
-      <p:cxnSp>
-        <p:nvCxnSpPr>
-          <p:cNvPr id="38" name="Conector recto 37"/>
-          <p:cNvCxnSpPr/>
-          <p:nvPr/>
-        </p:nvCxnSpPr>
-        <p:spPr>
-          <a:xfrm>
-            <a:off x="978472" y="3699030"/>
-            <a:ext cx="7283938" cy="0"/>
-          </a:xfrm>
-          <a:prstGeom prst="line">
-            <a:avLst/>
-          </a:prstGeom>
-          <a:ln w="12700">
-            <a:solidFill>
-              <a:schemeClr val="bg1">
-                <a:lumMod val="50000"/>
-              </a:schemeClr>
-            </a:solidFill>
-            <a:prstDash val="dash"/>
-          </a:ln>
-        </p:spPr>
-        <p:style>
-          <a:lnRef idx="1">
-            <a:schemeClr val="accent1"/>
-          </a:lnRef>
-          <a:fillRef idx="0">
-            <a:schemeClr val="accent1"/>
-          </a:fillRef>
-          <a:effectRef idx="0">
-            <a:schemeClr val="accent1"/>
-          </a:effectRef>
-          <a:fontRef idx="minor">
-            <a:schemeClr val="tx1"/>
-          </a:fontRef>
-        </p:style>
-      </p:cxnSp>
-    </p:spTree>
-    <p:extLst>
-      <p:ext uri="{BB962C8B-B14F-4D97-AF65-F5344CB8AC3E}">
-        <p14:creationId xmlns:p14="http://schemas.microsoft.com/office/powerpoint/2010/main" val="1170414755"/>
-      </p:ext>
-    </p:extLst>
-  </p:cSld>
-  <p:clrMapOvr>
-    <a:masterClrMapping/>
-  </p:clrMapOvr>
-</p:sld>
-</file>
-
-<file path=ppt/slides/slide20.xml><?xml version="1.0" encoding="utf-8"?>
+<file path=ppt/slides/slide21.xml><?xml version="1.0" encoding="utf-8"?>
 <p:sld xmlns:a="http://schemas.openxmlformats.org/drawingml/2006/main" xmlns:r="http://schemas.openxmlformats.org/officeDocument/2006/relationships" xmlns:p="http://schemas.openxmlformats.org/presentationml/2006/main">
   <p:cSld>
     <p:spTree>
@@ -27424,7 +28965,7 @@
 </p:sld>
 </file>
 
-<file path=ppt/slides/slide21.xml><?xml version="1.0" encoding="utf-8"?>
+<file path=ppt/slides/slide22.xml><?xml version="1.0" encoding="utf-8"?>
 <p:sld xmlns:a="http://schemas.openxmlformats.org/drawingml/2006/main" xmlns:r="http://schemas.openxmlformats.org/officeDocument/2006/relationships" xmlns:p="http://schemas.openxmlformats.org/presentationml/2006/main">
   <p:cSld>
     <p:spTree>
@@ -28733,7 +30274,7 @@
 </p:sld>
 </file>
 
-<file path=ppt/slides/slide22.xml><?xml version="1.0" encoding="utf-8"?>
+<file path=ppt/slides/slide23.xml><?xml version="1.0" encoding="utf-8"?>
 <p:sld xmlns:a="http://schemas.openxmlformats.org/drawingml/2006/main" xmlns:r="http://schemas.openxmlformats.org/officeDocument/2006/relationships" xmlns:p="http://schemas.openxmlformats.org/presentationml/2006/main">
   <p:cSld>
     <p:spTree>
@@ -30658,7 +32199,7 @@
 </p:sld>
 </file>
 
-<file path=ppt/slides/slide23.xml><?xml version="1.0" encoding="utf-8"?>
+<file path=ppt/slides/slide24.xml><?xml version="1.0" encoding="utf-8"?>
 <p:sld xmlns:a="http://schemas.openxmlformats.org/drawingml/2006/main" xmlns:r="http://schemas.openxmlformats.org/officeDocument/2006/relationships" xmlns:p="http://schemas.openxmlformats.org/presentationml/2006/main">
   <p:cSld>
     <p:spTree>
@@ -35217,7 +36758,7 @@
 </p:sld>
 </file>
 
-<file path=ppt/slides/slide24.xml><?xml version="1.0" encoding="utf-8"?>
+<file path=ppt/slides/slide25.xml><?xml version="1.0" encoding="utf-8"?>
 <p:sld xmlns:a="http://schemas.openxmlformats.org/drawingml/2006/main" xmlns:r="http://schemas.openxmlformats.org/officeDocument/2006/relationships" xmlns:p="http://schemas.openxmlformats.org/presentationml/2006/main">
   <p:cSld>
     <p:spTree>
@@ -36341,7 +37882,7 @@
 </p:sld>
 </file>
 
-<file path=ppt/slides/slide25.xml><?xml version="1.0" encoding="utf-8"?>
+<file path=ppt/slides/slide26.xml><?xml version="1.0" encoding="utf-8"?>
 <p:sld xmlns:a="http://schemas.openxmlformats.org/drawingml/2006/main" xmlns:r="http://schemas.openxmlformats.org/officeDocument/2006/relationships" xmlns:p="http://schemas.openxmlformats.org/presentationml/2006/main">
   <p:cSld>
     <p:spTree>
@@ -37505,7 +39046,7 @@
           <a:graphicData uri="http://schemas.openxmlformats.org/presentationml/2006/ole">
             <mc:AlternateContent xmlns:mc="http://schemas.openxmlformats.org/markup-compatibility/2006">
               <mc:Choice xmlns:v="urn:schemas-microsoft-com:vml" Requires="v">
-                <p:oleObj spid="_x0000_s1113" name="EcuaciÛn" r:id="rId7" imgW="114300" imgH="165100" progId="Equation.3">
+                <p:oleObj spid="_x0000_s1115" name="EcuaciÛn" r:id="rId7" imgW="114300" imgH="165100" progId="Equation.3">
                   <p:embed/>
                 </p:oleObj>
               </mc:Choice>
@@ -37560,7 +39101,7 @@
 </p:sld>
 </file>
 
-<file path=ppt/slides/slide26.xml><?xml version="1.0" encoding="utf-8"?>
+<file path=ppt/slides/slide27.xml><?xml version="1.0" encoding="utf-8"?>
 <p:sld xmlns:a="http://schemas.openxmlformats.org/drawingml/2006/main" xmlns:r="http://schemas.openxmlformats.org/officeDocument/2006/relationships" xmlns:p="http://schemas.openxmlformats.org/presentationml/2006/main">
   <p:cSld>
     <p:spTree>
@@ -41299,7 +42840,7 @@
 </p:sld>
 </file>
 
-<file path=ppt/slides/slide27.xml><?xml version="1.0" encoding="utf-8"?>
+<file path=ppt/slides/slide28.xml><?xml version="1.0" encoding="utf-8"?>
 <p:sld xmlns:a="http://schemas.openxmlformats.org/drawingml/2006/main" xmlns:r="http://schemas.openxmlformats.org/officeDocument/2006/relationships" xmlns:p="http://schemas.openxmlformats.org/presentationml/2006/main">
   <p:cSld>
     <p:spTree>
@@ -42816,7 +44357,7 @@
 </p:sld>
 </file>
 
-<file path=ppt/slides/slide28.xml><?xml version="1.0" encoding="utf-8"?>
+<file path=ppt/slides/slide29.xml><?xml version="1.0" encoding="utf-8"?>
 <p:sld xmlns:a="http://schemas.openxmlformats.org/drawingml/2006/main" xmlns:r="http://schemas.openxmlformats.org/officeDocument/2006/relationships" xmlns:p="http://schemas.openxmlformats.org/presentationml/2006/main">
   <p:cSld>
     <p:spTree>
@@ -43871,82 +45412,6 @@
       </p:par>
     </p:tnLst>
   </p:timing>
-</p:sld>
-</file>
-
-<file path=ppt/slides/slide29.xml><?xml version="1.0" encoding="utf-8"?>
-<p:sld xmlns:a="http://schemas.openxmlformats.org/drawingml/2006/main" xmlns:r="http://schemas.openxmlformats.org/officeDocument/2006/relationships" xmlns:p="http://schemas.openxmlformats.org/presentationml/2006/main">
-  <p:cSld>
-    <p:spTree>
-      <p:nvGrpSpPr>
-        <p:cNvPr id="1" name=""/>
-        <p:cNvGrpSpPr/>
-        <p:nvPr/>
-      </p:nvGrpSpPr>
-      <p:grpSpPr>
-        <a:xfrm>
-          <a:off x="0" y="0"/>
-          <a:ext cx="0" cy="0"/>
-          <a:chOff x="0" y="0"/>
-          <a:chExt cx="0" cy="0"/>
-        </a:xfrm>
-      </p:grpSpPr>
-      <p:pic>
-        <p:nvPicPr>
-          <p:cNvPr id="23" name="Imagen 22"/>
-          <p:cNvPicPr>
-            <a:picLocks noChangeAspect="1"/>
-          </p:cNvPicPr>
-          <p:nvPr/>
-        </p:nvPicPr>
-        <p:blipFill rotWithShape="1">
-          <a:blip r:embed="rId2"/>
-          <a:srcRect t="15031"/>
-          <a:stretch/>
-        </p:blipFill>
-        <p:spPr>
-          <a:xfrm>
-            <a:off x="965200" y="1730636"/>
-            <a:ext cx="7200900" cy="4111363"/>
-          </a:xfrm>
-          <a:prstGeom prst="rect">
-            <a:avLst/>
-          </a:prstGeom>
-        </p:spPr>
-      </p:pic>
-      <p:pic>
-        <p:nvPicPr>
-          <p:cNvPr id="25" name="Imagen 24"/>
-          <p:cNvPicPr>
-            <a:picLocks noChangeAspect="1"/>
-          </p:cNvPicPr>
-          <p:nvPr/>
-        </p:nvPicPr>
-        <p:blipFill rotWithShape="1">
-          <a:blip r:embed="rId3"/>
-          <a:srcRect l="25094" r="23781" b="17339"/>
-          <a:stretch/>
-        </p:blipFill>
-        <p:spPr>
-          <a:xfrm>
-            <a:off x="2231740" y="1479413"/>
-            <a:ext cx="4674918" cy="479268"/>
-          </a:xfrm>
-          <a:prstGeom prst="rect">
-            <a:avLst/>
-          </a:prstGeom>
-        </p:spPr>
-      </p:pic>
-    </p:spTree>
-    <p:extLst>
-      <p:ext uri="{BB962C8B-B14F-4D97-AF65-F5344CB8AC3E}">
-        <p14:creationId xmlns:p14="http://schemas.microsoft.com/office/powerpoint/2010/main" val="1852428117"/>
-      </p:ext>
-    </p:extLst>
-  </p:cSld>
-  <p:clrMapOvr>
-    <a:masterClrMapping/>
-  </p:clrMapOvr>
 </p:sld>
 </file>
 
@@ -45339,6 +46804,82 @@
           <a:chExt cx="0" cy="0"/>
         </a:xfrm>
       </p:grpSpPr>
+      <p:pic>
+        <p:nvPicPr>
+          <p:cNvPr id="23" name="Imagen 22"/>
+          <p:cNvPicPr>
+            <a:picLocks noChangeAspect="1"/>
+          </p:cNvPicPr>
+          <p:nvPr/>
+        </p:nvPicPr>
+        <p:blipFill rotWithShape="1">
+          <a:blip r:embed="rId2"/>
+          <a:srcRect t="15031"/>
+          <a:stretch/>
+        </p:blipFill>
+        <p:spPr>
+          <a:xfrm>
+            <a:off x="965200" y="1730636"/>
+            <a:ext cx="7200900" cy="4111363"/>
+          </a:xfrm>
+          <a:prstGeom prst="rect">
+            <a:avLst/>
+          </a:prstGeom>
+        </p:spPr>
+      </p:pic>
+      <p:pic>
+        <p:nvPicPr>
+          <p:cNvPr id="25" name="Imagen 24"/>
+          <p:cNvPicPr>
+            <a:picLocks noChangeAspect="1"/>
+          </p:cNvPicPr>
+          <p:nvPr/>
+        </p:nvPicPr>
+        <p:blipFill rotWithShape="1">
+          <a:blip r:embed="rId3"/>
+          <a:srcRect l="25094" r="23781" b="17339"/>
+          <a:stretch/>
+        </p:blipFill>
+        <p:spPr>
+          <a:xfrm>
+            <a:off x="2231740" y="1479413"/>
+            <a:ext cx="4674918" cy="479268"/>
+          </a:xfrm>
+          <a:prstGeom prst="rect">
+            <a:avLst/>
+          </a:prstGeom>
+        </p:spPr>
+      </p:pic>
+    </p:spTree>
+    <p:extLst>
+      <p:ext uri="{BB962C8B-B14F-4D97-AF65-F5344CB8AC3E}">
+        <p14:creationId xmlns:p14="http://schemas.microsoft.com/office/powerpoint/2010/main" val="1852428117"/>
+      </p:ext>
+    </p:extLst>
+  </p:cSld>
+  <p:clrMapOvr>
+    <a:masterClrMapping/>
+  </p:clrMapOvr>
+</p:sld>
+</file>
+
+<file path=ppt/slides/slide31.xml><?xml version="1.0" encoding="utf-8"?>
+<p:sld xmlns:a="http://schemas.openxmlformats.org/drawingml/2006/main" xmlns:r="http://schemas.openxmlformats.org/officeDocument/2006/relationships" xmlns:p="http://schemas.openxmlformats.org/presentationml/2006/main">
+  <p:cSld>
+    <p:spTree>
+      <p:nvGrpSpPr>
+        <p:cNvPr id="1" name=""/>
+        <p:cNvGrpSpPr/>
+        <p:nvPr/>
+      </p:nvGrpSpPr>
+      <p:grpSpPr>
+        <a:xfrm>
+          <a:off x="0" y="0"/>
+          <a:ext cx="0" cy="0"/>
+          <a:chOff x="0" y="0"/>
+          <a:chExt cx="0" cy="0"/>
+        </a:xfrm>
+      </p:grpSpPr>
       <p:cxnSp>
         <p:nvCxnSpPr>
           <p:cNvPr id="3" name="Conector recto 2"/>
@@ -45694,7 +47235,7 @@
 </p:sld>
 </file>
 
-<file path=ppt/slides/slide31.xml><?xml version="1.0" encoding="utf-8"?>
+<file path=ppt/slides/slide32.xml><?xml version="1.0" encoding="utf-8"?>
 <p:sld xmlns:a="http://schemas.openxmlformats.org/drawingml/2006/main" xmlns:r="http://schemas.openxmlformats.org/officeDocument/2006/relationships" xmlns:p="http://schemas.openxmlformats.org/presentationml/2006/main">
   <p:cSld>
     <p:spTree>
@@ -46291,7 +47832,7 @@
 </p:sld>
 </file>
 
-<file path=ppt/slides/slide32.xml><?xml version="1.0" encoding="utf-8"?>
+<file path=ppt/slides/slide33.xml><?xml version="1.0" encoding="utf-8"?>
 <p:sld xmlns:a="http://schemas.openxmlformats.org/drawingml/2006/main" xmlns:r="http://schemas.openxmlformats.org/officeDocument/2006/relationships" xmlns:p="http://schemas.openxmlformats.org/presentationml/2006/main">
   <p:cSld>
     <p:spTree>
@@ -47196,7 +48737,7 @@
 </p:sld>
 </file>
 
-<file path=ppt/slides/slide33.xml><?xml version="1.0" encoding="utf-8"?>
+<file path=ppt/slides/slide34.xml><?xml version="1.0" encoding="utf-8"?>
 <p:sld xmlns:a="http://schemas.openxmlformats.org/drawingml/2006/main" xmlns:r="http://schemas.openxmlformats.org/officeDocument/2006/relationships" xmlns:p="http://schemas.openxmlformats.org/presentationml/2006/main">
   <p:cSld>
     <p:spTree>
@@ -48057,7 +49598,7 @@
 </p:sld>
 </file>
 
-<file path=ppt/slides/slide34.xml><?xml version="1.0" encoding="utf-8"?>
+<file path=ppt/slides/slide35.xml><?xml version="1.0" encoding="utf-8"?>
 <p:sld xmlns:a="http://schemas.openxmlformats.org/drawingml/2006/main" xmlns:r="http://schemas.openxmlformats.org/officeDocument/2006/relationships" xmlns:p="http://schemas.openxmlformats.org/presentationml/2006/main">
   <p:cSld>
     <p:spTree>
@@ -50418,7 +51959,7 @@
 </p:sld>
 </file>
 
-<file path=ppt/slides/slide35.xml><?xml version="1.0" encoding="utf-8"?>
+<file path=ppt/slides/slide36.xml><?xml version="1.0" encoding="utf-8"?>
 <p:sld xmlns:a="http://schemas.openxmlformats.org/drawingml/2006/main" xmlns:r="http://schemas.openxmlformats.org/officeDocument/2006/relationships" xmlns:p="http://schemas.openxmlformats.org/presentationml/2006/main">
   <p:cSld>
     <p:spTree>
@@ -50898,7 +52439,7 @@
 </p:sld>
 </file>
 
-<file path=ppt/slides/slide36.xml><?xml version="1.0" encoding="utf-8"?>
+<file path=ppt/slides/slide37.xml><?xml version="1.0" encoding="utf-8"?>
 <p:sld xmlns:a="http://schemas.openxmlformats.org/drawingml/2006/main" xmlns:r="http://schemas.openxmlformats.org/officeDocument/2006/relationships" xmlns:p="http://schemas.openxmlformats.org/presentationml/2006/main">
   <p:cSld>
     <p:spTree>
@@ -51666,7 +53207,7 @@
 </p:sld>
 </file>
 
-<file path=ppt/slides/slide37.xml><?xml version="1.0" encoding="utf-8"?>
+<file path=ppt/slides/slide38.xml><?xml version="1.0" encoding="utf-8"?>
 <p:sld xmlns:a="http://schemas.openxmlformats.org/drawingml/2006/main" xmlns:r="http://schemas.openxmlformats.org/officeDocument/2006/relationships" xmlns:p="http://schemas.openxmlformats.org/presentationml/2006/main">
   <p:cSld>
     <p:spTree>
@@ -53404,7 +54945,7 @@
 </p:sld>
 </file>
 
-<file path=ppt/slides/slide38.xml><?xml version="1.0" encoding="utf-8"?>
+<file path=ppt/slides/slide39.xml><?xml version="1.0" encoding="utf-8"?>
 <p:sld xmlns:a="http://schemas.openxmlformats.org/drawingml/2006/main" xmlns:r="http://schemas.openxmlformats.org/officeDocument/2006/relationships" xmlns:p="http://schemas.openxmlformats.org/presentationml/2006/main">
   <p:cSld>
     <p:spTree>
@@ -53425,36 +54966,6 @@
     <p:extLst>
       <p:ext uri="{BB962C8B-B14F-4D97-AF65-F5344CB8AC3E}">
         <p14:creationId xmlns:p14="http://schemas.microsoft.com/office/powerpoint/2010/main" val="1642722648"/>
-      </p:ext>
-    </p:extLst>
-  </p:cSld>
-  <p:clrMapOvr>
-    <a:masterClrMapping/>
-  </p:clrMapOvr>
-</p:sld>
-</file>
-
-<file path=ppt/slides/slide39.xml><?xml version="1.0" encoding="utf-8"?>
-<p:sld xmlns:a="http://schemas.openxmlformats.org/drawingml/2006/main" xmlns:r="http://schemas.openxmlformats.org/officeDocument/2006/relationships" xmlns:p="http://schemas.openxmlformats.org/presentationml/2006/main">
-  <p:cSld>
-    <p:spTree>
-      <p:nvGrpSpPr>
-        <p:cNvPr id="1" name=""/>
-        <p:cNvGrpSpPr/>
-        <p:nvPr/>
-      </p:nvGrpSpPr>
-      <p:grpSpPr>
-        <a:xfrm>
-          <a:off x="0" y="0"/>
-          <a:ext cx="0" cy="0"/>
-          <a:chOff x="0" y="0"/>
-          <a:chExt cx="0" cy="0"/>
-        </a:xfrm>
-      </p:grpSpPr>
-    </p:spTree>
-    <p:extLst>
-      <p:ext uri="{BB962C8B-B14F-4D97-AF65-F5344CB8AC3E}">
-        <p14:creationId xmlns:p14="http://schemas.microsoft.com/office/powerpoint/2010/main" val="1189779104"/>
       </p:ext>
     </p:extLst>
   </p:cSld>
@@ -54271,6 +55782,36 @@
       </p:par>
     </p:tnLst>
   </p:timing>
+</p:sld>
+</file>
+
+<file path=ppt/slides/slide40.xml><?xml version="1.0" encoding="utf-8"?>
+<p:sld xmlns:a="http://schemas.openxmlformats.org/drawingml/2006/main" xmlns:r="http://schemas.openxmlformats.org/officeDocument/2006/relationships" xmlns:p="http://schemas.openxmlformats.org/presentationml/2006/main">
+  <p:cSld>
+    <p:spTree>
+      <p:nvGrpSpPr>
+        <p:cNvPr id="1" name=""/>
+        <p:cNvGrpSpPr/>
+        <p:nvPr/>
+      </p:nvGrpSpPr>
+      <p:grpSpPr>
+        <a:xfrm>
+          <a:off x="0" y="0"/>
+          <a:ext cx="0" cy="0"/>
+          <a:chOff x="0" y="0"/>
+          <a:chExt cx="0" cy="0"/>
+        </a:xfrm>
+      </p:grpSpPr>
+    </p:spTree>
+    <p:extLst>
+      <p:ext uri="{BB962C8B-B14F-4D97-AF65-F5344CB8AC3E}">
+        <p14:creationId xmlns:p14="http://schemas.microsoft.com/office/powerpoint/2010/main" val="1189779104"/>
+      </p:ext>
+    </p:extLst>
+  </p:cSld>
+  <p:clrMapOvr>
+    <a:masterClrMapping/>
+  </p:clrMapOvr>
 </p:sld>
 </file>
 
@@ -60081,6 +61622,1182 @@
       </p:grpSpPr>
       <p:cxnSp>
         <p:nvCxnSpPr>
+          <p:cNvPr id="2" name="12 Conector recto de flecha"/>
+          <p:cNvCxnSpPr/>
+          <p:nvPr/>
+        </p:nvCxnSpPr>
+        <p:spPr>
+          <a:xfrm>
+            <a:off x="2045029" y="1681753"/>
+            <a:ext cx="0" cy="712132"/>
+          </a:xfrm>
+          <a:prstGeom prst="straightConnector1">
+            <a:avLst/>
+          </a:prstGeom>
+          <a:ln w="50800">
+            <a:solidFill>
+              <a:srgbClr val="00B0F0"/>
+            </a:solidFill>
+            <a:tailEnd type="triangle" w="med" len="med"/>
+          </a:ln>
+        </p:spPr>
+        <p:style>
+          <a:lnRef idx="1">
+            <a:schemeClr val="accent1"/>
+          </a:lnRef>
+          <a:fillRef idx="0">
+            <a:schemeClr val="accent1"/>
+          </a:fillRef>
+          <a:effectRef idx="0">
+            <a:schemeClr val="accent1"/>
+          </a:effectRef>
+          <a:fontRef idx="minor">
+            <a:schemeClr val="tx1"/>
+          </a:fontRef>
+        </p:style>
+      </p:cxnSp>
+      <p:cxnSp>
+        <p:nvCxnSpPr>
+          <p:cNvPr id="3" name="12 Conector recto de flecha"/>
+          <p:cNvCxnSpPr/>
+          <p:nvPr/>
+        </p:nvCxnSpPr>
+        <p:spPr>
+          <a:xfrm flipH="1">
+            <a:off x="782416" y="1673515"/>
+            <a:ext cx="7280" cy="720370"/>
+          </a:xfrm>
+          <a:prstGeom prst="straightConnector1">
+            <a:avLst/>
+          </a:prstGeom>
+          <a:ln w="50800">
+            <a:solidFill>
+              <a:srgbClr val="00B0F0"/>
+            </a:solidFill>
+            <a:tailEnd type="triangle" w="med" len="med"/>
+          </a:ln>
+        </p:spPr>
+        <p:style>
+          <a:lnRef idx="1">
+            <a:schemeClr val="accent1"/>
+          </a:lnRef>
+          <a:fillRef idx="0">
+            <a:schemeClr val="accent1"/>
+          </a:fillRef>
+          <a:effectRef idx="0">
+            <a:schemeClr val="accent1"/>
+          </a:effectRef>
+          <a:fontRef idx="minor">
+            <a:schemeClr val="tx1"/>
+          </a:fontRef>
+        </p:style>
+      </p:cxnSp>
+      <p:cxnSp>
+        <p:nvCxnSpPr>
+          <p:cNvPr id="4" name="12 Conector recto de flecha"/>
+          <p:cNvCxnSpPr/>
+          <p:nvPr/>
+        </p:nvCxnSpPr>
+        <p:spPr>
+          <a:xfrm>
+            <a:off x="1414959" y="1681753"/>
+            <a:ext cx="0" cy="712132"/>
+          </a:xfrm>
+          <a:prstGeom prst="straightConnector1">
+            <a:avLst/>
+          </a:prstGeom>
+          <a:ln w="50800">
+            <a:solidFill>
+              <a:srgbClr val="00B0F0"/>
+            </a:solidFill>
+            <a:tailEnd type="triangle" w="med" len="med"/>
+          </a:ln>
+        </p:spPr>
+        <p:style>
+          <a:lnRef idx="1">
+            <a:schemeClr val="accent1"/>
+          </a:lnRef>
+          <a:fillRef idx="0">
+            <a:schemeClr val="accent1"/>
+          </a:fillRef>
+          <a:effectRef idx="0">
+            <a:schemeClr val="accent1"/>
+          </a:effectRef>
+          <a:fontRef idx="minor">
+            <a:schemeClr val="tx1"/>
+          </a:fontRef>
+        </p:style>
+      </p:cxnSp>
+      <p:sp>
+        <p:nvSpPr>
+          <p:cNvPr id="5" name="2 CuadroTexto"/>
+          <p:cNvSpPr txBox="1"/>
+          <p:nvPr/>
+        </p:nvSpPr>
+        <p:spPr>
+          <a:xfrm>
+            <a:off x="1099924" y="1700354"/>
+            <a:ext cx="301686" cy="369332"/>
+          </a:xfrm>
+          <a:prstGeom prst="rect">
+            <a:avLst/>
+          </a:prstGeom>
+          <a:noFill/>
+        </p:spPr>
+        <p:txBody>
+          <a:bodyPr wrap="none" rtlCol="0">
+            <a:spAutoFit/>
+          </a:bodyPr>
+          <a:lstStyle/>
+          <a:p>
+            <a:r>
+              <a:rPr lang="es-CO" dirty="0">
+                <a:latin typeface="Times New Roman" charset="0"/>
+                <a:ea typeface="Times New Roman" charset="0"/>
+                <a:cs typeface="Times New Roman" charset="0"/>
+              </a:rPr>
+              <a:t>1</a:t>
+            </a:r>
+          </a:p>
+        </p:txBody>
+      </p:sp>
+      <p:cxnSp>
+        <p:nvCxnSpPr>
+          <p:cNvPr id="6" name="5 Conector recto de flecha"/>
+          <p:cNvCxnSpPr/>
+          <p:nvPr/>
+        </p:nvCxnSpPr>
+        <p:spPr>
+          <a:xfrm flipV="1">
+            <a:off x="792966" y="1669312"/>
+            <a:ext cx="3193969" cy="1588"/>
+          </a:xfrm>
+          <a:prstGeom prst="straightConnector1">
+            <a:avLst/>
+          </a:prstGeom>
+          <a:ln w="28575">
+            <a:solidFill>
+              <a:schemeClr val="tx1"/>
+            </a:solidFill>
+            <a:tailEnd type="none" w="lg" len="lg"/>
+          </a:ln>
+        </p:spPr>
+        <p:style>
+          <a:lnRef idx="1">
+            <a:schemeClr val="accent1"/>
+          </a:lnRef>
+          <a:fillRef idx="0">
+            <a:schemeClr val="accent1"/>
+          </a:fillRef>
+          <a:effectRef idx="0">
+            <a:schemeClr val="accent1"/>
+          </a:effectRef>
+          <a:fontRef idx="minor">
+            <a:schemeClr val="tx1"/>
+          </a:fontRef>
+        </p:style>
+      </p:cxnSp>
+      <p:cxnSp>
+        <p:nvCxnSpPr>
+          <p:cNvPr id="7" name="9 Conector recto"/>
+          <p:cNvCxnSpPr/>
+          <p:nvPr/>
+        </p:nvCxnSpPr>
+        <p:spPr>
+          <a:xfrm flipH="1" flipV="1">
+            <a:off x="792966" y="1548722"/>
+            <a:ext cx="0" cy="249419"/>
+          </a:xfrm>
+          <a:prstGeom prst="line">
+            <a:avLst/>
+          </a:prstGeom>
+          <a:ln w="25400">
+            <a:solidFill>
+              <a:schemeClr val="tx1"/>
+            </a:solidFill>
+          </a:ln>
+        </p:spPr>
+        <p:style>
+          <a:lnRef idx="1">
+            <a:schemeClr val="accent1"/>
+          </a:lnRef>
+          <a:fillRef idx="0">
+            <a:schemeClr val="accent1"/>
+          </a:fillRef>
+          <a:effectRef idx="0">
+            <a:schemeClr val="accent1"/>
+          </a:effectRef>
+          <a:fontRef idx="minor">
+            <a:schemeClr val="tx1"/>
+          </a:fontRef>
+        </p:style>
+      </p:cxnSp>
+      <p:sp>
+        <p:nvSpPr>
+          <p:cNvPr id="8" name="10 CuadroTexto"/>
+          <p:cNvSpPr txBox="1"/>
+          <p:nvPr/>
+        </p:nvSpPr>
+        <p:spPr>
+          <a:xfrm>
+            <a:off x="1729994" y="1698661"/>
+            <a:ext cx="301686" cy="369332"/>
+          </a:xfrm>
+          <a:prstGeom prst="rect">
+            <a:avLst/>
+          </a:prstGeom>
+          <a:noFill/>
+        </p:spPr>
+        <p:txBody>
+          <a:bodyPr wrap="none" rtlCol="0">
+            <a:spAutoFit/>
+          </a:bodyPr>
+          <a:lstStyle/>
+          <a:p>
+            <a:r>
+              <a:rPr lang="es-CO" smtClean="0">
+                <a:latin typeface="Times New Roman" charset="0"/>
+                <a:ea typeface="Times New Roman" charset="0"/>
+                <a:cs typeface="Times New Roman" charset="0"/>
+              </a:rPr>
+              <a:t>2</a:t>
+            </a:r>
+            <a:endParaRPr lang="es-CO" dirty="0">
+              <a:latin typeface="Times New Roman" charset="0"/>
+              <a:ea typeface="Times New Roman" charset="0"/>
+              <a:cs typeface="Times New Roman" charset="0"/>
+            </a:endParaRPr>
+          </a:p>
+        </p:txBody>
+      </p:sp>
+      <p:cxnSp>
+        <p:nvCxnSpPr>
+          <p:cNvPr id="9" name="9 Conector recto"/>
+          <p:cNvCxnSpPr/>
+          <p:nvPr/>
+        </p:nvCxnSpPr>
+        <p:spPr>
+          <a:xfrm flipH="1" flipV="1">
+            <a:off x="1409207" y="1543435"/>
+            <a:ext cx="0" cy="249419"/>
+          </a:xfrm>
+          <a:prstGeom prst="line">
+            <a:avLst/>
+          </a:prstGeom>
+          <a:ln w="25400">
+            <a:solidFill>
+              <a:schemeClr val="tx1"/>
+            </a:solidFill>
+          </a:ln>
+        </p:spPr>
+        <p:style>
+          <a:lnRef idx="1">
+            <a:schemeClr val="accent1"/>
+          </a:lnRef>
+          <a:fillRef idx="0">
+            <a:schemeClr val="accent1"/>
+          </a:fillRef>
+          <a:effectRef idx="0">
+            <a:schemeClr val="accent1"/>
+          </a:effectRef>
+          <a:fontRef idx="minor">
+            <a:schemeClr val="tx1"/>
+          </a:fontRef>
+        </p:style>
+      </p:cxnSp>
+      <p:cxnSp>
+        <p:nvCxnSpPr>
+          <p:cNvPr id="10" name="9 Conector recto"/>
+          <p:cNvCxnSpPr/>
+          <p:nvPr/>
+        </p:nvCxnSpPr>
+        <p:spPr>
+          <a:xfrm flipH="1" flipV="1">
+            <a:off x="2045029" y="1543435"/>
+            <a:ext cx="0" cy="249419"/>
+          </a:xfrm>
+          <a:prstGeom prst="line">
+            <a:avLst/>
+          </a:prstGeom>
+          <a:ln w="25400">
+            <a:solidFill>
+              <a:schemeClr val="tx1"/>
+            </a:solidFill>
+          </a:ln>
+        </p:spPr>
+        <p:style>
+          <a:lnRef idx="1">
+            <a:schemeClr val="accent1"/>
+          </a:lnRef>
+          <a:fillRef idx="0">
+            <a:schemeClr val="accent1"/>
+          </a:fillRef>
+          <a:effectRef idx="0">
+            <a:schemeClr val="accent1"/>
+          </a:effectRef>
+          <a:fontRef idx="minor">
+            <a:schemeClr val="tx1"/>
+          </a:fontRef>
+        </p:style>
+      </p:cxnSp>
+      <p:sp>
+        <p:nvSpPr>
+          <p:cNvPr id="13" name="6 CuadroTexto"/>
+          <p:cNvSpPr txBox="1"/>
+          <p:nvPr/>
+        </p:nvSpPr>
+        <p:spPr>
+          <a:xfrm>
+            <a:off x="2264302" y="1492442"/>
+            <a:ext cx="530915" cy="369332"/>
+          </a:xfrm>
+          <a:prstGeom prst="rect">
+            <a:avLst/>
+          </a:prstGeom>
+          <a:solidFill>
+            <a:schemeClr val="bg1"/>
+          </a:solidFill>
+        </p:spPr>
+        <p:txBody>
+          <a:bodyPr wrap="none" rtlCol="0">
+            <a:spAutoFit/>
+          </a:bodyPr>
+          <a:lstStyle/>
+          <a:p>
+            <a:r>
+              <a:rPr lang="es-CO" dirty="0" smtClean="0"/>
+              <a:t>•••</a:t>
+            </a:r>
+            <a:endParaRPr lang="es-CO" dirty="0"/>
+          </a:p>
+        </p:txBody>
+      </p:sp>
+      <p:sp>
+        <p:nvSpPr>
+          <p:cNvPr id="14" name="CuadroTexto 13"/>
+          <p:cNvSpPr txBox="1"/>
+          <p:nvPr/>
+        </p:nvSpPr>
+        <p:spPr>
+          <a:xfrm>
+            <a:off x="782416" y="908720"/>
+            <a:ext cx="3189287" cy="461665"/>
+          </a:xfrm>
+          <a:prstGeom prst="rect">
+            <a:avLst/>
+          </a:prstGeom>
+          <a:noFill/>
+        </p:spPr>
+        <p:txBody>
+          <a:bodyPr wrap="square" rtlCol="0">
+            <a:spAutoFit/>
+          </a:bodyPr>
+          <a:lstStyle/>
+          <a:p>
+            <a:pPr algn="ctr"/>
+            <a:r>
+              <a:rPr lang="es-ES_tradnl" sz="2400" dirty="0" smtClean="0"/>
+              <a:t>Anticipado</a:t>
+            </a:r>
+            <a:endParaRPr lang="es-ES_tradnl" sz="2400" dirty="0"/>
+          </a:p>
+        </p:txBody>
+      </p:sp>
+      <p:sp>
+        <p:nvSpPr>
+          <p:cNvPr id="27" name="CuadroTexto 26"/>
+          <p:cNvSpPr txBox="1"/>
+          <p:nvPr/>
+        </p:nvSpPr>
+        <p:spPr>
+          <a:xfrm>
+            <a:off x="4346975" y="908720"/>
+            <a:ext cx="3204519" cy="461665"/>
+          </a:xfrm>
+          <a:prstGeom prst="rect">
+            <a:avLst/>
+          </a:prstGeom>
+          <a:noFill/>
+        </p:spPr>
+        <p:txBody>
+          <a:bodyPr wrap="square" rtlCol="0">
+            <a:spAutoFit/>
+          </a:bodyPr>
+          <a:lstStyle/>
+          <a:p>
+            <a:pPr algn="ctr"/>
+            <a:r>
+              <a:rPr lang="es-ES_tradnl" sz="2400" dirty="0" smtClean="0"/>
+              <a:t>Vencido</a:t>
+            </a:r>
+            <a:endParaRPr lang="es-ES_tradnl" sz="2400" dirty="0"/>
+          </a:p>
+        </p:txBody>
+      </p:sp>
+      <p:cxnSp>
+        <p:nvCxnSpPr>
+          <p:cNvPr id="32" name="12 Conector recto de flecha"/>
+          <p:cNvCxnSpPr/>
+          <p:nvPr/>
+        </p:nvCxnSpPr>
+        <p:spPr>
+          <a:xfrm>
+            <a:off x="3395179" y="1677108"/>
+            <a:ext cx="0" cy="712132"/>
+          </a:xfrm>
+          <a:prstGeom prst="straightConnector1">
+            <a:avLst/>
+          </a:prstGeom>
+          <a:ln w="50800">
+            <a:solidFill>
+              <a:srgbClr val="00B0F0"/>
+            </a:solidFill>
+            <a:tailEnd type="triangle" w="med" len="med"/>
+          </a:ln>
+        </p:spPr>
+        <p:style>
+          <a:lnRef idx="1">
+            <a:schemeClr val="accent1"/>
+          </a:lnRef>
+          <a:fillRef idx="0">
+            <a:schemeClr val="accent1"/>
+          </a:fillRef>
+          <a:effectRef idx="0">
+            <a:schemeClr val="accent1"/>
+          </a:effectRef>
+          <a:fontRef idx="minor">
+            <a:schemeClr val="tx1"/>
+          </a:fontRef>
+        </p:style>
+      </p:cxnSp>
+      <p:sp>
+        <p:nvSpPr>
+          <p:cNvPr id="33" name="10 CuadroTexto"/>
+          <p:cNvSpPr txBox="1"/>
+          <p:nvPr/>
+        </p:nvSpPr>
+        <p:spPr>
+          <a:xfrm>
+            <a:off x="2900124" y="1694016"/>
+            <a:ext cx="492443" cy="369332"/>
+          </a:xfrm>
+          <a:prstGeom prst="rect">
+            <a:avLst/>
+          </a:prstGeom>
+          <a:noFill/>
+        </p:spPr>
+        <p:txBody>
+          <a:bodyPr wrap="none" rtlCol="0">
+            <a:spAutoFit/>
+          </a:bodyPr>
+          <a:lstStyle/>
+          <a:p>
+            <a:r>
+              <a:rPr lang="es-CO" i="1" dirty="0" smtClean="0">
+                <a:latin typeface="Times New Roman" charset="0"/>
+                <a:ea typeface="Times New Roman" charset="0"/>
+                <a:cs typeface="Times New Roman" charset="0"/>
+              </a:rPr>
+              <a:t>n</a:t>
+            </a:r>
+            <a:r>
+              <a:rPr lang="es-CO" dirty="0" smtClean="0">
+                <a:latin typeface="Times New Roman" charset="0"/>
+                <a:ea typeface="Times New Roman" charset="0"/>
+                <a:cs typeface="Times New Roman" charset="0"/>
+              </a:rPr>
+              <a:t>-1</a:t>
+            </a:r>
+            <a:endParaRPr lang="es-CO" dirty="0">
+              <a:latin typeface="Times New Roman" charset="0"/>
+              <a:ea typeface="Times New Roman" charset="0"/>
+              <a:cs typeface="Times New Roman" charset="0"/>
+            </a:endParaRPr>
+          </a:p>
+        </p:txBody>
+      </p:sp>
+      <p:cxnSp>
+        <p:nvCxnSpPr>
+          <p:cNvPr id="34" name="9 Conector recto"/>
+          <p:cNvCxnSpPr/>
+          <p:nvPr/>
+        </p:nvCxnSpPr>
+        <p:spPr>
+          <a:xfrm flipH="1" flipV="1">
+            <a:off x="3395179" y="1538790"/>
+            <a:ext cx="0" cy="249419"/>
+          </a:xfrm>
+          <a:prstGeom prst="line">
+            <a:avLst/>
+          </a:prstGeom>
+          <a:ln w="25400">
+            <a:solidFill>
+              <a:schemeClr val="tx1"/>
+            </a:solidFill>
+          </a:ln>
+        </p:spPr>
+        <p:style>
+          <a:lnRef idx="1">
+            <a:schemeClr val="accent1"/>
+          </a:lnRef>
+          <a:fillRef idx="0">
+            <a:schemeClr val="accent1"/>
+          </a:fillRef>
+          <a:effectRef idx="0">
+            <a:schemeClr val="accent1"/>
+          </a:effectRef>
+          <a:fontRef idx="minor">
+            <a:schemeClr val="tx1"/>
+          </a:fontRef>
+        </p:style>
+      </p:cxnSp>
+      <p:sp>
+        <p:nvSpPr>
+          <p:cNvPr id="36" name="10 CuadroTexto"/>
+          <p:cNvSpPr txBox="1"/>
+          <p:nvPr/>
+        </p:nvSpPr>
+        <p:spPr>
+          <a:xfrm>
+            <a:off x="3665209" y="1694016"/>
+            <a:ext cx="306494" cy="369332"/>
+          </a:xfrm>
+          <a:prstGeom prst="rect">
+            <a:avLst/>
+          </a:prstGeom>
+          <a:noFill/>
+        </p:spPr>
+        <p:txBody>
+          <a:bodyPr wrap="none" rtlCol="0">
+            <a:spAutoFit/>
+          </a:bodyPr>
+          <a:lstStyle/>
+          <a:p>
+            <a:r>
+              <a:rPr lang="es-CO" i="1" dirty="0" smtClean="0">
+                <a:latin typeface="Times New Roman" charset="0"/>
+                <a:ea typeface="Times New Roman" charset="0"/>
+                <a:cs typeface="Times New Roman" charset="0"/>
+              </a:rPr>
+              <a:t>n</a:t>
+            </a:r>
+            <a:endParaRPr lang="es-CO" i="1" dirty="0">
+              <a:latin typeface="Times New Roman" charset="0"/>
+              <a:ea typeface="Times New Roman" charset="0"/>
+              <a:cs typeface="Times New Roman" charset="0"/>
+            </a:endParaRPr>
+          </a:p>
+        </p:txBody>
+      </p:sp>
+      <p:cxnSp>
+        <p:nvCxnSpPr>
+          <p:cNvPr id="37" name="9 Conector recto"/>
+          <p:cNvCxnSpPr/>
+          <p:nvPr/>
+        </p:nvCxnSpPr>
+        <p:spPr>
+          <a:xfrm flipH="1" flipV="1">
+            <a:off x="3980244" y="1538790"/>
+            <a:ext cx="0" cy="249419"/>
+          </a:xfrm>
+          <a:prstGeom prst="line">
+            <a:avLst/>
+          </a:prstGeom>
+          <a:ln w="25400">
+            <a:solidFill>
+              <a:schemeClr val="tx1"/>
+            </a:solidFill>
+          </a:ln>
+        </p:spPr>
+        <p:style>
+          <a:lnRef idx="1">
+            <a:schemeClr val="accent1"/>
+          </a:lnRef>
+          <a:fillRef idx="0">
+            <a:schemeClr val="accent1"/>
+          </a:fillRef>
+          <a:effectRef idx="0">
+            <a:schemeClr val="accent1"/>
+          </a:effectRef>
+          <a:fontRef idx="minor">
+            <a:schemeClr val="tx1"/>
+          </a:fontRef>
+        </p:style>
+      </p:cxnSp>
+      <p:cxnSp>
+        <p:nvCxnSpPr>
+          <p:cNvPr id="40" name="12 Conector recto de flecha"/>
+          <p:cNvCxnSpPr/>
+          <p:nvPr/>
+        </p:nvCxnSpPr>
+        <p:spPr>
+          <a:xfrm>
+            <a:off x="5609588" y="1681753"/>
+            <a:ext cx="0" cy="712132"/>
+          </a:xfrm>
+          <a:prstGeom prst="straightConnector1">
+            <a:avLst/>
+          </a:prstGeom>
+          <a:ln w="50800">
+            <a:solidFill>
+              <a:srgbClr val="00B0F0"/>
+            </a:solidFill>
+            <a:tailEnd type="triangle" w="med" len="med"/>
+          </a:ln>
+        </p:spPr>
+        <p:style>
+          <a:lnRef idx="1">
+            <a:schemeClr val="accent1"/>
+          </a:lnRef>
+          <a:fillRef idx="0">
+            <a:schemeClr val="accent1"/>
+          </a:fillRef>
+          <a:effectRef idx="0">
+            <a:schemeClr val="accent1"/>
+          </a:effectRef>
+          <a:fontRef idx="minor">
+            <a:schemeClr val="tx1"/>
+          </a:fontRef>
+        </p:style>
+      </p:cxnSp>
+      <p:cxnSp>
+        <p:nvCxnSpPr>
+          <p:cNvPr id="42" name="12 Conector recto de flecha"/>
+          <p:cNvCxnSpPr/>
+          <p:nvPr/>
+        </p:nvCxnSpPr>
+        <p:spPr>
+          <a:xfrm>
+            <a:off x="4979518" y="1681753"/>
+            <a:ext cx="0" cy="712132"/>
+          </a:xfrm>
+          <a:prstGeom prst="straightConnector1">
+            <a:avLst/>
+          </a:prstGeom>
+          <a:ln w="50800">
+            <a:solidFill>
+              <a:srgbClr val="00B0F0"/>
+            </a:solidFill>
+            <a:tailEnd type="triangle" w="med" len="med"/>
+          </a:ln>
+        </p:spPr>
+        <p:style>
+          <a:lnRef idx="1">
+            <a:schemeClr val="accent1"/>
+          </a:lnRef>
+          <a:fillRef idx="0">
+            <a:schemeClr val="accent1"/>
+          </a:fillRef>
+          <a:effectRef idx="0">
+            <a:schemeClr val="accent1"/>
+          </a:effectRef>
+          <a:fontRef idx="minor">
+            <a:schemeClr val="tx1"/>
+          </a:fontRef>
+        </p:style>
+      </p:cxnSp>
+      <p:sp>
+        <p:nvSpPr>
+          <p:cNvPr id="43" name="2 CuadroTexto"/>
+          <p:cNvSpPr txBox="1"/>
+          <p:nvPr/>
+        </p:nvSpPr>
+        <p:spPr>
+          <a:xfrm>
+            <a:off x="4664483" y="1700354"/>
+            <a:ext cx="301686" cy="369332"/>
+          </a:xfrm>
+          <a:prstGeom prst="rect">
+            <a:avLst/>
+          </a:prstGeom>
+          <a:noFill/>
+        </p:spPr>
+        <p:txBody>
+          <a:bodyPr wrap="none" rtlCol="0">
+            <a:spAutoFit/>
+          </a:bodyPr>
+          <a:lstStyle/>
+          <a:p>
+            <a:r>
+              <a:rPr lang="es-CO" dirty="0">
+                <a:latin typeface="Times New Roman" charset="0"/>
+                <a:ea typeface="Times New Roman" charset="0"/>
+                <a:cs typeface="Times New Roman" charset="0"/>
+              </a:rPr>
+              <a:t>1</a:t>
+            </a:r>
+          </a:p>
+        </p:txBody>
+      </p:sp>
+      <p:cxnSp>
+        <p:nvCxnSpPr>
+          <p:cNvPr id="44" name="5 Conector recto de flecha"/>
+          <p:cNvCxnSpPr/>
+          <p:nvPr/>
+        </p:nvCxnSpPr>
+        <p:spPr>
+          <a:xfrm flipV="1">
+            <a:off x="4357525" y="1669312"/>
+            <a:ext cx="3193969" cy="1588"/>
+          </a:xfrm>
+          <a:prstGeom prst="straightConnector1">
+            <a:avLst/>
+          </a:prstGeom>
+          <a:ln w="28575">
+            <a:solidFill>
+              <a:schemeClr val="tx1"/>
+            </a:solidFill>
+            <a:tailEnd type="none" w="lg" len="lg"/>
+          </a:ln>
+        </p:spPr>
+        <p:style>
+          <a:lnRef idx="1">
+            <a:schemeClr val="accent1"/>
+          </a:lnRef>
+          <a:fillRef idx="0">
+            <a:schemeClr val="accent1"/>
+          </a:fillRef>
+          <a:effectRef idx="0">
+            <a:schemeClr val="accent1"/>
+          </a:effectRef>
+          <a:fontRef idx="minor">
+            <a:schemeClr val="tx1"/>
+          </a:fontRef>
+        </p:style>
+      </p:cxnSp>
+      <p:cxnSp>
+        <p:nvCxnSpPr>
+          <p:cNvPr id="45" name="9 Conector recto"/>
+          <p:cNvCxnSpPr/>
+          <p:nvPr/>
+        </p:nvCxnSpPr>
+        <p:spPr>
+          <a:xfrm flipH="1" flipV="1">
+            <a:off x="4357525" y="1548722"/>
+            <a:ext cx="0" cy="249419"/>
+          </a:xfrm>
+          <a:prstGeom prst="line">
+            <a:avLst/>
+          </a:prstGeom>
+          <a:ln w="25400">
+            <a:solidFill>
+              <a:schemeClr val="tx1"/>
+            </a:solidFill>
+          </a:ln>
+        </p:spPr>
+        <p:style>
+          <a:lnRef idx="1">
+            <a:schemeClr val="accent1"/>
+          </a:lnRef>
+          <a:fillRef idx="0">
+            <a:schemeClr val="accent1"/>
+          </a:fillRef>
+          <a:effectRef idx="0">
+            <a:schemeClr val="accent1"/>
+          </a:effectRef>
+          <a:fontRef idx="minor">
+            <a:schemeClr val="tx1"/>
+          </a:fontRef>
+        </p:style>
+      </p:cxnSp>
+      <p:sp>
+        <p:nvSpPr>
+          <p:cNvPr id="46" name="10 CuadroTexto"/>
+          <p:cNvSpPr txBox="1"/>
+          <p:nvPr/>
+        </p:nvSpPr>
+        <p:spPr>
+          <a:xfrm>
+            <a:off x="5294553" y="1698661"/>
+            <a:ext cx="301686" cy="369332"/>
+          </a:xfrm>
+          <a:prstGeom prst="rect">
+            <a:avLst/>
+          </a:prstGeom>
+          <a:noFill/>
+        </p:spPr>
+        <p:txBody>
+          <a:bodyPr wrap="none" rtlCol="0">
+            <a:spAutoFit/>
+          </a:bodyPr>
+          <a:lstStyle/>
+          <a:p>
+            <a:r>
+              <a:rPr lang="es-CO" smtClean="0">
+                <a:latin typeface="Times New Roman" charset="0"/>
+                <a:ea typeface="Times New Roman" charset="0"/>
+                <a:cs typeface="Times New Roman" charset="0"/>
+              </a:rPr>
+              <a:t>2</a:t>
+            </a:r>
+            <a:endParaRPr lang="es-CO" dirty="0">
+              <a:latin typeface="Times New Roman" charset="0"/>
+              <a:ea typeface="Times New Roman" charset="0"/>
+              <a:cs typeface="Times New Roman" charset="0"/>
+            </a:endParaRPr>
+          </a:p>
+        </p:txBody>
+      </p:sp>
+      <p:cxnSp>
+        <p:nvCxnSpPr>
+          <p:cNvPr id="47" name="9 Conector recto"/>
+          <p:cNvCxnSpPr/>
+          <p:nvPr/>
+        </p:nvCxnSpPr>
+        <p:spPr>
+          <a:xfrm flipH="1" flipV="1">
+            <a:off x="4973766" y="1543435"/>
+            <a:ext cx="0" cy="249419"/>
+          </a:xfrm>
+          <a:prstGeom prst="line">
+            <a:avLst/>
+          </a:prstGeom>
+          <a:ln w="25400">
+            <a:solidFill>
+              <a:schemeClr val="tx1"/>
+            </a:solidFill>
+          </a:ln>
+        </p:spPr>
+        <p:style>
+          <a:lnRef idx="1">
+            <a:schemeClr val="accent1"/>
+          </a:lnRef>
+          <a:fillRef idx="0">
+            <a:schemeClr val="accent1"/>
+          </a:fillRef>
+          <a:effectRef idx="0">
+            <a:schemeClr val="accent1"/>
+          </a:effectRef>
+          <a:fontRef idx="minor">
+            <a:schemeClr val="tx1"/>
+          </a:fontRef>
+        </p:style>
+      </p:cxnSp>
+      <p:cxnSp>
+        <p:nvCxnSpPr>
+          <p:cNvPr id="48" name="9 Conector recto"/>
+          <p:cNvCxnSpPr/>
+          <p:nvPr/>
+        </p:nvCxnSpPr>
+        <p:spPr>
+          <a:xfrm flipH="1" flipV="1">
+            <a:off x="5609588" y="1543435"/>
+            <a:ext cx="0" cy="249419"/>
+          </a:xfrm>
+          <a:prstGeom prst="line">
+            <a:avLst/>
+          </a:prstGeom>
+          <a:ln w="25400">
+            <a:solidFill>
+              <a:schemeClr val="tx1"/>
+            </a:solidFill>
+          </a:ln>
+        </p:spPr>
+        <p:style>
+          <a:lnRef idx="1">
+            <a:schemeClr val="accent1"/>
+          </a:lnRef>
+          <a:fillRef idx="0">
+            <a:schemeClr val="accent1"/>
+          </a:fillRef>
+          <a:effectRef idx="0">
+            <a:schemeClr val="accent1"/>
+          </a:effectRef>
+          <a:fontRef idx="minor">
+            <a:schemeClr val="tx1"/>
+          </a:fontRef>
+        </p:style>
+      </p:cxnSp>
+      <p:sp>
+        <p:nvSpPr>
+          <p:cNvPr id="49" name="6 CuadroTexto"/>
+          <p:cNvSpPr txBox="1"/>
+          <p:nvPr/>
+        </p:nvSpPr>
+        <p:spPr>
+          <a:xfrm>
+            <a:off x="5828861" y="1492442"/>
+            <a:ext cx="530915" cy="369332"/>
+          </a:xfrm>
+          <a:prstGeom prst="rect">
+            <a:avLst/>
+          </a:prstGeom>
+          <a:solidFill>
+            <a:schemeClr val="bg1"/>
+          </a:solidFill>
+        </p:spPr>
+        <p:txBody>
+          <a:bodyPr wrap="none" rtlCol="0">
+            <a:spAutoFit/>
+          </a:bodyPr>
+          <a:lstStyle/>
+          <a:p>
+            <a:r>
+              <a:rPr lang="es-CO" dirty="0" smtClean="0"/>
+              <a:t>•••</a:t>
+            </a:r>
+            <a:endParaRPr lang="es-CO" dirty="0"/>
+          </a:p>
+        </p:txBody>
+      </p:sp>
+      <p:cxnSp>
+        <p:nvCxnSpPr>
+          <p:cNvPr id="50" name="12 Conector recto de flecha"/>
+          <p:cNvCxnSpPr/>
+          <p:nvPr/>
+        </p:nvCxnSpPr>
+        <p:spPr>
+          <a:xfrm>
+            <a:off x="6959738" y="1677108"/>
+            <a:ext cx="0" cy="712132"/>
+          </a:xfrm>
+          <a:prstGeom prst="straightConnector1">
+            <a:avLst/>
+          </a:prstGeom>
+          <a:ln w="50800">
+            <a:solidFill>
+              <a:srgbClr val="00B0F0"/>
+            </a:solidFill>
+            <a:tailEnd type="triangle" w="med" len="med"/>
+          </a:ln>
+        </p:spPr>
+        <p:style>
+          <a:lnRef idx="1">
+            <a:schemeClr val="accent1"/>
+          </a:lnRef>
+          <a:fillRef idx="0">
+            <a:schemeClr val="accent1"/>
+          </a:fillRef>
+          <a:effectRef idx="0">
+            <a:schemeClr val="accent1"/>
+          </a:effectRef>
+          <a:fontRef idx="minor">
+            <a:schemeClr val="tx1"/>
+          </a:fontRef>
+        </p:style>
+      </p:cxnSp>
+      <p:sp>
+        <p:nvSpPr>
+          <p:cNvPr id="51" name="10 CuadroTexto"/>
+          <p:cNvSpPr txBox="1"/>
+          <p:nvPr/>
+        </p:nvSpPr>
+        <p:spPr>
+          <a:xfrm>
+            <a:off x="6464683" y="1694016"/>
+            <a:ext cx="492443" cy="369332"/>
+          </a:xfrm>
+          <a:prstGeom prst="rect">
+            <a:avLst/>
+          </a:prstGeom>
+          <a:noFill/>
+        </p:spPr>
+        <p:txBody>
+          <a:bodyPr wrap="none" rtlCol="0">
+            <a:spAutoFit/>
+          </a:bodyPr>
+          <a:lstStyle/>
+          <a:p>
+            <a:r>
+              <a:rPr lang="es-CO" i="1" dirty="0" smtClean="0">
+                <a:latin typeface="Times New Roman" charset="0"/>
+                <a:ea typeface="Times New Roman" charset="0"/>
+                <a:cs typeface="Times New Roman" charset="0"/>
+              </a:rPr>
+              <a:t>n</a:t>
+            </a:r>
+            <a:r>
+              <a:rPr lang="es-CO" dirty="0" smtClean="0">
+                <a:latin typeface="Times New Roman" charset="0"/>
+                <a:ea typeface="Times New Roman" charset="0"/>
+                <a:cs typeface="Times New Roman" charset="0"/>
+              </a:rPr>
+              <a:t>-1</a:t>
+            </a:r>
+            <a:endParaRPr lang="es-CO" dirty="0">
+              <a:latin typeface="Times New Roman" charset="0"/>
+              <a:ea typeface="Times New Roman" charset="0"/>
+              <a:cs typeface="Times New Roman" charset="0"/>
+            </a:endParaRPr>
+          </a:p>
+        </p:txBody>
+      </p:sp>
+      <p:cxnSp>
+        <p:nvCxnSpPr>
+          <p:cNvPr id="52" name="9 Conector recto"/>
+          <p:cNvCxnSpPr/>
+          <p:nvPr/>
+        </p:nvCxnSpPr>
+        <p:spPr>
+          <a:xfrm flipH="1" flipV="1">
+            <a:off x="6959738" y="1538790"/>
+            <a:ext cx="0" cy="249419"/>
+          </a:xfrm>
+          <a:prstGeom prst="line">
+            <a:avLst/>
+          </a:prstGeom>
+          <a:ln w="25400">
+            <a:solidFill>
+              <a:schemeClr val="tx1"/>
+            </a:solidFill>
+          </a:ln>
+        </p:spPr>
+        <p:style>
+          <a:lnRef idx="1">
+            <a:schemeClr val="accent1"/>
+          </a:lnRef>
+          <a:fillRef idx="0">
+            <a:schemeClr val="accent1"/>
+          </a:fillRef>
+          <a:effectRef idx="0">
+            <a:schemeClr val="accent1"/>
+          </a:effectRef>
+          <a:fontRef idx="minor">
+            <a:schemeClr val="tx1"/>
+          </a:fontRef>
+        </p:style>
+      </p:cxnSp>
+      <p:cxnSp>
+        <p:nvCxnSpPr>
+          <p:cNvPr id="53" name="12 Conector recto de flecha"/>
+          <p:cNvCxnSpPr/>
+          <p:nvPr/>
+        </p:nvCxnSpPr>
+        <p:spPr>
+          <a:xfrm>
+            <a:off x="7544803" y="1677108"/>
+            <a:ext cx="0" cy="712132"/>
+          </a:xfrm>
+          <a:prstGeom prst="straightConnector1">
+            <a:avLst/>
+          </a:prstGeom>
+          <a:ln w="50800">
+            <a:solidFill>
+              <a:srgbClr val="00B0F0"/>
+            </a:solidFill>
+            <a:tailEnd type="triangle" w="med" len="med"/>
+          </a:ln>
+        </p:spPr>
+        <p:style>
+          <a:lnRef idx="1">
+            <a:schemeClr val="accent1"/>
+          </a:lnRef>
+          <a:fillRef idx="0">
+            <a:schemeClr val="accent1"/>
+          </a:fillRef>
+          <a:effectRef idx="0">
+            <a:schemeClr val="accent1"/>
+          </a:effectRef>
+          <a:fontRef idx="minor">
+            <a:schemeClr val="tx1"/>
+          </a:fontRef>
+        </p:style>
+      </p:cxnSp>
+      <p:sp>
+        <p:nvSpPr>
+          <p:cNvPr id="54" name="10 CuadroTexto"/>
+          <p:cNvSpPr txBox="1"/>
+          <p:nvPr/>
+        </p:nvSpPr>
+        <p:spPr>
+          <a:xfrm>
+            <a:off x="7229768" y="1694016"/>
+            <a:ext cx="306494" cy="369332"/>
+          </a:xfrm>
+          <a:prstGeom prst="rect">
+            <a:avLst/>
+          </a:prstGeom>
+          <a:noFill/>
+        </p:spPr>
+        <p:txBody>
+          <a:bodyPr wrap="none" rtlCol="0">
+            <a:spAutoFit/>
+          </a:bodyPr>
+          <a:lstStyle/>
+          <a:p>
+            <a:r>
+              <a:rPr lang="es-CO" i="1" dirty="0" smtClean="0">
+                <a:latin typeface="Times New Roman" charset="0"/>
+                <a:ea typeface="Times New Roman" charset="0"/>
+                <a:cs typeface="Times New Roman" charset="0"/>
+              </a:rPr>
+              <a:t>n</a:t>
+            </a:r>
+            <a:endParaRPr lang="es-CO" i="1" dirty="0">
+              <a:latin typeface="Times New Roman" charset="0"/>
+              <a:ea typeface="Times New Roman" charset="0"/>
+              <a:cs typeface="Times New Roman" charset="0"/>
+            </a:endParaRPr>
+          </a:p>
+        </p:txBody>
+      </p:sp>
+      <p:cxnSp>
+        <p:nvCxnSpPr>
+          <p:cNvPr id="55" name="9 Conector recto"/>
+          <p:cNvCxnSpPr/>
+          <p:nvPr/>
+        </p:nvCxnSpPr>
+        <p:spPr>
+          <a:xfrm flipH="1" flipV="1">
+            <a:off x="7544803" y="1538790"/>
+            <a:ext cx="0" cy="249419"/>
+          </a:xfrm>
+          <a:prstGeom prst="line">
+            <a:avLst/>
+          </a:prstGeom>
+          <a:ln w="25400">
+            <a:solidFill>
+              <a:schemeClr val="tx1"/>
+            </a:solidFill>
+          </a:ln>
+        </p:spPr>
+        <p:style>
+          <a:lnRef idx="1">
+            <a:schemeClr val="accent1"/>
+          </a:lnRef>
+          <a:fillRef idx="0">
+            <a:schemeClr val="accent1"/>
+          </a:fillRef>
+          <a:effectRef idx="0">
+            <a:schemeClr val="accent1"/>
+          </a:effectRef>
+          <a:fontRef idx="minor">
+            <a:schemeClr val="tx1"/>
+          </a:fontRef>
+        </p:style>
+      </p:cxnSp>
+    </p:spTree>
+    <p:extLst>
+      <p:ext uri="{BB962C8B-B14F-4D97-AF65-F5344CB8AC3E}">
+        <p14:creationId xmlns:p14="http://schemas.microsoft.com/office/powerpoint/2010/main" val="1608372476"/>
+      </p:ext>
+    </p:extLst>
+  </p:cSld>
+  <p:clrMapOvr>
+    <a:masterClrMapping/>
+  </p:clrMapOvr>
+</p:sld>
+</file>
+
+<file path=ppt/slides/slide9.xml><?xml version="1.0" encoding="utf-8"?>
+<p:sld xmlns:a="http://schemas.openxmlformats.org/drawingml/2006/main" xmlns:r="http://schemas.openxmlformats.org/officeDocument/2006/relationships" xmlns:p="http://schemas.openxmlformats.org/presentationml/2006/main">
+  <p:cSld>
+    <p:spTree>
+      <p:nvGrpSpPr>
+        <p:cNvPr id="1" name=""/>
+        <p:cNvGrpSpPr/>
+        <p:nvPr/>
+      </p:nvGrpSpPr>
+      <p:grpSpPr>
+        <a:xfrm>
+          <a:off x="0" y="0"/>
+          <a:ext cx="0" cy="0"/>
+          <a:chOff x="0" y="0"/>
+          <a:chExt cx="0" cy="0"/>
+        </a:xfrm>
+      </p:grpSpPr>
+      <p:cxnSp>
+        <p:nvCxnSpPr>
           <p:cNvPr id="36" name="12 Conector recto de flecha"/>
           <p:cNvCxnSpPr/>
           <p:nvPr/>
@@ -62199,1546 +64916,6 @@
     <p:extLst>
       <p:ext uri="{BB962C8B-B14F-4D97-AF65-F5344CB8AC3E}">
         <p14:creationId xmlns:p14="http://schemas.microsoft.com/office/powerpoint/2010/main" val="2106713729"/>
-      </p:ext>
-    </p:extLst>
-  </p:cSld>
-  <p:clrMapOvr>
-    <a:masterClrMapping/>
-  </p:clrMapOvr>
-</p:sld>
-</file>
-
-<file path=ppt/slides/slide9.xml><?xml version="1.0" encoding="utf-8"?>
-<p:sld xmlns:a="http://schemas.openxmlformats.org/drawingml/2006/main" xmlns:r="http://schemas.openxmlformats.org/officeDocument/2006/relationships" xmlns:p="http://schemas.openxmlformats.org/presentationml/2006/main">
-  <p:cSld>
-    <p:spTree>
-      <p:nvGrpSpPr>
-        <p:cNvPr id="1" name=""/>
-        <p:cNvGrpSpPr/>
-        <p:nvPr/>
-      </p:nvGrpSpPr>
-      <p:grpSpPr>
-        <a:xfrm>
-          <a:off x="0" y="0"/>
-          <a:ext cx="0" cy="0"/>
-          <a:chOff x="0" y="0"/>
-          <a:chExt cx="0" cy="0"/>
-        </a:xfrm>
-      </p:grpSpPr>
-      <p:cxnSp>
-        <p:nvCxnSpPr>
-          <p:cNvPr id="40" name="12 Conector recto de flecha"/>
-          <p:cNvCxnSpPr/>
-          <p:nvPr/>
-        </p:nvCxnSpPr>
-        <p:spPr>
-          <a:xfrm flipH="1" flipV="1">
-            <a:off x="8082390" y="2455735"/>
-            <a:ext cx="0" cy="669268"/>
-          </a:xfrm>
-          <a:prstGeom prst="straightConnector1">
-            <a:avLst/>
-          </a:prstGeom>
-          <a:ln w="50800">
-            <a:solidFill>
-              <a:srgbClr val="FF0000"/>
-            </a:solidFill>
-            <a:tailEnd type="triangle" w="med" len="med"/>
-          </a:ln>
-        </p:spPr>
-        <p:style>
-          <a:lnRef idx="1">
-            <a:schemeClr val="accent1"/>
-          </a:lnRef>
-          <a:fillRef idx="0">
-            <a:schemeClr val="accent1"/>
-          </a:fillRef>
-          <a:effectRef idx="0">
-            <a:schemeClr val="accent1"/>
-          </a:effectRef>
-          <a:fontRef idx="minor">
-            <a:schemeClr val="tx1"/>
-          </a:fontRef>
-        </p:style>
-      </p:cxnSp>
-      <p:cxnSp>
-        <p:nvCxnSpPr>
-          <p:cNvPr id="37" name="12 Conector recto de flecha"/>
-          <p:cNvCxnSpPr/>
-          <p:nvPr/>
-        </p:nvCxnSpPr>
-        <p:spPr>
-          <a:xfrm flipH="1" flipV="1">
-            <a:off x="6642230" y="2430858"/>
-            <a:ext cx="0" cy="669268"/>
-          </a:xfrm>
-          <a:prstGeom prst="straightConnector1">
-            <a:avLst/>
-          </a:prstGeom>
-          <a:ln w="50800">
-            <a:solidFill>
-              <a:srgbClr val="FF0000"/>
-            </a:solidFill>
-            <a:tailEnd type="triangle" w="med" len="med"/>
-          </a:ln>
-        </p:spPr>
-        <p:style>
-          <a:lnRef idx="1">
-            <a:schemeClr val="accent1"/>
-          </a:lnRef>
-          <a:fillRef idx="0">
-            <a:schemeClr val="accent1"/>
-          </a:fillRef>
-          <a:effectRef idx="0">
-            <a:schemeClr val="accent1"/>
-          </a:effectRef>
-          <a:fontRef idx="minor">
-            <a:schemeClr val="tx1"/>
-          </a:fontRef>
-        </p:style>
-      </p:cxnSp>
-      <p:cxnSp>
-        <p:nvCxnSpPr>
-          <p:cNvPr id="3" name="12 Conector recto de flecha"/>
-          <p:cNvCxnSpPr/>
-          <p:nvPr/>
-        </p:nvCxnSpPr>
-        <p:spPr>
-          <a:xfrm flipV="1">
-            <a:off x="3248671" y="528016"/>
-            <a:ext cx="0" cy="900100"/>
-          </a:xfrm>
-          <a:prstGeom prst="straightConnector1">
-            <a:avLst/>
-          </a:prstGeom>
-          <a:ln w="50800">
-            <a:solidFill>
-              <a:srgbClr val="FF0000"/>
-            </a:solidFill>
-            <a:tailEnd type="triangle" w="med" len="med"/>
-          </a:ln>
-        </p:spPr>
-        <p:style>
-          <a:lnRef idx="1">
-            <a:schemeClr val="accent1"/>
-          </a:lnRef>
-          <a:fillRef idx="0">
-            <a:schemeClr val="accent1"/>
-          </a:fillRef>
-          <a:effectRef idx="0">
-            <a:schemeClr val="accent1"/>
-          </a:effectRef>
-          <a:fontRef idx="minor">
-            <a:schemeClr val="tx1"/>
-          </a:fontRef>
-        </p:style>
-      </p:cxnSp>
-      <p:cxnSp>
-        <p:nvCxnSpPr>
-          <p:cNvPr id="2" name="12 Conector recto de flecha"/>
-          <p:cNvCxnSpPr/>
-          <p:nvPr/>
-        </p:nvCxnSpPr>
-        <p:spPr>
-          <a:xfrm>
-            <a:off x="350081" y="1424814"/>
-            <a:ext cx="0" cy="946540"/>
-          </a:xfrm>
-          <a:prstGeom prst="straightConnector1">
-            <a:avLst/>
-          </a:prstGeom>
-          <a:ln w="50800">
-            <a:solidFill>
-              <a:srgbClr val="FF0000"/>
-            </a:solidFill>
-            <a:tailEnd type="triangle" w="med" len="med"/>
-          </a:ln>
-        </p:spPr>
-        <p:style>
-          <a:lnRef idx="1">
-            <a:schemeClr val="accent1"/>
-          </a:lnRef>
-          <a:fillRef idx="0">
-            <a:schemeClr val="accent1"/>
-          </a:fillRef>
-          <a:effectRef idx="0">
-            <a:schemeClr val="accent1"/>
-          </a:effectRef>
-          <a:fontRef idx="minor">
-            <a:schemeClr val="tx1"/>
-          </a:fontRef>
-        </p:style>
-      </p:cxnSp>
-      <p:sp>
-        <p:nvSpPr>
-          <p:cNvPr id="4" name="10 CuadroTexto"/>
-          <p:cNvSpPr txBox="1"/>
-          <p:nvPr/>
-        </p:nvSpPr>
-        <p:spPr>
-          <a:xfrm>
-            <a:off x="730988" y="1428116"/>
-            <a:ext cx="354584" cy="461665"/>
-          </a:xfrm>
-          <a:prstGeom prst="rect">
-            <a:avLst/>
-          </a:prstGeom>
-          <a:noFill/>
-        </p:spPr>
-        <p:txBody>
-          <a:bodyPr wrap="none" rtlCol="0">
-            <a:spAutoFit/>
-          </a:bodyPr>
-          <a:lstStyle/>
-          <a:p>
-            <a:r>
-              <a:rPr lang="es-CO" sz="2400" dirty="0" smtClean="0">
-                <a:latin typeface="Cambria Math" charset="0"/>
-                <a:ea typeface="Cambria Math" charset="0"/>
-                <a:cs typeface="Cambria Math" charset="0"/>
-              </a:rPr>
-              <a:t>1</a:t>
-            </a:r>
-            <a:endParaRPr lang="es-CO" sz="2400" dirty="0">
-              <a:latin typeface="Cambria Math" charset="0"/>
-              <a:ea typeface="Cambria Math" charset="0"/>
-              <a:cs typeface="Cambria Math" charset="0"/>
-            </a:endParaRPr>
-          </a:p>
-        </p:txBody>
-      </p:sp>
-      <p:cxnSp>
-        <p:nvCxnSpPr>
-          <p:cNvPr id="9" name="5 Conector recto de flecha"/>
-          <p:cNvCxnSpPr/>
-          <p:nvPr/>
-        </p:nvCxnSpPr>
-        <p:spPr>
-          <a:xfrm flipV="1">
-            <a:off x="325943" y="1424814"/>
-            <a:ext cx="2925325" cy="0"/>
-          </a:xfrm>
-          <a:prstGeom prst="straightConnector1">
-            <a:avLst/>
-          </a:prstGeom>
-          <a:ln w="28575">
-            <a:solidFill>
-              <a:schemeClr val="tx1"/>
-            </a:solidFill>
-            <a:tailEnd type="none" w="lg" len="lg"/>
-          </a:ln>
-        </p:spPr>
-        <p:style>
-          <a:lnRef idx="1">
-            <a:schemeClr val="accent1"/>
-          </a:lnRef>
-          <a:fillRef idx="0">
-            <a:schemeClr val="accent1"/>
-          </a:fillRef>
-          <a:effectRef idx="0">
-            <a:schemeClr val="accent1"/>
-          </a:effectRef>
-          <a:fontRef idx="minor">
-            <a:schemeClr val="tx1"/>
-          </a:fontRef>
-        </p:style>
-      </p:cxnSp>
-      <p:cxnSp>
-        <p:nvCxnSpPr>
-          <p:cNvPr id="10" name="9 Conector recto"/>
-          <p:cNvCxnSpPr/>
-          <p:nvPr/>
-        </p:nvCxnSpPr>
-        <p:spPr>
-          <a:xfrm flipH="1" flipV="1">
-            <a:off x="350081" y="1295086"/>
-            <a:ext cx="0" cy="249419"/>
-          </a:xfrm>
-          <a:prstGeom prst="line">
-            <a:avLst/>
-          </a:prstGeom>
-          <a:ln w="25400">
-            <a:solidFill>
-              <a:schemeClr val="tx1"/>
-            </a:solidFill>
-          </a:ln>
-        </p:spPr>
-        <p:style>
-          <a:lnRef idx="1">
-            <a:schemeClr val="accent1"/>
-          </a:lnRef>
-          <a:fillRef idx="0">
-            <a:schemeClr val="accent1"/>
-          </a:fillRef>
-          <a:effectRef idx="0">
-            <a:schemeClr val="accent1"/>
-          </a:effectRef>
-          <a:fontRef idx="minor">
-            <a:schemeClr val="tx1"/>
-          </a:fontRef>
-        </p:style>
-      </p:cxnSp>
-      <p:cxnSp>
-        <p:nvCxnSpPr>
-          <p:cNvPr id="11" name="9 Conector recto"/>
-          <p:cNvCxnSpPr/>
-          <p:nvPr/>
-        </p:nvCxnSpPr>
-        <p:spPr>
-          <a:xfrm flipH="1" flipV="1">
-            <a:off x="1091028" y="1289799"/>
-            <a:ext cx="0" cy="249419"/>
-          </a:xfrm>
-          <a:prstGeom prst="line">
-            <a:avLst/>
-          </a:prstGeom>
-          <a:ln w="25400">
-            <a:solidFill>
-              <a:schemeClr val="tx1"/>
-            </a:solidFill>
-          </a:ln>
-        </p:spPr>
-        <p:style>
-          <a:lnRef idx="1">
-            <a:schemeClr val="accent1"/>
-          </a:lnRef>
-          <a:fillRef idx="0">
-            <a:schemeClr val="accent1"/>
-          </a:fillRef>
-          <a:effectRef idx="0">
-            <a:schemeClr val="accent1"/>
-          </a:effectRef>
-          <a:fontRef idx="minor">
-            <a:schemeClr val="tx1"/>
-          </a:fontRef>
-        </p:style>
-      </p:cxnSp>
-      <p:cxnSp>
-        <p:nvCxnSpPr>
-          <p:cNvPr id="12" name="9 Conector recto"/>
-          <p:cNvCxnSpPr/>
-          <p:nvPr/>
-        </p:nvCxnSpPr>
-        <p:spPr>
-          <a:xfrm flipH="1" flipV="1">
-            <a:off x="1811108" y="1289799"/>
-            <a:ext cx="0" cy="249419"/>
-          </a:xfrm>
-          <a:prstGeom prst="line">
-            <a:avLst/>
-          </a:prstGeom>
-          <a:ln w="25400">
-            <a:solidFill>
-              <a:schemeClr val="tx1"/>
-            </a:solidFill>
-          </a:ln>
-        </p:spPr>
-        <p:style>
-          <a:lnRef idx="1">
-            <a:schemeClr val="accent1"/>
-          </a:lnRef>
-          <a:fillRef idx="0">
-            <a:schemeClr val="accent1"/>
-          </a:fillRef>
-          <a:effectRef idx="0">
-            <a:schemeClr val="accent1"/>
-          </a:effectRef>
-          <a:fontRef idx="minor">
-            <a:schemeClr val="tx1"/>
-          </a:fontRef>
-        </p:style>
-      </p:cxnSp>
-      <p:cxnSp>
-        <p:nvCxnSpPr>
-          <p:cNvPr id="13" name="9 Conector recto"/>
-          <p:cNvCxnSpPr/>
-          <p:nvPr/>
-        </p:nvCxnSpPr>
-        <p:spPr>
-          <a:xfrm flipH="1" flipV="1">
-            <a:off x="2711208" y="1310410"/>
-            <a:ext cx="0" cy="249419"/>
-          </a:xfrm>
-          <a:prstGeom prst="line">
-            <a:avLst/>
-          </a:prstGeom>
-          <a:ln w="25400">
-            <a:solidFill>
-              <a:schemeClr val="tx1"/>
-            </a:solidFill>
-          </a:ln>
-        </p:spPr>
-        <p:style>
-          <a:lnRef idx="1">
-            <a:schemeClr val="accent1"/>
-          </a:lnRef>
-          <a:fillRef idx="0">
-            <a:schemeClr val="accent1"/>
-          </a:fillRef>
-          <a:effectRef idx="0">
-            <a:schemeClr val="accent1"/>
-          </a:effectRef>
-          <a:fontRef idx="minor">
-            <a:schemeClr val="tx1"/>
-          </a:fontRef>
-        </p:style>
-      </p:cxnSp>
-      <p:cxnSp>
-        <p:nvCxnSpPr>
-          <p:cNvPr id="14" name="9 Conector recto"/>
-          <p:cNvCxnSpPr/>
-          <p:nvPr/>
-        </p:nvCxnSpPr>
-        <p:spPr>
-          <a:xfrm flipH="1" flipV="1">
-            <a:off x="3251268" y="1289799"/>
-            <a:ext cx="0" cy="249419"/>
-          </a:xfrm>
-          <a:prstGeom prst="line">
-            <a:avLst/>
-          </a:prstGeom>
-          <a:ln w="25400">
-            <a:solidFill>
-              <a:schemeClr val="tx1"/>
-            </a:solidFill>
-          </a:ln>
-        </p:spPr>
-        <p:style>
-          <a:lnRef idx="1">
-            <a:schemeClr val="accent1"/>
-          </a:lnRef>
-          <a:fillRef idx="0">
-            <a:schemeClr val="accent1"/>
-          </a:fillRef>
-          <a:effectRef idx="0">
-            <a:schemeClr val="accent1"/>
-          </a:effectRef>
-          <a:fontRef idx="minor">
-            <a:schemeClr val="tx1"/>
-          </a:fontRef>
-        </p:style>
-      </p:cxnSp>
-      <p:sp>
-        <p:nvSpPr>
-          <p:cNvPr id="15" name="6 CuadroTexto"/>
-          <p:cNvSpPr txBox="1"/>
-          <p:nvPr/>
-        </p:nvSpPr>
-        <p:spPr>
-          <a:xfrm>
-            <a:off x="2036133" y="1269582"/>
-            <a:ext cx="458780" cy="338554"/>
-          </a:xfrm>
-          <a:prstGeom prst="rect">
-            <a:avLst/>
-          </a:prstGeom>
-          <a:solidFill>
-            <a:schemeClr val="bg1"/>
-          </a:solidFill>
-        </p:spPr>
-        <p:txBody>
-          <a:bodyPr wrap="none" rtlCol="0">
-            <a:spAutoFit/>
-          </a:bodyPr>
-          <a:lstStyle/>
-          <a:p>
-            <a:r>
-              <a:rPr lang="es-CO" sz="1600" dirty="0" smtClean="0">
-                <a:latin typeface="Cambria Math" charset="0"/>
-                <a:ea typeface="Cambria Math" charset="0"/>
-                <a:cs typeface="Cambria Math" charset="0"/>
-              </a:rPr>
-              <a:t>•••</a:t>
-            </a:r>
-            <a:endParaRPr lang="es-CO" sz="1600" dirty="0">
-              <a:latin typeface="Cambria Math" charset="0"/>
-              <a:ea typeface="Cambria Math" charset="0"/>
-              <a:cs typeface="Cambria Math" charset="0"/>
-            </a:endParaRPr>
-          </a:p>
-        </p:txBody>
-      </p:sp>
-      <p:sp>
-        <p:nvSpPr>
-          <p:cNvPr id="16" name="10 CuadroTexto"/>
-          <p:cNvSpPr txBox="1"/>
-          <p:nvPr/>
-        </p:nvSpPr>
-        <p:spPr>
-          <a:xfrm>
-            <a:off x="1466656" y="1428116"/>
-            <a:ext cx="354584" cy="461665"/>
-          </a:xfrm>
-          <a:prstGeom prst="rect">
-            <a:avLst/>
-          </a:prstGeom>
-          <a:noFill/>
-        </p:spPr>
-        <p:txBody>
-          <a:bodyPr wrap="none" rtlCol="0">
-            <a:spAutoFit/>
-          </a:bodyPr>
-          <a:lstStyle/>
-          <a:p>
-            <a:r>
-              <a:rPr lang="es-CO" sz="2400" dirty="0" smtClean="0">
-                <a:latin typeface="Cambria Math" charset="0"/>
-                <a:ea typeface="Cambria Math" charset="0"/>
-                <a:cs typeface="Cambria Math" charset="0"/>
-              </a:rPr>
-              <a:t>2</a:t>
-            </a:r>
-            <a:endParaRPr lang="es-CO" sz="2400" dirty="0">
-              <a:latin typeface="Cambria Math" charset="0"/>
-              <a:ea typeface="Cambria Math" charset="0"/>
-              <a:cs typeface="Cambria Math" charset="0"/>
-            </a:endParaRPr>
-          </a:p>
-        </p:txBody>
-      </p:sp>
-      <p:sp>
-        <p:nvSpPr>
-          <p:cNvPr id="17" name="10 CuadroTexto"/>
-          <p:cNvSpPr txBox="1"/>
-          <p:nvPr/>
-        </p:nvSpPr>
-        <p:spPr>
-          <a:xfrm>
-            <a:off x="2771801" y="1428116"/>
-            <a:ext cx="524503" cy="461665"/>
-          </a:xfrm>
-          <a:prstGeom prst="rect">
-            <a:avLst/>
-          </a:prstGeom>
-          <a:noFill/>
-        </p:spPr>
-        <p:txBody>
-          <a:bodyPr wrap="none" rtlCol="0">
-            <a:spAutoFit/>
-          </a:bodyPr>
-          <a:lstStyle/>
-          <a:p>
-            <a:r>
-              <a:rPr lang="es-CO" sz="2400" smtClean="0">
-                <a:latin typeface="Cambria Math" charset="0"/>
-                <a:ea typeface="Cambria Math" charset="0"/>
-                <a:cs typeface="Cambria Math" charset="0"/>
-              </a:rPr>
-              <a:t>20</a:t>
-            </a:r>
-            <a:endParaRPr lang="es-CO" sz="2400" dirty="0">
-              <a:latin typeface="Cambria Math" charset="0"/>
-              <a:ea typeface="Cambria Math" charset="0"/>
-              <a:cs typeface="Cambria Math" charset="0"/>
-            </a:endParaRPr>
-          </a:p>
-        </p:txBody>
-      </p:sp>
-      <p:sp>
-        <p:nvSpPr>
-          <p:cNvPr id="18" name="10 CuadroTexto"/>
-          <p:cNvSpPr txBox="1"/>
-          <p:nvPr/>
-        </p:nvSpPr>
-        <p:spPr>
-          <a:xfrm>
-            <a:off x="325943" y="2008122"/>
-            <a:ext cx="1143667" cy="461665"/>
-          </a:xfrm>
-          <a:prstGeom prst="rect">
-            <a:avLst/>
-          </a:prstGeom>
-          <a:noFill/>
-        </p:spPr>
-        <p:txBody>
-          <a:bodyPr wrap="square" rtlCol="0">
-            <a:spAutoFit/>
-          </a:bodyPr>
-          <a:lstStyle/>
-          <a:p>
-            <a:pPr algn="ctr"/>
-            <a:r>
-              <a:rPr lang="es-CO" sz="2400" i="1" dirty="0" smtClean="0">
-                <a:latin typeface="Cambria Math" charset="0"/>
-                <a:ea typeface="Cambria Math" charset="0"/>
-                <a:cs typeface="Cambria Math" charset="0"/>
-              </a:rPr>
-              <a:t>P</a:t>
-            </a:r>
-            <a:r>
-              <a:rPr lang="es-CO" sz="2400" dirty="0" smtClean="0">
-                <a:latin typeface="Cambria Math" charset="0"/>
-                <a:ea typeface="Cambria Math" charset="0"/>
-                <a:cs typeface="Cambria Math" charset="0"/>
-              </a:rPr>
-              <a:t> = ?</a:t>
-            </a:r>
-            <a:endParaRPr lang="es-CO" sz="2400" dirty="0">
-              <a:latin typeface="Cambria Math" charset="0"/>
-              <a:ea typeface="Cambria Math" charset="0"/>
-              <a:cs typeface="Cambria Math" charset="0"/>
-            </a:endParaRPr>
-          </a:p>
-        </p:txBody>
-      </p:sp>
-      <p:sp>
-        <p:nvSpPr>
-          <p:cNvPr id="19" name="10 CuadroTexto"/>
-          <p:cNvSpPr txBox="1"/>
-          <p:nvPr/>
-        </p:nvSpPr>
-        <p:spPr>
-          <a:xfrm>
-            <a:off x="3401871" y="510875"/>
-            <a:ext cx="1620180" cy="461665"/>
-          </a:xfrm>
-          <a:prstGeom prst="rect">
-            <a:avLst/>
-          </a:prstGeom>
-          <a:noFill/>
-        </p:spPr>
-        <p:txBody>
-          <a:bodyPr wrap="square" rtlCol="0">
-            <a:spAutoFit/>
-          </a:bodyPr>
-          <a:lstStyle/>
-          <a:p>
-            <a:r>
-              <a:rPr lang="es-CO" sz="2400" i="1" dirty="0" smtClean="0">
-                <a:latin typeface="Cambria Math" charset="0"/>
-                <a:ea typeface="Cambria Math" charset="0"/>
-                <a:cs typeface="Cambria Math" charset="0"/>
-              </a:rPr>
-              <a:t>F </a:t>
-            </a:r>
-            <a:r>
-              <a:rPr lang="es-CO" sz="2400" dirty="0" smtClean="0">
-                <a:latin typeface="Cambria Math" charset="0"/>
-                <a:ea typeface="Cambria Math" charset="0"/>
-                <a:cs typeface="Cambria Math" charset="0"/>
-              </a:rPr>
-              <a:t>= $ 7800</a:t>
-            </a:r>
-            <a:endParaRPr lang="es-CO" sz="2400" dirty="0">
-              <a:latin typeface="Cambria Math" charset="0"/>
-              <a:ea typeface="Cambria Math" charset="0"/>
-              <a:cs typeface="Cambria Math" charset="0"/>
-            </a:endParaRPr>
-          </a:p>
-        </p:txBody>
-      </p:sp>
-      <p:cxnSp>
-        <p:nvCxnSpPr>
-          <p:cNvPr id="24" name="12 Conector recto de flecha"/>
-          <p:cNvCxnSpPr/>
-          <p:nvPr/>
-        </p:nvCxnSpPr>
-        <p:spPr>
-          <a:xfrm>
-            <a:off x="5226208" y="3113965"/>
-            <a:ext cx="0" cy="946540"/>
-          </a:xfrm>
-          <a:prstGeom prst="straightConnector1">
-            <a:avLst/>
-          </a:prstGeom>
-          <a:ln w="50800">
-            <a:solidFill>
-              <a:srgbClr val="FF0000"/>
-            </a:solidFill>
-            <a:tailEnd type="triangle" w="med" len="med"/>
-          </a:ln>
-        </p:spPr>
-        <p:style>
-          <a:lnRef idx="1">
-            <a:schemeClr val="accent1"/>
-          </a:lnRef>
-          <a:fillRef idx="0">
-            <a:schemeClr val="accent1"/>
-          </a:fillRef>
-          <a:effectRef idx="0">
-            <a:schemeClr val="accent1"/>
-          </a:effectRef>
-          <a:fontRef idx="minor">
-            <a:schemeClr val="tx1"/>
-          </a:fontRef>
-        </p:style>
-      </p:cxnSp>
-      <p:sp>
-        <p:nvSpPr>
-          <p:cNvPr id="25" name="10 CuadroTexto"/>
-          <p:cNvSpPr txBox="1"/>
-          <p:nvPr/>
-        </p:nvSpPr>
-        <p:spPr>
-          <a:xfrm>
-            <a:off x="6302072" y="3117267"/>
-            <a:ext cx="354584" cy="461665"/>
-          </a:xfrm>
-          <a:prstGeom prst="rect">
-            <a:avLst/>
-          </a:prstGeom>
-          <a:noFill/>
-        </p:spPr>
-        <p:txBody>
-          <a:bodyPr wrap="none" rtlCol="0">
-            <a:spAutoFit/>
-          </a:bodyPr>
-          <a:lstStyle/>
-          <a:p>
-            <a:r>
-              <a:rPr lang="es-CO" sz="2400" dirty="0" smtClean="0">
-                <a:latin typeface="Cambria Math" charset="0"/>
-                <a:ea typeface="Cambria Math" charset="0"/>
-                <a:cs typeface="Cambria Math" charset="0"/>
-              </a:rPr>
-              <a:t>1</a:t>
-            </a:r>
-            <a:endParaRPr lang="es-CO" sz="2400" dirty="0">
-              <a:latin typeface="Cambria Math" charset="0"/>
-              <a:ea typeface="Cambria Math" charset="0"/>
-              <a:cs typeface="Cambria Math" charset="0"/>
-            </a:endParaRPr>
-          </a:p>
-        </p:txBody>
-      </p:sp>
-      <p:cxnSp>
-        <p:nvCxnSpPr>
-          <p:cNvPr id="26" name="5 Conector recto de flecha"/>
-          <p:cNvCxnSpPr/>
-          <p:nvPr/>
-        </p:nvCxnSpPr>
-        <p:spPr>
-          <a:xfrm>
-            <a:off x="5202070" y="3113965"/>
-            <a:ext cx="2880320" cy="11038"/>
-          </a:xfrm>
-          <a:prstGeom prst="straightConnector1">
-            <a:avLst/>
-          </a:prstGeom>
-          <a:ln w="28575">
-            <a:solidFill>
-              <a:schemeClr val="tx1"/>
-            </a:solidFill>
-            <a:tailEnd type="none" w="lg" len="lg"/>
-          </a:ln>
-        </p:spPr>
-        <p:style>
-          <a:lnRef idx="1">
-            <a:schemeClr val="accent1"/>
-          </a:lnRef>
-          <a:fillRef idx="0">
-            <a:schemeClr val="accent1"/>
-          </a:fillRef>
-          <a:effectRef idx="0">
-            <a:schemeClr val="accent1"/>
-          </a:effectRef>
-          <a:fontRef idx="minor">
-            <a:schemeClr val="tx1"/>
-          </a:fontRef>
-        </p:style>
-      </p:cxnSp>
-      <p:cxnSp>
-        <p:nvCxnSpPr>
-          <p:cNvPr id="27" name="9 Conector recto"/>
-          <p:cNvCxnSpPr/>
-          <p:nvPr/>
-        </p:nvCxnSpPr>
-        <p:spPr>
-          <a:xfrm flipH="1" flipV="1">
-            <a:off x="5226208" y="2984237"/>
-            <a:ext cx="0" cy="249419"/>
-          </a:xfrm>
-          <a:prstGeom prst="line">
-            <a:avLst/>
-          </a:prstGeom>
-          <a:ln w="25400">
-            <a:solidFill>
-              <a:schemeClr val="tx1"/>
-            </a:solidFill>
-          </a:ln>
-        </p:spPr>
-        <p:style>
-          <a:lnRef idx="1">
-            <a:schemeClr val="accent1"/>
-          </a:lnRef>
-          <a:fillRef idx="0">
-            <a:schemeClr val="accent1"/>
-          </a:fillRef>
-          <a:effectRef idx="0">
-            <a:schemeClr val="accent1"/>
-          </a:effectRef>
-          <a:fontRef idx="minor">
-            <a:schemeClr val="tx1"/>
-          </a:fontRef>
-        </p:style>
-      </p:cxnSp>
-      <p:cxnSp>
-        <p:nvCxnSpPr>
-          <p:cNvPr id="29" name="9 Conector recto"/>
-          <p:cNvCxnSpPr/>
-          <p:nvPr/>
-        </p:nvCxnSpPr>
-        <p:spPr>
-          <a:xfrm flipH="1" flipV="1">
-            <a:off x="8082390" y="3000294"/>
-            <a:ext cx="0" cy="249419"/>
-          </a:xfrm>
-          <a:prstGeom prst="line">
-            <a:avLst/>
-          </a:prstGeom>
-          <a:ln w="25400">
-            <a:solidFill>
-              <a:schemeClr val="tx1"/>
-            </a:solidFill>
-          </a:ln>
-        </p:spPr>
-        <p:style>
-          <a:lnRef idx="1">
-            <a:schemeClr val="accent1"/>
-          </a:lnRef>
-          <a:fillRef idx="0">
-            <a:schemeClr val="accent1"/>
-          </a:fillRef>
-          <a:effectRef idx="0">
-            <a:schemeClr val="accent1"/>
-          </a:effectRef>
-          <a:fontRef idx="minor">
-            <a:schemeClr val="tx1"/>
-          </a:fontRef>
-        </p:style>
-      </p:cxnSp>
-      <p:cxnSp>
-        <p:nvCxnSpPr>
-          <p:cNvPr id="31" name="9 Conector recto"/>
-          <p:cNvCxnSpPr/>
-          <p:nvPr/>
-        </p:nvCxnSpPr>
-        <p:spPr>
-          <a:xfrm flipH="1" flipV="1">
-            <a:off x="6642230" y="2992557"/>
-            <a:ext cx="0" cy="249419"/>
-          </a:xfrm>
-          <a:prstGeom prst="line">
-            <a:avLst/>
-          </a:prstGeom>
-          <a:ln w="25400">
-            <a:solidFill>
-              <a:schemeClr val="tx1"/>
-            </a:solidFill>
-          </a:ln>
-        </p:spPr>
-        <p:style>
-          <a:lnRef idx="1">
-            <a:schemeClr val="accent1"/>
-          </a:lnRef>
-          <a:fillRef idx="0">
-            <a:schemeClr val="accent1"/>
-          </a:fillRef>
-          <a:effectRef idx="0">
-            <a:schemeClr val="accent1"/>
-          </a:effectRef>
-          <a:fontRef idx="minor">
-            <a:schemeClr val="tx1"/>
-          </a:fontRef>
-        </p:style>
-      </p:cxnSp>
-      <p:sp>
-        <p:nvSpPr>
-          <p:cNvPr id="33" name="10 CuadroTexto"/>
-          <p:cNvSpPr txBox="1"/>
-          <p:nvPr/>
-        </p:nvSpPr>
-        <p:spPr>
-          <a:xfrm>
-            <a:off x="7755090" y="3138842"/>
-            <a:ext cx="354584" cy="461665"/>
-          </a:xfrm>
-          <a:prstGeom prst="rect">
-            <a:avLst/>
-          </a:prstGeom>
-          <a:noFill/>
-        </p:spPr>
-        <p:txBody>
-          <a:bodyPr wrap="none" rtlCol="0">
-            <a:spAutoFit/>
-          </a:bodyPr>
-          <a:lstStyle/>
-          <a:p>
-            <a:r>
-              <a:rPr lang="es-CO" sz="2400" dirty="0" smtClean="0">
-                <a:latin typeface="Cambria Math" charset="0"/>
-                <a:ea typeface="Cambria Math" charset="0"/>
-                <a:cs typeface="Cambria Math" charset="0"/>
-              </a:rPr>
-              <a:t>2</a:t>
-            </a:r>
-            <a:endParaRPr lang="es-CO" sz="2400" dirty="0">
-              <a:latin typeface="Cambria Math" charset="0"/>
-              <a:ea typeface="Cambria Math" charset="0"/>
-              <a:cs typeface="Cambria Math" charset="0"/>
-            </a:endParaRPr>
-          </a:p>
-        </p:txBody>
-      </p:sp>
-      <p:sp>
-        <p:nvSpPr>
-          <p:cNvPr id="35" name="10 CuadroTexto"/>
-          <p:cNvSpPr txBox="1"/>
-          <p:nvPr/>
-        </p:nvSpPr>
-        <p:spPr>
-          <a:xfrm>
-            <a:off x="5328415" y="3618749"/>
-            <a:ext cx="1087157" cy="461665"/>
-          </a:xfrm>
-          <a:prstGeom prst="rect">
-            <a:avLst/>
-          </a:prstGeom>
-          <a:noFill/>
-        </p:spPr>
-        <p:txBody>
-          <a:bodyPr wrap="none" rtlCol="0">
-            <a:spAutoFit/>
-          </a:bodyPr>
-          <a:lstStyle/>
-          <a:p>
-            <a:r>
-              <a:rPr lang="es-CO" sz="2400" dirty="0" smtClean="0">
-                <a:latin typeface="Cambria Math" charset="0"/>
-                <a:ea typeface="Cambria Math" charset="0"/>
-                <a:cs typeface="Cambria Math" charset="0"/>
-              </a:rPr>
-              <a:t>$ 1000</a:t>
-            </a:r>
-            <a:endParaRPr lang="es-CO" sz="2400" dirty="0">
-              <a:latin typeface="Cambria Math" charset="0"/>
-              <a:ea typeface="Cambria Math" charset="0"/>
-              <a:cs typeface="Cambria Math" charset="0"/>
-            </a:endParaRPr>
-          </a:p>
-        </p:txBody>
-      </p:sp>
-      <p:sp>
-        <p:nvSpPr>
-          <p:cNvPr id="36" name="10 CuadroTexto"/>
-          <p:cNvSpPr txBox="1"/>
-          <p:nvPr/>
-        </p:nvSpPr>
-        <p:spPr>
-          <a:xfrm>
-            <a:off x="6687235" y="2336913"/>
-            <a:ext cx="917239" cy="461665"/>
-          </a:xfrm>
-          <a:prstGeom prst="rect">
-            <a:avLst/>
-          </a:prstGeom>
-          <a:noFill/>
-        </p:spPr>
-        <p:txBody>
-          <a:bodyPr wrap="none" rtlCol="0">
-            <a:spAutoFit/>
-          </a:bodyPr>
-          <a:lstStyle/>
-          <a:p>
-            <a:r>
-              <a:rPr lang="es-CO" sz="2400" smtClean="0">
-                <a:latin typeface="Cambria Math" charset="0"/>
-                <a:ea typeface="Cambria Math" charset="0"/>
-                <a:cs typeface="Cambria Math" charset="0"/>
-              </a:rPr>
-              <a:t>$ 600</a:t>
-            </a:r>
-            <a:endParaRPr lang="es-CO" sz="2400" dirty="0">
-              <a:latin typeface="Cambria Math" charset="0"/>
-              <a:ea typeface="Cambria Math" charset="0"/>
-              <a:cs typeface="Cambria Math" charset="0"/>
-            </a:endParaRPr>
-          </a:p>
-        </p:txBody>
-      </p:sp>
-      <p:sp>
-        <p:nvSpPr>
-          <p:cNvPr id="41" name="10 CuadroTexto"/>
-          <p:cNvSpPr txBox="1"/>
-          <p:nvPr/>
-        </p:nvSpPr>
-        <p:spPr>
-          <a:xfrm>
-            <a:off x="8131435" y="2257660"/>
-            <a:ext cx="917239" cy="461665"/>
-          </a:xfrm>
-          <a:prstGeom prst="rect">
-            <a:avLst/>
-          </a:prstGeom>
-          <a:noFill/>
-        </p:spPr>
-        <p:txBody>
-          <a:bodyPr wrap="none" rtlCol="0">
-            <a:spAutoFit/>
-          </a:bodyPr>
-          <a:lstStyle/>
-          <a:p>
-            <a:r>
-              <a:rPr lang="es-CO" sz="2400" smtClean="0">
-                <a:latin typeface="Cambria Math" charset="0"/>
-                <a:ea typeface="Cambria Math" charset="0"/>
-                <a:cs typeface="Cambria Math" charset="0"/>
-              </a:rPr>
-              <a:t>$ 600</a:t>
-            </a:r>
-            <a:endParaRPr lang="es-CO" sz="2400" dirty="0">
-              <a:latin typeface="Cambria Math" charset="0"/>
-              <a:ea typeface="Cambria Math" charset="0"/>
-              <a:cs typeface="Cambria Math" charset="0"/>
-            </a:endParaRPr>
-          </a:p>
-        </p:txBody>
-      </p:sp>
-      <p:cxnSp>
-        <p:nvCxnSpPr>
-          <p:cNvPr id="28" name="12 Conector recto de flecha"/>
-          <p:cNvCxnSpPr/>
-          <p:nvPr/>
-        </p:nvCxnSpPr>
-        <p:spPr>
-          <a:xfrm flipV="1">
-            <a:off x="3248671" y="4735876"/>
-            <a:ext cx="0" cy="900100"/>
-          </a:xfrm>
-          <a:prstGeom prst="straightConnector1">
-            <a:avLst/>
-          </a:prstGeom>
-          <a:ln w="50800">
-            <a:solidFill>
-              <a:srgbClr val="FF0000"/>
-            </a:solidFill>
-            <a:tailEnd type="triangle" w="med" len="med"/>
-          </a:ln>
-        </p:spPr>
-        <p:style>
-          <a:lnRef idx="1">
-            <a:schemeClr val="accent1"/>
-          </a:lnRef>
-          <a:fillRef idx="0">
-            <a:schemeClr val="accent1"/>
-          </a:fillRef>
-          <a:effectRef idx="0">
-            <a:schemeClr val="accent1"/>
-          </a:effectRef>
-          <a:fontRef idx="minor">
-            <a:schemeClr val="tx1"/>
-          </a:fontRef>
-        </p:style>
-      </p:cxnSp>
-      <p:cxnSp>
-        <p:nvCxnSpPr>
-          <p:cNvPr id="30" name="12 Conector recto de flecha"/>
-          <p:cNvCxnSpPr/>
-          <p:nvPr/>
-        </p:nvCxnSpPr>
-        <p:spPr>
-          <a:xfrm>
-            <a:off x="350081" y="5632674"/>
-            <a:ext cx="0" cy="946540"/>
-          </a:xfrm>
-          <a:prstGeom prst="straightConnector1">
-            <a:avLst/>
-          </a:prstGeom>
-          <a:ln w="50800">
-            <a:solidFill>
-              <a:srgbClr val="FF0000"/>
-            </a:solidFill>
-            <a:tailEnd type="triangle" w="med" len="med"/>
-          </a:ln>
-        </p:spPr>
-        <p:style>
-          <a:lnRef idx="1">
-            <a:schemeClr val="accent1"/>
-          </a:lnRef>
-          <a:fillRef idx="0">
-            <a:schemeClr val="accent1"/>
-          </a:fillRef>
-          <a:effectRef idx="0">
-            <a:schemeClr val="accent1"/>
-          </a:effectRef>
-          <a:fontRef idx="minor">
-            <a:schemeClr val="tx1"/>
-          </a:fontRef>
-        </p:style>
-      </p:cxnSp>
-      <p:sp>
-        <p:nvSpPr>
-          <p:cNvPr id="32" name="10 CuadroTexto"/>
-          <p:cNvSpPr txBox="1"/>
-          <p:nvPr/>
-        </p:nvSpPr>
-        <p:spPr>
-          <a:xfrm>
-            <a:off x="730988" y="5635976"/>
-            <a:ext cx="354584" cy="461665"/>
-          </a:xfrm>
-          <a:prstGeom prst="rect">
-            <a:avLst/>
-          </a:prstGeom>
-          <a:noFill/>
-        </p:spPr>
-        <p:txBody>
-          <a:bodyPr wrap="none" rtlCol="0">
-            <a:spAutoFit/>
-          </a:bodyPr>
-          <a:lstStyle/>
-          <a:p>
-            <a:r>
-              <a:rPr lang="es-CO" sz="2400" dirty="0" smtClean="0">
-                <a:latin typeface="Cambria Math" charset="0"/>
-                <a:ea typeface="Cambria Math" charset="0"/>
-                <a:cs typeface="Cambria Math" charset="0"/>
-              </a:rPr>
-              <a:t>1</a:t>
-            </a:r>
-            <a:endParaRPr lang="es-CO" sz="2400" dirty="0">
-              <a:latin typeface="Cambria Math" charset="0"/>
-              <a:ea typeface="Cambria Math" charset="0"/>
-              <a:cs typeface="Cambria Math" charset="0"/>
-            </a:endParaRPr>
-          </a:p>
-        </p:txBody>
-      </p:sp>
-      <p:cxnSp>
-        <p:nvCxnSpPr>
-          <p:cNvPr id="34" name="5 Conector recto de flecha"/>
-          <p:cNvCxnSpPr/>
-          <p:nvPr/>
-        </p:nvCxnSpPr>
-        <p:spPr>
-          <a:xfrm flipV="1">
-            <a:off x="325943" y="5632674"/>
-            <a:ext cx="2925325" cy="0"/>
-          </a:xfrm>
-          <a:prstGeom prst="straightConnector1">
-            <a:avLst/>
-          </a:prstGeom>
-          <a:ln w="28575">
-            <a:solidFill>
-              <a:schemeClr val="tx1"/>
-            </a:solidFill>
-            <a:tailEnd type="none" w="lg" len="lg"/>
-          </a:ln>
-        </p:spPr>
-        <p:style>
-          <a:lnRef idx="1">
-            <a:schemeClr val="accent1"/>
-          </a:lnRef>
-          <a:fillRef idx="0">
-            <a:schemeClr val="accent1"/>
-          </a:fillRef>
-          <a:effectRef idx="0">
-            <a:schemeClr val="accent1"/>
-          </a:effectRef>
-          <a:fontRef idx="minor">
-            <a:schemeClr val="tx1"/>
-          </a:fontRef>
-        </p:style>
-      </p:cxnSp>
-      <p:cxnSp>
-        <p:nvCxnSpPr>
-          <p:cNvPr id="38" name="9 Conector recto"/>
-          <p:cNvCxnSpPr/>
-          <p:nvPr/>
-        </p:nvCxnSpPr>
-        <p:spPr>
-          <a:xfrm flipH="1" flipV="1">
-            <a:off x="350081" y="5502946"/>
-            <a:ext cx="0" cy="249419"/>
-          </a:xfrm>
-          <a:prstGeom prst="line">
-            <a:avLst/>
-          </a:prstGeom>
-          <a:ln w="25400">
-            <a:solidFill>
-              <a:schemeClr val="tx1"/>
-            </a:solidFill>
-          </a:ln>
-        </p:spPr>
-        <p:style>
-          <a:lnRef idx="1">
-            <a:schemeClr val="accent1"/>
-          </a:lnRef>
-          <a:fillRef idx="0">
-            <a:schemeClr val="accent1"/>
-          </a:fillRef>
-          <a:effectRef idx="0">
-            <a:schemeClr val="accent1"/>
-          </a:effectRef>
-          <a:fontRef idx="minor">
-            <a:schemeClr val="tx1"/>
-          </a:fontRef>
-        </p:style>
-      </p:cxnSp>
-      <p:cxnSp>
-        <p:nvCxnSpPr>
-          <p:cNvPr id="39" name="9 Conector recto"/>
-          <p:cNvCxnSpPr/>
-          <p:nvPr/>
-        </p:nvCxnSpPr>
-        <p:spPr>
-          <a:xfrm flipH="1" flipV="1">
-            <a:off x="1091028" y="5497659"/>
-            <a:ext cx="0" cy="249419"/>
-          </a:xfrm>
-          <a:prstGeom prst="line">
-            <a:avLst/>
-          </a:prstGeom>
-          <a:ln w="25400">
-            <a:solidFill>
-              <a:schemeClr val="tx1"/>
-            </a:solidFill>
-          </a:ln>
-        </p:spPr>
-        <p:style>
-          <a:lnRef idx="1">
-            <a:schemeClr val="accent1"/>
-          </a:lnRef>
-          <a:fillRef idx="0">
-            <a:schemeClr val="accent1"/>
-          </a:fillRef>
-          <a:effectRef idx="0">
-            <a:schemeClr val="accent1"/>
-          </a:effectRef>
-          <a:fontRef idx="minor">
-            <a:schemeClr val="tx1"/>
-          </a:fontRef>
-        </p:style>
-      </p:cxnSp>
-      <p:cxnSp>
-        <p:nvCxnSpPr>
-          <p:cNvPr id="42" name="9 Conector recto"/>
-          <p:cNvCxnSpPr/>
-          <p:nvPr/>
-        </p:nvCxnSpPr>
-        <p:spPr>
-          <a:xfrm flipH="1" flipV="1">
-            <a:off x="1811108" y="5497659"/>
-            <a:ext cx="0" cy="249419"/>
-          </a:xfrm>
-          <a:prstGeom prst="line">
-            <a:avLst/>
-          </a:prstGeom>
-          <a:ln w="25400">
-            <a:solidFill>
-              <a:schemeClr val="tx1"/>
-            </a:solidFill>
-          </a:ln>
-        </p:spPr>
-        <p:style>
-          <a:lnRef idx="1">
-            <a:schemeClr val="accent1"/>
-          </a:lnRef>
-          <a:fillRef idx="0">
-            <a:schemeClr val="accent1"/>
-          </a:fillRef>
-          <a:effectRef idx="0">
-            <a:schemeClr val="accent1"/>
-          </a:effectRef>
-          <a:fontRef idx="minor">
-            <a:schemeClr val="tx1"/>
-          </a:fontRef>
-        </p:style>
-      </p:cxnSp>
-      <p:cxnSp>
-        <p:nvCxnSpPr>
-          <p:cNvPr id="43" name="9 Conector recto"/>
-          <p:cNvCxnSpPr/>
-          <p:nvPr/>
-        </p:nvCxnSpPr>
-        <p:spPr>
-          <a:xfrm flipH="1" flipV="1">
-            <a:off x="2711208" y="5518270"/>
-            <a:ext cx="0" cy="249419"/>
-          </a:xfrm>
-          <a:prstGeom prst="line">
-            <a:avLst/>
-          </a:prstGeom>
-          <a:ln w="25400">
-            <a:solidFill>
-              <a:schemeClr val="tx1"/>
-            </a:solidFill>
-          </a:ln>
-        </p:spPr>
-        <p:style>
-          <a:lnRef idx="1">
-            <a:schemeClr val="accent1"/>
-          </a:lnRef>
-          <a:fillRef idx="0">
-            <a:schemeClr val="accent1"/>
-          </a:fillRef>
-          <a:effectRef idx="0">
-            <a:schemeClr val="accent1"/>
-          </a:effectRef>
-          <a:fontRef idx="minor">
-            <a:schemeClr val="tx1"/>
-          </a:fontRef>
-        </p:style>
-      </p:cxnSp>
-      <p:cxnSp>
-        <p:nvCxnSpPr>
-          <p:cNvPr id="44" name="9 Conector recto"/>
-          <p:cNvCxnSpPr/>
-          <p:nvPr/>
-        </p:nvCxnSpPr>
-        <p:spPr>
-          <a:xfrm flipH="1" flipV="1">
-            <a:off x="3251268" y="5497659"/>
-            <a:ext cx="0" cy="249419"/>
-          </a:xfrm>
-          <a:prstGeom prst="line">
-            <a:avLst/>
-          </a:prstGeom>
-          <a:ln w="25400">
-            <a:solidFill>
-              <a:schemeClr val="tx1"/>
-            </a:solidFill>
-          </a:ln>
-        </p:spPr>
-        <p:style>
-          <a:lnRef idx="1">
-            <a:schemeClr val="accent1"/>
-          </a:lnRef>
-          <a:fillRef idx="0">
-            <a:schemeClr val="accent1"/>
-          </a:fillRef>
-          <a:effectRef idx="0">
-            <a:schemeClr val="accent1"/>
-          </a:effectRef>
-          <a:fontRef idx="minor">
-            <a:schemeClr val="tx1"/>
-          </a:fontRef>
-        </p:style>
-      </p:cxnSp>
-      <p:sp>
-        <p:nvSpPr>
-          <p:cNvPr id="45" name="6 CuadroTexto"/>
-          <p:cNvSpPr txBox="1"/>
-          <p:nvPr/>
-        </p:nvSpPr>
-        <p:spPr>
-          <a:xfrm>
-            <a:off x="2036133" y="5477442"/>
-            <a:ext cx="458780" cy="338554"/>
-          </a:xfrm>
-          <a:prstGeom prst="rect">
-            <a:avLst/>
-          </a:prstGeom>
-          <a:solidFill>
-            <a:schemeClr val="bg1"/>
-          </a:solidFill>
-        </p:spPr>
-        <p:txBody>
-          <a:bodyPr wrap="none" rtlCol="0">
-            <a:spAutoFit/>
-          </a:bodyPr>
-          <a:lstStyle/>
-          <a:p>
-            <a:r>
-              <a:rPr lang="es-CO" sz="1600" dirty="0" smtClean="0">
-                <a:latin typeface="Cambria Math" charset="0"/>
-                <a:ea typeface="Cambria Math" charset="0"/>
-                <a:cs typeface="Cambria Math" charset="0"/>
-              </a:rPr>
-              <a:t>•••</a:t>
-            </a:r>
-            <a:endParaRPr lang="es-CO" sz="1600" dirty="0">
-              <a:latin typeface="Cambria Math" charset="0"/>
-              <a:ea typeface="Cambria Math" charset="0"/>
-              <a:cs typeface="Cambria Math" charset="0"/>
-            </a:endParaRPr>
-          </a:p>
-        </p:txBody>
-      </p:sp>
-      <p:sp>
-        <p:nvSpPr>
-          <p:cNvPr id="46" name="10 CuadroTexto"/>
-          <p:cNvSpPr txBox="1"/>
-          <p:nvPr/>
-        </p:nvSpPr>
-        <p:spPr>
-          <a:xfrm>
-            <a:off x="1466656" y="5635976"/>
-            <a:ext cx="354584" cy="461665"/>
-          </a:xfrm>
-          <a:prstGeom prst="rect">
-            <a:avLst/>
-          </a:prstGeom>
-          <a:noFill/>
-        </p:spPr>
-        <p:txBody>
-          <a:bodyPr wrap="none" rtlCol="0">
-            <a:spAutoFit/>
-          </a:bodyPr>
-          <a:lstStyle/>
-          <a:p>
-            <a:r>
-              <a:rPr lang="es-CO" sz="2400" dirty="0" smtClean="0">
-                <a:latin typeface="Cambria Math" charset="0"/>
-                <a:ea typeface="Cambria Math" charset="0"/>
-                <a:cs typeface="Cambria Math" charset="0"/>
-              </a:rPr>
-              <a:t>2</a:t>
-            </a:r>
-            <a:endParaRPr lang="es-CO" sz="2400" dirty="0">
-              <a:latin typeface="Cambria Math" charset="0"/>
-              <a:ea typeface="Cambria Math" charset="0"/>
-              <a:cs typeface="Cambria Math" charset="0"/>
-            </a:endParaRPr>
-          </a:p>
-        </p:txBody>
-      </p:sp>
-      <p:sp>
-        <p:nvSpPr>
-          <p:cNvPr id="47" name="10 CuadroTexto"/>
-          <p:cNvSpPr txBox="1"/>
-          <p:nvPr/>
-        </p:nvSpPr>
-        <p:spPr>
-          <a:xfrm>
-            <a:off x="2771801" y="5635976"/>
-            <a:ext cx="524503" cy="461665"/>
-          </a:xfrm>
-          <a:prstGeom prst="rect">
-            <a:avLst/>
-          </a:prstGeom>
-          <a:noFill/>
-        </p:spPr>
-        <p:txBody>
-          <a:bodyPr wrap="none" rtlCol="0">
-            <a:spAutoFit/>
-          </a:bodyPr>
-          <a:lstStyle/>
-          <a:p>
-            <a:r>
-              <a:rPr lang="es-CO" sz="2400" dirty="0" smtClean="0">
-                <a:latin typeface="Cambria Math" charset="0"/>
-                <a:ea typeface="Cambria Math" charset="0"/>
-                <a:cs typeface="Cambria Math" charset="0"/>
-              </a:rPr>
-              <a:t>12</a:t>
-            </a:r>
-            <a:endParaRPr lang="es-CO" sz="2400" dirty="0">
-              <a:latin typeface="Cambria Math" charset="0"/>
-              <a:ea typeface="Cambria Math" charset="0"/>
-              <a:cs typeface="Cambria Math" charset="0"/>
-            </a:endParaRPr>
-          </a:p>
-        </p:txBody>
-      </p:sp>
-      <p:sp>
-        <p:nvSpPr>
-          <p:cNvPr id="48" name="10 CuadroTexto"/>
-          <p:cNvSpPr txBox="1"/>
-          <p:nvPr/>
-        </p:nvSpPr>
-        <p:spPr>
-          <a:xfrm>
-            <a:off x="3266855" y="4767535"/>
-            <a:ext cx="900100" cy="461665"/>
-          </a:xfrm>
-          <a:prstGeom prst="rect">
-            <a:avLst/>
-          </a:prstGeom>
-          <a:noFill/>
-        </p:spPr>
-        <p:txBody>
-          <a:bodyPr wrap="square" rtlCol="0">
-            <a:spAutoFit/>
-          </a:bodyPr>
-          <a:lstStyle/>
-          <a:p>
-            <a:r>
-              <a:rPr lang="es-CO" sz="2400" i="1" dirty="0" smtClean="0">
-                <a:latin typeface="Cambria Math" charset="0"/>
-                <a:ea typeface="Cambria Math" charset="0"/>
-                <a:cs typeface="Cambria Math" charset="0"/>
-              </a:rPr>
-              <a:t>F </a:t>
-            </a:r>
-            <a:r>
-              <a:rPr lang="es-CO" sz="2400" dirty="0" smtClean="0">
-                <a:latin typeface="Cambria Math" charset="0"/>
-                <a:ea typeface="Cambria Math" charset="0"/>
-                <a:cs typeface="Cambria Math" charset="0"/>
-              </a:rPr>
-              <a:t>= </a:t>
-            </a:r>
-            <a:r>
-              <a:rPr lang="es-CO" sz="2400" dirty="0">
-                <a:latin typeface="Cambria Math" charset="0"/>
-                <a:ea typeface="Cambria Math" charset="0"/>
-                <a:cs typeface="Cambria Math" charset="0"/>
-              </a:rPr>
-              <a:t>?</a:t>
-            </a:r>
-          </a:p>
-        </p:txBody>
-      </p:sp>
-      <p:sp>
-        <p:nvSpPr>
-          <p:cNvPr id="49" name="10 CuadroTexto"/>
-          <p:cNvSpPr txBox="1"/>
-          <p:nvPr/>
-        </p:nvSpPr>
-        <p:spPr>
-          <a:xfrm>
-            <a:off x="322989" y="6282541"/>
-            <a:ext cx="1498251" cy="461665"/>
-          </a:xfrm>
-          <a:prstGeom prst="rect">
-            <a:avLst/>
-          </a:prstGeom>
-          <a:noFill/>
-        </p:spPr>
-        <p:txBody>
-          <a:bodyPr wrap="square" rtlCol="0">
-            <a:spAutoFit/>
-          </a:bodyPr>
-          <a:lstStyle/>
-          <a:p>
-            <a:pPr algn="ctr"/>
-            <a:r>
-              <a:rPr lang="es-CO" sz="2400" i="1" dirty="0" smtClean="0">
-                <a:latin typeface="Cambria Math" charset="0"/>
-                <a:ea typeface="Cambria Math" charset="0"/>
-                <a:cs typeface="Cambria Math" charset="0"/>
-              </a:rPr>
-              <a:t>P</a:t>
-            </a:r>
-            <a:r>
-              <a:rPr lang="es-CO" sz="2400" dirty="0" smtClean="0">
-                <a:latin typeface="Cambria Math" charset="0"/>
-                <a:ea typeface="Cambria Math" charset="0"/>
-                <a:cs typeface="Cambria Math" charset="0"/>
-              </a:rPr>
-              <a:t> </a:t>
-            </a:r>
-            <a:r>
-              <a:rPr lang="es-CO" sz="2400" smtClean="0">
-                <a:latin typeface="Cambria Math" charset="0"/>
-                <a:ea typeface="Cambria Math" charset="0"/>
-                <a:cs typeface="Cambria Math" charset="0"/>
-              </a:rPr>
-              <a:t>= $ 730</a:t>
-            </a:r>
-            <a:endParaRPr lang="es-CO" sz="2400" dirty="0">
-              <a:latin typeface="Cambria Math" charset="0"/>
-              <a:ea typeface="Cambria Math" charset="0"/>
-              <a:cs typeface="Cambria Math" charset="0"/>
-            </a:endParaRPr>
-          </a:p>
-        </p:txBody>
-      </p:sp>
-    </p:spTree>
-    <p:extLst>
-      <p:ext uri="{BB962C8B-B14F-4D97-AF65-F5344CB8AC3E}">
-        <p14:creationId xmlns:p14="http://schemas.microsoft.com/office/powerpoint/2010/main" val="2033107730"/>
       </p:ext>
     </p:extLst>
   </p:cSld>
